--- a/Web Development/SIM/CM3035 Advanced Web Development L15.pptx
+++ b/Web Development/SIM/CM3035 Advanced Web Development L15.pptx
@@ -1,33 +1,33 @@
 
 <file path=ppt/presentation.xml><?xml version="1.0" encoding="utf-8"?>
-<p:presentation xmlns:a="http://schemas.openxmlformats.org/drawingml/2006/main" xmlns:r="http://schemas.openxmlformats.org/officeDocument/2006/relationships" xmlns:mc="http://schemas.openxmlformats.org/markup-compatibility/2006" xmlns:mv="urn:schemas-microsoft-com:mac:vml" xmlns:p="http://schemas.openxmlformats.org/presentationml/2006/main" xmlns:c="http://schemas.openxmlformats.org/drawingml/2006/chart" xmlns:dgm="http://schemas.openxmlformats.org/drawingml/2006/diagram" xmlns:o="urn:schemas-microsoft-com:office:office" xmlns:v="urn:schemas-microsoft-com:vml" xmlns:pvml="urn:schemas-microsoft-com:office:powerpoint" xmlns:com="http://schemas.openxmlformats.org/drawingml/2006/compatibility" xmlns:p14="http://schemas.microsoft.com/office/powerpoint/2010/main" xmlns:p15="http://schemas.microsoft.com/office/powerpoint/2012/main" xmlns:ahyp="http://schemas.microsoft.com/office/drawing/2018/hyperlinkcolor" autoCompressPictures="0" strictFirstAndLastChars="0" saveSubsetFonts="1">
+<p:presentation xmlns:a="http://schemas.openxmlformats.org/drawingml/2006/main" xmlns:r="http://schemas.openxmlformats.org/officeDocument/2006/relationships" xmlns:p="http://schemas.openxmlformats.org/presentationml/2006/main" strictFirstAndLastChars="0" saveSubsetFonts="1" autoCompressPictures="0">
   <p:sldMasterIdLst>
-    <p:sldMasterId id="2147483659" r:id="rId4"/>
+    <p:sldMasterId id="2147483659" r:id="rId1"/>
   </p:sldMasterIdLst>
   <p:notesMasterIdLst>
-    <p:notesMasterId r:id="rId5"/>
+    <p:notesMasterId r:id="rId17"/>
   </p:notesMasterIdLst>
   <p:sldIdLst>
-    <p:sldId id="256" r:id="rId6"/>
-    <p:sldId id="257" r:id="rId7"/>
-    <p:sldId id="258" r:id="rId8"/>
-    <p:sldId id="259" r:id="rId9"/>
-    <p:sldId id="260" r:id="rId10"/>
-    <p:sldId id="261" r:id="rId11"/>
-    <p:sldId id="262" r:id="rId12"/>
-    <p:sldId id="263" r:id="rId13"/>
-    <p:sldId id="264" r:id="rId14"/>
-    <p:sldId id="265" r:id="rId15"/>
-    <p:sldId id="266" r:id="rId16"/>
-    <p:sldId id="267" r:id="rId17"/>
-    <p:sldId id="268" r:id="rId18"/>
-    <p:sldId id="269" r:id="rId19"/>
-    <p:sldId id="270" r:id="rId20"/>
+    <p:sldId id="256" r:id="rId2"/>
+    <p:sldId id="257" r:id="rId3"/>
+    <p:sldId id="258" r:id="rId4"/>
+    <p:sldId id="259" r:id="rId5"/>
+    <p:sldId id="260" r:id="rId6"/>
+    <p:sldId id="261" r:id="rId7"/>
+    <p:sldId id="262" r:id="rId8"/>
+    <p:sldId id="263" r:id="rId9"/>
+    <p:sldId id="264" r:id="rId10"/>
+    <p:sldId id="265" r:id="rId11"/>
+    <p:sldId id="266" r:id="rId12"/>
+    <p:sldId id="267" r:id="rId13"/>
+    <p:sldId id="268" r:id="rId14"/>
+    <p:sldId id="269" r:id="rId15"/>
+    <p:sldId id="270" r:id="rId16"/>
   </p:sldIdLst>
-  <p:sldSz cy="5143500" cx="9144000"/>
+  <p:sldSz cx="9144000" cy="5143500" type="screen16x9"/>
   <p:notesSz cx="6858000" cy="9144000"/>
   <p:defaultTextStyle>
-    <a:defPPr lvl="0" marR="0" rtl="0" algn="l">
+    <a:defPPr marR="0" lvl="0" algn="l" rtl="0">
       <a:lnSpc>
         <a:spcPct val="100000"/>
       </a:lnSpc>
@@ -38,7 +38,7 @@
         <a:spcPts val="0"/>
       </a:spcAft>
     </a:defPPr>
-    <a:lvl1pPr lvl="0" marR="0" rtl="0" algn="l">
+    <a:lvl1pPr marR="0" lvl="0" algn="l" rtl="0">
       <a:lnSpc>
         <a:spcPct val="100000"/>
       </a:lnSpc>
@@ -52,7 +52,7 @@
         <a:srgbClr val="000000"/>
       </a:buClr>
       <a:buFont typeface="Arial"/>
-      <a:defRPr b="0" i="0" sz="1400" u="none" cap="none" strike="noStrike">
+      <a:defRPr sz="1400" b="0" i="0" u="none" strike="noStrike" cap="none">
         <a:solidFill>
           <a:srgbClr val="000000"/>
         </a:solidFill>
@@ -62,7 +62,7 @@
         <a:sym typeface="Arial"/>
       </a:defRPr>
     </a:lvl1pPr>
-    <a:lvl2pPr lvl="1" marR="0" rtl="0" algn="l">
+    <a:lvl2pPr marR="0" lvl="1" algn="l" rtl="0">
       <a:lnSpc>
         <a:spcPct val="100000"/>
       </a:lnSpc>
@@ -76,7 +76,7 @@
         <a:srgbClr val="000000"/>
       </a:buClr>
       <a:buFont typeface="Arial"/>
-      <a:defRPr b="0" i="0" sz="1400" u="none" cap="none" strike="noStrike">
+      <a:defRPr sz="1400" b="0" i="0" u="none" strike="noStrike" cap="none">
         <a:solidFill>
           <a:srgbClr val="000000"/>
         </a:solidFill>
@@ -86,7 +86,7 @@
         <a:sym typeface="Arial"/>
       </a:defRPr>
     </a:lvl2pPr>
-    <a:lvl3pPr lvl="2" marR="0" rtl="0" algn="l">
+    <a:lvl3pPr marR="0" lvl="2" algn="l" rtl="0">
       <a:lnSpc>
         <a:spcPct val="100000"/>
       </a:lnSpc>
@@ -100,7 +100,7 @@
         <a:srgbClr val="000000"/>
       </a:buClr>
       <a:buFont typeface="Arial"/>
-      <a:defRPr b="0" i="0" sz="1400" u="none" cap="none" strike="noStrike">
+      <a:defRPr sz="1400" b="0" i="0" u="none" strike="noStrike" cap="none">
         <a:solidFill>
           <a:srgbClr val="000000"/>
         </a:solidFill>
@@ -110,7 +110,7 @@
         <a:sym typeface="Arial"/>
       </a:defRPr>
     </a:lvl3pPr>
-    <a:lvl4pPr lvl="3" marR="0" rtl="0" algn="l">
+    <a:lvl4pPr marR="0" lvl="3" algn="l" rtl="0">
       <a:lnSpc>
         <a:spcPct val="100000"/>
       </a:lnSpc>
@@ -124,7 +124,7 @@
         <a:srgbClr val="000000"/>
       </a:buClr>
       <a:buFont typeface="Arial"/>
-      <a:defRPr b="0" i="0" sz="1400" u="none" cap="none" strike="noStrike">
+      <a:defRPr sz="1400" b="0" i="0" u="none" strike="noStrike" cap="none">
         <a:solidFill>
           <a:srgbClr val="000000"/>
         </a:solidFill>
@@ -134,7 +134,7 @@
         <a:sym typeface="Arial"/>
       </a:defRPr>
     </a:lvl4pPr>
-    <a:lvl5pPr lvl="4" marR="0" rtl="0" algn="l">
+    <a:lvl5pPr marR="0" lvl="4" algn="l" rtl="0">
       <a:lnSpc>
         <a:spcPct val="100000"/>
       </a:lnSpc>
@@ -148,7 +148,7 @@
         <a:srgbClr val="000000"/>
       </a:buClr>
       <a:buFont typeface="Arial"/>
-      <a:defRPr b="0" i="0" sz="1400" u="none" cap="none" strike="noStrike">
+      <a:defRPr sz="1400" b="0" i="0" u="none" strike="noStrike" cap="none">
         <a:solidFill>
           <a:srgbClr val="000000"/>
         </a:solidFill>
@@ -158,7 +158,7 @@
         <a:sym typeface="Arial"/>
       </a:defRPr>
     </a:lvl5pPr>
-    <a:lvl6pPr lvl="5" marR="0" rtl="0" algn="l">
+    <a:lvl6pPr marR="0" lvl="5" algn="l" rtl="0">
       <a:lnSpc>
         <a:spcPct val="100000"/>
       </a:lnSpc>
@@ -172,7 +172,7 @@
         <a:srgbClr val="000000"/>
       </a:buClr>
       <a:buFont typeface="Arial"/>
-      <a:defRPr b="0" i="0" sz="1400" u="none" cap="none" strike="noStrike">
+      <a:defRPr sz="1400" b="0" i="0" u="none" strike="noStrike" cap="none">
         <a:solidFill>
           <a:srgbClr val="000000"/>
         </a:solidFill>
@@ -182,7 +182,7 @@
         <a:sym typeface="Arial"/>
       </a:defRPr>
     </a:lvl6pPr>
-    <a:lvl7pPr lvl="6" marR="0" rtl="0" algn="l">
+    <a:lvl7pPr marR="0" lvl="6" algn="l" rtl="0">
       <a:lnSpc>
         <a:spcPct val="100000"/>
       </a:lnSpc>
@@ -196,7 +196,7 @@
         <a:srgbClr val="000000"/>
       </a:buClr>
       <a:buFont typeface="Arial"/>
-      <a:defRPr b="0" i="0" sz="1400" u="none" cap="none" strike="noStrike">
+      <a:defRPr sz="1400" b="0" i="0" u="none" strike="noStrike" cap="none">
         <a:solidFill>
           <a:srgbClr val="000000"/>
         </a:solidFill>
@@ -206,7 +206,7 @@
         <a:sym typeface="Arial"/>
       </a:defRPr>
     </a:lvl7pPr>
-    <a:lvl8pPr lvl="7" marR="0" rtl="0" algn="l">
+    <a:lvl8pPr marR="0" lvl="7" algn="l" rtl="0">
       <a:lnSpc>
         <a:spcPct val="100000"/>
       </a:lnSpc>
@@ -220,7 +220,7 @@
         <a:srgbClr val="000000"/>
       </a:buClr>
       <a:buFont typeface="Arial"/>
-      <a:defRPr b="0" i="0" sz="1400" u="none" cap="none" strike="noStrike">
+      <a:defRPr sz="1400" b="0" i="0" u="none" strike="noStrike" cap="none">
         <a:solidFill>
           <a:srgbClr val="000000"/>
         </a:solidFill>
@@ -230,7 +230,7 @@
         <a:sym typeface="Arial"/>
       </a:defRPr>
     </a:lvl8pPr>
-    <a:lvl9pPr lvl="8" marR="0" rtl="0" algn="l">
+    <a:lvl9pPr marR="0" lvl="8" algn="l" rtl="0">
       <a:lnSpc>
         <a:spcPct val="100000"/>
       </a:lnSpc>
@@ -244,7 +244,7 @@
         <a:srgbClr val="000000"/>
       </a:buClr>
       <a:buFont typeface="Arial"/>
-      <a:defRPr b="0" i="0" sz="1400" u="none" cap="none" strike="noStrike">
+      <a:defRPr sz="1400" b="0" i="0" u="none" strike="noStrike" cap="none">
         <a:solidFill>
           <a:srgbClr val="000000"/>
         </a:solidFill>
@@ -257,7 +257,7 @@
   </p:defaultTextStyle>
   <p:extLst>
     <p:ext uri="{EFAFB233-063F-42B5-8137-9DF3F51BA10A}">
-      <p15:sldGuideLst>
+      <p15:sldGuideLst xmlns:p15="http://schemas.microsoft.com/office/powerpoint/2012/main">
         <p15:guide id="1" orient="horz" pos="1620">
           <p15:clr>
             <a:srgbClr val="A4A3A4"/>
@@ -275,11 +275,16 @@
 </file>
 
 <file path=ppt/notesMasters/notesMaster1.xml><?xml version="1.0" encoding="utf-8"?>
-<p:notesMaster xmlns:a="http://schemas.openxmlformats.org/drawingml/2006/main" xmlns:r="http://schemas.openxmlformats.org/officeDocument/2006/relationships" xmlns:mc="http://schemas.openxmlformats.org/markup-compatibility/2006" xmlns:mv="urn:schemas-microsoft-com:mac:vml" xmlns:p="http://schemas.openxmlformats.org/presentationml/2006/main" xmlns:c="http://schemas.openxmlformats.org/drawingml/2006/chart" xmlns:dgm="http://schemas.openxmlformats.org/drawingml/2006/diagram" xmlns:o="urn:schemas-microsoft-com:office:office" xmlns:v="urn:schemas-microsoft-com:vml" xmlns:pvml="urn:schemas-microsoft-com:office:powerpoint" xmlns:com="http://schemas.openxmlformats.org/drawingml/2006/compatibility" xmlns:p14="http://schemas.microsoft.com/office/powerpoint/2010/main" xmlns:p15="http://schemas.microsoft.com/office/powerpoint/2012/main" xmlns:ahyp="http://schemas.microsoft.com/office/drawing/2018/hyperlinkcolor">
+<p:notesMaster xmlns:a="http://schemas.openxmlformats.org/drawingml/2006/main" xmlns:r="http://schemas.openxmlformats.org/officeDocument/2006/relationships" xmlns:p="http://schemas.openxmlformats.org/presentationml/2006/main">
   <p:cSld>
+    <p:bg>
+      <p:bgRef idx="1001">
+        <a:schemeClr val="bg1"/>
+      </p:bgRef>
+    </p:bg>
     <p:spTree>
       <p:nvGrpSpPr>
-        <p:cNvPr id="2" name="Shape 2"/>
+        <p:cNvPr id="1" name="Shape 2"/>
         <p:cNvGrpSpPr/>
         <p:nvPr/>
       </p:nvGrpSpPr>
@@ -294,9 +299,11 @@
       <p:sp>
         <p:nvSpPr>
           <p:cNvPr id="3" name="Google Shape;3;n"/>
-          <p:cNvSpPr/>
+          <p:cNvSpPr>
+            <a:spLocks noGrp="1" noRot="1" noChangeAspect="1"/>
+          </p:cNvSpPr>
           <p:nvPr>
-            <p:ph idx="2" type="sldImg"/>
+            <p:ph type="sldImg" idx="2"/>
           </p:nvPr>
         </p:nvSpPr>
         <p:spPr>
@@ -305,9 +312,13 @@
             <a:ext cx="6096075" cy="3429000"/>
           </a:xfrm>
           <a:custGeom>
-            <a:rect b="b" l="l" r="r" t="t"/>
+            <a:avLst/>
+            <a:gdLst/>
+            <a:ahLst/>
+            <a:cxnLst/>
+            <a:rect l="l" t="t" r="r" b="b"/>
             <a:pathLst>
-              <a:path extrusionOk="0" h="120000" w="120000">
+              <a:path w="120000" h="120000" extrusionOk="0">
                 <a:moveTo>
                   <a:pt x="0" y="0"/>
                 </a:moveTo>
@@ -325,23 +336,25 @@
             </a:pathLst>
           </a:custGeom>
           <a:noFill/>
-          <a:ln cap="flat" cmpd="sng" w="9525">
+          <a:ln w="9525" cap="flat" cmpd="sng">
             <a:solidFill>
               <a:srgbClr val="000000"/>
             </a:solidFill>
             <a:prstDash val="solid"/>
             <a:round/>
-            <a:headEnd len="sm" w="sm" type="none"/>
-            <a:tailEnd len="sm" w="sm" type="none"/>
+            <a:headEnd type="none" w="sm" len="sm"/>
+            <a:tailEnd type="none" w="sm" len="sm"/>
           </a:ln>
         </p:spPr>
       </p:sp>
       <p:sp>
         <p:nvSpPr>
           <p:cNvPr id="4" name="Google Shape;4;n"/>
-          <p:cNvSpPr txBox="1"/>
+          <p:cNvSpPr txBox="1">
+            <a:spLocks noGrp="1"/>
+          </p:cNvSpPr>
           <p:nvPr>
-            <p:ph idx="1" type="body"/>
+            <p:ph type="body" idx="1"/>
           </p:nvPr>
         </p:nvSpPr>
         <p:spPr>
@@ -358,11 +371,11 @@
           </a:ln>
         </p:spPr>
         <p:txBody>
-          <a:bodyPr anchorCtr="0" anchor="t" bIns="91425" lIns="91425" spcFirstLastPara="1" rIns="91425" wrap="square" tIns="91425">
+          <a:bodyPr spcFirstLastPara="1" wrap="square" lIns="91425" tIns="91425" rIns="91425" bIns="91425" anchor="t" anchorCtr="0">
             <a:noAutofit/>
           </a:bodyPr>
           <a:lstStyle>
-            <a:lvl1pPr indent="-298450" lvl="0" marL="457200" marR="0" rtl="0" algn="l">
+            <a:lvl1pPr marL="457200" marR="0" lvl="0" indent="-298450" algn="l" rtl="0">
               <a:lnSpc>
                 <a:spcPct val="100000"/>
               </a:lnSpc>
@@ -378,7 +391,7 @@
               <a:buSzPts val="1100"/>
               <a:buFont typeface="Arial"/>
               <a:buChar char="●"/>
-              <a:defRPr b="0" i="0" sz="1100" u="none" cap="none" strike="noStrike">
+              <a:defRPr sz="1100" b="0" i="0" u="none" strike="noStrike" cap="none">
                 <a:solidFill>
                   <a:srgbClr val="000000"/>
                 </a:solidFill>
@@ -388,7 +401,7 @@
                 <a:sym typeface="Arial"/>
               </a:defRPr>
             </a:lvl1pPr>
-            <a:lvl2pPr indent="-298450" lvl="1" marL="914400" marR="0" rtl="0" algn="l">
+            <a:lvl2pPr marL="914400" marR="0" lvl="1" indent="-298450" algn="l" rtl="0">
               <a:lnSpc>
                 <a:spcPct val="100000"/>
               </a:lnSpc>
@@ -404,7 +417,7 @@
               <a:buSzPts val="1100"/>
               <a:buFont typeface="Arial"/>
               <a:buChar char="○"/>
-              <a:defRPr b="0" i="0" sz="1100" u="none" cap="none" strike="noStrike">
+              <a:defRPr sz="1100" b="0" i="0" u="none" strike="noStrike" cap="none">
                 <a:solidFill>
                   <a:srgbClr val="000000"/>
                 </a:solidFill>
@@ -414,7 +427,7 @@
                 <a:sym typeface="Arial"/>
               </a:defRPr>
             </a:lvl2pPr>
-            <a:lvl3pPr indent="-298450" lvl="2" marL="1371600" marR="0" rtl="0" algn="l">
+            <a:lvl3pPr marL="1371600" marR="0" lvl="2" indent="-298450" algn="l" rtl="0">
               <a:lnSpc>
                 <a:spcPct val="100000"/>
               </a:lnSpc>
@@ -430,7 +443,7 @@
               <a:buSzPts val="1100"/>
               <a:buFont typeface="Arial"/>
               <a:buChar char="■"/>
-              <a:defRPr b="0" i="0" sz="1100" u="none" cap="none" strike="noStrike">
+              <a:defRPr sz="1100" b="0" i="0" u="none" strike="noStrike" cap="none">
                 <a:solidFill>
                   <a:srgbClr val="000000"/>
                 </a:solidFill>
@@ -440,7 +453,7 @@
                 <a:sym typeface="Arial"/>
               </a:defRPr>
             </a:lvl3pPr>
-            <a:lvl4pPr indent="-298450" lvl="3" marL="1828800" marR="0" rtl="0" algn="l">
+            <a:lvl4pPr marL="1828800" marR="0" lvl="3" indent="-298450" algn="l" rtl="0">
               <a:lnSpc>
                 <a:spcPct val="100000"/>
               </a:lnSpc>
@@ -456,7 +469,7 @@
               <a:buSzPts val="1100"/>
               <a:buFont typeface="Arial"/>
               <a:buChar char="●"/>
-              <a:defRPr b="0" i="0" sz="1100" u="none" cap="none" strike="noStrike">
+              <a:defRPr sz="1100" b="0" i="0" u="none" strike="noStrike" cap="none">
                 <a:solidFill>
                   <a:srgbClr val="000000"/>
                 </a:solidFill>
@@ -466,7 +479,7 @@
                 <a:sym typeface="Arial"/>
               </a:defRPr>
             </a:lvl4pPr>
-            <a:lvl5pPr indent="-298450" lvl="4" marL="2286000" marR="0" rtl="0" algn="l">
+            <a:lvl5pPr marL="2286000" marR="0" lvl="4" indent="-298450" algn="l" rtl="0">
               <a:lnSpc>
                 <a:spcPct val="100000"/>
               </a:lnSpc>
@@ -482,7 +495,7 @@
               <a:buSzPts val="1100"/>
               <a:buFont typeface="Arial"/>
               <a:buChar char="○"/>
-              <a:defRPr b="0" i="0" sz="1100" u="none" cap="none" strike="noStrike">
+              <a:defRPr sz="1100" b="0" i="0" u="none" strike="noStrike" cap="none">
                 <a:solidFill>
                   <a:srgbClr val="000000"/>
                 </a:solidFill>
@@ -492,7 +505,7 @@
                 <a:sym typeface="Arial"/>
               </a:defRPr>
             </a:lvl5pPr>
-            <a:lvl6pPr indent="-298450" lvl="5" marL="2743200" marR="0" rtl="0" algn="l">
+            <a:lvl6pPr marL="2743200" marR="0" lvl="5" indent="-298450" algn="l" rtl="0">
               <a:lnSpc>
                 <a:spcPct val="100000"/>
               </a:lnSpc>
@@ -508,7 +521,7 @@
               <a:buSzPts val="1100"/>
               <a:buFont typeface="Arial"/>
               <a:buChar char="■"/>
-              <a:defRPr b="0" i="0" sz="1100" u="none" cap="none" strike="noStrike">
+              <a:defRPr sz="1100" b="0" i="0" u="none" strike="noStrike" cap="none">
                 <a:solidFill>
                   <a:srgbClr val="000000"/>
                 </a:solidFill>
@@ -518,7 +531,7 @@
                 <a:sym typeface="Arial"/>
               </a:defRPr>
             </a:lvl6pPr>
-            <a:lvl7pPr indent="-298450" lvl="6" marL="3200400" marR="0" rtl="0" algn="l">
+            <a:lvl7pPr marL="3200400" marR="0" lvl="6" indent="-298450" algn="l" rtl="0">
               <a:lnSpc>
                 <a:spcPct val="100000"/>
               </a:lnSpc>
@@ -534,7 +547,7 @@
               <a:buSzPts val="1100"/>
               <a:buFont typeface="Arial"/>
               <a:buChar char="●"/>
-              <a:defRPr b="0" i="0" sz="1100" u="none" cap="none" strike="noStrike">
+              <a:defRPr sz="1100" b="0" i="0" u="none" strike="noStrike" cap="none">
                 <a:solidFill>
                   <a:srgbClr val="000000"/>
                 </a:solidFill>
@@ -544,7 +557,7 @@
                 <a:sym typeface="Arial"/>
               </a:defRPr>
             </a:lvl7pPr>
-            <a:lvl8pPr indent="-298450" lvl="7" marL="3657600" marR="0" rtl="0" algn="l">
+            <a:lvl8pPr marL="3657600" marR="0" lvl="7" indent="-298450" algn="l" rtl="0">
               <a:lnSpc>
                 <a:spcPct val="100000"/>
               </a:lnSpc>
@@ -560,7 +573,7 @@
               <a:buSzPts val="1100"/>
               <a:buFont typeface="Arial"/>
               <a:buChar char="○"/>
-              <a:defRPr b="0" i="0" sz="1100" u="none" cap="none" strike="noStrike">
+              <a:defRPr sz="1100" b="0" i="0" u="none" strike="noStrike" cap="none">
                 <a:solidFill>
                   <a:srgbClr val="000000"/>
                 </a:solidFill>
@@ -570,7 +583,7 @@
                 <a:sym typeface="Arial"/>
               </a:defRPr>
             </a:lvl8pPr>
-            <a:lvl9pPr indent="-298450" lvl="8" marL="4114800" marR="0" rtl="0" algn="l">
+            <a:lvl9pPr marL="4114800" marR="0" lvl="8" indent="-298450" algn="l" rtl="0">
               <a:lnSpc>
                 <a:spcPct val="100000"/>
               </a:lnSpc>
@@ -586,7 +599,7 @@
               <a:buSzPts val="1100"/>
               <a:buFont typeface="Arial"/>
               <a:buChar char="■"/>
-              <a:defRPr b="0" i="0" sz="1100" u="none" cap="none" strike="noStrike">
+              <a:defRPr sz="1100" b="0" i="0" u="none" strike="noStrike" cap="none">
                 <a:solidFill>
                   <a:srgbClr val="000000"/>
                 </a:solidFill>
@@ -597,14 +610,16 @@
               </a:defRPr>
             </a:lvl9pPr>
           </a:lstStyle>
-          <a:p/>
+          <a:p>
+            <a:endParaRPr/>
+          </a:p>
         </p:txBody>
       </p:sp>
     </p:spTree>
   </p:cSld>
-  <p:clrMap accent1="accent1" accent2="accent2" accent3="accent3" accent4="accent4" accent5="accent5" accent6="accent6" bg1="lt1" bg2="dk2" tx1="dk1" tx2="lt2" folHlink="folHlink" hlink="hlink"/>
+  <p:clrMap bg1="lt1" tx1="dk1" bg2="dk2" tx2="lt2" accent1="accent1" accent2="accent2" accent3="accent3" accent4="accent4" accent5="accent5" accent6="accent6" hlink="hlink" folHlink="folHlink"/>
   <p:notesStyle>
-    <a:defPPr lvl="0" marR="0" rtl="0" algn="l">
+    <a:defPPr marR="0" lvl="0" algn="l" rtl="0">
       <a:lnSpc>
         <a:spcPct val="100000"/>
       </a:lnSpc>
@@ -615,7 +630,7 @@
         <a:spcPts val="0"/>
       </a:spcAft>
     </a:defPPr>
-    <a:lvl1pPr lvl="0" marR="0" rtl="0" algn="l">
+    <a:lvl1pPr marR="0" lvl="0" algn="l" rtl="0">
       <a:lnSpc>
         <a:spcPct val="100000"/>
       </a:lnSpc>
@@ -629,7 +644,7 @@
         <a:srgbClr val="000000"/>
       </a:buClr>
       <a:buFont typeface="Arial"/>
-      <a:defRPr b="0" i="0" sz="1400" u="none" cap="none" strike="noStrike">
+      <a:defRPr sz="1400" b="0" i="0" u="none" strike="noStrike" cap="none">
         <a:solidFill>
           <a:srgbClr val="000000"/>
         </a:solidFill>
@@ -639,7 +654,7 @@
         <a:sym typeface="Arial"/>
       </a:defRPr>
     </a:lvl1pPr>
-    <a:lvl2pPr lvl="1" marR="0" rtl="0" algn="l">
+    <a:lvl2pPr marR="0" lvl="1" algn="l" rtl="0">
       <a:lnSpc>
         <a:spcPct val="100000"/>
       </a:lnSpc>
@@ -653,7 +668,7 @@
         <a:srgbClr val="000000"/>
       </a:buClr>
       <a:buFont typeface="Arial"/>
-      <a:defRPr b="0" i="0" sz="1400" u="none" cap="none" strike="noStrike">
+      <a:defRPr sz="1400" b="0" i="0" u="none" strike="noStrike" cap="none">
         <a:solidFill>
           <a:srgbClr val="000000"/>
         </a:solidFill>
@@ -663,7 +678,7 @@
         <a:sym typeface="Arial"/>
       </a:defRPr>
     </a:lvl2pPr>
-    <a:lvl3pPr lvl="2" marR="0" rtl="0" algn="l">
+    <a:lvl3pPr marR="0" lvl="2" algn="l" rtl="0">
       <a:lnSpc>
         <a:spcPct val="100000"/>
       </a:lnSpc>
@@ -677,7 +692,7 @@
         <a:srgbClr val="000000"/>
       </a:buClr>
       <a:buFont typeface="Arial"/>
-      <a:defRPr b="0" i="0" sz="1400" u="none" cap="none" strike="noStrike">
+      <a:defRPr sz="1400" b="0" i="0" u="none" strike="noStrike" cap="none">
         <a:solidFill>
           <a:srgbClr val="000000"/>
         </a:solidFill>
@@ -687,7 +702,7 @@
         <a:sym typeface="Arial"/>
       </a:defRPr>
     </a:lvl3pPr>
-    <a:lvl4pPr lvl="3" marR="0" rtl="0" algn="l">
+    <a:lvl4pPr marR="0" lvl="3" algn="l" rtl="0">
       <a:lnSpc>
         <a:spcPct val="100000"/>
       </a:lnSpc>
@@ -701,7 +716,7 @@
         <a:srgbClr val="000000"/>
       </a:buClr>
       <a:buFont typeface="Arial"/>
-      <a:defRPr b="0" i="0" sz="1400" u="none" cap="none" strike="noStrike">
+      <a:defRPr sz="1400" b="0" i="0" u="none" strike="noStrike" cap="none">
         <a:solidFill>
           <a:srgbClr val="000000"/>
         </a:solidFill>
@@ -711,7 +726,7 @@
         <a:sym typeface="Arial"/>
       </a:defRPr>
     </a:lvl4pPr>
-    <a:lvl5pPr lvl="4" marR="0" rtl="0" algn="l">
+    <a:lvl5pPr marR="0" lvl="4" algn="l" rtl="0">
       <a:lnSpc>
         <a:spcPct val="100000"/>
       </a:lnSpc>
@@ -725,7 +740,7 @@
         <a:srgbClr val="000000"/>
       </a:buClr>
       <a:buFont typeface="Arial"/>
-      <a:defRPr b="0" i="0" sz="1400" u="none" cap="none" strike="noStrike">
+      <a:defRPr sz="1400" b="0" i="0" u="none" strike="noStrike" cap="none">
         <a:solidFill>
           <a:srgbClr val="000000"/>
         </a:solidFill>
@@ -735,7 +750,7 @@
         <a:sym typeface="Arial"/>
       </a:defRPr>
     </a:lvl5pPr>
-    <a:lvl6pPr lvl="5" marR="0" rtl="0" algn="l">
+    <a:lvl6pPr marR="0" lvl="5" algn="l" rtl="0">
       <a:lnSpc>
         <a:spcPct val="100000"/>
       </a:lnSpc>
@@ -749,7 +764,7 @@
         <a:srgbClr val="000000"/>
       </a:buClr>
       <a:buFont typeface="Arial"/>
-      <a:defRPr b="0" i="0" sz="1400" u="none" cap="none" strike="noStrike">
+      <a:defRPr sz="1400" b="0" i="0" u="none" strike="noStrike" cap="none">
         <a:solidFill>
           <a:srgbClr val="000000"/>
         </a:solidFill>
@@ -759,7 +774,7 @@
         <a:sym typeface="Arial"/>
       </a:defRPr>
     </a:lvl6pPr>
-    <a:lvl7pPr lvl="6" marR="0" rtl="0" algn="l">
+    <a:lvl7pPr marR="0" lvl="6" algn="l" rtl="0">
       <a:lnSpc>
         <a:spcPct val="100000"/>
       </a:lnSpc>
@@ -773,7 +788,7 @@
         <a:srgbClr val="000000"/>
       </a:buClr>
       <a:buFont typeface="Arial"/>
-      <a:defRPr b="0" i="0" sz="1400" u="none" cap="none" strike="noStrike">
+      <a:defRPr sz="1400" b="0" i="0" u="none" strike="noStrike" cap="none">
         <a:solidFill>
           <a:srgbClr val="000000"/>
         </a:solidFill>
@@ -783,7 +798,7 @@
         <a:sym typeface="Arial"/>
       </a:defRPr>
     </a:lvl7pPr>
-    <a:lvl8pPr lvl="7" marR="0" rtl="0" algn="l">
+    <a:lvl8pPr marR="0" lvl="7" algn="l" rtl="0">
       <a:lnSpc>
         <a:spcPct val="100000"/>
       </a:lnSpc>
@@ -797,7 +812,7 @@
         <a:srgbClr val="000000"/>
       </a:buClr>
       <a:buFont typeface="Arial"/>
-      <a:defRPr b="0" i="0" sz="1400" u="none" cap="none" strike="noStrike">
+      <a:defRPr sz="1400" b="0" i="0" u="none" strike="noStrike" cap="none">
         <a:solidFill>
           <a:srgbClr val="000000"/>
         </a:solidFill>
@@ -807,7 +822,7 @@
         <a:sym typeface="Arial"/>
       </a:defRPr>
     </a:lvl8pPr>
-    <a:lvl9pPr lvl="8" marR="0" rtl="0" algn="l">
+    <a:lvl9pPr marR="0" lvl="8" algn="l" rtl="0">
       <a:lnSpc>
         <a:spcPct val="100000"/>
       </a:lnSpc>
@@ -821,7 +836,7 @@
         <a:srgbClr val="000000"/>
       </a:buClr>
       <a:buFont typeface="Arial"/>
-      <a:defRPr b="0" i="0" sz="1400" u="none" cap="none" strike="noStrike">
+      <a:defRPr sz="1400" b="0" i="0" u="none" strike="noStrike" cap="none">
         <a:solidFill>
           <a:srgbClr val="000000"/>
         </a:solidFill>
@@ -836,11 +851,11 @@
 </file>
 
 <file path=ppt/notesSlides/notesSlide1.xml><?xml version="1.0" encoding="utf-8"?>
-<p:notes xmlns:a="http://schemas.openxmlformats.org/drawingml/2006/main" xmlns:r="http://schemas.openxmlformats.org/officeDocument/2006/relationships" xmlns:mc="http://schemas.openxmlformats.org/markup-compatibility/2006" xmlns:mv="urn:schemas-microsoft-com:mac:vml" xmlns:p="http://schemas.openxmlformats.org/presentationml/2006/main" xmlns:c="http://schemas.openxmlformats.org/drawingml/2006/chart" xmlns:dgm="http://schemas.openxmlformats.org/drawingml/2006/diagram" xmlns:o="urn:schemas-microsoft-com:office:office" xmlns:v="urn:schemas-microsoft-com:vml" xmlns:pvml="urn:schemas-microsoft-com:office:powerpoint" xmlns:com="http://schemas.openxmlformats.org/drawingml/2006/compatibility" xmlns:p14="http://schemas.microsoft.com/office/powerpoint/2010/main" xmlns:p15="http://schemas.microsoft.com/office/powerpoint/2012/main" xmlns:ahyp="http://schemas.microsoft.com/office/drawing/2018/hyperlinkcolor" showMasterPhAnim="0" showMasterSp="0">
+<p:notes xmlns:a="http://schemas.openxmlformats.org/drawingml/2006/main" xmlns:r="http://schemas.openxmlformats.org/officeDocument/2006/relationships" xmlns:p="http://schemas.openxmlformats.org/presentationml/2006/main" showMasterSp="0" showMasterPhAnim="0">
   <p:cSld>
     <p:spTree>
       <p:nvGrpSpPr>
-        <p:cNvPr id="50" name="Shape 50"/>
+        <p:cNvPr id="1" name="Shape 50"/>
         <p:cNvGrpSpPr/>
         <p:nvPr/>
       </p:nvGrpSpPr>
@@ -855,9 +870,11 @@
       <p:sp>
         <p:nvSpPr>
           <p:cNvPr id="51" name="Google Shape;51;p1:notes"/>
-          <p:cNvSpPr/>
+          <p:cNvSpPr>
+            <a:spLocks noGrp="1" noRot="1" noChangeAspect="1"/>
+          </p:cNvSpPr>
           <p:nvPr>
-            <p:ph idx="2" type="sldImg"/>
+            <p:ph type="sldImg" idx="2"/>
           </p:nvPr>
         </p:nvSpPr>
         <p:spPr>
@@ -866,9 +883,13 @@
             <a:ext cx="6096075" cy="3429000"/>
           </a:xfrm>
           <a:custGeom>
-            <a:rect b="b" l="l" r="r" t="t"/>
+            <a:avLst/>
+            <a:gdLst/>
+            <a:ahLst/>
+            <a:cxnLst/>
+            <a:rect l="l" t="t" r="r" b="b"/>
             <a:pathLst>
-              <a:path extrusionOk="0" h="120000" w="120000">
+              <a:path w="120000" h="120000" extrusionOk="0">
                 <a:moveTo>
                   <a:pt x="0" y="0"/>
                 </a:moveTo>
@@ -886,23 +907,25 @@
             </a:pathLst>
           </a:custGeom>
           <a:noFill/>
-          <a:ln cap="flat" cmpd="sng" w="9525">
+          <a:ln w="9525" cap="flat" cmpd="sng">
             <a:solidFill>
               <a:srgbClr val="000000"/>
             </a:solidFill>
             <a:prstDash val="solid"/>
             <a:round/>
-            <a:headEnd len="sm" w="sm" type="none"/>
-            <a:tailEnd len="sm" w="sm" type="none"/>
+            <a:headEnd type="none" w="sm" len="sm"/>
+            <a:tailEnd type="none" w="sm" len="sm"/>
           </a:ln>
         </p:spPr>
       </p:sp>
       <p:sp>
         <p:nvSpPr>
           <p:cNvPr id="52" name="Google Shape;52;p1:notes"/>
-          <p:cNvSpPr txBox="1"/>
+          <p:cNvSpPr txBox="1">
+            <a:spLocks noGrp="1"/>
+          </p:cNvSpPr>
           <p:nvPr>
-            <p:ph idx="1" type="body"/>
+            <p:ph type="body" idx="1"/>
           </p:nvPr>
         </p:nvSpPr>
         <p:spPr>
@@ -919,12 +942,12 @@
           </a:ln>
         </p:spPr>
         <p:txBody>
-          <a:bodyPr anchorCtr="0" anchor="t" bIns="91425" lIns="91425" spcFirstLastPara="1" rIns="91425" wrap="square" tIns="91425">
+          <a:bodyPr spcFirstLastPara="1" wrap="square" lIns="91425" tIns="91425" rIns="91425" bIns="91425" anchor="t" anchorCtr="0">
             <a:noAutofit/>
           </a:bodyPr>
           <a:lstStyle/>
           <a:p>
-            <a:pPr indent="0" lvl="0" marL="0" rtl="0" algn="l">
+            <a:pPr marL="0" lvl="0" indent="0" algn="l" rtl="0">
               <a:lnSpc>
                 <a:spcPct val="100000"/>
               </a:lnSpc>
@@ -937,9 +960,6 @@
               <a:buSzPts val="1100"/>
               <a:buNone/>
             </a:pPr>
-            <a:r>
-              <a:t/>
-            </a:r>
             <a:endParaRPr/>
           </a:p>
         </p:txBody>
@@ -953,11 +973,11 @@
 </file>
 
 <file path=ppt/notesSlides/notesSlide10.xml><?xml version="1.0" encoding="utf-8"?>
-<p:notes xmlns:a="http://schemas.openxmlformats.org/drawingml/2006/main" xmlns:r="http://schemas.openxmlformats.org/officeDocument/2006/relationships" xmlns:mc="http://schemas.openxmlformats.org/markup-compatibility/2006" xmlns:mv="urn:schemas-microsoft-com:mac:vml" xmlns:p="http://schemas.openxmlformats.org/presentationml/2006/main" xmlns:c="http://schemas.openxmlformats.org/drawingml/2006/chart" xmlns:dgm="http://schemas.openxmlformats.org/drawingml/2006/diagram" xmlns:o="urn:schemas-microsoft-com:office:office" xmlns:v="urn:schemas-microsoft-com:vml" xmlns:pvml="urn:schemas-microsoft-com:office:powerpoint" xmlns:com="http://schemas.openxmlformats.org/drawingml/2006/compatibility" xmlns:p14="http://schemas.microsoft.com/office/powerpoint/2010/main" xmlns:p15="http://schemas.microsoft.com/office/powerpoint/2012/main" xmlns:ahyp="http://schemas.microsoft.com/office/drawing/2018/hyperlinkcolor" showMasterPhAnim="0" showMasterSp="0">
+<p:notes xmlns:a="http://schemas.openxmlformats.org/drawingml/2006/main" xmlns:r="http://schemas.openxmlformats.org/officeDocument/2006/relationships" xmlns:p="http://schemas.openxmlformats.org/presentationml/2006/main" showMasterSp="0" showMasterPhAnim="0">
   <p:cSld>
     <p:spTree>
       <p:nvGrpSpPr>
-        <p:cNvPr id="109" name="Shape 109"/>
+        <p:cNvPr id="1" name="Shape 109"/>
         <p:cNvGrpSpPr/>
         <p:nvPr/>
       </p:nvGrpSpPr>
@@ -972,9 +992,11 @@
       <p:sp>
         <p:nvSpPr>
           <p:cNvPr id="110" name="Google Shape;110;g14315003a0d_0_45:notes"/>
-          <p:cNvSpPr/>
+          <p:cNvSpPr>
+            <a:spLocks noGrp="1" noRot="1" noChangeAspect="1"/>
+          </p:cNvSpPr>
           <p:nvPr>
-            <p:ph idx="2" type="sldImg"/>
+            <p:ph type="sldImg" idx="2"/>
           </p:nvPr>
         </p:nvSpPr>
         <p:spPr>
@@ -983,9 +1005,13 @@
             <a:ext cx="6096000" cy="3429000"/>
           </a:xfrm>
           <a:custGeom>
-            <a:rect b="b" l="l" r="r" t="t"/>
+            <a:avLst/>
+            <a:gdLst/>
+            <a:ahLst/>
+            <a:cxnLst/>
+            <a:rect l="l" t="t" r="r" b="b"/>
             <a:pathLst>
-              <a:path extrusionOk="0" h="120000" w="120000">
+              <a:path w="120000" h="120000" extrusionOk="0">
                 <a:moveTo>
                   <a:pt x="0" y="0"/>
                 </a:moveTo>
@@ -1003,23 +1029,25 @@
             </a:pathLst>
           </a:custGeom>
           <a:noFill/>
-          <a:ln cap="flat" cmpd="sng" w="9525">
+          <a:ln w="9525" cap="flat" cmpd="sng">
             <a:solidFill>
               <a:srgbClr val="000000"/>
             </a:solidFill>
             <a:prstDash val="solid"/>
             <a:round/>
-            <a:headEnd len="sm" w="sm" type="none"/>
-            <a:tailEnd len="sm" w="sm" type="none"/>
+            <a:headEnd type="none" w="sm" len="sm"/>
+            <a:tailEnd type="none" w="sm" len="sm"/>
           </a:ln>
         </p:spPr>
       </p:sp>
       <p:sp>
         <p:nvSpPr>
           <p:cNvPr id="111" name="Google Shape;111;g14315003a0d_0_45:notes"/>
-          <p:cNvSpPr txBox="1"/>
+          <p:cNvSpPr txBox="1">
+            <a:spLocks noGrp="1"/>
+          </p:cNvSpPr>
           <p:nvPr>
-            <p:ph idx="1" type="body"/>
+            <p:ph type="body" idx="1"/>
           </p:nvPr>
         </p:nvSpPr>
         <p:spPr>
@@ -1036,12 +1064,12 @@
           </a:ln>
         </p:spPr>
         <p:txBody>
-          <a:bodyPr anchorCtr="0" anchor="t" bIns="91425" lIns="91425" spcFirstLastPara="1" rIns="91425" wrap="square" tIns="91425">
+          <a:bodyPr spcFirstLastPara="1" wrap="square" lIns="91425" tIns="91425" rIns="91425" bIns="91425" anchor="t" anchorCtr="0">
             <a:noAutofit/>
           </a:bodyPr>
           <a:lstStyle/>
           <a:p>
-            <a:pPr indent="0" lvl="0" marL="0" rtl="0" algn="l">
+            <a:pPr marL="0" lvl="0" indent="0" algn="l" rtl="0">
               <a:lnSpc>
                 <a:spcPct val="100000"/>
               </a:lnSpc>
@@ -1054,9 +1082,6 @@
               <a:buSzPts val="1100"/>
               <a:buNone/>
             </a:pPr>
-            <a:r>
-              <a:t/>
-            </a:r>
             <a:endParaRPr/>
           </a:p>
         </p:txBody>
@@ -1070,11 +1095,11 @@
 </file>
 
 <file path=ppt/notesSlides/notesSlide11.xml><?xml version="1.0" encoding="utf-8"?>
-<p:notes xmlns:a="http://schemas.openxmlformats.org/drawingml/2006/main" xmlns:r="http://schemas.openxmlformats.org/officeDocument/2006/relationships" xmlns:mc="http://schemas.openxmlformats.org/markup-compatibility/2006" xmlns:mv="urn:schemas-microsoft-com:mac:vml" xmlns:p="http://schemas.openxmlformats.org/presentationml/2006/main" xmlns:c="http://schemas.openxmlformats.org/drawingml/2006/chart" xmlns:dgm="http://schemas.openxmlformats.org/drawingml/2006/diagram" xmlns:o="urn:schemas-microsoft-com:office:office" xmlns:v="urn:schemas-microsoft-com:vml" xmlns:pvml="urn:schemas-microsoft-com:office:powerpoint" xmlns:com="http://schemas.openxmlformats.org/drawingml/2006/compatibility" xmlns:p14="http://schemas.microsoft.com/office/powerpoint/2010/main" xmlns:p15="http://schemas.microsoft.com/office/powerpoint/2012/main" xmlns:ahyp="http://schemas.microsoft.com/office/drawing/2018/hyperlinkcolor" showMasterPhAnim="0" showMasterSp="0">
+<p:notes xmlns:a="http://schemas.openxmlformats.org/drawingml/2006/main" xmlns:r="http://schemas.openxmlformats.org/officeDocument/2006/relationships" xmlns:p="http://schemas.openxmlformats.org/presentationml/2006/main" showMasterSp="0" showMasterPhAnim="0">
   <p:cSld>
     <p:spTree>
       <p:nvGrpSpPr>
-        <p:cNvPr id="116" name="Shape 116"/>
+        <p:cNvPr id="1" name="Shape 116"/>
         <p:cNvGrpSpPr/>
         <p:nvPr/>
       </p:nvGrpSpPr>
@@ -1089,9 +1114,11 @@
       <p:sp>
         <p:nvSpPr>
           <p:cNvPr id="117" name="Google Shape;117;g14315003a0d_0_52:notes"/>
-          <p:cNvSpPr/>
+          <p:cNvSpPr>
+            <a:spLocks noGrp="1" noRot="1" noChangeAspect="1"/>
+          </p:cNvSpPr>
           <p:nvPr>
-            <p:ph idx="2" type="sldImg"/>
+            <p:ph type="sldImg" idx="2"/>
           </p:nvPr>
         </p:nvSpPr>
         <p:spPr>
@@ -1100,9 +1127,13 @@
             <a:ext cx="6096000" cy="3429000"/>
           </a:xfrm>
           <a:custGeom>
-            <a:rect b="b" l="l" r="r" t="t"/>
+            <a:avLst/>
+            <a:gdLst/>
+            <a:ahLst/>
+            <a:cxnLst/>
+            <a:rect l="l" t="t" r="r" b="b"/>
             <a:pathLst>
-              <a:path extrusionOk="0" h="120000" w="120000">
+              <a:path w="120000" h="120000" extrusionOk="0">
                 <a:moveTo>
                   <a:pt x="0" y="0"/>
                 </a:moveTo>
@@ -1120,23 +1151,25 @@
             </a:pathLst>
           </a:custGeom>
           <a:noFill/>
-          <a:ln cap="flat" cmpd="sng" w="9525">
+          <a:ln w="9525" cap="flat" cmpd="sng">
             <a:solidFill>
               <a:srgbClr val="000000"/>
             </a:solidFill>
             <a:prstDash val="solid"/>
             <a:round/>
-            <a:headEnd len="sm" w="sm" type="none"/>
-            <a:tailEnd len="sm" w="sm" type="none"/>
+            <a:headEnd type="none" w="sm" len="sm"/>
+            <a:tailEnd type="none" w="sm" len="sm"/>
           </a:ln>
         </p:spPr>
       </p:sp>
       <p:sp>
         <p:nvSpPr>
           <p:cNvPr id="118" name="Google Shape;118;g14315003a0d_0_52:notes"/>
-          <p:cNvSpPr txBox="1"/>
+          <p:cNvSpPr txBox="1">
+            <a:spLocks noGrp="1"/>
+          </p:cNvSpPr>
           <p:nvPr>
-            <p:ph idx="1" type="body"/>
+            <p:ph type="body" idx="1"/>
           </p:nvPr>
         </p:nvSpPr>
         <p:spPr>
@@ -1153,12 +1186,12 @@
           </a:ln>
         </p:spPr>
         <p:txBody>
-          <a:bodyPr anchorCtr="0" anchor="t" bIns="91425" lIns="91425" spcFirstLastPara="1" rIns="91425" wrap="square" tIns="91425">
+          <a:bodyPr spcFirstLastPara="1" wrap="square" lIns="91425" tIns="91425" rIns="91425" bIns="91425" anchor="t" anchorCtr="0">
             <a:noAutofit/>
           </a:bodyPr>
           <a:lstStyle/>
           <a:p>
-            <a:pPr indent="0" lvl="0" marL="0" rtl="0" algn="l">
+            <a:pPr marL="0" lvl="0" indent="0" algn="l" rtl="0">
               <a:lnSpc>
                 <a:spcPct val="100000"/>
               </a:lnSpc>
@@ -1171,9 +1204,6 @@
               <a:buSzPts val="1100"/>
               <a:buNone/>
             </a:pPr>
-            <a:r>
-              <a:t/>
-            </a:r>
             <a:endParaRPr/>
           </a:p>
         </p:txBody>
@@ -1187,11 +1217,11 @@
 </file>
 
 <file path=ppt/notesSlides/notesSlide12.xml><?xml version="1.0" encoding="utf-8"?>
-<p:notes xmlns:a="http://schemas.openxmlformats.org/drawingml/2006/main" xmlns:r="http://schemas.openxmlformats.org/officeDocument/2006/relationships" xmlns:mc="http://schemas.openxmlformats.org/markup-compatibility/2006" xmlns:mv="urn:schemas-microsoft-com:mac:vml" xmlns:p="http://schemas.openxmlformats.org/presentationml/2006/main" xmlns:c="http://schemas.openxmlformats.org/drawingml/2006/chart" xmlns:dgm="http://schemas.openxmlformats.org/drawingml/2006/diagram" xmlns:o="urn:schemas-microsoft-com:office:office" xmlns:v="urn:schemas-microsoft-com:vml" xmlns:pvml="urn:schemas-microsoft-com:office:powerpoint" xmlns:com="http://schemas.openxmlformats.org/drawingml/2006/compatibility" xmlns:p14="http://schemas.microsoft.com/office/powerpoint/2010/main" xmlns:p15="http://schemas.microsoft.com/office/powerpoint/2012/main" xmlns:ahyp="http://schemas.microsoft.com/office/drawing/2018/hyperlinkcolor" showMasterPhAnim="0" showMasterSp="0">
+<p:notes xmlns:a="http://schemas.openxmlformats.org/drawingml/2006/main" xmlns:r="http://schemas.openxmlformats.org/officeDocument/2006/relationships" xmlns:p="http://schemas.openxmlformats.org/presentationml/2006/main" showMasterSp="0" showMasterPhAnim="0">
   <p:cSld>
     <p:spTree>
       <p:nvGrpSpPr>
-        <p:cNvPr id="122" name="Shape 122"/>
+        <p:cNvPr id="1" name="Shape 122"/>
         <p:cNvGrpSpPr/>
         <p:nvPr/>
       </p:nvGrpSpPr>
@@ -1206,9 +1236,11 @@
       <p:sp>
         <p:nvSpPr>
           <p:cNvPr id="123" name="Google Shape;123;g14315003a0d_0_59:notes"/>
-          <p:cNvSpPr/>
+          <p:cNvSpPr>
+            <a:spLocks noGrp="1" noRot="1" noChangeAspect="1"/>
+          </p:cNvSpPr>
           <p:nvPr>
-            <p:ph idx="2" type="sldImg"/>
+            <p:ph type="sldImg" idx="2"/>
           </p:nvPr>
         </p:nvSpPr>
         <p:spPr>
@@ -1217,9 +1249,13 @@
             <a:ext cx="6096000" cy="3429000"/>
           </a:xfrm>
           <a:custGeom>
-            <a:rect b="b" l="l" r="r" t="t"/>
+            <a:avLst/>
+            <a:gdLst/>
+            <a:ahLst/>
+            <a:cxnLst/>
+            <a:rect l="l" t="t" r="r" b="b"/>
             <a:pathLst>
-              <a:path extrusionOk="0" h="120000" w="120000">
+              <a:path w="120000" h="120000" extrusionOk="0">
                 <a:moveTo>
                   <a:pt x="0" y="0"/>
                 </a:moveTo>
@@ -1237,23 +1273,25 @@
             </a:pathLst>
           </a:custGeom>
           <a:noFill/>
-          <a:ln cap="flat" cmpd="sng" w="9525">
+          <a:ln w="9525" cap="flat" cmpd="sng">
             <a:solidFill>
               <a:srgbClr val="000000"/>
             </a:solidFill>
             <a:prstDash val="solid"/>
             <a:round/>
-            <a:headEnd len="sm" w="sm" type="none"/>
-            <a:tailEnd len="sm" w="sm" type="none"/>
+            <a:headEnd type="none" w="sm" len="sm"/>
+            <a:tailEnd type="none" w="sm" len="sm"/>
           </a:ln>
         </p:spPr>
       </p:sp>
       <p:sp>
         <p:nvSpPr>
           <p:cNvPr id="124" name="Google Shape;124;g14315003a0d_0_59:notes"/>
-          <p:cNvSpPr txBox="1"/>
+          <p:cNvSpPr txBox="1">
+            <a:spLocks noGrp="1"/>
+          </p:cNvSpPr>
           <p:nvPr>
-            <p:ph idx="1" type="body"/>
+            <p:ph type="body" idx="1"/>
           </p:nvPr>
         </p:nvSpPr>
         <p:spPr>
@@ -1270,12 +1308,12 @@
           </a:ln>
         </p:spPr>
         <p:txBody>
-          <a:bodyPr anchorCtr="0" anchor="t" bIns="91425" lIns="91425" spcFirstLastPara="1" rIns="91425" wrap="square" tIns="91425">
+          <a:bodyPr spcFirstLastPara="1" wrap="square" lIns="91425" tIns="91425" rIns="91425" bIns="91425" anchor="t" anchorCtr="0">
             <a:noAutofit/>
           </a:bodyPr>
           <a:lstStyle/>
           <a:p>
-            <a:pPr indent="0" lvl="0" marL="0" rtl="0" algn="l">
+            <a:pPr marL="0" lvl="0" indent="0" algn="l" rtl="0">
               <a:lnSpc>
                 <a:spcPct val="100000"/>
               </a:lnSpc>
@@ -1288,9 +1326,6 @@
               <a:buSzPts val="1100"/>
               <a:buNone/>
             </a:pPr>
-            <a:r>
-              <a:t/>
-            </a:r>
             <a:endParaRPr/>
           </a:p>
         </p:txBody>
@@ -1304,11 +1339,11 @@
 </file>
 
 <file path=ppt/notesSlides/notesSlide13.xml><?xml version="1.0" encoding="utf-8"?>
-<p:notes xmlns:a="http://schemas.openxmlformats.org/drawingml/2006/main" xmlns:r="http://schemas.openxmlformats.org/officeDocument/2006/relationships" xmlns:mc="http://schemas.openxmlformats.org/markup-compatibility/2006" xmlns:mv="urn:schemas-microsoft-com:mac:vml" xmlns:p="http://schemas.openxmlformats.org/presentationml/2006/main" xmlns:c="http://schemas.openxmlformats.org/drawingml/2006/chart" xmlns:dgm="http://schemas.openxmlformats.org/drawingml/2006/diagram" xmlns:o="urn:schemas-microsoft-com:office:office" xmlns:v="urn:schemas-microsoft-com:vml" xmlns:pvml="urn:schemas-microsoft-com:office:powerpoint" xmlns:com="http://schemas.openxmlformats.org/drawingml/2006/compatibility" xmlns:p14="http://schemas.microsoft.com/office/powerpoint/2010/main" xmlns:p15="http://schemas.microsoft.com/office/powerpoint/2012/main" xmlns:ahyp="http://schemas.microsoft.com/office/drawing/2018/hyperlinkcolor" showMasterPhAnim="0" showMasterSp="0">
+<p:notes xmlns:a="http://schemas.openxmlformats.org/drawingml/2006/main" xmlns:r="http://schemas.openxmlformats.org/officeDocument/2006/relationships" xmlns:p="http://schemas.openxmlformats.org/presentationml/2006/main" showMasterSp="0" showMasterPhAnim="0">
   <p:cSld>
     <p:spTree>
       <p:nvGrpSpPr>
-        <p:cNvPr id="129" name="Shape 129"/>
+        <p:cNvPr id="1" name="Shape 129"/>
         <p:cNvGrpSpPr/>
         <p:nvPr/>
       </p:nvGrpSpPr>
@@ -1323,9 +1358,11 @@
       <p:sp>
         <p:nvSpPr>
           <p:cNvPr id="130" name="Google Shape;130;g14315003a0d_0_72:notes"/>
-          <p:cNvSpPr/>
+          <p:cNvSpPr>
+            <a:spLocks noGrp="1" noRot="1" noChangeAspect="1"/>
+          </p:cNvSpPr>
           <p:nvPr>
-            <p:ph idx="2" type="sldImg"/>
+            <p:ph type="sldImg" idx="2"/>
           </p:nvPr>
         </p:nvSpPr>
         <p:spPr>
@@ -1334,9 +1371,13 @@
             <a:ext cx="6096000" cy="3429000"/>
           </a:xfrm>
           <a:custGeom>
-            <a:rect b="b" l="l" r="r" t="t"/>
+            <a:avLst/>
+            <a:gdLst/>
+            <a:ahLst/>
+            <a:cxnLst/>
+            <a:rect l="l" t="t" r="r" b="b"/>
             <a:pathLst>
-              <a:path extrusionOk="0" h="120000" w="120000">
+              <a:path w="120000" h="120000" extrusionOk="0">
                 <a:moveTo>
                   <a:pt x="0" y="0"/>
                 </a:moveTo>
@@ -1354,23 +1395,25 @@
             </a:pathLst>
           </a:custGeom>
           <a:noFill/>
-          <a:ln cap="flat" cmpd="sng" w="9525">
+          <a:ln w="9525" cap="flat" cmpd="sng">
             <a:solidFill>
               <a:srgbClr val="000000"/>
             </a:solidFill>
             <a:prstDash val="solid"/>
             <a:round/>
-            <a:headEnd len="sm" w="sm" type="none"/>
-            <a:tailEnd len="sm" w="sm" type="none"/>
+            <a:headEnd type="none" w="sm" len="sm"/>
+            <a:tailEnd type="none" w="sm" len="sm"/>
           </a:ln>
         </p:spPr>
       </p:sp>
       <p:sp>
         <p:nvSpPr>
           <p:cNvPr id="131" name="Google Shape;131;g14315003a0d_0_72:notes"/>
-          <p:cNvSpPr txBox="1"/>
+          <p:cNvSpPr txBox="1">
+            <a:spLocks noGrp="1"/>
+          </p:cNvSpPr>
           <p:nvPr>
-            <p:ph idx="1" type="body"/>
+            <p:ph type="body" idx="1"/>
           </p:nvPr>
         </p:nvSpPr>
         <p:spPr>
@@ -1387,12 +1430,12 @@
           </a:ln>
         </p:spPr>
         <p:txBody>
-          <a:bodyPr anchorCtr="0" anchor="t" bIns="91425" lIns="91425" spcFirstLastPara="1" rIns="91425" wrap="square" tIns="91425">
+          <a:bodyPr spcFirstLastPara="1" wrap="square" lIns="91425" tIns="91425" rIns="91425" bIns="91425" anchor="t" anchorCtr="0">
             <a:noAutofit/>
           </a:bodyPr>
           <a:lstStyle/>
           <a:p>
-            <a:pPr indent="0" lvl="0" marL="0" rtl="0" algn="l">
+            <a:pPr marL="0" lvl="0" indent="0" algn="l" rtl="0">
               <a:lnSpc>
                 <a:spcPct val="100000"/>
               </a:lnSpc>
@@ -1405,9 +1448,6 @@
               <a:buSzPts val="1100"/>
               <a:buNone/>
             </a:pPr>
-            <a:r>
-              <a:t/>
-            </a:r>
             <a:endParaRPr/>
           </a:p>
         </p:txBody>
@@ -1421,11 +1461,11 @@
 </file>
 
 <file path=ppt/notesSlides/notesSlide14.xml><?xml version="1.0" encoding="utf-8"?>
-<p:notes xmlns:a="http://schemas.openxmlformats.org/drawingml/2006/main" xmlns:r="http://schemas.openxmlformats.org/officeDocument/2006/relationships" xmlns:mc="http://schemas.openxmlformats.org/markup-compatibility/2006" xmlns:mv="urn:schemas-microsoft-com:mac:vml" xmlns:p="http://schemas.openxmlformats.org/presentationml/2006/main" xmlns:c="http://schemas.openxmlformats.org/drawingml/2006/chart" xmlns:dgm="http://schemas.openxmlformats.org/drawingml/2006/diagram" xmlns:o="urn:schemas-microsoft-com:office:office" xmlns:v="urn:schemas-microsoft-com:vml" xmlns:pvml="urn:schemas-microsoft-com:office:powerpoint" xmlns:com="http://schemas.openxmlformats.org/drawingml/2006/compatibility" xmlns:p14="http://schemas.microsoft.com/office/powerpoint/2010/main" xmlns:p15="http://schemas.microsoft.com/office/powerpoint/2012/main" xmlns:ahyp="http://schemas.microsoft.com/office/drawing/2018/hyperlinkcolor" showMasterPhAnim="0" showMasterSp="0">
+<p:notes xmlns:a="http://schemas.openxmlformats.org/drawingml/2006/main" xmlns:r="http://schemas.openxmlformats.org/officeDocument/2006/relationships" xmlns:p="http://schemas.openxmlformats.org/presentationml/2006/main" showMasterSp="0" showMasterPhAnim="0">
   <p:cSld>
     <p:spTree>
       <p:nvGrpSpPr>
-        <p:cNvPr id="136" name="Shape 136"/>
+        <p:cNvPr id="1" name="Shape 136"/>
         <p:cNvGrpSpPr/>
         <p:nvPr/>
       </p:nvGrpSpPr>
@@ -1440,9 +1480,11 @@
       <p:sp>
         <p:nvSpPr>
           <p:cNvPr id="137" name="Google Shape;137;g14315003a0d_0_66:notes"/>
-          <p:cNvSpPr/>
+          <p:cNvSpPr>
+            <a:spLocks noGrp="1" noRot="1" noChangeAspect="1"/>
+          </p:cNvSpPr>
           <p:nvPr>
-            <p:ph idx="2" type="sldImg"/>
+            <p:ph type="sldImg" idx="2"/>
           </p:nvPr>
         </p:nvSpPr>
         <p:spPr>
@@ -1451,9 +1493,13 @@
             <a:ext cx="6096000" cy="3429000"/>
           </a:xfrm>
           <a:custGeom>
-            <a:rect b="b" l="l" r="r" t="t"/>
+            <a:avLst/>
+            <a:gdLst/>
+            <a:ahLst/>
+            <a:cxnLst/>
+            <a:rect l="l" t="t" r="r" b="b"/>
             <a:pathLst>
-              <a:path extrusionOk="0" h="120000" w="120000">
+              <a:path w="120000" h="120000" extrusionOk="0">
                 <a:moveTo>
                   <a:pt x="0" y="0"/>
                 </a:moveTo>
@@ -1471,23 +1517,25 @@
             </a:pathLst>
           </a:custGeom>
           <a:noFill/>
-          <a:ln cap="flat" cmpd="sng" w="9525">
+          <a:ln w="9525" cap="flat" cmpd="sng">
             <a:solidFill>
               <a:srgbClr val="000000"/>
             </a:solidFill>
             <a:prstDash val="solid"/>
             <a:round/>
-            <a:headEnd len="sm" w="sm" type="none"/>
-            <a:tailEnd len="sm" w="sm" type="none"/>
+            <a:headEnd type="none" w="sm" len="sm"/>
+            <a:tailEnd type="none" w="sm" len="sm"/>
           </a:ln>
         </p:spPr>
       </p:sp>
       <p:sp>
         <p:nvSpPr>
           <p:cNvPr id="138" name="Google Shape;138;g14315003a0d_0_66:notes"/>
-          <p:cNvSpPr txBox="1"/>
+          <p:cNvSpPr txBox="1">
+            <a:spLocks noGrp="1"/>
+          </p:cNvSpPr>
           <p:nvPr>
-            <p:ph idx="1" type="body"/>
+            <p:ph type="body" idx="1"/>
           </p:nvPr>
         </p:nvSpPr>
         <p:spPr>
@@ -1504,12 +1552,12 @@
           </a:ln>
         </p:spPr>
         <p:txBody>
-          <a:bodyPr anchorCtr="0" anchor="t" bIns="91425" lIns="91425" spcFirstLastPara="1" rIns="91425" wrap="square" tIns="91425">
+          <a:bodyPr spcFirstLastPara="1" wrap="square" lIns="91425" tIns="91425" rIns="91425" bIns="91425" anchor="t" anchorCtr="0">
             <a:noAutofit/>
           </a:bodyPr>
           <a:lstStyle/>
           <a:p>
-            <a:pPr indent="0" lvl="0" marL="0" rtl="0" algn="l">
+            <a:pPr marL="0" lvl="0" indent="0" algn="l" rtl="0">
               <a:lnSpc>
                 <a:spcPct val="100000"/>
               </a:lnSpc>
@@ -1522,9 +1570,6 @@
               <a:buSzPts val="1100"/>
               <a:buNone/>
             </a:pPr>
-            <a:r>
-              <a:t/>
-            </a:r>
             <a:endParaRPr/>
           </a:p>
         </p:txBody>
@@ -1538,11 +1583,11 @@
 </file>
 
 <file path=ppt/notesSlides/notesSlide15.xml><?xml version="1.0" encoding="utf-8"?>
-<p:notes xmlns:a="http://schemas.openxmlformats.org/drawingml/2006/main" xmlns:r="http://schemas.openxmlformats.org/officeDocument/2006/relationships" xmlns:mc="http://schemas.openxmlformats.org/markup-compatibility/2006" xmlns:mv="urn:schemas-microsoft-com:mac:vml" xmlns:p="http://schemas.openxmlformats.org/presentationml/2006/main" xmlns:c="http://schemas.openxmlformats.org/drawingml/2006/chart" xmlns:dgm="http://schemas.openxmlformats.org/drawingml/2006/diagram" xmlns:o="urn:schemas-microsoft-com:office:office" xmlns:v="urn:schemas-microsoft-com:vml" xmlns:pvml="urn:schemas-microsoft-com:office:powerpoint" xmlns:com="http://schemas.openxmlformats.org/drawingml/2006/compatibility" xmlns:p14="http://schemas.microsoft.com/office/powerpoint/2010/main" xmlns:p15="http://schemas.microsoft.com/office/powerpoint/2012/main" xmlns:ahyp="http://schemas.microsoft.com/office/drawing/2018/hyperlinkcolor" showMasterPhAnim="0" showMasterSp="0">
+<p:notes xmlns:a="http://schemas.openxmlformats.org/drawingml/2006/main" xmlns:r="http://schemas.openxmlformats.org/officeDocument/2006/relationships" xmlns:p="http://schemas.openxmlformats.org/presentationml/2006/main" showMasterSp="0" showMasterPhAnim="0">
   <p:cSld>
     <p:spTree>
       <p:nvGrpSpPr>
-        <p:cNvPr id="143" name="Shape 143"/>
+        <p:cNvPr id="1" name="Shape 143"/>
         <p:cNvGrpSpPr/>
         <p:nvPr/>
       </p:nvGrpSpPr>
@@ -1557,9 +1602,11 @@
       <p:sp>
         <p:nvSpPr>
           <p:cNvPr id="144" name="Google Shape;144;p7:notes"/>
-          <p:cNvSpPr/>
+          <p:cNvSpPr>
+            <a:spLocks noGrp="1" noRot="1" noChangeAspect="1"/>
+          </p:cNvSpPr>
           <p:nvPr>
-            <p:ph idx="2" type="sldImg"/>
+            <p:ph type="sldImg" idx="2"/>
           </p:nvPr>
         </p:nvSpPr>
         <p:spPr>
@@ -1568,9 +1615,13 @@
             <a:ext cx="6096000" cy="3429000"/>
           </a:xfrm>
           <a:custGeom>
-            <a:rect b="b" l="l" r="r" t="t"/>
+            <a:avLst/>
+            <a:gdLst/>
+            <a:ahLst/>
+            <a:cxnLst/>
+            <a:rect l="l" t="t" r="r" b="b"/>
             <a:pathLst>
-              <a:path extrusionOk="0" h="120000" w="120000">
+              <a:path w="120000" h="120000" extrusionOk="0">
                 <a:moveTo>
                   <a:pt x="0" y="0"/>
                 </a:moveTo>
@@ -1588,23 +1639,25 @@
             </a:pathLst>
           </a:custGeom>
           <a:noFill/>
-          <a:ln cap="flat" cmpd="sng" w="9525">
+          <a:ln w="9525" cap="flat" cmpd="sng">
             <a:solidFill>
               <a:srgbClr val="000000"/>
             </a:solidFill>
             <a:prstDash val="solid"/>
             <a:round/>
-            <a:headEnd len="sm" w="sm" type="none"/>
-            <a:tailEnd len="sm" w="sm" type="none"/>
+            <a:headEnd type="none" w="sm" len="sm"/>
+            <a:tailEnd type="none" w="sm" len="sm"/>
           </a:ln>
         </p:spPr>
       </p:sp>
       <p:sp>
         <p:nvSpPr>
           <p:cNvPr id="145" name="Google Shape;145;p7:notes"/>
-          <p:cNvSpPr txBox="1"/>
+          <p:cNvSpPr txBox="1">
+            <a:spLocks noGrp="1"/>
+          </p:cNvSpPr>
           <p:nvPr>
-            <p:ph idx="1" type="body"/>
+            <p:ph type="body" idx="1"/>
           </p:nvPr>
         </p:nvSpPr>
         <p:spPr>
@@ -1621,12 +1674,12 @@
           </a:ln>
         </p:spPr>
         <p:txBody>
-          <a:bodyPr anchorCtr="0" anchor="t" bIns="91425" lIns="91425" spcFirstLastPara="1" rIns="91425" wrap="square" tIns="91425">
+          <a:bodyPr spcFirstLastPara="1" wrap="square" lIns="91425" tIns="91425" rIns="91425" bIns="91425" anchor="t" anchorCtr="0">
             <a:noAutofit/>
           </a:bodyPr>
           <a:lstStyle/>
           <a:p>
-            <a:pPr indent="0" lvl="0" marL="0" rtl="0" algn="l">
+            <a:pPr marL="0" lvl="0" indent="0" algn="l" rtl="0">
               <a:lnSpc>
                 <a:spcPct val="100000"/>
               </a:lnSpc>
@@ -1639,9 +1692,6 @@
               <a:buSzPts val="1100"/>
               <a:buNone/>
             </a:pPr>
-            <a:r>
-              <a:t/>
-            </a:r>
             <a:endParaRPr/>
           </a:p>
         </p:txBody>
@@ -1655,11 +1705,11 @@
 </file>
 
 <file path=ppt/notesSlides/notesSlide2.xml><?xml version="1.0" encoding="utf-8"?>
-<p:notes xmlns:a="http://schemas.openxmlformats.org/drawingml/2006/main" xmlns:r="http://schemas.openxmlformats.org/officeDocument/2006/relationships" xmlns:mc="http://schemas.openxmlformats.org/markup-compatibility/2006" xmlns:mv="urn:schemas-microsoft-com:mac:vml" xmlns:p="http://schemas.openxmlformats.org/presentationml/2006/main" xmlns:c="http://schemas.openxmlformats.org/drawingml/2006/chart" xmlns:dgm="http://schemas.openxmlformats.org/drawingml/2006/diagram" xmlns:o="urn:schemas-microsoft-com:office:office" xmlns:v="urn:schemas-microsoft-com:vml" xmlns:pvml="urn:schemas-microsoft-com:office:powerpoint" xmlns:com="http://schemas.openxmlformats.org/drawingml/2006/compatibility" xmlns:p14="http://schemas.microsoft.com/office/powerpoint/2010/main" xmlns:p15="http://schemas.microsoft.com/office/powerpoint/2012/main" xmlns:ahyp="http://schemas.microsoft.com/office/drawing/2018/hyperlinkcolor" showMasterPhAnim="0" showMasterSp="0">
+<p:notes xmlns:a="http://schemas.openxmlformats.org/drawingml/2006/main" xmlns:r="http://schemas.openxmlformats.org/officeDocument/2006/relationships" xmlns:p="http://schemas.openxmlformats.org/presentationml/2006/main" showMasterSp="0" showMasterPhAnim="0">
   <p:cSld>
     <p:spTree>
       <p:nvGrpSpPr>
-        <p:cNvPr id="56" name="Shape 56"/>
+        <p:cNvPr id="1" name="Shape 56"/>
         <p:cNvGrpSpPr/>
         <p:nvPr/>
       </p:nvGrpSpPr>
@@ -1674,9 +1724,11 @@
       <p:sp>
         <p:nvSpPr>
           <p:cNvPr id="57" name="Google Shape;57;p2:notes"/>
-          <p:cNvSpPr/>
+          <p:cNvSpPr>
+            <a:spLocks noGrp="1" noRot="1" noChangeAspect="1"/>
+          </p:cNvSpPr>
           <p:nvPr>
-            <p:ph idx="2" type="sldImg"/>
+            <p:ph type="sldImg" idx="2"/>
           </p:nvPr>
         </p:nvSpPr>
         <p:spPr>
@@ -1685,9 +1737,13 @@
             <a:ext cx="6096000" cy="3429000"/>
           </a:xfrm>
           <a:custGeom>
-            <a:rect b="b" l="l" r="r" t="t"/>
+            <a:avLst/>
+            <a:gdLst/>
+            <a:ahLst/>
+            <a:cxnLst/>
+            <a:rect l="l" t="t" r="r" b="b"/>
             <a:pathLst>
-              <a:path extrusionOk="0" h="120000" w="120000">
+              <a:path w="120000" h="120000" extrusionOk="0">
                 <a:moveTo>
                   <a:pt x="0" y="0"/>
                 </a:moveTo>
@@ -1705,23 +1761,25 @@
             </a:pathLst>
           </a:custGeom>
           <a:noFill/>
-          <a:ln cap="flat" cmpd="sng" w="9525">
+          <a:ln w="9525" cap="flat" cmpd="sng">
             <a:solidFill>
               <a:srgbClr val="000000"/>
             </a:solidFill>
             <a:prstDash val="solid"/>
             <a:round/>
-            <a:headEnd len="sm" w="sm" type="none"/>
-            <a:tailEnd len="sm" w="sm" type="none"/>
+            <a:headEnd type="none" w="sm" len="sm"/>
+            <a:tailEnd type="none" w="sm" len="sm"/>
           </a:ln>
         </p:spPr>
       </p:sp>
       <p:sp>
         <p:nvSpPr>
           <p:cNvPr id="58" name="Google Shape;58;p2:notes"/>
-          <p:cNvSpPr txBox="1"/>
+          <p:cNvSpPr txBox="1">
+            <a:spLocks noGrp="1"/>
+          </p:cNvSpPr>
           <p:nvPr>
-            <p:ph idx="1" type="body"/>
+            <p:ph type="body" idx="1"/>
           </p:nvPr>
         </p:nvSpPr>
         <p:spPr>
@@ -1738,12 +1796,12 @@
           </a:ln>
         </p:spPr>
         <p:txBody>
-          <a:bodyPr anchorCtr="0" anchor="t" bIns="91425" lIns="91425" spcFirstLastPara="1" rIns="91425" wrap="square" tIns="91425">
+          <a:bodyPr spcFirstLastPara="1" wrap="square" lIns="91425" tIns="91425" rIns="91425" bIns="91425" anchor="t" anchorCtr="0">
             <a:noAutofit/>
           </a:bodyPr>
           <a:lstStyle/>
           <a:p>
-            <a:pPr indent="0" lvl="0" marL="0" rtl="0" algn="l">
+            <a:pPr marL="0" lvl="0" indent="0" algn="l" rtl="0">
               <a:lnSpc>
                 <a:spcPct val="100000"/>
               </a:lnSpc>
@@ -1756,9 +1814,6 @@
               <a:buSzPts val="1100"/>
               <a:buNone/>
             </a:pPr>
-            <a:r>
-              <a:t/>
-            </a:r>
             <a:endParaRPr/>
           </a:p>
         </p:txBody>
@@ -1772,11 +1827,11 @@
 </file>
 
 <file path=ppt/notesSlides/notesSlide3.xml><?xml version="1.0" encoding="utf-8"?>
-<p:notes xmlns:a="http://schemas.openxmlformats.org/drawingml/2006/main" xmlns:r="http://schemas.openxmlformats.org/officeDocument/2006/relationships" xmlns:mc="http://schemas.openxmlformats.org/markup-compatibility/2006" xmlns:mv="urn:schemas-microsoft-com:mac:vml" xmlns:p="http://schemas.openxmlformats.org/presentationml/2006/main" xmlns:c="http://schemas.openxmlformats.org/drawingml/2006/chart" xmlns:dgm="http://schemas.openxmlformats.org/drawingml/2006/diagram" xmlns:o="urn:schemas-microsoft-com:office:office" xmlns:v="urn:schemas-microsoft-com:vml" xmlns:pvml="urn:schemas-microsoft-com:office:powerpoint" xmlns:com="http://schemas.openxmlformats.org/drawingml/2006/compatibility" xmlns:p14="http://schemas.microsoft.com/office/powerpoint/2010/main" xmlns:p15="http://schemas.microsoft.com/office/powerpoint/2012/main" xmlns:ahyp="http://schemas.microsoft.com/office/drawing/2018/hyperlinkcolor" showMasterPhAnim="0" showMasterSp="0">
+<p:notes xmlns:a="http://schemas.openxmlformats.org/drawingml/2006/main" xmlns:r="http://schemas.openxmlformats.org/officeDocument/2006/relationships" xmlns:p="http://schemas.openxmlformats.org/presentationml/2006/main" showMasterSp="0" showMasterPhAnim="0">
   <p:cSld>
     <p:spTree>
       <p:nvGrpSpPr>
-        <p:cNvPr id="63" name="Shape 63"/>
+        <p:cNvPr id="1" name="Shape 63"/>
         <p:cNvGrpSpPr/>
         <p:nvPr/>
       </p:nvGrpSpPr>
@@ -1791,9 +1846,11 @@
       <p:sp>
         <p:nvSpPr>
           <p:cNvPr id="64" name="Google Shape;64;g14315003a0d_0_0:notes"/>
-          <p:cNvSpPr/>
+          <p:cNvSpPr>
+            <a:spLocks noGrp="1" noRot="1" noChangeAspect="1"/>
+          </p:cNvSpPr>
           <p:nvPr>
-            <p:ph idx="2" type="sldImg"/>
+            <p:ph type="sldImg" idx="2"/>
           </p:nvPr>
         </p:nvSpPr>
         <p:spPr>
@@ -1802,9 +1859,13 @@
             <a:ext cx="6096000" cy="3429000"/>
           </a:xfrm>
           <a:custGeom>
-            <a:rect b="b" l="l" r="r" t="t"/>
+            <a:avLst/>
+            <a:gdLst/>
+            <a:ahLst/>
+            <a:cxnLst/>
+            <a:rect l="l" t="t" r="r" b="b"/>
             <a:pathLst>
-              <a:path extrusionOk="0" h="120000" w="120000">
+              <a:path w="120000" h="120000" extrusionOk="0">
                 <a:moveTo>
                   <a:pt x="0" y="0"/>
                 </a:moveTo>
@@ -1822,23 +1883,25 @@
             </a:pathLst>
           </a:custGeom>
           <a:noFill/>
-          <a:ln cap="flat" cmpd="sng" w="9525">
+          <a:ln w="9525" cap="flat" cmpd="sng">
             <a:solidFill>
               <a:srgbClr val="000000"/>
             </a:solidFill>
             <a:prstDash val="solid"/>
             <a:round/>
-            <a:headEnd len="sm" w="sm" type="none"/>
-            <a:tailEnd len="sm" w="sm" type="none"/>
+            <a:headEnd type="none" w="sm" len="sm"/>
+            <a:tailEnd type="none" w="sm" len="sm"/>
           </a:ln>
         </p:spPr>
       </p:sp>
       <p:sp>
         <p:nvSpPr>
           <p:cNvPr id="65" name="Google Shape;65;g14315003a0d_0_0:notes"/>
-          <p:cNvSpPr txBox="1"/>
+          <p:cNvSpPr txBox="1">
+            <a:spLocks noGrp="1"/>
+          </p:cNvSpPr>
           <p:nvPr>
-            <p:ph idx="1" type="body"/>
+            <p:ph type="body" idx="1"/>
           </p:nvPr>
         </p:nvSpPr>
         <p:spPr>
@@ -1855,12 +1918,12 @@
           </a:ln>
         </p:spPr>
         <p:txBody>
-          <a:bodyPr anchorCtr="0" anchor="t" bIns="91425" lIns="91425" spcFirstLastPara="1" rIns="91425" wrap="square" tIns="91425">
+          <a:bodyPr spcFirstLastPara="1" wrap="square" lIns="91425" tIns="91425" rIns="91425" bIns="91425" anchor="t" anchorCtr="0">
             <a:noAutofit/>
           </a:bodyPr>
           <a:lstStyle/>
           <a:p>
-            <a:pPr indent="0" lvl="0" marL="0" rtl="0" algn="l">
+            <a:pPr marL="0" lvl="0" indent="0" algn="l" rtl="0">
               <a:lnSpc>
                 <a:spcPct val="100000"/>
               </a:lnSpc>
@@ -1873,9 +1936,6 @@
               <a:buSzPts val="1100"/>
               <a:buNone/>
             </a:pPr>
-            <a:r>
-              <a:t/>
-            </a:r>
             <a:endParaRPr/>
           </a:p>
         </p:txBody>
@@ -1889,11 +1949,11 @@
 </file>
 
 <file path=ppt/notesSlides/notesSlide4.xml><?xml version="1.0" encoding="utf-8"?>
-<p:notes xmlns:a="http://schemas.openxmlformats.org/drawingml/2006/main" xmlns:r="http://schemas.openxmlformats.org/officeDocument/2006/relationships" xmlns:mc="http://schemas.openxmlformats.org/markup-compatibility/2006" xmlns:mv="urn:schemas-microsoft-com:mac:vml" xmlns:p="http://schemas.openxmlformats.org/presentationml/2006/main" xmlns:c="http://schemas.openxmlformats.org/drawingml/2006/chart" xmlns:dgm="http://schemas.openxmlformats.org/drawingml/2006/diagram" xmlns:o="urn:schemas-microsoft-com:office:office" xmlns:v="urn:schemas-microsoft-com:vml" xmlns:pvml="urn:schemas-microsoft-com:office:powerpoint" xmlns:com="http://schemas.openxmlformats.org/drawingml/2006/compatibility" xmlns:p14="http://schemas.microsoft.com/office/powerpoint/2010/main" xmlns:p15="http://schemas.microsoft.com/office/powerpoint/2012/main" xmlns:ahyp="http://schemas.microsoft.com/office/drawing/2018/hyperlinkcolor" showMasterPhAnim="0" showMasterSp="0">
+<p:notes xmlns:a="http://schemas.openxmlformats.org/drawingml/2006/main" xmlns:r="http://schemas.openxmlformats.org/officeDocument/2006/relationships" xmlns:p="http://schemas.openxmlformats.org/presentationml/2006/main" showMasterSp="0" showMasterPhAnim="0">
   <p:cSld>
     <p:spTree>
       <p:nvGrpSpPr>
-        <p:cNvPr id="69" name="Shape 69"/>
+        <p:cNvPr id="1" name="Shape 69"/>
         <p:cNvGrpSpPr/>
         <p:nvPr/>
       </p:nvGrpSpPr>
@@ -1908,20 +1968,26 @@
       <p:sp>
         <p:nvSpPr>
           <p:cNvPr id="70" name="Google Shape;70;g14315003a0d_0_6:notes"/>
-          <p:cNvSpPr/>
+          <p:cNvSpPr>
+            <a:spLocks noGrp="1" noRot="1" noChangeAspect="1"/>
+          </p:cNvSpPr>
           <p:nvPr>
-            <p:ph idx="2" type="sldImg"/>
+            <p:ph type="sldImg" idx="2"/>
           </p:nvPr>
         </p:nvSpPr>
         <p:spPr>
           <a:xfrm>
-            <a:off x="381300" y="685800"/>
+            <a:off x="381000" y="685800"/>
             <a:ext cx="6096000" cy="3429000"/>
           </a:xfrm>
           <a:custGeom>
-            <a:rect b="b" l="l" r="r" t="t"/>
+            <a:avLst/>
+            <a:gdLst/>
+            <a:ahLst/>
+            <a:cxnLst/>
+            <a:rect l="l" t="t" r="r" b="b"/>
             <a:pathLst>
-              <a:path extrusionOk="0" h="120000" w="120000">
+              <a:path w="120000" h="120000" extrusionOk="0">
                 <a:moveTo>
                   <a:pt x="0" y="0"/>
                 </a:moveTo>
@@ -1939,23 +2005,25 @@
             </a:pathLst>
           </a:custGeom>
           <a:noFill/>
-          <a:ln cap="flat" cmpd="sng" w="9525">
+          <a:ln w="9525" cap="flat" cmpd="sng">
             <a:solidFill>
               <a:srgbClr val="000000"/>
             </a:solidFill>
             <a:prstDash val="solid"/>
             <a:round/>
-            <a:headEnd len="sm" w="sm" type="none"/>
-            <a:tailEnd len="sm" w="sm" type="none"/>
+            <a:headEnd type="none" w="sm" len="sm"/>
+            <a:tailEnd type="none" w="sm" len="sm"/>
           </a:ln>
         </p:spPr>
       </p:sp>
       <p:sp>
         <p:nvSpPr>
           <p:cNvPr id="71" name="Google Shape;71;g14315003a0d_0_6:notes"/>
-          <p:cNvSpPr txBox="1"/>
+          <p:cNvSpPr txBox="1">
+            <a:spLocks noGrp="1"/>
+          </p:cNvSpPr>
           <p:nvPr>
-            <p:ph idx="1" type="body"/>
+            <p:ph type="body" idx="1"/>
           </p:nvPr>
         </p:nvSpPr>
         <p:spPr>
@@ -1972,12 +2040,12 @@
           </a:ln>
         </p:spPr>
         <p:txBody>
-          <a:bodyPr anchorCtr="0" anchor="t" bIns="91425" lIns="91425" spcFirstLastPara="1" rIns="91425" wrap="square" tIns="91425">
+          <a:bodyPr spcFirstLastPara="1" wrap="square" lIns="91425" tIns="91425" rIns="91425" bIns="91425" anchor="t" anchorCtr="0">
             <a:noAutofit/>
           </a:bodyPr>
           <a:lstStyle/>
           <a:p>
-            <a:pPr indent="0" lvl="0" marL="0" rtl="0" algn="l">
+            <a:pPr marL="0" lvl="0" indent="0" algn="l" rtl="0">
               <a:lnSpc>
                 <a:spcPct val="100000"/>
               </a:lnSpc>
@@ -1990,9 +2058,6 @@
               <a:buSzPts val="1100"/>
               <a:buNone/>
             </a:pPr>
-            <a:r>
-              <a:t/>
-            </a:r>
             <a:endParaRPr/>
           </a:p>
         </p:txBody>
@@ -2006,11 +2071,11 @@
 </file>
 
 <file path=ppt/notesSlides/notesSlide5.xml><?xml version="1.0" encoding="utf-8"?>
-<p:notes xmlns:a="http://schemas.openxmlformats.org/drawingml/2006/main" xmlns:r="http://schemas.openxmlformats.org/officeDocument/2006/relationships" xmlns:mc="http://schemas.openxmlformats.org/markup-compatibility/2006" xmlns:mv="urn:schemas-microsoft-com:mac:vml" xmlns:p="http://schemas.openxmlformats.org/presentationml/2006/main" xmlns:c="http://schemas.openxmlformats.org/drawingml/2006/chart" xmlns:dgm="http://schemas.openxmlformats.org/drawingml/2006/diagram" xmlns:o="urn:schemas-microsoft-com:office:office" xmlns:v="urn:schemas-microsoft-com:vml" xmlns:pvml="urn:schemas-microsoft-com:office:powerpoint" xmlns:com="http://schemas.openxmlformats.org/drawingml/2006/compatibility" xmlns:p14="http://schemas.microsoft.com/office/powerpoint/2010/main" xmlns:p15="http://schemas.microsoft.com/office/powerpoint/2012/main" xmlns:ahyp="http://schemas.microsoft.com/office/drawing/2018/hyperlinkcolor" showMasterPhAnim="0" showMasterSp="0">
+<p:notes xmlns:a="http://schemas.openxmlformats.org/drawingml/2006/main" xmlns:r="http://schemas.openxmlformats.org/officeDocument/2006/relationships" xmlns:p="http://schemas.openxmlformats.org/presentationml/2006/main" showMasterSp="0" showMasterPhAnim="0">
   <p:cSld>
     <p:spTree>
       <p:nvGrpSpPr>
-        <p:cNvPr id="75" name="Shape 75"/>
+        <p:cNvPr id="1" name="Shape 75"/>
         <p:cNvGrpSpPr/>
         <p:nvPr/>
       </p:nvGrpSpPr>
@@ -2025,9 +2090,11 @@
       <p:sp>
         <p:nvSpPr>
           <p:cNvPr id="76" name="Google Shape;76;g14315003a0d_0_13:notes"/>
-          <p:cNvSpPr/>
+          <p:cNvSpPr>
+            <a:spLocks noGrp="1" noRot="1" noChangeAspect="1"/>
+          </p:cNvSpPr>
           <p:nvPr>
-            <p:ph idx="2" type="sldImg"/>
+            <p:ph type="sldImg" idx="2"/>
           </p:nvPr>
         </p:nvSpPr>
         <p:spPr>
@@ -2036,9 +2103,13 @@
             <a:ext cx="6096000" cy="3429000"/>
           </a:xfrm>
           <a:custGeom>
-            <a:rect b="b" l="l" r="r" t="t"/>
+            <a:avLst/>
+            <a:gdLst/>
+            <a:ahLst/>
+            <a:cxnLst/>
+            <a:rect l="l" t="t" r="r" b="b"/>
             <a:pathLst>
-              <a:path extrusionOk="0" h="120000" w="120000">
+              <a:path w="120000" h="120000" extrusionOk="0">
                 <a:moveTo>
                   <a:pt x="0" y="0"/>
                 </a:moveTo>
@@ -2056,23 +2127,25 @@
             </a:pathLst>
           </a:custGeom>
           <a:noFill/>
-          <a:ln cap="flat" cmpd="sng" w="9525">
+          <a:ln w="9525" cap="flat" cmpd="sng">
             <a:solidFill>
               <a:srgbClr val="000000"/>
             </a:solidFill>
             <a:prstDash val="solid"/>
             <a:round/>
-            <a:headEnd len="sm" w="sm" type="none"/>
-            <a:tailEnd len="sm" w="sm" type="none"/>
+            <a:headEnd type="none" w="sm" len="sm"/>
+            <a:tailEnd type="none" w="sm" len="sm"/>
           </a:ln>
         </p:spPr>
       </p:sp>
       <p:sp>
         <p:nvSpPr>
           <p:cNvPr id="77" name="Google Shape;77;g14315003a0d_0_13:notes"/>
-          <p:cNvSpPr txBox="1"/>
+          <p:cNvSpPr txBox="1">
+            <a:spLocks noGrp="1"/>
+          </p:cNvSpPr>
           <p:nvPr>
-            <p:ph idx="1" type="body"/>
+            <p:ph type="body" idx="1"/>
           </p:nvPr>
         </p:nvSpPr>
         <p:spPr>
@@ -2089,12 +2162,12 @@
           </a:ln>
         </p:spPr>
         <p:txBody>
-          <a:bodyPr anchorCtr="0" anchor="t" bIns="91425" lIns="91425" spcFirstLastPara="1" rIns="91425" wrap="square" tIns="91425">
+          <a:bodyPr spcFirstLastPara="1" wrap="square" lIns="91425" tIns="91425" rIns="91425" bIns="91425" anchor="t" anchorCtr="0">
             <a:noAutofit/>
           </a:bodyPr>
           <a:lstStyle/>
           <a:p>
-            <a:pPr indent="0" lvl="0" marL="0" rtl="0" algn="l">
+            <a:pPr marL="0" lvl="0" indent="0" algn="l" rtl="0">
               <a:lnSpc>
                 <a:spcPct val="100000"/>
               </a:lnSpc>
@@ -2107,9 +2180,6 @@
               <a:buSzPts val="1100"/>
               <a:buNone/>
             </a:pPr>
-            <a:r>
-              <a:t/>
-            </a:r>
             <a:endParaRPr/>
           </a:p>
         </p:txBody>
@@ -2123,11 +2193,11 @@
 </file>
 
 <file path=ppt/notesSlides/notesSlide6.xml><?xml version="1.0" encoding="utf-8"?>
-<p:notes xmlns:a="http://schemas.openxmlformats.org/drawingml/2006/main" xmlns:r="http://schemas.openxmlformats.org/officeDocument/2006/relationships" xmlns:mc="http://schemas.openxmlformats.org/markup-compatibility/2006" xmlns:mv="urn:schemas-microsoft-com:mac:vml" xmlns:p="http://schemas.openxmlformats.org/presentationml/2006/main" xmlns:c="http://schemas.openxmlformats.org/drawingml/2006/chart" xmlns:dgm="http://schemas.openxmlformats.org/drawingml/2006/diagram" xmlns:o="urn:schemas-microsoft-com:office:office" xmlns:v="urn:schemas-microsoft-com:vml" xmlns:pvml="urn:schemas-microsoft-com:office:powerpoint" xmlns:com="http://schemas.openxmlformats.org/drawingml/2006/compatibility" xmlns:p14="http://schemas.microsoft.com/office/powerpoint/2010/main" xmlns:p15="http://schemas.microsoft.com/office/powerpoint/2012/main" xmlns:ahyp="http://schemas.microsoft.com/office/drawing/2018/hyperlinkcolor" showMasterPhAnim="0" showMasterSp="0">
+<p:notes xmlns:a="http://schemas.openxmlformats.org/drawingml/2006/main" xmlns:r="http://schemas.openxmlformats.org/officeDocument/2006/relationships" xmlns:p="http://schemas.openxmlformats.org/presentationml/2006/main" showMasterSp="0" showMasterPhAnim="0">
   <p:cSld>
     <p:spTree>
       <p:nvGrpSpPr>
-        <p:cNvPr id="82" name="Shape 82"/>
+        <p:cNvPr id="1" name="Shape 82"/>
         <p:cNvGrpSpPr/>
         <p:nvPr/>
       </p:nvGrpSpPr>
@@ -2142,9 +2212,11 @@
       <p:sp>
         <p:nvSpPr>
           <p:cNvPr id="83" name="Google Shape;83;g14315003a0d_0_19:notes"/>
-          <p:cNvSpPr/>
+          <p:cNvSpPr>
+            <a:spLocks noGrp="1" noRot="1" noChangeAspect="1"/>
+          </p:cNvSpPr>
           <p:nvPr>
-            <p:ph idx="2" type="sldImg"/>
+            <p:ph type="sldImg" idx="2"/>
           </p:nvPr>
         </p:nvSpPr>
         <p:spPr>
@@ -2153,9 +2225,13 @@
             <a:ext cx="6096000" cy="3429000"/>
           </a:xfrm>
           <a:custGeom>
-            <a:rect b="b" l="l" r="r" t="t"/>
+            <a:avLst/>
+            <a:gdLst/>
+            <a:ahLst/>
+            <a:cxnLst/>
+            <a:rect l="l" t="t" r="r" b="b"/>
             <a:pathLst>
-              <a:path extrusionOk="0" h="120000" w="120000">
+              <a:path w="120000" h="120000" extrusionOk="0">
                 <a:moveTo>
                   <a:pt x="0" y="0"/>
                 </a:moveTo>
@@ -2173,23 +2249,25 @@
             </a:pathLst>
           </a:custGeom>
           <a:noFill/>
-          <a:ln cap="flat" cmpd="sng" w="9525">
+          <a:ln w="9525" cap="flat" cmpd="sng">
             <a:solidFill>
               <a:srgbClr val="000000"/>
             </a:solidFill>
             <a:prstDash val="solid"/>
             <a:round/>
-            <a:headEnd len="sm" w="sm" type="none"/>
-            <a:tailEnd len="sm" w="sm" type="none"/>
+            <a:headEnd type="none" w="sm" len="sm"/>
+            <a:tailEnd type="none" w="sm" len="sm"/>
           </a:ln>
         </p:spPr>
       </p:sp>
       <p:sp>
         <p:nvSpPr>
           <p:cNvPr id="84" name="Google Shape;84;g14315003a0d_0_19:notes"/>
-          <p:cNvSpPr txBox="1"/>
+          <p:cNvSpPr txBox="1">
+            <a:spLocks noGrp="1"/>
+          </p:cNvSpPr>
           <p:nvPr>
-            <p:ph idx="1" type="body"/>
+            <p:ph type="body" idx="1"/>
           </p:nvPr>
         </p:nvSpPr>
         <p:spPr>
@@ -2206,12 +2284,12 @@
           </a:ln>
         </p:spPr>
         <p:txBody>
-          <a:bodyPr anchorCtr="0" anchor="t" bIns="91425" lIns="91425" spcFirstLastPara="1" rIns="91425" wrap="square" tIns="91425">
+          <a:bodyPr spcFirstLastPara="1" wrap="square" lIns="91425" tIns="91425" rIns="91425" bIns="91425" anchor="t" anchorCtr="0">
             <a:noAutofit/>
           </a:bodyPr>
           <a:lstStyle/>
           <a:p>
-            <a:pPr indent="0" lvl="0" marL="0" rtl="0" algn="l">
+            <a:pPr marL="0" lvl="0" indent="0" algn="l" rtl="0">
               <a:lnSpc>
                 <a:spcPct val="100000"/>
               </a:lnSpc>
@@ -2224,9 +2302,6 @@
               <a:buSzPts val="1100"/>
               <a:buNone/>
             </a:pPr>
-            <a:r>
-              <a:t/>
-            </a:r>
             <a:endParaRPr/>
           </a:p>
         </p:txBody>
@@ -2240,11 +2315,11 @@
 </file>
 
 <file path=ppt/notesSlides/notesSlide7.xml><?xml version="1.0" encoding="utf-8"?>
-<p:notes xmlns:a="http://schemas.openxmlformats.org/drawingml/2006/main" xmlns:r="http://schemas.openxmlformats.org/officeDocument/2006/relationships" xmlns:mc="http://schemas.openxmlformats.org/markup-compatibility/2006" xmlns:mv="urn:schemas-microsoft-com:mac:vml" xmlns:p="http://schemas.openxmlformats.org/presentationml/2006/main" xmlns:c="http://schemas.openxmlformats.org/drawingml/2006/chart" xmlns:dgm="http://schemas.openxmlformats.org/drawingml/2006/diagram" xmlns:o="urn:schemas-microsoft-com:office:office" xmlns:v="urn:schemas-microsoft-com:vml" xmlns:pvml="urn:schemas-microsoft-com:office:powerpoint" xmlns:com="http://schemas.openxmlformats.org/drawingml/2006/compatibility" xmlns:p14="http://schemas.microsoft.com/office/powerpoint/2010/main" xmlns:p15="http://schemas.microsoft.com/office/powerpoint/2012/main" xmlns:ahyp="http://schemas.microsoft.com/office/drawing/2018/hyperlinkcolor" showMasterPhAnim="0" showMasterSp="0">
+<p:notes xmlns:a="http://schemas.openxmlformats.org/drawingml/2006/main" xmlns:r="http://schemas.openxmlformats.org/officeDocument/2006/relationships" xmlns:p="http://schemas.openxmlformats.org/presentationml/2006/main" showMasterSp="0" showMasterPhAnim="0">
   <p:cSld>
     <p:spTree>
       <p:nvGrpSpPr>
-        <p:cNvPr id="89" name="Shape 89"/>
+        <p:cNvPr id="1" name="Shape 89"/>
         <p:cNvGrpSpPr/>
         <p:nvPr/>
       </p:nvGrpSpPr>
@@ -2259,9 +2334,11 @@
       <p:sp>
         <p:nvSpPr>
           <p:cNvPr id="90" name="Google Shape;90;g14315003a0d_0_26:notes"/>
-          <p:cNvSpPr/>
+          <p:cNvSpPr>
+            <a:spLocks noGrp="1" noRot="1" noChangeAspect="1"/>
+          </p:cNvSpPr>
           <p:nvPr>
-            <p:ph idx="2" type="sldImg"/>
+            <p:ph type="sldImg" idx="2"/>
           </p:nvPr>
         </p:nvSpPr>
         <p:spPr>
@@ -2270,9 +2347,13 @@
             <a:ext cx="6096000" cy="3429000"/>
           </a:xfrm>
           <a:custGeom>
-            <a:rect b="b" l="l" r="r" t="t"/>
+            <a:avLst/>
+            <a:gdLst/>
+            <a:ahLst/>
+            <a:cxnLst/>
+            <a:rect l="l" t="t" r="r" b="b"/>
             <a:pathLst>
-              <a:path extrusionOk="0" h="120000" w="120000">
+              <a:path w="120000" h="120000" extrusionOk="0">
                 <a:moveTo>
                   <a:pt x="0" y="0"/>
                 </a:moveTo>
@@ -2290,23 +2371,25 @@
             </a:pathLst>
           </a:custGeom>
           <a:noFill/>
-          <a:ln cap="flat" cmpd="sng" w="9525">
+          <a:ln w="9525" cap="flat" cmpd="sng">
             <a:solidFill>
               <a:srgbClr val="000000"/>
             </a:solidFill>
             <a:prstDash val="solid"/>
             <a:round/>
-            <a:headEnd len="sm" w="sm" type="none"/>
-            <a:tailEnd len="sm" w="sm" type="none"/>
+            <a:headEnd type="none" w="sm" len="sm"/>
+            <a:tailEnd type="none" w="sm" len="sm"/>
           </a:ln>
         </p:spPr>
       </p:sp>
       <p:sp>
         <p:nvSpPr>
           <p:cNvPr id="91" name="Google Shape;91;g14315003a0d_0_26:notes"/>
-          <p:cNvSpPr txBox="1"/>
+          <p:cNvSpPr txBox="1">
+            <a:spLocks noGrp="1"/>
+          </p:cNvSpPr>
           <p:nvPr>
-            <p:ph idx="1" type="body"/>
+            <p:ph type="body" idx="1"/>
           </p:nvPr>
         </p:nvSpPr>
         <p:spPr>
@@ -2323,12 +2406,12 @@
           </a:ln>
         </p:spPr>
         <p:txBody>
-          <a:bodyPr anchorCtr="0" anchor="t" bIns="91425" lIns="91425" spcFirstLastPara="1" rIns="91425" wrap="square" tIns="91425">
+          <a:bodyPr spcFirstLastPara="1" wrap="square" lIns="91425" tIns="91425" rIns="91425" bIns="91425" anchor="t" anchorCtr="0">
             <a:noAutofit/>
           </a:bodyPr>
           <a:lstStyle/>
           <a:p>
-            <a:pPr indent="0" lvl="0" marL="0" rtl="0" algn="l">
+            <a:pPr marL="0" lvl="0" indent="0" algn="l" rtl="0">
               <a:lnSpc>
                 <a:spcPct val="100000"/>
               </a:lnSpc>
@@ -2341,9 +2424,6 @@
               <a:buSzPts val="1100"/>
               <a:buNone/>
             </a:pPr>
-            <a:r>
-              <a:t/>
-            </a:r>
             <a:endParaRPr/>
           </a:p>
         </p:txBody>
@@ -2357,11 +2437,11 @@
 </file>
 
 <file path=ppt/notesSlides/notesSlide8.xml><?xml version="1.0" encoding="utf-8"?>
-<p:notes xmlns:a="http://schemas.openxmlformats.org/drawingml/2006/main" xmlns:r="http://schemas.openxmlformats.org/officeDocument/2006/relationships" xmlns:mc="http://schemas.openxmlformats.org/markup-compatibility/2006" xmlns:mv="urn:schemas-microsoft-com:mac:vml" xmlns:p="http://schemas.openxmlformats.org/presentationml/2006/main" xmlns:c="http://schemas.openxmlformats.org/drawingml/2006/chart" xmlns:dgm="http://schemas.openxmlformats.org/drawingml/2006/diagram" xmlns:o="urn:schemas-microsoft-com:office:office" xmlns:v="urn:schemas-microsoft-com:vml" xmlns:pvml="urn:schemas-microsoft-com:office:powerpoint" xmlns:com="http://schemas.openxmlformats.org/drawingml/2006/compatibility" xmlns:p14="http://schemas.microsoft.com/office/powerpoint/2010/main" xmlns:p15="http://schemas.microsoft.com/office/powerpoint/2012/main" xmlns:ahyp="http://schemas.microsoft.com/office/drawing/2018/hyperlinkcolor" showMasterPhAnim="0" showMasterSp="0">
+<p:notes xmlns:a="http://schemas.openxmlformats.org/drawingml/2006/main" xmlns:r="http://schemas.openxmlformats.org/officeDocument/2006/relationships" xmlns:p="http://schemas.openxmlformats.org/presentationml/2006/main" showMasterSp="0" showMasterPhAnim="0">
   <p:cSld>
     <p:spTree>
       <p:nvGrpSpPr>
-        <p:cNvPr id="96" name="Shape 96"/>
+        <p:cNvPr id="1" name="Shape 96"/>
         <p:cNvGrpSpPr/>
         <p:nvPr/>
       </p:nvGrpSpPr>
@@ -2376,9 +2456,11 @@
       <p:sp>
         <p:nvSpPr>
           <p:cNvPr id="97" name="Google Shape;97;g14315003a0d_0_33:notes"/>
-          <p:cNvSpPr/>
+          <p:cNvSpPr>
+            <a:spLocks noGrp="1" noRot="1" noChangeAspect="1"/>
+          </p:cNvSpPr>
           <p:nvPr>
-            <p:ph idx="2" type="sldImg"/>
+            <p:ph type="sldImg" idx="2"/>
           </p:nvPr>
         </p:nvSpPr>
         <p:spPr>
@@ -2387,9 +2469,13 @@
             <a:ext cx="6096000" cy="3429000"/>
           </a:xfrm>
           <a:custGeom>
-            <a:rect b="b" l="l" r="r" t="t"/>
+            <a:avLst/>
+            <a:gdLst/>
+            <a:ahLst/>
+            <a:cxnLst/>
+            <a:rect l="l" t="t" r="r" b="b"/>
             <a:pathLst>
-              <a:path extrusionOk="0" h="120000" w="120000">
+              <a:path w="120000" h="120000" extrusionOk="0">
                 <a:moveTo>
                   <a:pt x="0" y="0"/>
                 </a:moveTo>
@@ -2407,23 +2493,25 @@
             </a:pathLst>
           </a:custGeom>
           <a:noFill/>
-          <a:ln cap="flat" cmpd="sng" w="9525">
+          <a:ln w="9525" cap="flat" cmpd="sng">
             <a:solidFill>
               <a:srgbClr val="000000"/>
             </a:solidFill>
             <a:prstDash val="solid"/>
             <a:round/>
-            <a:headEnd len="sm" w="sm" type="none"/>
-            <a:tailEnd len="sm" w="sm" type="none"/>
+            <a:headEnd type="none" w="sm" len="sm"/>
+            <a:tailEnd type="none" w="sm" len="sm"/>
           </a:ln>
         </p:spPr>
       </p:sp>
       <p:sp>
         <p:nvSpPr>
           <p:cNvPr id="98" name="Google Shape;98;g14315003a0d_0_33:notes"/>
-          <p:cNvSpPr txBox="1"/>
+          <p:cNvSpPr txBox="1">
+            <a:spLocks noGrp="1"/>
+          </p:cNvSpPr>
           <p:nvPr>
-            <p:ph idx="1" type="body"/>
+            <p:ph type="body" idx="1"/>
           </p:nvPr>
         </p:nvSpPr>
         <p:spPr>
@@ -2440,12 +2528,12 @@
           </a:ln>
         </p:spPr>
         <p:txBody>
-          <a:bodyPr anchorCtr="0" anchor="t" bIns="91425" lIns="91425" spcFirstLastPara="1" rIns="91425" wrap="square" tIns="91425">
+          <a:bodyPr spcFirstLastPara="1" wrap="square" lIns="91425" tIns="91425" rIns="91425" bIns="91425" anchor="t" anchorCtr="0">
             <a:noAutofit/>
           </a:bodyPr>
           <a:lstStyle/>
           <a:p>
-            <a:pPr indent="0" lvl="0" marL="0" rtl="0" algn="l">
+            <a:pPr marL="0" lvl="0" indent="0" algn="l" rtl="0">
               <a:lnSpc>
                 <a:spcPct val="100000"/>
               </a:lnSpc>
@@ -2458,9 +2546,6 @@
               <a:buSzPts val="1100"/>
               <a:buNone/>
             </a:pPr>
-            <a:r>
-              <a:t/>
-            </a:r>
             <a:endParaRPr/>
           </a:p>
         </p:txBody>
@@ -2474,11 +2559,11 @@
 </file>
 
 <file path=ppt/notesSlides/notesSlide9.xml><?xml version="1.0" encoding="utf-8"?>
-<p:notes xmlns:a="http://schemas.openxmlformats.org/drawingml/2006/main" xmlns:r="http://schemas.openxmlformats.org/officeDocument/2006/relationships" xmlns:mc="http://schemas.openxmlformats.org/markup-compatibility/2006" xmlns:mv="urn:schemas-microsoft-com:mac:vml" xmlns:p="http://schemas.openxmlformats.org/presentationml/2006/main" xmlns:c="http://schemas.openxmlformats.org/drawingml/2006/chart" xmlns:dgm="http://schemas.openxmlformats.org/drawingml/2006/diagram" xmlns:o="urn:schemas-microsoft-com:office:office" xmlns:v="urn:schemas-microsoft-com:vml" xmlns:pvml="urn:schemas-microsoft-com:office:powerpoint" xmlns:com="http://schemas.openxmlformats.org/drawingml/2006/compatibility" xmlns:p14="http://schemas.microsoft.com/office/powerpoint/2010/main" xmlns:p15="http://schemas.microsoft.com/office/powerpoint/2012/main" xmlns:ahyp="http://schemas.microsoft.com/office/drawing/2018/hyperlinkcolor" showMasterPhAnim="0" showMasterSp="0">
+<p:notes xmlns:a="http://schemas.openxmlformats.org/drawingml/2006/main" xmlns:r="http://schemas.openxmlformats.org/officeDocument/2006/relationships" xmlns:p="http://schemas.openxmlformats.org/presentationml/2006/main" showMasterSp="0" showMasterPhAnim="0">
   <p:cSld>
     <p:spTree>
       <p:nvGrpSpPr>
-        <p:cNvPr id="102" name="Shape 102"/>
+        <p:cNvPr id="1" name="Shape 102"/>
         <p:cNvGrpSpPr/>
         <p:nvPr/>
       </p:nvGrpSpPr>
@@ -2493,9 +2578,11 @@
       <p:sp>
         <p:nvSpPr>
           <p:cNvPr id="103" name="Google Shape;103;g14315003a0d_0_39:notes"/>
-          <p:cNvSpPr/>
+          <p:cNvSpPr>
+            <a:spLocks noGrp="1" noRot="1" noChangeAspect="1"/>
+          </p:cNvSpPr>
           <p:nvPr>
-            <p:ph idx="2" type="sldImg"/>
+            <p:ph type="sldImg" idx="2"/>
           </p:nvPr>
         </p:nvSpPr>
         <p:spPr>
@@ -2504,9 +2591,13 @@
             <a:ext cx="6096000" cy="3429000"/>
           </a:xfrm>
           <a:custGeom>
-            <a:rect b="b" l="l" r="r" t="t"/>
+            <a:avLst/>
+            <a:gdLst/>
+            <a:ahLst/>
+            <a:cxnLst/>
+            <a:rect l="l" t="t" r="r" b="b"/>
             <a:pathLst>
-              <a:path extrusionOk="0" h="120000" w="120000">
+              <a:path w="120000" h="120000" extrusionOk="0">
                 <a:moveTo>
                   <a:pt x="0" y="0"/>
                 </a:moveTo>
@@ -2524,23 +2615,25 @@
             </a:pathLst>
           </a:custGeom>
           <a:noFill/>
-          <a:ln cap="flat" cmpd="sng" w="9525">
+          <a:ln w="9525" cap="flat" cmpd="sng">
             <a:solidFill>
               <a:srgbClr val="000000"/>
             </a:solidFill>
             <a:prstDash val="solid"/>
             <a:round/>
-            <a:headEnd len="sm" w="sm" type="none"/>
-            <a:tailEnd len="sm" w="sm" type="none"/>
+            <a:headEnd type="none" w="sm" len="sm"/>
+            <a:tailEnd type="none" w="sm" len="sm"/>
           </a:ln>
         </p:spPr>
       </p:sp>
       <p:sp>
         <p:nvSpPr>
           <p:cNvPr id="104" name="Google Shape;104;g14315003a0d_0_39:notes"/>
-          <p:cNvSpPr txBox="1"/>
+          <p:cNvSpPr txBox="1">
+            <a:spLocks noGrp="1"/>
+          </p:cNvSpPr>
           <p:nvPr>
-            <p:ph idx="1" type="body"/>
+            <p:ph type="body" idx="1"/>
           </p:nvPr>
         </p:nvSpPr>
         <p:spPr>
@@ -2557,12 +2650,12 @@
           </a:ln>
         </p:spPr>
         <p:txBody>
-          <a:bodyPr anchorCtr="0" anchor="t" bIns="91425" lIns="91425" spcFirstLastPara="1" rIns="91425" wrap="square" tIns="91425">
+          <a:bodyPr spcFirstLastPara="1" wrap="square" lIns="91425" tIns="91425" rIns="91425" bIns="91425" anchor="t" anchorCtr="0">
             <a:noAutofit/>
           </a:bodyPr>
           <a:lstStyle/>
           <a:p>
-            <a:pPr indent="0" lvl="0" marL="0" rtl="0" algn="l">
+            <a:pPr marL="0" lvl="0" indent="0" algn="l" rtl="0">
               <a:lnSpc>
                 <a:spcPct val="100000"/>
               </a:lnSpc>
@@ -2575,9 +2668,6 @@
               <a:buSzPts val="1100"/>
               <a:buNone/>
             </a:pPr>
-            <a:r>
-              <a:t/>
-            </a:r>
             <a:endParaRPr/>
           </a:p>
         </p:txBody>
@@ -2591,11 +2681,11 @@
 </file>
 
 <file path=ppt/slideLayouts/slideLayout1.xml><?xml version="1.0" encoding="utf-8"?>
-<p:sldLayout xmlns:a="http://schemas.openxmlformats.org/drawingml/2006/main" xmlns:r="http://schemas.openxmlformats.org/officeDocument/2006/relationships" xmlns:mc="http://schemas.openxmlformats.org/markup-compatibility/2006" xmlns:mv="urn:schemas-microsoft-com:mac:vml" xmlns:p="http://schemas.openxmlformats.org/presentationml/2006/main" xmlns:c="http://schemas.openxmlformats.org/drawingml/2006/chart" xmlns:dgm="http://schemas.openxmlformats.org/drawingml/2006/diagram" xmlns:o="urn:schemas-microsoft-com:office:office" xmlns:v="urn:schemas-microsoft-com:vml" xmlns:pvml="urn:schemas-microsoft-com:office:powerpoint" xmlns:com="http://schemas.openxmlformats.org/drawingml/2006/compatibility" xmlns:p14="http://schemas.microsoft.com/office/powerpoint/2010/main" xmlns:p15="http://schemas.microsoft.com/office/powerpoint/2012/main" xmlns:ahyp="http://schemas.microsoft.com/office/drawing/2018/hyperlinkcolor" matchingName="Title slide" type="title">
+<p:sldLayout xmlns:a="http://schemas.openxmlformats.org/drawingml/2006/main" xmlns:r="http://schemas.openxmlformats.org/officeDocument/2006/relationships" xmlns:p="http://schemas.openxmlformats.org/presentationml/2006/main" matchingName="Title slide" type="title">
   <p:cSld name="TITLE">
     <p:spTree>
       <p:nvGrpSpPr>
-        <p:cNvPr id="9" name="Shape 9"/>
+        <p:cNvPr id="1" name="Shape 9"/>
         <p:cNvGrpSpPr/>
         <p:nvPr/>
       </p:nvGrpSpPr>
@@ -2610,7 +2700,9 @@
       <p:sp>
         <p:nvSpPr>
           <p:cNvPr id="10" name="Google Shape;10;p2"/>
-          <p:cNvSpPr txBox="1"/>
+          <p:cNvSpPr txBox="1">
+            <a:spLocks noGrp="1"/>
+          </p:cNvSpPr>
           <p:nvPr>
             <p:ph type="ctrTitle"/>
           </p:nvPr>
@@ -2629,7 +2721,7 @@
           </a:ln>
         </p:spPr>
         <p:txBody>
-          <a:bodyPr anchorCtr="0" anchor="b" bIns="91425" lIns="91425" spcFirstLastPara="1" rIns="91425" wrap="square" tIns="91425">
+          <a:bodyPr spcFirstLastPara="1" wrap="square" lIns="91425" tIns="91425" rIns="91425" bIns="91425" anchor="b" anchorCtr="0">
             <a:normAutofit/>
           </a:bodyPr>
           <a:lstStyle>
@@ -2760,15 +2852,19 @@
               <a:defRPr sz="5200"/>
             </a:lvl9pPr>
           </a:lstStyle>
-          <a:p/>
+          <a:p>
+            <a:endParaRPr/>
+          </a:p>
         </p:txBody>
       </p:sp>
       <p:sp>
         <p:nvSpPr>
           <p:cNvPr id="11" name="Google Shape;11;p2"/>
-          <p:cNvSpPr txBox="1"/>
+          <p:cNvSpPr txBox="1">
+            <a:spLocks noGrp="1"/>
+          </p:cNvSpPr>
           <p:nvPr>
-            <p:ph idx="1" type="subTitle"/>
+            <p:ph type="subTitle" idx="1"/>
           </p:nvPr>
         </p:nvSpPr>
         <p:spPr>
@@ -2785,7 +2881,7 @@
           </a:ln>
         </p:spPr>
         <p:txBody>
-          <a:bodyPr anchorCtr="0" anchor="t" bIns="91425" lIns="91425" spcFirstLastPara="1" rIns="91425" wrap="square" tIns="91425">
+          <a:bodyPr spcFirstLastPara="1" wrap="square" lIns="91425" tIns="91425" rIns="91425" bIns="91425" anchor="t" anchorCtr="0">
             <a:normAutofit/>
           </a:bodyPr>
           <a:lstStyle>
@@ -2916,15 +3012,19 @@
               <a:defRPr sz="2800"/>
             </a:lvl9pPr>
           </a:lstStyle>
-          <a:p/>
+          <a:p>
+            <a:endParaRPr/>
+          </a:p>
         </p:txBody>
       </p:sp>
       <p:sp>
         <p:nvSpPr>
           <p:cNvPr id="12" name="Google Shape;12;p2"/>
-          <p:cNvSpPr txBox="1"/>
+          <p:cNvSpPr txBox="1">
+            <a:spLocks noGrp="1"/>
+          </p:cNvSpPr>
           <p:nvPr>
-            <p:ph idx="12" type="sldNum"/>
+            <p:ph type="sldNum" idx="12"/>
           </p:nvPr>
         </p:nvSpPr>
         <p:spPr>
@@ -2941,11 +3041,11 @@
           </a:ln>
         </p:spPr>
         <p:txBody>
-          <a:bodyPr anchorCtr="0" anchor="ctr" bIns="91425" lIns="91425" spcFirstLastPara="1" rIns="91425" wrap="square" tIns="91425">
+          <a:bodyPr spcFirstLastPara="1" wrap="square" lIns="91425" tIns="91425" rIns="91425" bIns="91425" anchor="ctr" anchorCtr="0">
             <a:normAutofit/>
           </a:bodyPr>
           <a:lstStyle>
-            <a:lvl1pPr indent="0" lvl="0" marL="0" marR="0" algn="r">
+            <a:lvl1pPr marL="0" marR="0" lvl="0" indent="0" algn="r">
               <a:lnSpc>
                 <a:spcPct val="100000"/>
               </a:lnSpc>
@@ -2961,7 +3061,7 @@
               <a:buSzPts val="1000"/>
               <a:buFont typeface="Arial"/>
               <a:buNone/>
-              <a:defRPr b="0" i="0" sz="1000" u="none" cap="none" strike="noStrike">
+              <a:defRPr sz="1000" b="0" i="0" u="none" strike="noStrike" cap="none">
                 <a:solidFill>
                   <a:schemeClr val="dk2"/>
                 </a:solidFill>
@@ -2971,7 +3071,7 @@
                 <a:sym typeface="Arial"/>
               </a:defRPr>
             </a:lvl1pPr>
-            <a:lvl2pPr indent="0" lvl="1" marL="0" marR="0" algn="r">
+            <a:lvl2pPr marL="0" marR="0" lvl="1" indent="0" algn="r">
               <a:lnSpc>
                 <a:spcPct val="100000"/>
               </a:lnSpc>
@@ -2987,7 +3087,7 @@
               <a:buSzPts val="1000"/>
               <a:buFont typeface="Arial"/>
               <a:buNone/>
-              <a:defRPr b="0" i="0" sz="1000" u="none" cap="none" strike="noStrike">
+              <a:defRPr sz="1000" b="0" i="0" u="none" strike="noStrike" cap="none">
                 <a:solidFill>
                   <a:schemeClr val="dk2"/>
                 </a:solidFill>
@@ -2997,7 +3097,7 @@
                 <a:sym typeface="Arial"/>
               </a:defRPr>
             </a:lvl2pPr>
-            <a:lvl3pPr indent="0" lvl="2" marL="0" marR="0" algn="r">
+            <a:lvl3pPr marL="0" marR="0" lvl="2" indent="0" algn="r">
               <a:lnSpc>
                 <a:spcPct val="100000"/>
               </a:lnSpc>
@@ -3013,7 +3113,7 @@
               <a:buSzPts val="1000"/>
               <a:buFont typeface="Arial"/>
               <a:buNone/>
-              <a:defRPr b="0" i="0" sz="1000" u="none" cap="none" strike="noStrike">
+              <a:defRPr sz="1000" b="0" i="0" u="none" strike="noStrike" cap="none">
                 <a:solidFill>
                   <a:schemeClr val="dk2"/>
                 </a:solidFill>
@@ -3023,7 +3123,7 @@
                 <a:sym typeface="Arial"/>
               </a:defRPr>
             </a:lvl3pPr>
-            <a:lvl4pPr indent="0" lvl="3" marL="0" marR="0" algn="r">
+            <a:lvl4pPr marL="0" marR="0" lvl="3" indent="0" algn="r">
               <a:lnSpc>
                 <a:spcPct val="100000"/>
               </a:lnSpc>
@@ -3039,7 +3139,7 @@
               <a:buSzPts val="1000"/>
               <a:buFont typeface="Arial"/>
               <a:buNone/>
-              <a:defRPr b="0" i="0" sz="1000" u="none" cap="none" strike="noStrike">
+              <a:defRPr sz="1000" b="0" i="0" u="none" strike="noStrike" cap="none">
                 <a:solidFill>
                   <a:schemeClr val="dk2"/>
                 </a:solidFill>
@@ -3049,7 +3149,7 @@
                 <a:sym typeface="Arial"/>
               </a:defRPr>
             </a:lvl4pPr>
-            <a:lvl5pPr indent="0" lvl="4" marL="0" marR="0" algn="r">
+            <a:lvl5pPr marL="0" marR="0" lvl="4" indent="0" algn="r">
               <a:lnSpc>
                 <a:spcPct val="100000"/>
               </a:lnSpc>
@@ -3065,7 +3165,7 @@
               <a:buSzPts val="1000"/>
               <a:buFont typeface="Arial"/>
               <a:buNone/>
-              <a:defRPr b="0" i="0" sz="1000" u="none" cap="none" strike="noStrike">
+              <a:defRPr sz="1000" b="0" i="0" u="none" strike="noStrike" cap="none">
                 <a:solidFill>
                   <a:schemeClr val="dk2"/>
                 </a:solidFill>
@@ -3075,7 +3175,7 @@
                 <a:sym typeface="Arial"/>
               </a:defRPr>
             </a:lvl5pPr>
-            <a:lvl6pPr indent="0" lvl="5" marL="0" marR="0" algn="r">
+            <a:lvl6pPr marL="0" marR="0" lvl="5" indent="0" algn="r">
               <a:lnSpc>
                 <a:spcPct val="100000"/>
               </a:lnSpc>
@@ -3091,7 +3191,7 @@
               <a:buSzPts val="1000"/>
               <a:buFont typeface="Arial"/>
               <a:buNone/>
-              <a:defRPr b="0" i="0" sz="1000" u="none" cap="none" strike="noStrike">
+              <a:defRPr sz="1000" b="0" i="0" u="none" strike="noStrike" cap="none">
                 <a:solidFill>
                   <a:schemeClr val="dk2"/>
                 </a:solidFill>
@@ -3101,7 +3201,7 @@
                 <a:sym typeface="Arial"/>
               </a:defRPr>
             </a:lvl6pPr>
-            <a:lvl7pPr indent="0" lvl="6" marL="0" marR="0" algn="r">
+            <a:lvl7pPr marL="0" marR="0" lvl="6" indent="0" algn="r">
               <a:lnSpc>
                 <a:spcPct val="100000"/>
               </a:lnSpc>
@@ -3117,7 +3217,7 @@
               <a:buSzPts val="1000"/>
               <a:buFont typeface="Arial"/>
               <a:buNone/>
-              <a:defRPr b="0" i="0" sz="1000" u="none" cap="none" strike="noStrike">
+              <a:defRPr sz="1000" b="0" i="0" u="none" strike="noStrike" cap="none">
                 <a:solidFill>
                   <a:schemeClr val="dk2"/>
                 </a:solidFill>
@@ -3127,7 +3227,7 @@
                 <a:sym typeface="Arial"/>
               </a:defRPr>
             </a:lvl7pPr>
-            <a:lvl8pPr indent="0" lvl="7" marL="0" marR="0" algn="r">
+            <a:lvl8pPr marL="0" marR="0" lvl="7" indent="0" algn="r">
               <a:lnSpc>
                 <a:spcPct val="100000"/>
               </a:lnSpc>
@@ -3143,7 +3243,7 @@
               <a:buSzPts val="1000"/>
               <a:buFont typeface="Arial"/>
               <a:buNone/>
-              <a:defRPr b="0" i="0" sz="1000" u="none" cap="none" strike="noStrike">
+              <a:defRPr sz="1000" b="0" i="0" u="none" strike="noStrike" cap="none">
                 <a:solidFill>
                   <a:schemeClr val="dk2"/>
                 </a:solidFill>
@@ -3153,7 +3253,7 @@
                 <a:sym typeface="Arial"/>
               </a:defRPr>
             </a:lvl8pPr>
-            <a:lvl9pPr indent="0" lvl="8" marL="0" marR="0" algn="r">
+            <a:lvl9pPr marL="0" marR="0" lvl="8" indent="0" algn="r">
               <a:lnSpc>
                 <a:spcPct val="100000"/>
               </a:lnSpc>
@@ -3169,7 +3269,7 @@
               <a:buSzPts val="1000"/>
               <a:buFont typeface="Arial"/>
               <a:buNone/>
-              <a:defRPr b="0" i="0" sz="1000" u="none" cap="none" strike="noStrike">
+              <a:defRPr sz="1000" b="0" i="0" u="none" strike="noStrike" cap="none">
                 <a:solidFill>
                   <a:schemeClr val="dk2"/>
                 </a:solidFill>
@@ -3181,7 +3281,7 @@
             </a:lvl9pPr>
           </a:lstStyle>
           <a:p>
-            <a:pPr indent="0" lvl="0" marL="0" rtl="0" algn="r">
+            <a:pPr marL="0" lvl="0" indent="0" algn="r" rtl="0">
               <a:spcBef>
                 <a:spcPts val="0"/>
               </a:spcBef>
@@ -3207,11 +3307,11 @@
 </file>
 
 <file path=ppt/slideLayouts/slideLayout10.xml><?xml version="1.0" encoding="utf-8"?>
-<p:sldLayout xmlns:a="http://schemas.openxmlformats.org/drawingml/2006/main" xmlns:r="http://schemas.openxmlformats.org/officeDocument/2006/relationships" xmlns:mc="http://schemas.openxmlformats.org/markup-compatibility/2006" xmlns:mv="urn:schemas-microsoft-com:mac:vml" xmlns:p="http://schemas.openxmlformats.org/presentationml/2006/main" xmlns:c="http://schemas.openxmlformats.org/drawingml/2006/chart" xmlns:dgm="http://schemas.openxmlformats.org/drawingml/2006/diagram" xmlns:o="urn:schemas-microsoft-com:office:office" xmlns:v="urn:schemas-microsoft-com:vml" xmlns:pvml="urn:schemas-microsoft-com:office:powerpoint" xmlns:com="http://schemas.openxmlformats.org/drawingml/2006/compatibility" xmlns:p14="http://schemas.microsoft.com/office/powerpoint/2010/main" xmlns:p15="http://schemas.microsoft.com/office/powerpoint/2012/main" xmlns:ahyp="http://schemas.microsoft.com/office/drawing/2018/hyperlinkcolor" matchingName="Big number">
+<p:sldLayout xmlns:a="http://schemas.openxmlformats.org/drawingml/2006/main" xmlns:r="http://schemas.openxmlformats.org/officeDocument/2006/relationships" xmlns:p="http://schemas.openxmlformats.org/presentationml/2006/main" matchingName="Big number">
   <p:cSld name="BIG_NUMBER">
     <p:spTree>
       <p:nvGrpSpPr>
-        <p:cNvPr id="44" name="Shape 44"/>
+        <p:cNvPr id="1" name="Shape 44"/>
         <p:cNvGrpSpPr/>
         <p:nvPr/>
       </p:nvGrpSpPr>
@@ -3226,9 +3326,11 @@
       <p:sp>
         <p:nvSpPr>
           <p:cNvPr id="45" name="Google Shape;45;p11"/>
-          <p:cNvSpPr txBox="1"/>
+          <p:cNvSpPr txBox="1">
+            <a:spLocks noGrp="1"/>
+          </p:cNvSpPr>
           <p:nvPr>
-            <p:ph hasCustomPrompt="1" type="title"/>
+            <p:ph type="title" hasCustomPrompt="1"/>
           </p:nvPr>
         </p:nvSpPr>
         <p:spPr>
@@ -3245,7 +3347,7 @@
           </a:ln>
         </p:spPr>
         <p:txBody>
-          <a:bodyPr anchorCtr="0" anchor="b" bIns="91425" lIns="91425" spcFirstLastPara="1" rIns="91425" wrap="square" tIns="91425">
+          <a:bodyPr spcFirstLastPara="1" wrap="square" lIns="91425" tIns="91425" rIns="91425" bIns="91425" anchor="b" anchorCtr="0">
             <a:normAutofit/>
           </a:bodyPr>
           <a:lstStyle>
@@ -3386,9 +3488,11 @@
       <p:sp>
         <p:nvSpPr>
           <p:cNvPr id="46" name="Google Shape;46;p11"/>
-          <p:cNvSpPr txBox="1"/>
+          <p:cNvSpPr txBox="1">
+            <a:spLocks noGrp="1"/>
+          </p:cNvSpPr>
           <p:nvPr>
-            <p:ph idx="1" type="body"/>
+            <p:ph type="body" idx="1"/>
           </p:nvPr>
         </p:nvSpPr>
         <p:spPr>
@@ -3405,11 +3509,11 @@
           </a:ln>
         </p:spPr>
         <p:txBody>
-          <a:bodyPr anchorCtr="0" anchor="t" bIns="91425" lIns="91425" spcFirstLastPara="1" rIns="91425" wrap="square" tIns="91425">
+          <a:bodyPr spcFirstLastPara="1" wrap="square" lIns="91425" tIns="91425" rIns="91425" bIns="91425" anchor="t" anchorCtr="0">
             <a:normAutofit/>
           </a:bodyPr>
           <a:lstStyle>
-            <a:lvl1pPr indent="-342900" lvl="0" marL="457200" algn="ctr">
+            <a:lvl1pPr marL="457200" lvl="0" indent="-342900" algn="ctr">
               <a:lnSpc>
                 <a:spcPct val="115000"/>
               </a:lnSpc>
@@ -3423,7 +3527,7 @@
               <a:buChar char="●"/>
               <a:defRPr/>
             </a:lvl1pPr>
-            <a:lvl2pPr indent="-317500" lvl="1" marL="914400" algn="ctr">
+            <a:lvl2pPr marL="914400" lvl="1" indent="-317500" algn="ctr">
               <a:lnSpc>
                 <a:spcPct val="115000"/>
               </a:lnSpc>
@@ -3437,7 +3541,7 @@
               <a:buChar char="○"/>
               <a:defRPr/>
             </a:lvl2pPr>
-            <a:lvl3pPr indent="-317500" lvl="2" marL="1371600" algn="ctr">
+            <a:lvl3pPr marL="1371600" lvl="2" indent="-317500" algn="ctr">
               <a:lnSpc>
                 <a:spcPct val="115000"/>
               </a:lnSpc>
@@ -3451,7 +3555,7 @@
               <a:buChar char="■"/>
               <a:defRPr/>
             </a:lvl3pPr>
-            <a:lvl4pPr indent="-317500" lvl="3" marL="1828800" algn="ctr">
+            <a:lvl4pPr marL="1828800" lvl="3" indent="-317500" algn="ctr">
               <a:lnSpc>
                 <a:spcPct val="115000"/>
               </a:lnSpc>
@@ -3465,7 +3569,7 @@
               <a:buChar char="●"/>
               <a:defRPr/>
             </a:lvl4pPr>
-            <a:lvl5pPr indent="-317500" lvl="4" marL="2286000" algn="ctr">
+            <a:lvl5pPr marL="2286000" lvl="4" indent="-317500" algn="ctr">
               <a:lnSpc>
                 <a:spcPct val="115000"/>
               </a:lnSpc>
@@ -3479,7 +3583,7 @@
               <a:buChar char="○"/>
               <a:defRPr/>
             </a:lvl5pPr>
-            <a:lvl6pPr indent="-317500" lvl="5" marL="2743200" algn="ctr">
+            <a:lvl6pPr marL="2743200" lvl="5" indent="-317500" algn="ctr">
               <a:lnSpc>
                 <a:spcPct val="115000"/>
               </a:lnSpc>
@@ -3493,7 +3597,7 @@
               <a:buChar char="■"/>
               <a:defRPr/>
             </a:lvl6pPr>
-            <a:lvl7pPr indent="-317500" lvl="6" marL="3200400" algn="ctr">
+            <a:lvl7pPr marL="3200400" lvl="6" indent="-317500" algn="ctr">
               <a:lnSpc>
                 <a:spcPct val="115000"/>
               </a:lnSpc>
@@ -3507,7 +3611,7 @@
               <a:buChar char="●"/>
               <a:defRPr/>
             </a:lvl7pPr>
-            <a:lvl8pPr indent="-317500" lvl="7" marL="3657600" algn="ctr">
+            <a:lvl8pPr marL="3657600" lvl="7" indent="-317500" algn="ctr">
               <a:lnSpc>
                 <a:spcPct val="115000"/>
               </a:lnSpc>
@@ -3521,7 +3625,7 @@
               <a:buChar char="○"/>
               <a:defRPr/>
             </a:lvl8pPr>
-            <a:lvl9pPr indent="-317500" lvl="8" marL="4114800" algn="ctr">
+            <a:lvl9pPr marL="4114800" lvl="8" indent="-317500" algn="ctr">
               <a:lnSpc>
                 <a:spcPct val="115000"/>
               </a:lnSpc>
@@ -3536,15 +3640,19 @@
               <a:defRPr/>
             </a:lvl9pPr>
           </a:lstStyle>
-          <a:p/>
+          <a:p>
+            <a:endParaRPr/>
+          </a:p>
         </p:txBody>
       </p:sp>
       <p:sp>
         <p:nvSpPr>
           <p:cNvPr id="47" name="Google Shape;47;p11"/>
-          <p:cNvSpPr txBox="1"/>
+          <p:cNvSpPr txBox="1">
+            <a:spLocks noGrp="1"/>
+          </p:cNvSpPr>
           <p:nvPr>
-            <p:ph idx="12" type="sldNum"/>
+            <p:ph type="sldNum" idx="12"/>
           </p:nvPr>
         </p:nvSpPr>
         <p:spPr>
@@ -3561,11 +3669,11 @@
           </a:ln>
         </p:spPr>
         <p:txBody>
-          <a:bodyPr anchorCtr="0" anchor="ctr" bIns="91425" lIns="91425" spcFirstLastPara="1" rIns="91425" wrap="square" tIns="91425">
+          <a:bodyPr spcFirstLastPara="1" wrap="square" lIns="91425" tIns="91425" rIns="91425" bIns="91425" anchor="ctr" anchorCtr="0">
             <a:normAutofit/>
           </a:bodyPr>
           <a:lstStyle>
-            <a:lvl1pPr indent="0" lvl="0" marL="0" marR="0" algn="r">
+            <a:lvl1pPr marL="0" marR="0" lvl="0" indent="0" algn="r">
               <a:lnSpc>
                 <a:spcPct val="100000"/>
               </a:lnSpc>
@@ -3581,7 +3689,7 @@
               <a:buSzPts val="1000"/>
               <a:buFont typeface="Arial"/>
               <a:buNone/>
-              <a:defRPr b="0" i="0" sz="1000" u="none" cap="none" strike="noStrike">
+              <a:defRPr sz="1000" b="0" i="0" u="none" strike="noStrike" cap="none">
                 <a:solidFill>
                   <a:schemeClr val="dk2"/>
                 </a:solidFill>
@@ -3591,7 +3699,7 @@
                 <a:sym typeface="Arial"/>
               </a:defRPr>
             </a:lvl1pPr>
-            <a:lvl2pPr indent="0" lvl="1" marL="0" marR="0" algn="r">
+            <a:lvl2pPr marL="0" marR="0" lvl="1" indent="0" algn="r">
               <a:lnSpc>
                 <a:spcPct val="100000"/>
               </a:lnSpc>
@@ -3607,7 +3715,7 @@
               <a:buSzPts val="1000"/>
               <a:buFont typeface="Arial"/>
               <a:buNone/>
-              <a:defRPr b="0" i="0" sz="1000" u="none" cap="none" strike="noStrike">
+              <a:defRPr sz="1000" b="0" i="0" u="none" strike="noStrike" cap="none">
                 <a:solidFill>
                   <a:schemeClr val="dk2"/>
                 </a:solidFill>
@@ -3617,7 +3725,7 @@
                 <a:sym typeface="Arial"/>
               </a:defRPr>
             </a:lvl2pPr>
-            <a:lvl3pPr indent="0" lvl="2" marL="0" marR="0" algn="r">
+            <a:lvl3pPr marL="0" marR="0" lvl="2" indent="0" algn="r">
               <a:lnSpc>
                 <a:spcPct val="100000"/>
               </a:lnSpc>
@@ -3633,7 +3741,7 @@
               <a:buSzPts val="1000"/>
               <a:buFont typeface="Arial"/>
               <a:buNone/>
-              <a:defRPr b="0" i="0" sz="1000" u="none" cap="none" strike="noStrike">
+              <a:defRPr sz="1000" b="0" i="0" u="none" strike="noStrike" cap="none">
                 <a:solidFill>
                   <a:schemeClr val="dk2"/>
                 </a:solidFill>
@@ -3643,7 +3751,7 @@
                 <a:sym typeface="Arial"/>
               </a:defRPr>
             </a:lvl3pPr>
-            <a:lvl4pPr indent="0" lvl="3" marL="0" marR="0" algn="r">
+            <a:lvl4pPr marL="0" marR="0" lvl="3" indent="0" algn="r">
               <a:lnSpc>
                 <a:spcPct val="100000"/>
               </a:lnSpc>
@@ -3659,7 +3767,7 @@
               <a:buSzPts val="1000"/>
               <a:buFont typeface="Arial"/>
               <a:buNone/>
-              <a:defRPr b="0" i="0" sz="1000" u="none" cap="none" strike="noStrike">
+              <a:defRPr sz="1000" b="0" i="0" u="none" strike="noStrike" cap="none">
                 <a:solidFill>
                   <a:schemeClr val="dk2"/>
                 </a:solidFill>
@@ -3669,7 +3777,7 @@
                 <a:sym typeface="Arial"/>
               </a:defRPr>
             </a:lvl4pPr>
-            <a:lvl5pPr indent="0" lvl="4" marL="0" marR="0" algn="r">
+            <a:lvl5pPr marL="0" marR="0" lvl="4" indent="0" algn="r">
               <a:lnSpc>
                 <a:spcPct val="100000"/>
               </a:lnSpc>
@@ -3685,7 +3793,7 @@
               <a:buSzPts val="1000"/>
               <a:buFont typeface="Arial"/>
               <a:buNone/>
-              <a:defRPr b="0" i="0" sz="1000" u="none" cap="none" strike="noStrike">
+              <a:defRPr sz="1000" b="0" i="0" u="none" strike="noStrike" cap="none">
                 <a:solidFill>
                   <a:schemeClr val="dk2"/>
                 </a:solidFill>
@@ -3695,7 +3803,7 @@
                 <a:sym typeface="Arial"/>
               </a:defRPr>
             </a:lvl5pPr>
-            <a:lvl6pPr indent="0" lvl="5" marL="0" marR="0" algn="r">
+            <a:lvl6pPr marL="0" marR="0" lvl="5" indent="0" algn="r">
               <a:lnSpc>
                 <a:spcPct val="100000"/>
               </a:lnSpc>
@@ -3711,7 +3819,7 @@
               <a:buSzPts val="1000"/>
               <a:buFont typeface="Arial"/>
               <a:buNone/>
-              <a:defRPr b="0" i="0" sz="1000" u="none" cap="none" strike="noStrike">
+              <a:defRPr sz="1000" b="0" i="0" u="none" strike="noStrike" cap="none">
                 <a:solidFill>
                   <a:schemeClr val="dk2"/>
                 </a:solidFill>
@@ -3721,7 +3829,7 @@
                 <a:sym typeface="Arial"/>
               </a:defRPr>
             </a:lvl6pPr>
-            <a:lvl7pPr indent="0" lvl="6" marL="0" marR="0" algn="r">
+            <a:lvl7pPr marL="0" marR="0" lvl="6" indent="0" algn="r">
               <a:lnSpc>
                 <a:spcPct val="100000"/>
               </a:lnSpc>
@@ -3737,7 +3845,7 @@
               <a:buSzPts val="1000"/>
               <a:buFont typeface="Arial"/>
               <a:buNone/>
-              <a:defRPr b="0" i="0" sz="1000" u="none" cap="none" strike="noStrike">
+              <a:defRPr sz="1000" b="0" i="0" u="none" strike="noStrike" cap="none">
                 <a:solidFill>
                   <a:schemeClr val="dk2"/>
                 </a:solidFill>
@@ -3747,7 +3855,7 @@
                 <a:sym typeface="Arial"/>
               </a:defRPr>
             </a:lvl7pPr>
-            <a:lvl8pPr indent="0" lvl="7" marL="0" marR="0" algn="r">
+            <a:lvl8pPr marL="0" marR="0" lvl="7" indent="0" algn="r">
               <a:lnSpc>
                 <a:spcPct val="100000"/>
               </a:lnSpc>
@@ -3763,7 +3871,7 @@
               <a:buSzPts val="1000"/>
               <a:buFont typeface="Arial"/>
               <a:buNone/>
-              <a:defRPr b="0" i="0" sz="1000" u="none" cap="none" strike="noStrike">
+              <a:defRPr sz="1000" b="0" i="0" u="none" strike="noStrike" cap="none">
                 <a:solidFill>
                   <a:schemeClr val="dk2"/>
                 </a:solidFill>
@@ -3773,7 +3881,7 @@
                 <a:sym typeface="Arial"/>
               </a:defRPr>
             </a:lvl8pPr>
-            <a:lvl9pPr indent="0" lvl="8" marL="0" marR="0" algn="r">
+            <a:lvl9pPr marL="0" marR="0" lvl="8" indent="0" algn="r">
               <a:lnSpc>
                 <a:spcPct val="100000"/>
               </a:lnSpc>
@@ -3789,7 +3897,7 @@
               <a:buSzPts val="1000"/>
               <a:buFont typeface="Arial"/>
               <a:buNone/>
-              <a:defRPr b="0" i="0" sz="1000" u="none" cap="none" strike="noStrike">
+              <a:defRPr sz="1000" b="0" i="0" u="none" strike="noStrike" cap="none">
                 <a:solidFill>
                   <a:schemeClr val="dk2"/>
                 </a:solidFill>
@@ -3801,7 +3909,7 @@
             </a:lvl9pPr>
           </a:lstStyle>
           <a:p>
-            <a:pPr indent="0" lvl="0" marL="0" rtl="0" algn="r">
+            <a:pPr marL="0" lvl="0" indent="0" algn="r" rtl="0">
               <a:spcBef>
                 <a:spcPts val="0"/>
               </a:spcBef>
@@ -3827,11 +3935,11 @@
 </file>
 
 <file path=ppt/slideLayouts/slideLayout11.xml><?xml version="1.0" encoding="utf-8"?>
-<p:sldLayout xmlns:a="http://schemas.openxmlformats.org/drawingml/2006/main" xmlns:r="http://schemas.openxmlformats.org/officeDocument/2006/relationships" xmlns:mc="http://schemas.openxmlformats.org/markup-compatibility/2006" xmlns:mv="urn:schemas-microsoft-com:mac:vml" xmlns:p="http://schemas.openxmlformats.org/presentationml/2006/main" xmlns:c="http://schemas.openxmlformats.org/drawingml/2006/chart" xmlns:dgm="http://schemas.openxmlformats.org/drawingml/2006/diagram" xmlns:o="urn:schemas-microsoft-com:office:office" xmlns:v="urn:schemas-microsoft-com:vml" xmlns:pvml="urn:schemas-microsoft-com:office:powerpoint" xmlns:com="http://schemas.openxmlformats.org/drawingml/2006/compatibility" xmlns:p14="http://schemas.microsoft.com/office/powerpoint/2010/main" xmlns:p15="http://schemas.microsoft.com/office/powerpoint/2012/main" xmlns:ahyp="http://schemas.microsoft.com/office/drawing/2018/hyperlinkcolor" matchingName="Blank" type="blank">
+<p:sldLayout xmlns:a="http://schemas.openxmlformats.org/drawingml/2006/main" xmlns:r="http://schemas.openxmlformats.org/officeDocument/2006/relationships" xmlns:p="http://schemas.openxmlformats.org/presentationml/2006/main" matchingName="Blank" type="blank">
   <p:cSld name="BLANK">
     <p:spTree>
       <p:nvGrpSpPr>
-        <p:cNvPr id="48" name="Shape 48"/>
+        <p:cNvPr id="1" name="Shape 48"/>
         <p:cNvGrpSpPr/>
         <p:nvPr/>
       </p:nvGrpSpPr>
@@ -3846,9 +3954,11 @@
       <p:sp>
         <p:nvSpPr>
           <p:cNvPr id="49" name="Google Shape;49;p12"/>
-          <p:cNvSpPr txBox="1"/>
+          <p:cNvSpPr txBox="1">
+            <a:spLocks noGrp="1"/>
+          </p:cNvSpPr>
           <p:nvPr>
-            <p:ph idx="12" type="sldNum"/>
+            <p:ph type="sldNum" idx="12"/>
           </p:nvPr>
         </p:nvSpPr>
         <p:spPr>
@@ -3865,11 +3975,11 @@
           </a:ln>
         </p:spPr>
         <p:txBody>
-          <a:bodyPr anchorCtr="0" anchor="ctr" bIns="91425" lIns="91425" spcFirstLastPara="1" rIns="91425" wrap="square" tIns="91425">
+          <a:bodyPr spcFirstLastPara="1" wrap="square" lIns="91425" tIns="91425" rIns="91425" bIns="91425" anchor="ctr" anchorCtr="0">
             <a:normAutofit/>
           </a:bodyPr>
           <a:lstStyle>
-            <a:lvl1pPr indent="0" lvl="0" marL="0" marR="0" algn="r">
+            <a:lvl1pPr marL="0" marR="0" lvl="0" indent="0" algn="r">
               <a:lnSpc>
                 <a:spcPct val="100000"/>
               </a:lnSpc>
@@ -3885,7 +3995,7 @@
               <a:buSzPts val="1000"/>
               <a:buFont typeface="Arial"/>
               <a:buNone/>
-              <a:defRPr b="0" i="0" sz="1000" u="none" cap="none" strike="noStrike">
+              <a:defRPr sz="1000" b="0" i="0" u="none" strike="noStrike" cap="none">
                 <a:solidFill>
                   <a:schemeClr val="dk2"/>
                 </a:solidFill>
@@ -3895,7 +4005,7 @@
                 <a:sym typeface="Arial"/>
               </a:defRPr>
             </a:lvl1pPr>
-            <a:lvl2pPr indent="0" lvl="1" marL="0" marR="0" algn="r">
+            <a:lvl2pPr marL="0" marR="0" lvl="1" indent="0" algn="r">
               <a:lnSpc>
                 <a:spcPct val="100000"/>
               </a:lnSpc>
@@ -3911,7 +4021,7 @@
               <a:buSzPts val="1000"/>
               <a:buFont typeface="Arial"/>
               <a:buNone/>
-              <a:defRPr b="0" i="0" sz="1000" u="none" cap="none" strike="noStrike">
+              <a:defRPr sz="1000" b="0" i="0" u="none" strike="noStrike" cap="none">
                 <a:solidFill>
                   <a:schemeClr val="dk2"/>
                 </a:solidFill>
@@ -3921,7 +4031,7 @@
                 <a:sym typeface="Arial"/>
               </a:defRPr>
             </a:lvl2pPr>
-            <a:lvl3pPr indent="0" lvl="2" marL="0" marR="0" algn="r">
+            <a:lvl3pPr marL="0" marR="0" lvl="2" indent="0" algn="r">
               <a:lnSpc>
                 <a:spcPct val="100000"/>
               </a:lnSpc>
@@ -3937,7 +4047,7 @@
               <a:buSzPts val="1000"/>
               <a:buFont typeface="Arial"/>
               <a:buNone/>
-              <a:defRPr b="0" i="0" sz="1000" u="none" cap="none" strike="noStrike">
+              <a:defRPr sz="1000" b="0" i="0" u="none" strike="noStrike" cap="none">
                 <a:solidFill>
                   <a:schemeClr val="dk2"/>
                 </a:solidFill>
@@ -3947,7 +4057,7 @@
                 <a:sym typeface="Arial"/>
               </a:defRPr>
             </a:lvl3pPr>
-            <a:lvl4pPr indent="0" lvl="3" marL="0" marR="0" algn="r">
+            <a:lvl4pPr marL="0" marR="0" lvl="3" indent="0" algn="r">
               <a:lnSpc>
                 <a:spcPct val="100000"/>
               </a:lnSpc>
@@ -3963,7 +4073,7 @@
               <a:buSzPts val="1000"/>
               <a:buFont typeface="Arial"/>
               <a:buNone/>
-              <a:defRPr b="0" i="0" sz="1000" u="none" cap="none" strike="noStrike">
+              <a:defRPr sz="1000" b="0" i="0" u="none" strike="noStrike" cap="none">
                 <a:solidFill>
                   <a:schemeClr val="dk2"/>
                 </a:solidFill>
@@ -3973,7 +4083,7 @@
                 <a:sym typeface="Arial"/>
               </a:defRPr>
             </a:lvl4pPr>
-            <a:lvl5pPr indent="0" lvl="4" marL="0" marR="0" algn="r">
+            <a:lvl5pPr marL="0" marR="0" lvl="4" indent="0" algn="r">
               <a:lnSpc>
                 <a:spcPct val="100000"/>
               </a:lnSpc>
@@ -3989,7 +4099,7 @@
               <a:buSzPts val="1000"/>
               <a:buFont typeface="Arial"/>
               <a:buNone/>
-              <a:defRPr b="0" i="0" sz="1000" u="none" cap="none" strike="noStrike">
+              <a:defRPr sz="1000" b="0" i="0" u="none" strike="noStrike" cap="none">
                 <a:solidFill>
                   <a:schemeClr val="dk2"/>
                 </a:solidFill>
@@ -3999,7 +4109,7 @@
                 <a:sym typeface="Arial"/>
               </a:defRPr>
             </a:lvl5pPr>
-            <a:lvl6pPr indent="0" lvl="5" marL="0" marR="0" algn="r">
+            <a:lvl6pPr marL="0" marR="0" lvl="5" indent="0" algn="r">
               <a:lnSpc>
                 <a:spcPct val="100000"/>
               </a:lnSpc>
@@ -4015,7 +4125,7 @@
               <a:buSzPts val="1000"/>
               <a:buFont typeface="Arial"/>
               <a:buNone/>
-              <a:defRPr b="0" i="0" sz="1000" u="none" cap="none" strike="noStrike">
+              <a:defRPr sz="1000" b="0" i="0" u="none" strike="noStrike" cap="none">
                 <a:solidFill>
                   <a:schemeClr val="dk2"/>
                 </a:solidFill>
@@ -4025,7 +4135,7 @@
                 <a:sym typeface="Arial"/>
               </a:defRPr>
             </a:lvl6pPr>
-            <a:lvl7pPr indent="0" lvl="6" marL="0" marR="0" algn="r">
+            <a:lvl7pPr marL="0" marR="0" lvl="6" indent="0" algn="r">
               <a:lnSpc>
                 <a:spcPct val="100000"/>
               </a:lnSpc>
@@ -4041,7 +4151,7 @@
               <a:buSzPts val="1000"/>
               <a:buFont typeface="Arial"/>
               <a:buNone/>
-              <a:defRPr b="0" i="0" sz="1000" u="none" cap="none" strike="noStrike">
+              <a:defRPr sz="1000" b="0" i="0" u="none" strike="noStrike" cap="none">
                 <a:solidFill>
                   <a:schemeClr val="dk2"/>
                 </a:solidFill>
@@ -4051,7 +4161,7 @@
                 <a:sym typeface="Arial"/>
               </a:defRPr>
             </a:lvl7pPr>
-            <a:lvl8pPr indent="0" lvl="7" marL="0" marR="0" algn="r">
+            <a:lvl8pPr marL="0" marR="0" lvl="7" indent="0" algn="r">
               <a:lnSpc>
                 <a:spcPct val="100000"/>
               </a:lnSpc>
@@ -4067,7 +4177,7 @@
               <a:buSzPts val="1000"/>
               <a:buFont typeface="Arial"/>
               <a:buNone/>
-              <a:defRPr b="0" i="0" sz="1000" u="none" cap="none" strike="noStrike">
+              <a:defRPr sz="1000" b="0" i="0" u="none" strike="noStrike" cap="none">
                 <a:solidFill>
                   <a:schemeClr val="dk2"/>
                 </a:solidFill>
@@ -4077,7 +4187,7 @@
                 <a:sym typeface="Arial"/>
               </a:defRPr>
             </a:lvl8pPr>
-            <a:lvl9pPr indent="0" lvl="8" marL="0" marR="0" algn="r">
+            <a:lvl9pPr marL="0" marR="0" lvl="8" indent="0" algn="r">
               <a:lnSpc>
                 <a:spcPct val="100000"/>
               </a:lnSpc>
@@ -4093,7 +4203,7 @@
               <a:buSzPts val="1000"/>
               <a:buFont typeface="Arial"/>
               <a:buNone/>
-              <a:defRPr b="0" i="0" sz="1000" u="none" cap="none" strike="noStrike">
+              <a:defRPr sz="1000" b="0" i="0" u="none" strike="noStrike" cap="none">
                 <a:solidFill>
                   <a:schemeClr val="dk2"/>
                 </a:solidFill>
@@ -4105,7 +4215,7 @@
             </a:lvl9pPr>
           </a:lstStyle>
           <a:p>
-            <a:pPr indent="0" lvl="0" marL="0" rtl="0" algn="r">
+            <a:pPr marL="0" lvl="0" indent="0" algn="r" rtl="0">
               <a:spcBef>
                 <a:spcPts val="0"/>
               </a:spcBef>
@@ -4131,11 +4241,11 @@
 </file>
 
 <file path=ppt/slideLayouts/slideLayout2.xml><?xml version="1.0" encoding="utf-8"?>
-<p:sldLayout xmlns:a="http://schemas.openxmlformats.org/drawingml/2006/main" xmlns:r="http://schemas.openxmlformats.org/officeDocument/2006/relationships" xmlns:mc="http://schemas.openxmlformats.org/markup-compatibility/2006" xmlns:mv="urn:schemas-microsoft-com:mac:vml" xmlns:p="http://schemas.openxmlformats.org/presentationml/2006/main" xmlns:c="http://schemas.openxmlformats.org/drawingml/2006/chart" xmlns:dgm="http://schemas.openxmlformats.org/drawingml/2006/diagram" xmlns:o="urn:schemas-microsoft-com:office:office" xmlns:v="urn:schemas-microsoft-com:vml" xmlns:pvml="urn:schemas-microsoft-com:office:powerpoint" xmlns:com="http://schemas.openxmlformats.org/drawingml/2006/compatibility" xmlns:p14="http://schemas.microsoft.com/office/powerpoint/2010/main" xmlns:p15="http://schemas.microsoft.com/office/powerpoint/2012/main" xmlns:ahyp="http://schemas.microsoft.com/office/drawing/2018/hyperlinkcolor" matchingName="Section header" type="secHead">
+<p:sldLayout xmlns:a="http://schemas.openxmlformats.org/drawingml/2006/main" xmlns:r="http://schemas.openxmlformats.org/officeDocument/2006/relationships" xmlns:p="http://schemas.openxmlformats.org/presentationml/2006/main" matchingName="Section header" type="secHead">
   <p:cSld name="SECTION_HEADER">
     <p:spTree>
       <p:nvGrpSpPr>
-        <p:cNvPr id="13" name="Shape 13"/>
+        <p:cNvPr id="1" name="Shape 13"/>
         <p:cNvGrpSpPr/>
         <p:nvPr/>
       </p:nvGrpSpPr>
@@ -4150,7 +4260,9 @@
       <p:sp>
         <p:nvSpPr>
           <p:cNvPr id="14" name="Google Shape;14;p3"/>
-          <p:cNvSpPr txBox="1"/>
+          <p:cNvSpPr txBox="1">
+            <a:spLocks noGrp="1"/>
+          </p:cNvSpPr>
           <p:nvPr>
             <p:ph type="title"/>
           </p:nvPr>
@@ -4169,7 +4281,7 @@
           </a:ln>
         </p:spPr>
         <p:txBody>
-          <a:bodyPr anchorCtr="0" anchor="ctr" bIns="91425" lIns="91425" spcFirstLastPara="1" rIns="91425" wrap="square" tIns="91425">
+          <a:bodyPr spcFirstLastPara="1" wrap="square" lIns="91425" tIns="91425" rIns="91425" bIns="91425" anchor="ctr" anchorCtr="0">
             <a:normAutofit/>
           </a:bodyPr>
           <a:lstStyle>
@@ -4300,15 +4412,19 @@
               <a:defRPr sz="3600"/>
             </a:lvl9pPr>
           </a:lstStyle>
-          <a:p/>
+          <a:p>
+            <a:endParaRPr/>
+          </a:p>
         </p:txBody>
       </p:sp>
       <p:sp>
         <p:nvSpPr>
           <p:cNvPr id="15" name="Google Shape;15;p3"/>
-          <p:cNvSpPr txBox="1"/>
+          <p:cNvSpPr txBox="1">
+            <a:spLocks noGrp="1"/>
+          </p:cNvSpPr>
           <p:nvPr>
-            <p:ph idx="12" type="sldNum"/>
+            <p:ph type="sldNum" idx="12"/>
           </p:nvPr>
         </p:nvSpPr>
         <p:spPr>
@@ -4325,11 +4441,11 @@
           </a:ln>
         </p:spPr>
         <p:txBody>
-          <a:bodyPr anchorCtr="0" anchor="ctr" bIns="91425" lIns="91425" spcFirstLastPara="1" rIns="91425" wrap="square" tIns="91425">
+          <a:bodyPr spcFirstLastPara="1" wrap="square" lIns="91425" tIns="91425" rIns="91425" bIns="91425" anchor="ctr" anchorCtr="0">
             <a:normAutofit/>
           </a:bodyPr>
           <a:lstStyle>
-            <a:lvl1pPr indent="0" lvl="0" marL="0" marR="0" algn="r">
+            <a:lvl1pPr marL="0" marR="0" lvl="0" indent="0" algn="r">
               <a:lnSpc>
                 <a:spcPct val="100000"/>
               </a:lnSpc>
@@ -4345,7 +4461,7 @@
               <a:buSzPts val="1000"/>
               <a:buFont typeface="Arial"/>
               <a:buNone/>
-              <a:defRPr b="0" i="0" sz="1000" u="none" cap="none" strike="noStrike">
+              <a:defRPr sz="1000" b="0" i="0" u="none" strike="noStrike" cap="none">
                 <a:solidFill>
                   <a:schemeClr val="dk2"/>
                 </a:solidFill>
@@ -4355,7 +4471,7 @@
                 <a:sym typeface="Arial"/>
               </a:defRPr>
             </a:lvl1pPr>
-            <a:lvl2pPr indent="0" lvl="1" marL="0" marR="0" algn="r">
+            <a:lvl2pPr marL="0" marR="0" lvl="1" indent="0" algn="r">
               <a:lnSpc>
                 <a:spcPct val="100000"/>
               </a:lnSpc>
@@ -4371,7 +4487,7 @@
               <a:buSzPts val="1000"/>
               <a:buFont typeface="Arial"/>
               <a:buNone/>
-              <a:defRPr b="0" i="0" sz="1000" u="none" cap="none" strike="noStrike">
+              <a:defRPr sz="1000" b="0" i="0" u="none" strike="noStrike" cap="none">
                 <a:solidFill>
                   <a:schemeClr val="dk2"/>
                 </a:solidFill>
@@ -4381,7 +4497,7 @@
                 <a:sym typeface="Arial"/>
               </a:defRPr>
             </a:lvl2pPr>
-            <a:lvl3pPr indent="0" lvl="2" marL="0" marR="0" algn="r">
+            <a:lvl3pPr marL="0" marR="0" lvl="2" indent="0" algn="r">
               <a:lnSpc>
                 <a:spcPct val="100000"/>
               </a:lnSpc>
@@ -4397,7 +4513,7 @@
               <a:buSzPts val="1000"/>
               <a:buFont typeface="Arial"/>
               <a:buNone/>
-              <a:defRPr b="0" i="0" sz="1000" u="none" cap="none" strike="noStrike">
+              <a:defRPr sz="1000" b="0" i="0" u="none" strike="noStrike" cap="none">
                 <a:solidFill>
                   <a:schemeClr val="dk2"/>
                 </a:solidFill>
@@ -4407,7 +4523,7 @@
                 <a:sym typeface="Arial"/>
               </a:defRPr>
             </a:lvl3pPr>
-            <a:lvl4pPr indent="0" lvl="3" marL="0" marR="0" algn="r">
+            <a:lvl4pPr marL="0" marR="0" lvl="3" indent="0" algn="r">
               <a:lnSpc>
                 <a:spcPct val="100000"/>
               </a:lnSpc>
@@ -4423,7 +4539,7 @@
               <a:buSzPts val="1000"/>
               <a:buFont typeface="Arial"/>
               <a:buNone/>
-              <a:defRPr b="0" i="0" sz="1000" u="none" cap="none" strike="noStrike">
+              <a:defRPr sz="1000" b="0" i="0" u="none" strike="noStrike" cap="none">
                 <a:solidFill>
                   <a:schemeClr val="dk2"/>
                 </a:solidFill>
@@ -4433,7 +4549,7 @@
                 <a:sym typeface="Arial"/>
               </a:defRPr>
             </a:lvl4pPr>
-            <a:lvl5pPr indent="0" lvl="4" marL="0" marR="0" algn="r">
+            <a:lvl5pPr marL="0" marR="0" lvl="4" indent="0" algn="r">
               <a:lnSpc>
                 <a:spcPct val="100000"/>
               </a:lnSpc>
@@ -4449,7 +4565,7 @@
               <a:buSzPts val="1000"/>
               <a:buFont typeface="Arial"/>
               <a:buNone/>
-              <a:defRPr b="0" i="0" sz="1000" u="none" cap="none" strike="noStrike">
+              <a:defRPr sz="1000" b="0" i="0" u="none" strike="noStrike" cap="none">
                 <a:solidFill>
                   <a:schemeClr val="dk2"/>
                 </a:solidFill>
@@ -4459,7 +4575,7 @@
                 <a:sym typeface="Arial"/>
               </a:defRPr>
             </a:lvl5pPr>
-            <a:lvl6pPr indent="0" lvl="5" marL="0" marR="0" algn="r">
+            <a:lvl6pPr marL="0" marR="0" lvl="5" indent="0" algn="r">
               <a:lnSpc>
                 <a:spcPct val="100000"/>
               </a:lnSpc>
@@ -4475,7 +4591,7 @@
               <a:buSzPts val="1000"/>
               <a:buFont typeface="Arial"/>
               <a:buNone/>
-              <a:defRPr b="0" i="0" sz="1000" u="none" cap="none" strike="noStrike">
+              <a:defRPr sz="1000" b="0" i="0" u="none" strike="noStrike" cap="none">
                 <a:solidFill>
                   <a:schemeClr val="dk2"/>
                 </a:solidFill>
@@ -4485,7 +4601,7 @@
                 <a:sym typeface="Arial"/>
               </a:defRPr>
             </a:lvl6pPr>
-            <a:lvl7pPr indent="0" lvl="6" marL="0" marR="0" algn="r">
+            <a:lvl7pPr marL="0" marR="0" lvl="6" indent="0" algn="r">
               <a:lnSpc>
                 <a:spcPct val="100000"/>
               </a:lnSpc>
@@ -4501,7 +4617,7 @@
               <a:buSzPts val="1000"/>
               <a:buFont typeface="Arial"/>
               <a:buNone/>
-              <a:defRPr b="0" i="0" sz="1000" u="none" cap="none" strike="noStrike">
+              <a:defRPr sz="1000" b="0" i="0" u="none" strike="noStrike" cap="none">
                 <a:solidFill>
                   <a:schemeClr val="dk2"/>
                 </a:solidFill>
@@ -4511,7 +4627,7 @@
                 <a:sym typeface="Arial"/>
               </a:defRPr>
             </a:lvl7pPr>
-            <a:lvl8pPr indent="0" lvl="7" marL="0" marR="0" algn="r">
+            <a:lvl8pPr marL="0" marR="0" lvl="7" indent="0" algn="r">
               <a:lnSpc>
                 <a:spcPct val="100000"/>
               </a:lnSpc>
@@ -4527,7 +4643,7 @@
               <a:buSzPts val="1000"/>
               <a:buFont typeface="Arial"/>
               <a:buNone/>
-              <a:defRPr b="0" i="0" sz="1000" u="none" cap="none" strike="noStrike">
+              <a:defRPr sz="1000" b="0" i="0" u="none" strike="noStrike" cap="none">
                 <a:solidFill>
                   <a:schemeClr val="dk2"/>
                 </a:solidFill>
@@ -4537,7 +4653,7 @@
                 <a:sym typeface="Arial"/>
               </a:defRPr>
             </a:lvl8pPr>
-            <a:lvl9pPr indent="0" lvl="8" marL="0" marR="0" algn="r">
+            <a:lvl9pPr marL="0" marR="0" lvl="8" indent="0" algn="r">
               <a:lnSpc>
                 <a:spcPct val="100000"/>
               </a:lnSpc>
@@ -4553,7 +4669,7 @@
               <a:buSzPts val="1000"/>
               <a:buFont typeface="Arial"/>
               <a:buNone/>
-              <a:defRPr b="0" i="0" sz="1000" u="none" cap="none" strike="noStrike">
+              <a:defRPr sz="1000" b="0" i="0" u="none" strike="noStrike" cap="none">
                 <a:solidFill>
                   <a:schemeClr val="dk2"/>
                 </a:solidFill>
@@ -4565,7 +4681,7 @@
             </a:lvl9pPr>
           </a:lstStyle>
           <a:p>
-            <a:pPr indent="0" lvl="0" marL="0" rtl="0" algn="r">
+            <a:pPr marL="0" lvl="0" indent="0" algn="r" rtl="0">
               <a:spcBef>
                 <a:spcPts val="0"/>
               </a:spcBef>
@@ -4591,11 +4707,11 @@
 </file>
 
 <file path=ppt/slideLayouts/slideLayout3.xml><?xml version="1.0" encoding="utf-8"?>
-<p:sldLayout xmlns:a="http://schemas.openxmlformats.org/drawingml/2006/main" xmlns:r="http://schemas.openxmlformats.org/officeDocument/2006/relationships" xmlns:mc="http://schemas.openxmlformats.org/markup-compatibility/2006" xmlns:mv="urn:schemas-microsoft-com:mac:vml" xmlns:p="http://schemas.openxmlformats.org/presentationml/2006/main" xmlns:c="http://schemas.openxmlformats.org/drawingml/2006/chart" xmlns:dgm="http://schemas.openxmlformats.org/drawingml/2006/diagram" xmlns:o="urn:schemas-microsoft-com:office:office" xmlns:v="urn:schemas-microsoft-com:vml" xmlns:pvml="urn:schemas-microsoft-com:office:powerpoint" xmlns:com="http://schemas.openxmlformats.org/drawingml/2006/compatibility" xmlns:p14="http://schemas.microsoft.com/office/powerpoint/2010/main" xmlns:p15="http://schemas.microsoft.com/office/powerpoint/2012/main" xmlns:ahyp="http://schemas.microsoft.com/office/drawing/2018/hyperlinkcolor" matchingName="Title and body" type="tx">
+<p:sldLayout xmlns:a="http://schemas.openxmlformats.org/drawingml/2006/main" xmlns:r="http://schemas.openxmlformats.org/officeDocument/2006/relationships" xmlns:p="http://schemas.openxmlformats.org/presentationml/2006/main" matchingName="Title and body" type="tx">
   <p:cSld name="TITLE_AND_BODY">
     <p:spTree>
       <p:nvGrpSpPr>
-        <p:cNvPr id="16" name="Shape 16"/>
+        <p:cNvPr id="1" name="Shape 16"/>
         <p:cNvGrpSpPr/>
         <p:nvPr/>
       </p:nvGrpSpPr>
@@ -4610,7 +4726,9 @@
       <p:sp>
         <p:nvSpPr>
           <p:cNvPr id="17" name="Google Shape;17;p4"/>
-          <p:cNvSpPr txBox="1"/>
+          <p:cNvSpPr txBox="1">
+            <a:spLocks noGrp="1"/>
+          </p:cNvSpPr>
           <p:nvPr>
             <p:ph type="title"/>
           </p:nvPr>
@@ -4629,7 +4747,7 @@
           </a:ln>
         </p:spPr>
         <p:txBody>
-          <a:bodyPr anchorCtr="0" anchor="t" bIns="91425" lIns="91425" spcFirstLastPara="1" rIns="91425" wrap="square" tIns="91425">
+          <a:bodyPr spcFirstLastPara="1" wrap="square" lIns="91425" tIns="91425" rIns="91425" bIns="91425" anchor="t" anchorCtr="0">
             <a:normAutofit/>
           </a:bodyPr>
           <a:lstStyle>
@@ -4760,15 +4878,19 @@
               <a:defRPr/>
             </a:lvl9pPr>
           </a:lstStyle>
-          <a:p/>
+          <a:p>
+            <a:endParaRPr/>
+          </a:p>
         </p:txBody>
       </p:sp>
       <p:sp>
         <p:nvSpPr>
           <p:cNvPr id="18" name="Google Shape;18;p4"/>
-          <p:cNvSpPr txBox="1"/>
+          <p:cNvSpPr txBox="1">
+            <a:spLocks noGrp="1"/>
+          </p:cNvSpPr>
           <p:nvPr>
-            <p:ph idx="1" type="body"/>
+            <p:ph type="body" idx="1"/>
           </p:nvPr>
         </p:nvSpPr>
         <p:spPr>
@@ -4785,11 +4907,11 @@
           </a:ln>
         </p:spPr>
         <p:txBody>
-          <a:bodyPr anchorCtr="0" anchor="t" bIns="91425" lIns="91425" spcFirstLastPara="1" rIns="91425" wrap="square" tIns="91425">
+          <a:bodyPr spcFirstLastPara="1" wrap="square" lIns="91425" tIns="91425" rIns="91425" bIns="91425" anchor="t" anchorCtr="0">
             <a:normAutofit/>
           </a:bodyPr>
           <a:lstStyle>
-            <a:lvl1pPr indent="-342900" lvl="0" marL="457200" algn="l">
+            <a:lvl1pPr marL="457200" lvl="0" indent="-342900" algn="l">
               <a:lnSpc>
                 <a:spcPct val="115000"/>
               </a:lnSpc>
@@ -4803,7 +4925,7 @@
               <a:buChar char="●"/>
               <a:defRPr/>
             </a:lvl1pPr>
-            <a:lvl2pPr indent="-317500" lvl="1" marL="914400" algn="l">
+            <a:lvl2pPr marL="914400" lvl="1" indent="-317500" algn="l">
               <a:lnSpc>
                 <a:spcPct val="115000"/>
               </a:lnSpc>
@@ -4817,7 +4939,7 @@
               <a:buChar char="○"/>
               <a:defRPr/>
             </a:lvl2pPr>
-            <a:lvl3pPr indent="-317500" lvl="2" marL="1371600" algn="l">
+            <a:lvl3pPr marL="1371600" lvl="2" indent="-317500" algn="l">
               <a:lnSpc>
                 <a:spcPct val="115000"/>
               </a:lnSpc>
@@ -4831,7 +4953,7 @@
               <a:buChar char="■"/>
               <a:defRPr/>
             </a:lvl3pPr>
-            <a:lvl4pPr indent="-317500" lvl="3" marL="1828800" algn="l">
+            <a:lvl4pPr marL="1828800" lvl="3" indent="-317500" algn="l">
               <a:lnSpc>
                 <a:spcPct val="115000"/>
               </a:lnSpc>
@@ -4845,7 +4967,7 @@
               <a:buChar char="●"/>
               <a:defRPr/>
             </a:lvl4pPr>
-            <a:lvl5pPr indent="-317500" lvl="4" marL="2286000" algn="l">
+            <a:lvl5pPr marL="2286000" lvl="4" indent="-317500" algn="l">
               <a:lnSpc>
                 <a:spcPct val="115000"/>
               </a:lnSpc>
@@ -4859,7 +4981,7 @@
               <a:buChar char="○"/>
               <a:defRPr/>
             </a:lvl5pPr>
-            <a:lvl6pPr indent="-317500" lvl="5" marL="2743200" algn="l">
+            <a:lvl6pPr marL="2743200" lvl="5" indent="-317500" algn="l">
               <a:lnSpc>
                 <a:spcPct val="115000"/>
               </a:lnSpc>
@@ -4873,7 +4995,7 @@
               <a:buChar char="■"/>
               <a:defRPr/>
             </a:lvl6pPr>
-            <a:lvl7pPr indent="-317500" lvl="6" marL="3200400" algn="l">
+            <a:lvl7pPr marL="3200400" lvl="6" indent="-317500" algn="l">
               <a:lnSpc>
                 <a:spcPct val="115000"/>
               </a:lnSpc>
@@ -4887,7 +5009,7 @@
               <a:buChar char="●"/>
               <a:defRPr/>
             </a:lvl7pPr>
-            <a:lvl8pPr indent="-317500" lvl="7" marL="3657600" algn="l">
+            <a:lvl8pPr marL="3657600" lvl="7" indent="-317500" algn="l">
               <a:lnSpc>
                 <a:spcPct val="115000"/>
               </a:lnSpc>
@@ -4901,7 +5023,7 @@
               <a:buChar char="○"/>
               <a:defRPr/>
             </a:lvl8pPr>
-            <a:lvl9pPr indent="-317500" lvl="8" marL="4114800" algn="l">
+            <a:lvl9pPr marL="4114800" lvl="8" indent="-317500" algn="l">
               <a:lnSpc>
                 <a:spcPct val="115000"/>
               </a:lnSpc>
@@ -4916,15 +5038,19 @@
               <a:defRPr/>
             </a:lvl9pPr>
           </a:lstStyle>
-          <a:p/>
+          <a:p>
+            <a:endParaRPr/>
+          </a:p>
         </p:txBody>
       </p:sp>
       <p:sp>
         <p:nvSpPr>
           <p:cNvPr id="19" name="Google Shape;19;p4"/>
-          <p:cNvSpPr txBox="1"/>
+          <p:cNvSpPr txBox="1">
+            <a:spLocks noGrp="1"/>
+          </p:cNvSpPr>
           <p:nvPr>
-            <p:ph idx="12" type="sldNum"/>
+            <p:ph type="sldNum" idx="12"/>
           </p:nvPr>
         </p:nvSpPr>
         <p:spPr>
@@ -4941,11 +5067,11 @@
           </a:ln>
         </p:spPr>
         <p:txBody>
-          <a:bodyPr anchorCtr="0" anchor="ctr" bIns="91425" lIns="91425" spcFirstLastPara="1" rIns="91425" wrap="square" tIns="91425">
+          <a:bodyPr spcFirstLastPara="1" wrap="square" lIns="91425" tIns="91425" rIns="91425" bIns="91425" anchor="ctr" anchorCtr="0">
             <a:normAutofit/>
           </a:bodyPr>
           <a:lstStyle>
-            <a:lvl1pPr indent="0" lvl="0" marL="0" marR="0" algn="r">
+            <a:lvl1pPr marL="0" marR="0" lvl="0" indent="0" algn="r">
               <a:lnSpc>
                 <a:spcPct val="100000"/>
               </a:lnSpc>
@@ -4961,7 +5087,7 @@
               <a:buSzPts val="1000"/>
               <a:buFont typeface="Arial"/>
               <a:buNone/>
-              <a:defRPr b="0" i="0" sz="1000" u="none" cap="none" strike="noStrike">
+              <a:defRPr sz="1000" b="0" i="0" u="none" strike="noStrike" cap="none">
                 <a:solidFill>
                   <a:schemeClr val="dk2"/>
                 </a:solidFill>
@@ -4971,7 +5097,7 @@
                 <a:sym typeface="Arial"/>
               </a:defRPr>
             </a:lvl1pPr>
-            <a:lvl2pPr indent="0" lvl="1" marL="0" marR="0" algn="r">
+            <a:lvl2pPr marL="0" marR="0" lvl="1" indent="0" algn="r">
               <a:lnSpc>
                 <a:spcPct val="100000"/>
               </a:lnSpc>
@@ -4987,7 +5113,7 @@
               <a:buSzPts val="1000"/>
               <a:buFont typeface="Arial"/>
               <a:buNone/>
-              <a:defRPr b="0" i="0" sz="1000" u="none" cap="none" strike="noStrike">
+              <a:defRPr sz="1000" b="0" i="0" u="none" strike="noStrike" cap="none">
                 <a:solidFill>
                   <a:schemeClr val="dk2"/>
                 </a:solidFill>
@@ -4997,7 +5123,7 @@
                 <a:sym typeface="Arial"/>
               </a:defRPr>
             </a:lvl2pPr>
-            <a:lvl3pPr indent="0" lvl="2" marL="0" marR="0" algn="r">
+            <a:lvl3pPr marL="0" marR="0" lvl="2" indent="0" algn="r">
               <a:lnSpc>
                 <a:spcPct val="100000"/>
               </a:lnSpc>
@@ -5013,7 +5139,7 @@
               <a:buSzPts val="1000"/>
               <a:buFont typeface="Arial"/>
               <a:buNone/>
-              <a:defRPr b="0" i="0" sz="1000" u="none" cap="none" strike="noStrike">
+              <a:defRPr sz="1000" b="0" i="0" u="none" strike="noStrike" cap="none">
                 <a:solidFill>
                   <a:schemeClr val="dk2"/>
                 </a:solidFill>
@@ -5023,7 +5149,7 @@
                 <a:sym typeface="Arial"/>
               </a:defRPr>
             </a:lvl3pPr>
-            <a:lvl4pPr indent="0" lvl="3" marL="0" marR="0" algn="r">
+            <a:lvl4pPr marL="0" marR="0" lvl="3" indent="0" algn="r">
               <a:lnSpc>
                 <a:spcPct val="100000"/>
               </a:lnSpc>
@@ -5039,7 +5165,7 @@
               <a:buSzPts val="1000"/>
               <a:buFont typeface="Arial"/>
               <a:buNone/>
-              <a:defRPr b="0" i="0" sz="1000" u="none" cap="none" strike="noStrike">
+              <a:defRPr sz="1000" b="0" i="0" u="none" strike="noStrike" cap="none">
                 <a:solidFill>
                   <a:schemeClr val="dk2"/>
                 </a:solidFill>
@@ -5049,7 +5175,7 @@
                 <a:sym typeface="Arial"/>
               </a:defRPr>
             </a:lvl4pPr>
-            <a:lvl5pPr indent="0" lvl="4" marL="0" marR="0" algn="r">
+            <a:lvl5pPr marL="0" marR="0" lvl="4" indent="0" algn="r">
               <a:lnSpc>
                 <a:spcPct val="100000"/>
               </a:lnSpc>
@@ -5065,7 +5191,7 @@
               <a:buSzPts val="1000"/>
               <a:buFont typeface="Arial"/>
               <a:buNone/>
-              <a:defRPr b="0" i="0" sz="1000" u="none" cap="none" strike="noStrike">
+              <a:defRPr sz="1000" b="0" i="0" u="none" strike="noStrike" cap="none">
                 <a:solidFill>
                   <a:schemeClr val="dk2"/>
                 </a:solidFill>
@@ -5075,7 +5201,7 @@
                 <a:sym typeface="Arial"/>
               </a:defRPr>
             </a:lvl5pPr>
-            <a:lvl6pPr indent="0" lvl="5" marL="0" marR="0" algn="r">
+            <a:lvl6pPr marL="0" marR="0" lvl="5" indent="0" algn="r">
               <a:lnSpc>
                 <a:spcPct val="100000"/>
               </a:lnSpc>
@@ -5091,7 +5217,7 @@
               <a:buSzPts val="1000"/>
               <a:buFont typeface="Arial"/>
               <a:buNone/>
-              <a:defRPr b="0" i="0" sz="1000" u="none" cap="none" strike="noStrike">
+              <a:defRPr sz="1000" b="0" i="0" u="none" strike="noStrike" cap="none">
                 <a:solidFill>
                   <a:schemeClr val="dk2"/>
                 </a:solidFill>
@@ -5101,7 +5227,7 @@
                 <a:sym typeface="Arial"/>
               </a:defRPr>
             </a:lvl6pPr>
-            <a:lvl7pPr indent="0" lvl="6" marL="0" marR="0" algn="r">
+            <a:lvl7pPr marL="0" marR="0" lvl="6" indent="0" algn="r">
               <a:lnSpc>
                 <a:spcPct val="100000"/>
               </a:lnSpc>
@@ -5117,7 +5243,7 @@
               <a:buSzPts val="1000"/>
               <a:buFont typeface="Arial"/>
               <a:buNone/>
-              <a:defRPr b="0" i="0" sz="1000" u="none" cap="none" strike="noStrike">
+              <a:defRPr sz="1000" b="0" i="0" u="none" strike="noStrike" cap="none">
                 <a:solidFill>
                   <a:schemeClr val="dk2"/>
                 </a:solidFill>
@@ -5127,7 +5253,7 @@
                 <a:sym typeface="Arial"/>
               </a:defRPr>
             </a:lvl7pPr>
-            <a:lvl8pPr indent="0" lvl="7" marL="0" marR="0" algn="r">
+            <a:lvl8pPr marL="0" marR="0" lvl="7" indent="0" algn="r">
               <a:lnSpc>
                 <a:spcPct val="100000"/>
               </a:lnSpc>
@@ -5143,7 +5269,7 @@
               <a:buSzPts val="1000"/>
               <a:buFont typeface="Arial"/>
               <a:buNone/>
-              <a:defRPr b="0" i="0" sz="1000" u="none" cap="none" strike="noStrike">
+              <a:defRPr sz="1000" b="0" i="0" u="none" strike="noStrike" cap="none">
                 <a:solidFill>
                   <a:schemeClr val="dk2"/>
                 </a:solidFill>
@@ -5153,7 +5279,7 @@
                 <a:sym typeface="Arial"/>
               </a:defRPr>
             </a:lvl8pPr>
-            <a:lvl9pPr indent="0" lvl="8" marL="0" marR="0" algn="r">
+            <a:lvl9pPr marL="0" marR="0" lvl="8" indent="0" algn="r">
               <a:lnSpc>
                 <a:spcPct val="100000"/>
               </a:lnSpc>
@@ -5169,7 +5295,7 @@
               <a:buSzPts val="1000"/>
               <a:buFont typeface="Arial"/>
               <a:buNone/>
-              <a:defRPr b="0" i="0" sz="1000" u="none" cap="none" strike="noStrike">
+              <a:defRPr sz="1000" b="0" i="0" u="none" strike="noStrike" cap="none">
                 <a:solidFill>
                   <a:schemeClr val="dk2"/>
                 </a:solidFill>
@@ -5181,7 +5307,7 @@
             </a:lvl9pPr>
           </a:lstStyle>
           <a:p>
-            <a:pPr indent="0" lvl="0" marL="0" rtl="0" algn="r">
+            <a:pPr marL="0" lvl="0" indent="0" algn="r" rtl="0">
               <a:spcBef>
                 <a:spcPts val="0"/>
               </a:spcBef>
@@ -5207,11 +5333,11 @@
 </file>
 
 <file path=ppt/slideLayouts/slideLayout4.xml><?xml version="1.0" encoding="utf-8"?>
-<p:sldLayout xmlns:a="http://schemas.openxmlformats.org/drawingml/2006/main" xmlns:r="http://schemas.openxmlformats.org/officeDocument/2006/relationships" xmlns:mc="http://schemas.openxmlformats.org/markup-compatibility/2006" xmlns:mv="urn:schemas-microsoft-com:mac:vml" xmlns:p="http://schemas.openxmlformats.org/presentationml/2006/main" xmlns:c="http://schemas.openxmlformats.org/drawingml/2006/chart" xmlns:dgm="http://schemas.openxmlformats.org/drawingml/2006/diagram" xmlns:o="urn:schemas-microsoft-com:office:office" xmlns:v="urn:schemas-microsoft-com:vml" xmlns:pvml="urn:schemas-microsoft-com:office:powerpoint" xmlns:com="http://schemas.openxmlformats.org/drawingml/2006/compatibility" xmlns:p14="http://schemas.microsoft.com/office/powerpoint/2010/main" xmlns:p15="http://schemas.microsoft.com/office/powerpoint/2012/main" xmlns:ahyp="http://schemas.microsoft.com/office/drawing/2018/hyperlinkcolor" matchingName="Title and two columns" type="twoColTx">
+<p:sldLayout xmlns:a="http://schemas.openxmlformats.org/drawingml/2006/main" xmlns:r="http://schemas.openxmlformats.org/officeDocument/2006/relationships" xmlns:p="http://schemas.openxmlformats.org/presentationml/2006/main" matchingName="Title and two columns" type="twoColTx">
   <p:cSld name="TITLE_AND_TWO_COLUMNS">
     <p:spTree>
       <p:nvGrpSpPr>
-        <p:cNvPr id="20" name="Shape 20"/>
+        <p:cNvPr id="1" name="Shape 20"/>
         <p:cNvGrpSpPr/>
         <p:nvPr/>
       </p:nvGrpSpPr>
@@ -5226,7 +5352,9 @@
       <p:sp>
         <p:nvSpPr>
           <p:cNvPr id="21" name="Google Shape;21;p5"/>
-          <p:cNvSpPr txBox="1"/>
+          <p:cNvSpPr txBox="1">
+            <a:spLocks noGrp="1"/>
+          </p:cNvSpPr>
           <p:nvPr>
             <p:ph type="title"/>
           </p:nvPr>
@@ -5245,7 +5373,7 @@
           </a:ln>
         </p:spPr>
         <p:txBody>
-          <a:bodyPr anchorCtr="0" anchor="t" bIns="91425" lIns="91425" spcFirstLastPara="1" rIns="91425" wrap="square" tIns="91425">
+          <a:bodyPr spcFirstLastPara="1" wrap="square" lIns="91425" tIns="91425" rIns="91425" bIns="91425" anchor="t" anchorCtr="0">
             <a:normAutofit/>
           </a:bodyPr>
           <a:lstStyle>
@@ -5376,15 +5504,19 @@
               <a:defRPr/>
             </a:lvl9pPr>
           </a:lstStyle>
-          <a:p/>
+          <a:p>
+            <a:endParaRPr/>
+          </a:p>
         </p:txBody>
       </p:sp>
       <p:sp>
         <p:nvSpPr>
           <p:cNvPr id="22" name="Google Shape;22;p5"/>
-          <p:cNvSpPr txBox="1"/>
+          <p:cNvSpPr txBox="1">
+            <a:spLocks noGrp="1"/>
+          </p:cNvSpPr>
           <p:nvPr>
-            <p:ph idx="1" type="body"/>
+            <p:ph type="body" idx="1"/>
           </p:nvPr>
         </p:nvSpPr>
         <p:spPr>
@@ -5401,11 +5533,11 @@
           </a:ln>
         </p:spPr>
         <p:txBody>
-          <a:bodyPr anchorCtr="0" anchor="t" bIns="91425" lIns="91425" spcFirstLastPara="1" rIns="91425" wrap="square" tIns="91425">
+          <a:bodyPr spcFirstLastPara="1" wrap="square" lIns="91425" tIns="91425" rIns="91425" bIns="91425" anchor="t" anchorCtr="0">
             <a:normAutofit/>
           </a:bodyPr>
           <a:lstStyle>
-            <a:lvl1pPr indent="-317500" lvl="0" marL="457200" algn="l">
+            <a:lvl1pPr marL="457200" lvl="0" indent="-317500" algn="l">
               <a:lnSpc>
                 <a:spcPct val="115000"/>
               </a:lnSpc>
@@ -5419,7 +5551,7 @@
               <a:buChar char="●"/>
               <a:defRPr sz="1400"/>
             </a:lvl1pPr>
-            <a:lvl2pPr indent="-304800" lvl="1" marL="914400" algn="l">
+            <a:lvl2pPr marL="914400" lvl="1" indent="-304800" algn="l">
               <a:lnSpc>
                 <a:spcPct val="115000"/>
               </a:lnSpc>
@@ -5433,7 +5565,7 @@
               <a:buChar char="○"/>
               <a:defRPr sz="1200"/>
             </a:lvl2pPr>
-            <a:lvl3pPr indent="-304800" lvl="2" marL="1371600" algn="l">
+            <a:lvl3pPr marL="1371600" lvl="2" indent="-304800" algn="l">
               <a:lnSpc>
                 <a:spcPct val="115000"/>
               </a:lnSpc>
@@ -5447,7 +5579,7 @@
               <a:buChar char="■"/>
               <a:defRPr sz="1200"/>
             </a:lvl3pPr>
-            <a:lvl4pPr indent="-304800" lvl="3" marL="1828800" algn="l">
+            <a:lvl4pPr marL="1828800" lvl="3" indent="-304800" algn="l">
               <a:lnSpc>
                 <a:spcPct val="115000"/>
               </a:lnSpc>
@@ -5461,7 +5593,7 @@
               <a:buChar char="●"/>
               <a:defRPr sz="1200"/>
             </a:lvl4pPr>
-            <a:lvl5pPr indent="-304800" lvl="4" marL="2286000" algn="l">
+            <a:lvl5pPr marL="2286000" lvl="4" indent="-304800" algn="l">
               <a:lnSpc>
                 <a:spcPct val="115000"/>
               </a:lnSpc>
@@ -5475,7 +5607,7 @@
               <a:buChar char="○"/>
               <a:defRPr sz="1200"/>
             </a:lvl5pPr>
-            <a:lvl6pPr indent="-304800" lvl="5" marL="2743200" algn="l">
+            <a:lvl6pPr marL="2743200" lvl="5" indent="-304800" algn="l">
               <a:lnSpc>
                 <a:spcPct val="115000"/>
               </a:lnSpc>
@@ -5489,7 +5621,7 @@
               <a:buChar char="■"/>
               <a:defRPr sz="1200"/>
             </a:lvl6pPr>
-            <a:lvl7pPr indent="-304800" lvl="6" marL="3200400" algn="l">
+            <a:lvl7pPr marL="3200400" lvl="6" indent="-304800" algn="l">
               <a:lnSpc>
                 <a:spcPct val="115000"/>
               </a:lnSpc>
@@ -5503,7 +5635,7 @@
               <a:buChar char="●"/>
               <a:defRPr sz="1200"/>
             </a:lvl7pPr>
-            <a:lvl8pPr indent="-304800" lvl="7" marL="3657600" algn="l">
+            <a:lvl8pPr marL="3657600" lvl="7" indent="-304800" algn="l">
               <a:lnSpc>
                 <a:spcPct val="115000"/>
               </a:lnSpc>
@@ -5517,7 +5649,7 @@
               <a:buChar char="○"/>
               <a:defRPr sz="1200"/>
             </a:lvl8pPr>
-            <a:lvl9pPr indent="-304800" lvl="8" marL="4114800" algn="l">
+            <a:lvl9pPr marL="4114800" lvl="8" indent="-304800" algn="l">
               <a:lnSpc>
                 <a:spcPct val="115000"/>
               </a:lnSpc>
@@ -5532,15 +5664,19 @@
               <a:defRPr sz="1200"/>
             </a:lvl9pPr>
           </a:lstStyle>
-          <a:p/>
+          <a:p>
+            <a:endParaRPr/>
+          </a:p>
         </p:txBody>
       </p:sp>
       <p:sp>
         <p:nvSpPr>
           <p:cNvPr id="23" name="Google Shape;23;p5"/>
-          <p:cNvSpPr txBox="1"/>
+          <p:cNvSpPr txBox="1">
+            <a:spLocks noGrp="1"/>
+          </p:cNvSpPr>
           <p:nvPr>
-            <p:ph idx="2" type="body"/>
+            <p:ph type="body" idx="2"/>
           </p:nvPr>
         </p:nvSpPr>
         <p:spPr>
@@ -5557,11 +5693,11 @@
           </a:ln>
         </p:spPr>
         <p:txBody>
-          <a:bodyPr anchorCtr="0" anchor="t" bIns="91425" lIns="91425" spcFirstLastPara="1" rIns="91425" wrap="square" tIns="91425">
+          <a:bodyPr spcFirstLastPara="1" wrap="square" lIns="91425" tIns="91425" rIns="91425" bIns="91425" anchor="t" anchorCtr="0">
             <a:normAutofit/>
           </a:bodyPr>
           <a:lstStyle>
-            <a:lvl1pPr indent="-317500" lvl="0" marL="457200" algn="l">
+            <a:lvl1pPr marL="457200" lvl="0" indent="-317500" algn="l">
               <a:lnSpc>
                 <a:spcPct val="115000"/>
               </a:lnSpc>
@@ -5575,7 +5711,7 @@
               <a:buChar char="●"/>
               <a:defRPr sz="1400"/>
             </a:lvl1pPr>
-            <a:lvl2pPr indent="-304800" lvl="1" marL="914400" algn="l">
+            <a:lvl2pPr marL="914400" lvl="1" indent="-304800" algn="l">
               <a:lnSpc>
                 <a:spcPct val="115000"/>
               </a:lnSpc>
@@ -5589,7 +5725,7 @@
               <a:buChar char="○"/>
               <a:defRPr sz="1200"/>
             </a:lvl2pPr>
-            <a:lvl3pPr indent="-304800" lvl="2" marL="1371600" algn="l">
+            <a:lvl3pPr marL="1371600" lvl="2" indent="-304800" algn="l">
               <a:lnSpc>
                 <a:spcPct val="115000"/>
               </a:lnSpc>
@@ -5603,7 +5739,7 @@
               <a:buChar char="■"/>
               <a:defRPr sz="1200"/>
             </a:lvl3pPr>
-            <a:lvl4pPr indent="-304800" lvl="3" marL="1828800" algn="l">
+            <a:lvl4pPr marL="1828800" lvl="3" indent="-304800" algn="l">
               <a:lnSpc>
                 <a:spcPct val="115000"/>
               </a:lnSpc>
@@ -5617,7 +5753,7 @@
               <a:buChar char="●"/>
               <a:defRPr sz="1200"/>
             </a:lvl4pPr>
-            <a:lvl5pPr indent="-304800" lvl="4" marL="2286000" algn="l">
+            <a:lvl5pPr marL="2286000" lvl="4" indent="-304800" algn="l">
               <a:lnSpc>
                 <a:spcPct val="115000"/>
               </a:lnSpc>
@@ -5631,7 +5767,7 @@
               <a:buChar char="○"/>
               <a:defRPr sz="1200"/>
             </a:lvl5pPr>
-            <a:lvl6pPr indent="-304800" lvl="5" marL="2743200" algn="l">
+            <a:lvl6pPr marL="2743200" lvl="5" indent="-304800" algn="l">
               <a:lnSpc>
                 <a:spcPct val="115000"/>
               </a:lnSpc>
@@ -5645,7 +5781,7 @@
               <a:buChar char="■"/>
               <a:defRPr sz="1200"/>
             </a:lvl6pPr>
-            <a:lvl7pPr indent="-304800" lvl="6" marL="3200400" algn="l">
+            <a:lvl7pPr marL="3200400" lvl="6" indent="-304800" algn="l">
               <a:lnSpc>
                 <a:spcPct val="115000"/>
               </a:lnSpc>
@@ -5659,7 +5795,7 @@
               <a:buChar char="●"/>
               <a:defRPr sz="1200"/>
             </a:lvl7pPr>
-            <a:lvl8pPr indent="-304800" lvl="7" marL="3657600" algn="l">
+            <a:lvl8pPr marL="3657600" lvl="7" indent="-304800" algn="l">
               <a:lnSpc>
                 <a:spcPct val="115000"/>
               </a:lnSpc>
@@ -5673,7 +5809,7 @@
               <a:buChar char="○"/>
               <a:defRPr sz="1200"/>
             </a:lvl8pPr>
-            <a:lvl9pPr indent="-304800" lvl="8" marL="4114800" algn="l">
+            <a:lvl9pPr marL="4114800" lvl="8" indent="-304800" algn="l">
               <a:lnSpc>
                 <a:spcPct val="115000"/>
               </a:lnSpc>
@@ -5688,15 +5824,19 @@
               <a:defRPr sz="1200"/>
             </a:lvl9pPr>
           </a:lstStyle>
-          <a:p/>
+          <a:p>
+            <a:endParaRPr/>
+          </a:p>
         </p:txBody>
       </p:sp>
       <p:sp>
         <p:nvSpPr>
           <p:cNvPr id="24" name="Google Shape;24;p5"/>
-          <p:cNvSpPr txBox="1"/>
+          <p:cNvSpPr txBox="1">
+            <a:spLocks noGrp="1"/>
+          </p:cNvSpPr>
           <p:nvPr>
-            <p:ph idx="12" type="sldNum"/>
+            <p:ph type="sldNum" idx="12"/>
           </p:nvPr>
         </p:nvSpPr>
         <p:spPr>
@@ -5713,11 +5853,11 @@
           </a:ln>
         </p:spPr>
         <p:txBody>
-          <a:bodyPr anchorCtr="0" anchor="ctr" bIns="91425" lIns="91425" spcFirstLastPara="1" rIns="91425" wrap="square" tIns="91425">
+          <a:bodyPr spcFirstLastPara="1" wrap="square" lIns="91425" tIns="91425" rIns="91425" bIns="91425" anchor="ctr" anchorCtr="0">
             <a:normAutofit/>
           </a:bodyPr>
           <a:lstStyle>
-            <a:lvl1pPr indent="0" lvl="0" marL="0" marR="0" algn="r">
+            <a:lvl1pPr marL="0" marR="0" lvl="0" indent="0" algn="r">
               <a:lnSpc>
                 <a:spcPct val="100000"/>
               </a:lnSpc>
@@ -5733,7 +5873,7 @@
               <a:buSzPts val="1000"/>
               <a:buFont typeface="Arial"/>
               <a:buNone/>
-              <a:defRPr b="0" i="0" sz="1000" u="none" cap="none" strike="noStrike">
+              <a:defRPr sz="1000" b="0" i="0" u="none" strike="noStrike" cap="none">
                 <a:solidFill>
                   <a:schemeClr val="dk2"/>
                 </a:solidFill>
@@ -5743,7 +5883,7 @@
                 <a:sym typeface="Arial"/>
               </a:defRPr>
             </a:lvl1pPr>
-            <a:lvl2pPr indent="0" lvl="1" marL="0" marR="0" algn="r">
+            <a:lvl2pPr marL="0" marR="0" lvl="1" indent="0" algn="r">
               <a:lnSpc>
                 <a:spcPct val="100000"/>
               </a:lnSpc>
@@ -5759,7 +5899,7 @@
               <a:buSzPts val="1000"/>
               <a:buFont typeface="Arial"/>
               <a:buNone/>
-              <a:defRPr b="0" i="0" sz="1000" u="none" cap="none" strike="noStrike">
+              <a:defRPr sz="1000" b="0" i="0" u="none" strike="noStrike" cap="none">
                 <a:solidFill>
                   <a:schemeClr val="dk2"/>
                 </a:solidFill>
@@ -5769,7 +5909,7 @@
                 <a:sym typeface="Arial"/>
               </a:defRPr>
             </a:lvl2pPr>
-            <a:lvl3pPr indent="0" lvl="2" marL="0" marR="0" algn="r">
+            <a:lvl3pPr marL="0" marR="0" lvl="2" indent="0" algn="r">
               <a:lnSpc>
                 <a:spcPct val="100000"/>
               </a:lnSpc>
@@ -5785,7 +5925,7 @@
               <a:buSzPts val="1000"/>
               <a:buFont typeface="Arial"/>
               <a:buNone/>
-              <a:defRPr b="0" i="0" sz="1000" u="none" cap="none" strike="noStrike">
+              <a:defRPr sz="1000" b="0" i="0" u="none" strike="noStrike" cap="none">
                 <a:solidFill>
                   <a:schemeClr val="dk2"/>
                 </a:solidFill>
@@ -5795,7 +5935,7 @@
                 <a:sym typeface="Arial"/>
               </a:defRPr>
             </a:lvl3pPr>
-            <a:lvl4pPr indent="0" lvl="3" marL="0" marR="0" algn="r">
+            <a:lvl4pPr marL="0" marR="0" lvl="3" indent="0" algn="r">
               <a:lnSpc>
                 <a:spcPct val="100000"/>
               </a:lnSpc>
@@ -5811,7 +5951,7 @@
               <a:buSzPts val="1000"/>
               <a:buFont typeface="Arial"/>
               <a:buNone/>
-              <a:defRPr b="0" i="0" sz="1000" u="none" cap="none" strike="noStrike">
+              <a:defRPr sz="1000" b="0" i="0" u="none" strike="noStrike" cap="none">
                 <a:solidFill>
                   <a:schemeClr val="dk2"/>
                 </a:solidFill>
@@ -5821,7 +5961,7 @@
                 <a:sym typeface="Arial"/>
               </a:defRPr>
             </a:lvl4pPr>
-            <a:lvl5pPr indent="0" lvl="4" marL="0" marR="0" algn="r">
+            <a:lvl5pPr marL="0" marR="0" lvl="4" indent="0" algn="r">
               <a:lnSpc>
                 <a:spcPct val="100000"/>
               </a:lnSpc>
@@ -5837,7 +5977,7 @@
               <a:buSzPts val="1000"/>
               <a:buFont typeface="Arial"/>
               <a:buNone/>
-              <a:defRPr b="0" i="0" sz="1000" u="none" cap="none" strike="noStrike">
+              <a:defRPr sz="1000" b="0" i="0" u="none" strike="noStrike" cap="none">
                 <a:solidFill>
                   <a:schemeClr val="dk2"/>
                 </a:solidFill>
@@ -5847,7 +5987,7 @@
                 <a:sym typeface="Arial"/>
               </a:defRPr>
             </a:lvl5pPr>
-            <a:lvl6pPr indent="0" lvl="5" marL="0" marR="0" algn="r">
+            <a:lvl6pPr marL="0" marR="0" lvl="5" indent="0" algn="r">
               <a:lnSpc>
                 <a:spcPct val="100000"/>
               </a:lnSpc>
@@ -5863,7 +6003,7 @@
               <a:buSzPts val="1000"/>
               <a:buFont typeface="Arial"/>
               <a:buNone/>
-              <a:defRPr b="0" i="0" sz="1000" u="none" cap="none" strike="noStrike">
+              <a:defRPr sz="1000" b="0" i="0" u="none" strike="noStrike" cap="none">
                 <a:solidFill>
                   <a:schemeClr val="dk2"/>
                 </a:solidFill>
@@ -5873,7 +6013,7 @@
                 <a:sym typeface="Arial"/>
               </a:defRPr>
             </a:lvl6pPr>
-            <a:lvl7pPr indent="0" lvl="6" marL="0" marR="0" algn="r">
+            <a:lvl7pPr marL="0" marR="0" lvl="6" indent="0" algn="r">
               <a:lnSpc>
                 <a:spcPct val="100000"/>
               </a:lnSpc>
@@ -5889,7 +6029,7 @@
               <a:buSzPts val="1000"/>
               <a:buFont typeface="Arial"/>
               <a:buNone/>
-              <a:defRPr b="0" i="0" sz="1000" u="none" cap="none" strike="noStrike">
+              <a:defRPr sz="1000" b="0" i="0" u="none" strike="noStrike" cap="none">
                 <a:solidFill>
                   <a:schemeClr val="dk2"/>
                 </a:solidFill>
@@ -5899,7 +6039,7 @@
                 <a:sym typeface="Arial"/>
               </a:defRPr>
             </a:lvl7pPr>
-            <a:lvl8pPr indent="0" lvl="7" marL="0" marR="0" algn="r">
+            <a:lvl8pPr marL="0" marR="0" lvl="7" indent="0" algn="r">
               <a:lnSpc>
                 <a:spcPct val="100000"/>
               </a:lnSpc>
@@ -5915,7 +6055,7 @@
               <a:buSzPts val="1000"/>
               <a:buFont typeface="Arial"/>
               <a:buNone/>
-              <a:defRPr b="0" i="0" sz="1000" u="none" cap="none" strike="noStrike">
+              <a:defRPr sz="1000" b="0" i="0" u="none" strike="noStrike" cap="none">
                 <a:solidFill>
                   <a:schemeClr val="dk2"/>
                 </a:solidFill>
@@ -5925,7 +6065,7 @@
                 <a:sym typeface="Arial"/>
               </a:defRPr>
             </a:lvl8pPr>
-            <a:lvl9pPr indent="0" lvl="8" marL="0" marR="0" algn="r">
+            <a:lvl9pPr marL="0" marR="0" lvl="8" indent="0" algn="r">
               <a:lnSpc>
                 <a:spcPct val="100000"/>
               </a:lnSpc>
@@ -5941,7 +6081,7 @@
               <a:buSzPts val="1000"/>
               <a:buFont typeface="Arial"/>
               <a:buNone/>
-              <a:defRPr b="0" i="0" sz="1000" u="none" cap="none" strike="noStrike">
+              <a:defRPr sz="1000" b="0" i="0" u="none" strike="noStrike" cap="none">
                 <a:solidFill>
                   <a:schemeClr val="dk2"/>
                 </a:solidFill>
@@ -5953,7 +6093,7 @@
             </a:lvl9pPr>
           </a:lstStyle>
           <a:p>
-            <a:pPr indent="0" lvl="0" marL="0" rtl="0" algn="r">
+            <a:pPr marL="0" lvl="0" indent="0" algn="r" rtl="0">
               <a:spcBef>
                 <a:spcPts val="0"/>
               </a:spcBef>
@@ -5979,11 +6119,11 @@
 </file>
 
 <file path=ppt/slideLayouts/slideLayout5.xml><?xml version="1.0" encoding="utf-8"?>
-<p:sldLayout xmlns:a="http://schemas.openxmlformats.org/drawingml/2006/main" xmlns:r="http://schemas.openxmlformats.org/officeDocument/2006/relationships" xmlns:mc="http://schemas.openxmlformats.org/markup-compatibility/2006" xmlns:mv="urn:schemas-microsoft-com:mac:vml" xmlns:p="http://schemas.openxmlformats.org/presentationml/2006/main" xmlns:c="http://schemas.openxmlformats.org/drawingml/2006/chart" xmlns:dgm="http://schemas.openxmlformats.org/drawingml/2006/diagram" xmlns:o="urn:schemas-microsoft-com:office:office" xmlns:v="urn:schemas-microsoft-com:vml" xmlns:pvml="urn:schemas-microsoft-com:office:powerpoint" xmlns:com="http://schemas.openxmlformats.org/drawingml/2006/compatibility" xmlns:p14="http://schemas.microsoft.com/office/powerpoint/2010/main" xmlns:p15="http://schemas.microsoft.com/office/powerpoint/2012/main" xmlns:ahyp="http://schemas.microsoft.com/office/drawing/2018/hyperlinkcolor" matchingName="Title only" type="titleOnly">
+<p:sldLayout xmlns:a="http://schemas.openxmlformats.org/drawingml/2006/main" xmlns:r="http://schemas.openxmlformats.org/officeDocument/2006/relationships" xmlns:p="http://schemas.openxmlformats.org/presentationml/2006/main" matchingName="Title only" type="titleOnly">
   <p:cSld name="TITLE_ONLY">
     <p:spTree>
       <p:nvGrpSpPr>
-        <p:cNvPr id="25" name="Shape 25"/>
+        <p:cNvPr id="1" name="Shape 25"/>
         <p:cNvGrpSpPr/>
         <p:nvPr/>
       </p:nvGrpSpPr>
@@ -5998,7 +6138,9 @@
       <p:sp>
         <p:nvSpPr>
           <p:cNvPr id="26" name="Google Shape;26;p6"/>
-          <p:cNvSpPr txBox="1"/>
+          <p:cNvSpPr txBox="1">
+            <a:spLocks noGrp="1"/>
+          </p:cNvSpPr>
           <p:nvPr>
             <p:ph type="title"/>
           </p:nvPr>
@@ -6017,7 +6159,7 @@
           </a:ln>
         </p:spPr>
         <p:txBody>
-          <a:bodyPr anchorCtr="0" anchor="t" bIns="91425" lIns="91425" spcFirstLastPara="1" rIns="91425" wrap="square" tIns="91425">
+          <a:bodyPr spcFirstLastPara="1" wrap="square" lIns="91425" tIns="91425" rIns="91425" bIns="91425" anchor="t" anchorCtr="0">
             <a:normAutofit/>
           </a:bodyPr>
           <a:lstStyle>
@@ -6148,15 +6290,19 @@
               <a:defRPr/>
             </a:lvl9pPr>
           </a:lstStyle>
-          <a:p/>
+          <a:p>
+            <a:endParaRPr/>
+          </a:p>
         </p:txBody>
       </p:sp>
       <p:sp>
         <p:nvSpPr>
           <p:cNvPr id="27" name="Google Shape;27;p6"/>
-          <p:cNvSpPr txBox="1"/>
+          <p:cNvSpPr txBox="1">
+            <a:spLocks noGrp="1"/>
+          </p:cNvSpPr>
           <p:nvPr>
-            <p:ph idx="12" type="sldNum"/>
+            <p:ph type="sldNum" idx="12"/>
           </p:nvPr>
         </p:nvSpPr>
         <p:spPr>
@@ -6173,11 +6319,11 @@
           </a:ln>
         </p:spPr>
         <p:txBody>
-          <a:bodyPr anchorCtr="0" anchor="ctr" bIns="91425" lIns="91425" spcFirstLastPara="1" rIns="91425" wrap="square" tIns="91425">
+          <a:bodyPr spcFirstLastPara="1" wrap="square" lIns="91425" tIns="91425" rIns="91425" bIns="91425" anchor="ctr" anchorCtr="0">
             <a:normAutofit/>
           </a:bodyPr>
           <a:lstStyle>
-            <a:lvl1pPr indent="0" lvl="0" marL="0" marR="0" algn="r">
+            <a:lvl1pPr marL="0" marR="0" lvl="0" indent="0" algn="r">
               <a:lnSpc>
                 <a:spcPct val="100000"/>
               </a:lnSpc>
@@ -6193,7 +6339,7 @@
               <a:buSzPts val="1000"/>
               <a:buFont typeface="Arial"/>
               <a:buNone/>
-              <a:defRPr b="0" i="0" sz="1000" u="none" cap="none" strike="noStrike">
+              <a:defRPr sz="1000" b="0" i="0" u="none" strike="noStrike" cap="none">
                 <a:solidFill>
                   <a:schemeClr val="dk2"/>
                 </a:solidFill>
@@ -6203,7 +6349,7 @@
                 <a:sym typeface="Arial"/>
               </a:defRPr>
             </a:lvl1pPr>
-            <a:lvl2pPr indent="0" lvl="1" marL="0" marR="0" algn="r">
+            <a:lvl2pPr marL="0" marR="0" lvl="1" indent="0" algn="r">
               <a:lnSpc>
                 <a:spcPct val="100000"/>
               </a:lnSpc>
@@ -6219,7 +6365,7 @@
               <a:buSzPts val="1000"/>
               <a:buFont typeface="Arial"/>
               <a:buNone/>
-              <a:defRPr b="0" i="0" sz="1000" u="none" cap="none" strike="noStrike">
+              <a:defRPr sz="1000" b="0" i="0" u="none" strike="noStrike" cap="none">
                 <a:solidFill>
                   <a:schemeClr val="dk2"/>
                 </a:solidFill>
@@ -6229,7 +6375,7 @@
                 <a:sym typeface="Arial"/>
               </a:defRPr>
             </a:lvl2pPr>
-            <a:lvl3pPr indent="0" lvl="2" marL="0" marR="0" algn="r">
+            <a:lvl3pPr marL="0" marR="0" lvl="2" indent="0" algn="r">
               <a:lnSpc>
                 <a:spcPct val="100000"/>
               </a:lnSpc>
@@ -6245,7 +6391,7 @@
               <a:buSzPts val="1000"/>
               <a:buFont typeface="Arial"/>
               <a:buNone/>
-              <a:defRPr b="0" i="0" sz="1000" u="none" cap="none" strike="noStrike">
+              <a:defRPr sz="1000" b="0" i="0" u="none" strike="noStrike" cap="none">
                 <a:solidFill>
                   <a:schemeClr val="dk2"/>
                 </a:solidFill>
@@ -6255,7 +6401,7 @@
                 <a:sym typeface="Arial"/>
               </a:defRPr>
             </a:lvl3pPr>
-            <a:lvl4pPr indent="0" lvl="3" marL="0" marR="0" algn="r">
+            <a:lvl4pPr marL="0" marR="0" lvl="3" indent="0" algn="r">
               <a:lnSpc>
                 <a:spcPct val="100000"/>
               </a:lnSpc>
@@ -6271,7 +6417,7 @@
               <a:buSzPts val="1000"/>
               <a:buFont typeface="Arial"/>
               <a:buNone/>
-              <a:defRPr b="0" i="0" sz="1000" u="none" cap="none" strike="noStrike">
+              <a:defRPr sz="1000" b="0" i="0" u="none" strike="noStrike" cap="none">
                 <a:solidFill>
                   <a:schemeClr val="dk2"/>
                 </a:solidFill>
@@ -6281,7 +6427,7 @@
                 <a:sym typeface="Arial"/>
               </a:defRPr>
             </a:lvl4pPr>
-            <a:lvl5pPr indent="0" lvl="4" marL="0" marR="0" algn="r">
+            <a:lvl5pPr marL="0" marR="0" lvl="4" indent="0" algn="r">
               <a:lnSpc>
                 <a:spcPct val="100000"/>
               </a:lnSpc>
@@ -6297,7 +6443,7 @@
               <a:buSzPts val="1000"/>
               <a:buFont typeface="Arial"/>
               <a:buNone/>
-              <a:defRPr b="0" i="0" sz="1000" u="none" cap="none" strike="noStrike">
+              <a:defRPr sz="1000" b="0" i="0" u="none" strike="noStrike" cap="none">
                 <a:solidFill>
                   <a:schemeClr val="dk2"/>
                 </a:solidFill>
@@ -6307,7 +6453,7 @@
                 <a:sym typeface="Arial"/>
               </a:defRPr>
             </a:lvl5pPr>
-            <a:lvl6pPr indent="0" lvl="5" marL="0" marR="0" algn="r">
+            <a:lvl6pPr marL="0" marR="0" lvl="5" indent="0" algn="r">
               <a:lnSpc>
                 <a:spcPct val="100000"/>
               </a:lnSpc>
@@ -6323,7 +6469,7 @@
               <a:buSzPts val="1000"/>
               <a:buFont typeface="Arial"/>
               <a:buNone/>
-              <a:defRPr b="0" i="0" sz="1000" u="none" cap="none" strike="noStrike">
+              <a:defRPr sz="1000" b="0" i="0" u="none" strike="noStrike" cap="none">
                 <a:solidFill>
                   <a:schemeClr val="dk2"/>
                 </a:solidFill>
@@ -6333,7 +6479,7 @@
                 <a:sym typeface="Arial"/>
               </a:defRPr>
             </a:lvl6pPr>
-            <a:lvl7pPr indent="0" lvl="6" marL="0" marR="0" algn="r">
+            <a:lvl7pPr marL="0" marR="0" lvl="6" indent="0" algn="r">
               <a:lnSpc>
                 <a:spcPct val="100000"/>
               </a:lnSpc>
@@ -6349,7 +6495,7 @@
               <a:buSzPts val="1000"/>
               <a:buFont typeface="Arial"/>
               <a:buNone/>
-              <a:defRPr b="0" i="0" sz="1000" u="none" cap="none" strike="noStrike">
+              <a:defRPr sz="1000" b="0" i="0" u="none" strike="noStrike" cap="none">
                 <a:solidFill>
                   <a:schemeClr val="dk2"/>
                 </a:solidFill>
@@ -6359,7 +6505,7 @@
                 <a:sym typeface="Arial"/>
               </a:defRPr>
             </a:lvl7pPr>
-            <a:lvl8pPr indent="0" lvl="7" marL="0" marR="0" algn="r">
+            <a:lvl8pPr marL="0" marR="0" lvl="7" indent="0" algn="r">
               <a:lnSpc>
                 <a:spcPct val="100000"/>
               </a:lnSpc>
@@ -6375,7 +6521,7 @@
               <a:buSzPts val="1000"/>
               <a:buFont typeface="Arial"/>
               <a:buNone/>
-              <a:defRPr b="0" i="0" sz="1000" u="none" cap="none" strike="noStrike">
+              <a:defRPr sz="1000" b="0" i="0" u="none" strike="noStrike" cap="none">
                 <a:solidFill>
                   <a:schemeClr val="dk2"/>
                 </a:solidFill>
@@ -6385,7 +6531,7 @@
                 <a:sym typeface="Arial"/>
               </a:defRPr>
             </a:lvl8pPr>
-            <a:lvl9pPr indent="0" lvl="8" marL="0" marR="0" algn="r">
+            <a:lvl9pPr marL="0" marR="0" lvl="8" indent="0" algn="r">
               <a:lnSpc>
                 <a:spcPct val="100000"/>
               </a:lnSpc>
@@ -6401,7 +6547,7 @@
               <a:buSzPts val="1000"/>
               <a:buFont typeface="Arial"/>
               <a:buNone/>
-              <a:defRPr b="0" i="0" sz="1000" u="none" cap="none" strike="noStrike">
+              <a:defRPr sz="1000" b="0" i="0" u="none" strike="noStrike" cap="none">
                 <a:solidFill>
                   <a:schemeClr val="dk2"/>
                 </a:solidFill>
@@ -6413,7 +6559,7 @@
             </a:lvl9pPr>
           </a:lstStyle>
           <a:p>
-            <a:pPr indent="0" lvl="0" marL="0" rtl="0" algn="r">
+            <a:pPr marL="0" lvl="0" indent="0" algn="r" rtl="0">
               <a:spcBef>
                 <a:spcPts val="0"/>
               </a:spcBef>
@@ -6439,11 +6585,11 @@
 </file>
 
 <file path=ppt/slideLayouts/slideLayout6.xml><?xml version="1.0" encoding="utf-8"?>
-<p:sldLayout xmlns:a="http://schemas.openxmlformats.org/drawingml/2006/main" xmlns:r="http://schemas.openxmlformats.org/officeDocument/2006/relationships" xmlns:mc="http://schemas.openxmlformats.org/markup-compatibility/2006" xmlns:mv="urn:schemas-microsoft-com:mac:vml" xmlns:p="http://schemas.openxmlformats.org/presentationml/2006/main" xmlns:c="http://schemas.openxmlformats.org/drawingml/2006/chart" xmlns:dgm="http://schemas.openxmlformats.org/drawingml/2006/diagram" xmlns:o="urn:schemas-microsoft-com:office:office" xmlns:v="urn:schemas-microsoft-com:vml" xmlns:pvml="urn:schemas-microsoft-com:office:powerpoint" xmlns:com="http://schemas.openxmlformats.org/drawingml/2006/compatibility" xmlns:p14="http://schemas.microsoft.com/office/powerpoint/2010/main" xmlns:p15="http://schemas.microsoft.com/office/powerpoint/2012/main" xmlns:ahyp="http://schemas.microsoft.com/office/drawing/2018/hyperlinkcolor" matchingName="One column text">
+<p:sldLayout xmlns:a="http://schemas.openxmlformats.org/drawingml/2006/main" xmlns:r="http://schemas.openxmlformats.org/officeDocument/2006/relationships" xmlns:p="http://schemas.openxmlformats.org/presentationml/2006/main" matchingName="One column text">
   <p:cSld name="ONE_COLUMN_TEXT">
     <p:spTree>
       <p:nvGrpSpPr>
-        <p:cNvPr id="28" name="Shape 28"/>
+        <p:cNvPr id="1" name="Shape 28"/>
         <p:cNvGrpSpPr/>
         <p:nvPr/>
       </p:nvGrpSpPr>
@@ -6458,7 +6604,9 @@
       <p:sp>
         <p:nvSpPr>
           <p:cNvPr id="29" name="Google Shape;29;p7"/>
-          <p:cNvSpPr txBox="1"/>
+          <p:cNvSpPr txBox="1">
+            <a:spLocks noGrp="1"/>
+          </p:cNvSpPr>
           <p:nvPr>
             <p:ph type="title"/>
           </p:nvPr>
@@ -6477,7 +6625,7 @@
           </a:ln>
         </p:spPr>
         <p:txBody>
-          <a:bodyPr anchorCtr="0" anchor="b" bIns="91425" lIns="91425" spcFirstLastPara="1" rIns="91425" wrap="square" tIns="91425">
+          <a:bodyPr spcFirstLastPara="1" wrap="square" lIns="91425" tIns="91425" rIns="91425" bIns="91425" anchor="b" anchorCtr="0">
             <a:normAutofit/>
           </a:bodyPr>
           <a:lstStyle>
@@ -6608,15 +6756,19 @@
               <a:defRPr sz="2400"/>
             </a:lvl9pPr>
           </a:lstStyle>
-          <a:p/>
+          <a:p>
+            <a:endParaRPr/>
+          </a:p>
         </p:txBody>
       </p:sp>
       <p:sp>
         <p:nvSpPr>
           <p:cNvPr id="30" name="Google Shape;30;p7"/>
-          <p:cNvSpPr txBox="1"/>
+          <p:cNvSpPr txBox="1">
+            <a:spLocks noGrp="1"/>
+          </p:cNvSpPr>
           <p:nvPr>
-            <p:ph idx="1" type="body"/>
+            <p:ph type="body" idx="1"/>
           </p:nvPr>
         </p:nvSpPr>
         <p:spPr>
@@ -6633,11 +6785,11 @@
           </a:ln>
         </p:spPr>
         <p:txBody>
-          <a:bodyPr anchorCtr="0" anchor="t" bIns="91425" lIns="91425" spcFirstLastPara="1" rIns="91425" wrap="square" tIns="91425">
+          <a:bodyPr spcFirstLastPara="1" wrap="square" lIns="91425" tIns="91425" rIns="91425" bIns="91425" anchor="t" anchorCtr="0">
             <a:normAutofit/>
           </a:bodyPr>
           <a:lstStyle>
-            <a:lvl1pPr indent="-304800" lvl="0" marL="457200" algn="l">
+            <a:lvl1pPr marL="457200" lvl="0" indent="-304800" algn="l">
               <a:lnSpc>
                 <a:spcPct val="115000"/>
               </a:lnSpc>
@@ -6651,7 +6803,7 @@
               <a:buChar char="●"/>
               <a:defRPr sz="1200"/>
             </a:lvl1pPr>
-            <a:lvl2pPr indent="-304800" lvl="1" marL="914400" algn="l">
+            <a:lvl2pPr marL="914400" lvl="1" indent="-304800" algn="l">
               <a:lnSpc>
                 <a:spcPct val="115000"/>
               </a:lnSpc>
@@ -6665,7 +6817,7 @@
               <a:buChar char="○"/>
               <a:defRPr sz="1200"/>
             </a:lvl2pPr>
-            <a:lvl3pPr indent="-304800" lvl="2" marL="1371600" algn="l">
+            <a:lvl3pPr marL="1371600" lvl="2" indent="-304800" algn="l">
               <a:lnSpc>
                 <a:spcPct val="115000"/>
               </a:lnSpc>
@@ -6679,7 +6831,7 @@
               <a:buChar char="■"/>
               <a:defRPr sz="1200"/>
             </a:lvl3pPr>
-            <a:lvl4pPr indent="-304800" lvl="3" marL="1828800" algn="l">
+            <a:lvl4pPr marL="1828800" lvl="3" indent="-304800" algn="l">
               <a:lnSpc>
                 <a:spcPct val="115000"/>
               </a:lnSpc>
@@ -6693,7 +6845,7 @@
               <a:buChar char="●"/>
               <a:defRPr sz="1200"/>
             </a:lvl4pPr>
-            <a:lvl5pPr indent="-304800" lvl="4" marL="2286000" algn="l">
+            <a:lvl5pPr marL="2286000" lvl="4" indent="-304800" algn="l">
               <a:lnSpc>
                 <a:spcPct val="115000"/>
               </a:lnSpc>
@@ -6707,7 +6859,7 @@
               <a:buChar char="○"/>
               <a:defRPr sz="1200"/>
             </a:lvl5pPr>
-            <a:lvl6pPr indent="-304800" lvl="5" marL="2743200" algn="l">
+            <a:lvl6pPr marL="2743200" lvl="5" indent="-304800" algn="l">
               <a:lnSpc>
                 <a:spcPct val="115000"/>
               </a:lnSpc>
@@ -6721,7 +6873,7 @@
               <a:buChar char="■"/>
               <a:defRPr sz="1200"/>
             </a:lvl6pPr>
-            <a:lvl7pPr indent="-304800" lvl="6" marL="3200400" algn="l">
+            <a:lvl7pPr marL="3200400" lvl="6" indent="-304800" algn="l">
               <a:lnSpc>
                 <a:spcPct val="115000"/>
               </a:lnSpc>
@@ -6735,7 +6887,7 @@
               <a:buChar char="●"/>
               <a:defRPr sz="1200"/>
             </a:lvl7pPr>
-            <a:lvl8pPr indent="-304800" lvl="7" marL="3657600" algn="l">
+            <a:lvl8pPr marL="3657600" lvl="7" indent="-304800" algn="l">
               <a:lnSpc>
                 <a:spcPct val="115000"/>
               </a:lnSpc>
@@ -6749,7 +6901,7 @@
               <a:buChar char="○"/>
               <a:defRPr sz="1200"/>
             </a:lvl8pPr>
-            <a:lvl9pPr indent="-304800" lvl="8" marL="4114800" algn="l">
+            <a:lvl9pPr marL="4114800" lvl="8" indent="-304800" algn="l">
               <a:lnSpc>
                 <a:spcPct val="115000"/>
               </a:lnSpc>
@@ -6764,15 +6916,19 @@
               <a:defRPr sz="1200"/>
             </a:lvl9pPr>
           </a:lstStyle>
-          <a:p/>
+          <a:p>
+            <a:endParaRPr/>
+          </a:p>
         </p:txBody>
       </p:sp>
       <p:sp>
         <p:nvSpPr>
           <p:cNvPr id="31" name="Google Shape;31;p7"/>
-          <p:cNvSpPr txBox="1"/>
+          <p:cNvSpPr txBox="1">
+            <a:spLocks noGrp="1"/>
+          </p:cNvSpPr>
           <p:nvPr>
-            <p:ph idx="12" type="sldNum"/>
+            <p:ph type="sldNum" idx="12"/>
           </p:nvPr>
         </p:nvSpPr>
         <p:spPr>
@@ -6789,11 +6945,11 @@
           </a:ln>
         </p:spPr>
         <p:txBody>
-          <a:bodyPr anchorCtr="0" anchor="ctr" bIns="91425" lIns="91425" spcFirstLastPara="1" rIns="91425" wrap="square" tIns="91425">
+          <a:bodyPr spcFirstLastPara="1" wrap="square" lIns="91425" tIns="91425" rIns="91425" bIns="91425" anchor="ctr" anchorCtr="0">
             <a:normAutofit/>
           </a:bodyPr>
           <a:lstStyle>
-            <a:lvl1pPr indent="0" lvl="0" marL="0" marR="0" algn="r">
+            <a:lvl1pPr marL="0" marR="0" lvl="0" indent="0" algn="r">
               <a:lnSpc>
                 <a:spcPct val="100000"/>
               </a:lnSpc>
@@ -6809,7 +6965,7 @@
               <a:buSzPts val="1000"/>
               <a:buFont typeface="Arial"/>
               <a:buNone/>
-              <a:defRPr b="0" i="0" sz="1000" u="none" cap="none" strike="noStrike">
+              <a:defRPr sz="1000" b="0" i="0" u="none" strike="noStrike" cap="none">
                 <a:solidFill>
                   <a:schemeClr val="dk2"/>
                 </a:solidFill>
@@ -6819,7 +6975,7 @@
                 <a:sym typeface="Arial"/>
               </a:defRPr>
             </a:lvl1pPr>
-            <a:lvl2pPr indent="0" lvl="1" marL="0" marR="0" algn="r">
+            <a:lvl2pPr marL="0" marR="0" lvl="1" indent="0" algn="r">
               <a:lnSpc>
                 <a:spcPct val="100000"/>
               </a:lnSpc>
@@ -6835,7 +6991,7 @@
               <a:buSzPts val="1000"/>
               <a:buFont typeface="Arial"/>
               <a:buNone/>
-              <a:defRPr b="0" i="0" sz="1000" u="none" cap="none" strike="noStrike">
+              <a:defRPr sz="1000" b="0" i="0" u="none" strike="noStrike" cap="none">
                 <a:solidFill>
                   <a:schemeClr val="dk2"/>
                 </a:solidFill>
@@ -6845,7 +7001,7 @@
                 <a:sym typeface="Arial"/>
               </a:defRPr>
             </a:lvl2pPr>
-            <a:lvl3pPr indent="0" lvl="2" marL="0" marR="0" algn="r">
+            <a:lvl3pPr marL="0" marR="0" lvl="2" indent="0" algn="r">
               <a:lnSpc>
                 <a:spcPct val="100000"/>
               </a:lnSpc>
@@ -6861,7 +7017,7 @@
               <a:buSzPts val="1000"/>
               <a:buFont typeface="Arial"/>
               <a:buNone/>
-              <a:defRPr b="0" i="0" sz="1000" u="none" cap="none" strike="noStrike">
+              <a:defRPr sz="1000" b="0" i="0" u="none" strike="noStrike" cap="none">
                 <a:solidFill>
                   <a:schemeClr val="dk2"/>
                 </a:solidFill>
@@ -6871,7 +7027,7 @@
                 <a:sym typeface="Arial"/>
               </a:defRPr>
             </a:lvl3pPr>
-            <a:lvl4pPr indent="0" lvl="3" marL="0" marR="0" algn="r">
+            <a:lvl4pPr marL="0" marR="0" lvl="3" indent="0" algn="r">
               <a:lnSpc>
                 <a:spcPct val="100000"/>
               </a:lnSpc>
@@ -6887,7 +7043,7 @@
               <a:buSzPts val="1000"/>
               <a:buFont typeface="Arial"/>
               <a:buNone/>
-              <a:defRPr b="0" i="0" sz="1000" u="none" cap="none" strike="noStrike">
+              <a:defRPr sz="1000" b="0" i="0" u="none" strike="noStrike" cap="none">
                 <a:solidFill>
                   <a:schemeClr val="dk2"/>
                 </a:solidFill>
@@ -6897,7 +7053,7 @@
                 <a:sym typeface="Arial"/>
               </a:defRPr>
             </a:lvl4pPr>
-            <a:lvl5pPr indent="0" lvl="4" marL="0" marR="0" algn="r">
+            <a:lvl5pPr marL="0" marR="0" lvl="4" indent="0" algn="r">
               <a:lnSpc>
                 <a:spcPct val="100000"/>
               </a:lnSpc>
@@ -6913,7 +7069,7 @@
               <a:buSzPts val="1000"/>
               <a:buFont typeface="Arial"/>
               <a:buNone/>
-              <a:defRPr b="0" i="0" sz="1000" u="none" cap="none" strike="noStrike">
+              <a:defRPr sz="1000" b="0" i="0" u="none" strike="noStrike" cap="none">
                 <a:solidFill>
                   <a:schemeClr val="dk2"/>
                 </a:solidFill>
@@ -6923,7 +7079,7 @@
                 <a:sym typeface="Arial"/>
               </a:defRPr>
             </a:lvl5pPr>
-            <a:lvl6pPr indent="0" lvl="5" marL="0" marR="0" algn="r">
+            <a:lvl6pPr marL="0" marR="0" lvl="5" indent="0" algn="r">
               <a:lnSpc>
                 <a:spcPct val="100000"/>
               </a:lnSpc>
@@ -6939,7 +7095,7 @@
               <a:buSzPts val="1000"/>
               <a:buFont typeface="Arial"/>
               <a:buNone/>
-              <a:defRPr b="0" i="0" sz="1000" u="none" cap="none" strike="noStrike">
+              <a:defRPr sz="1000" b="0" i="0" u="none" strike="noStrike" cap="none">
                 <a:solidFill>
                   <a:schemeClr val="dk2"/>
                 </a:solidFill>
@@ -6949,7 +7105,7 @@
                 <a:sym typeface="Arial"/>
               </a:defRPr>
             </a:lvl6pPr>
-            <a:lvl7pPr indent="0" lvl="6" marL="0" marR="0" algn="r">
+            <a:lvl7pPr marL="0" marR="0" lvl="6" indent="0" algn="r">
               <a:lnSpc>
                 <a:spcPct val="100000"/>
               </a:lnSpc>
@@ -6965,7 +7121,7 @@
               <a:buSzPts val="1000"/>
               <a:buFont typeface="Arial"/>
               <a:buNone/>
-              <a:defRPr b="0" i="0" sz="1000" u="none" cap="none" strike="noStrike">
+              <a:defRPr sz="1000" b="0" i="0" u="none" strike="noStrike" cap="none">
                 <a:solidFill>
                   <a:schemeClr val="dk2"/>
                 </a:solidFill>
@@ -6975,7 +7131,7 @@
                 <a:sym typeface="Arial"/>
               </a:defRPr>
             </a:lvl7pPr>
-            <a:lvl8pPr indent="0" lvl="7" marL="0" marR="0" algn="r">
+            <a:lvl8pPr marL="0" marR="0" lvl="7" indent="0" algn="r">
               <a:lnSpc>
                 <a:spcPct val="100000"/>
               </a:lnSpc>
@@ -6991,7 +7147,7 @@
               <a:buSzPts val="1000"/>
               <a:buFont typeface="Arial"/>
               <a:buNone/>
-              <a:defRPr b="0" i="0" sz="1000" u="none" cap="none" strike="noStrike">
+              <a:defRPr sz="1000" b="0" i="0" u="none" strike="noStrike" cap="none">
                 <a:solidFill>
                   <a:schemeClr val="dk2"/>
                 </a:solidFill>
@@ -7001,7 +7157,7 @@
                 <a:sym typeface="Arial"/>
               </a:defRPr>
             </a:lvl8pPr>
-            <a:lvl9pPr indent="0" lvl="8" marL="0" marR="0" algn="r">
+            <a:lvl9pPr marL="0" marR="0" lvl="8" indent="0" algn="r">
               <a:lnSpc>
                 <a:spcPct val="100000"/>
               </a:lnSpc>
@@ -7017,7 +7173,7 @@
               <a:buSzPts val="1000"/>
               <a:buFont typeface="Arial"/>
               <a:buNone/>
-              <a:defRPr b="0" i="0" sz="1000" u="none" cap="none" strike="noStrike">
+              <a:defRPr sz="1000" b="0" i="0" u="none" strike="noStrike" cap="none">
                 <a:solidFill>
                   <a:schemeClr val="dk2"/>
                 </a:solidFill>
@@ -7029,7 +7185,7 @@
             </a:lvl9pPr>
           </a:lstStyle>
           <a:p>
-            <a:pPr indent="0" lvl="0" marL="0" rtl="0" algn="r">
+            <a:pPr marL="0" lvl="0" indent="0" algn="r" rtl="0">
               <a:spcBef>
                 <a:spcPts val="0"/>
               </a:spcBef>
@@ -7055,11 +7211,11 @@
 </file>
 
 <file path=ppt/slideLayouts/slideLayout7.xml><?xml version="1.0" encoding="utf-8"?>
-<p:sldLayout xmlns:a="http://schemas.openxmlformats.org/drawingml/2006/main" xmlns:r="http://schemas.openxmlformats.org/officeDocument/2006/relationships" xmlns:mc="http://schemas.openxmlformats.org/markup-compatibility/2006" xmlns:mv="urn:schemas-microsoft-com:mac:vml" xmlns:p="http://schemas.openxmlformats.org/presentationml/2006/main" xmlns:c="http://schemas.openxmlformats.org/drawingml/2006/chart" xmlns:dgm="http://schemas.openxmlformats.org/drawingml/2006/diagram" xmlns:o="urn:schemas-microsoft-com:office:office" xmlns:v="urn:schemas-microsoft-com:vml" xmlns:pvml="urn:schemas-microsoft-com:office:powerpoint" xmlns:com="http://schemas.openxmlformats.org/drawingml/2006/compatibility" xmlns:p14="http://schemas.microsoft.com/office/powerpoint/2010/main" xmlns:p15="http://schemas.microsoft.com/office/powerpoint/2012/main" xmlns:ahyp="http://schemas.microsoft.com/office/drawing/2018/hyperlinkcolor" matchingName="Main point">
+<p:sldLayout xmlns:a="http://schemas.openxmlformats.org/drawingml/2006/main" xmlns:r="http://schemas.openxmlformats.org/officeDocument/2006/relationships" xmlns:p="http://schemas.openxmlformats.org/presentationml/2006/main" matchingName="Main point">
   <p:cSld name="MAIN_POINT">
     <p:spTree>
       <p:nvGrpSpPr>
-        <p:cNvPr id="32" name="Shape 32"/>
+        <p:cNvPr id="1" name="Shape 32"/>
         <p:cNvGrpSpPr/>
         <p:nvPr/>
       </p:nvGrpSpPr>
@@ -7074,7 +7230,9 @@
       <p:sp>
         <p:nvSpPr>
           <p:cNvPr id="33" name="Google Shape;33;p8"/>
-          <p:cNvSpPr txBox="1"/>
+          <p:cNvSpPr txBox="1">
+            <a:spLocks noGrp="1"/>
+          </p:cNvSpPr>
           <p:nvPr>
             <p:ph type="title"/>
           </p:nvPr>
@@ -7093,7 +7251,7 @@
           </a:ln>
         </p:spPr>
         <p:txBody>
-          <a:bodyPr anchorCtr="0" anchor="ctr" bIns="91425" lIns="91425" spcFirstLastPara="1" rIns="91425" wrap="square" tIns="91425">
+          <a:bodyPr spcFirstLastPara="1" wrap="square" lIns="91425" tIns="91425" rIns="91425" bIns="91425" anchor="ctr" anchorCtr="0">
             <a:normAutofit/>
           </a:bodyPr>
           <a:lstStyle>
@@ -7224,15 +7382,19 @@
               <a:defRPr sz="4800"/>
             </a:lvl9pPr>
           </a:lstStyle>
-          <a:p/>
+          <a:p>
+            <a:endParaRPr/>
+          </a:p>
         </p:txBody>
       </p:sp>
       <p:sp>
         <p:nvSpPr>
           <p:cNvPr id="34" name="Google Shape;34;p8"/>
-          <p:cNvSpPr txBox="1"/>
+          <p:cNvSpPr txBox="1">
+            <a:spLocks noGrp="1"/>
+          </p:cNvSpPr>
           <p:nvPr>
-            <p:ph idx="12" type="sldNum"/>
+            <p:ph type="sldNum" idx="12"/>
           </p:nvPr>
         </p:nvSpPr>
         <p:spPr>
@@ -7249,11 +7411,11 @@
           </a:ln>
         </p:spPr>
         <p:txBody>
-          <a:bodyPr anchorCtr="0" anchor="ctr" bIns="91425" lIns="91425" spcFirstLastPara="1" rIns="91425" wrap="square" tIns="91425">
+          <a:bodyPr spcFirstLastPara="1" wrap="square" lIns="91425" tIns="91425" rIns="91425" bIns="91425" anchor="ctr" anchorCtr="0">
             <a:normAutofit/>
           </a:bodyPr>
           <a:lstStyle>
-            <a:lvl1pPr indent="0" lvl="0" marL="0" marR="0" algn="r">
+            <a:lvl1pPr marL="0" marR="0" lvl="0" indent="0" algn="r">
               <a:lnSpc>
                 <a:spcPct val="100000"/>
               </a:lnSpc>
@@ -7269,7 +7431,7 @@
               <a:buSzPts val="1000"/>
               <a:buFont typeface="Arial"/>
               <a:buNone/>
-              <a:defRPr b="0" i="0" sz="1000" u="none" cap="none" strike="noStrike">
+              <a:defRPr sz="1000" b="0" i="0" u="none" strike="noStrike" cap="none">
                 <a:solidFill>
                   <a:schemeClr val="dk2"/>
                 </a:solidFill>
@@ -7279,7 +7441,7 @@
                 <a:sym typeface="Arial"/>
               </a:defRPr>
             </a:lvl1pPr>
-            <a:lvl2pPr indent="0" lvl="1" marL="0" marR="0" algn="r">
+            <a:lvl2pPr marL="0" marR="0" lvl="1" indent="0" algn="r">
               <a:lnSpc>
                 <a:spcPct val="100000"/>
               </a:lnSpc>
@@ -7295,7 +7457,7 @@
               <a:buSzPts val="1000"/>
               <a:buFont typeface="Arial"/>
               <a:buNone/>
-              <a:defRPr b="0" i="0" sz="1000" u="none" cap="none" strike="noStrike">
+              <a:defRPr sz="1000" b="0" i="0" u="none" strike="noStrike" cap="none">
                 <a:solidFill>
                   <a:schemeClr val="dk2"/>
                 </a:solidFill>
@@ -7305,7 +7467,7 @@
                 <a:sym typeface="Arial"/>
               </a:defRPr>
             </a:lvl2pPr>
-            <a:lvl3pPr indent="0" lvl="2" marL="0" marR="0" algn="r">
+            <a:lvl3pPr marL="0" marR="0" lvl="2" indent="0" algn="r">
               <a:lnSpc>
                 <a:spcPct val="100000"/>
               </a:lnSpc>
@@ -7321,7 +7483,7 @@
               <a:buSzPts val="1000"/>
               <a:buFont typeface="Arial"/>
               <a:buNone/>
-              <a:defRPr b="0" i="0" sz="1000" u="none" cap="none" strike="noStrike">
+              <a:defRPr sz="1000" b="0" i="0" u="none" strike="noStrike" cap="none">
                 <a:solidFill>
                   <a:schemeClr val="dk2"/>
                 </a:solidFill>
@@ -7331,7 +7493,7 @@
                 <a:sym typeface="Arial"/>
               </a:defRPr>
             </a:lvl3pPr>
-            <a:lvl4pPr indent="0" lvl="3" marL="0" marR="0" algn="r">
+            <a:lvl4pPr marL="0" marR="0" lvl="3" indent="0" algn="r">
               <a:lnSpc>
                 <a:spcPct val="100000"/>
               </a:lnSpc>
@@ -7347,7 +7509,7 @@
               <a:buSzPts val="1000"/>
               <a:buFont typeface="Arial"/>
               <a:buNone/>
-              <a:defRPr b="0" i="0" sz="1000" u="none" cap="none" strike="noStrike">
+              <a:defRPr sz="1000" b="0" i="0" u="none" strike="noStrike" cap="none">
                 <a:solidFill>
                   <a:schemeClr val="dk2"/>
                 </a:solidFill>
@@ -7357,7 +7519,7 @@
                 <a:sym typeface="Arial"/>
               </a:defRPr>
             </a:lvl4pPr>
-            <a:lvl5pPr indent="0" lvl="4" marL="0" marR="0" algn="r">
+            <a:lvl5pPr marL="0" marR="0" lvl="4" indent="0" algn="r">
               <a:lnSpc>
                 <a:spcPct val="100000"/>
               </a:lnSpc>
@@ -7373,7 +7535,7 @@
               <a:buSzPts val="1000"/>
               <a:buFont typeface="Arial"/>
               <a:buNone/>
-              <a:defRPr b="0" i="0" sz="1000" u="none" cap="none" strike="noStrike">
+              <a:defRPr sz="1000" b="0" i="0" u="none" strike="noStrike" cap="none">
                 <a:solidFill>
                   <a:schemeClr val="dk2"/>
                 </a:solidFill>
@@ -7383,7 +7545,7 @@
                 <a:sym typeface="Arial"/>
               </a:defRPr>
             </a:lvl5pPr>
-            <a:lvl6pPr indent="0" lvl="5" marL="0" marR="0" algn="r">
+            <a:lvl6pPr marL="0" marR="0" lvl="5" indent="0" algn="r">
               <a:lnSpc>
                 <a:spcPct val="100000"/>
               </a:lnSpc>
@@ -7399,7 +7561,7 @@
               <a:buSzPts val="1000"/>
               <a:buFont typeface="Arial"/>
               <a:buNone/>
-              <a:defRPr b="0" i="0" sz="1000" u="none" cap="none" strike="noStrike">
+              <a:defRPr sz="1000" b="0" i="0" u="none" strike="noStrike" cap="none">
                 <a:solidFill>
                   <a:schemeClr val="dk2"/>
                 </a:solidFill>
@@ -7409,7 +7571,7 @@
                 <a:sym typeface="Arial"/>
               </a:defRPr>
             </a:lvl6pPr>
-            <a:lvl7pPr indent="0" lvl="6" marL="0" marR="0" algn="r">
+            <a:lvl7pPr marL="0" marR="0" lvl="6" indent="0" algn="r">
               <a:lnSpc>
                 <a:spcPct val="100000"/>
               </a:lnSpc>
@@ -7425,7 +7587,7 @@
               <a:buSzPts val="1000"/>
               <a:buFont typeface="Arial"/>
               <a:buNone/>
-              <a:defRPr b="0" i="0" sz="1000" u="none" cap="none" strike="noStrike">
+              <a:defRPr sz="1000" b="0" i="0" u="none" strike="noStrike" cap="none">
                 <a:solidFill>
                   <a:schemeClr val="dk2"/>
                 </a:solidFill>
@@ -7435,7 +7597,7 @@
                 <a:sym typeface="Arial"/>
               </a:defRPr>
             </a:lvl7pPr>
-            <a:lvl8pPr indent="0" lvl="7" marL="0" marR="0" algn="r">
+            <a:lvl8pPr marL="0" marR="0" lvl="7" indent="0" algn="r">
               <a:lnSpc>
                 <a:spcPct val="100000"/>
               </a:lnSpc>
@@ -7451,7 +7613,7 @@
               <a:buSzPts val="1000"/>
               <a:buFont typeface="Arial"/>
               <a:buNone/>
-              <a:defRPr b="0" i="0" sz="1000" u="none" cap="none" strike="noStrike">
+              <a:defRPr sz="1000" b="0" i="0" u="none" strike="noStrike" cap="none">
                 <a:solidFill>
                   <a:schemeClr val="dk2"/>
                 </a:solidFill>
@@ -7461,7 +7623,7 @@
                 <a:sym typeface="Arial"/>
               </a:defRPr>
             </a:lvl8pPr>
-            <a:lvl9pPr indent="0" lvl="8" marL="0" marR="0" algn="r">
+            <a:lvl9pPr marL="0" marR="0" lvl="8" indent="0" algn="r">
               <a:lnSpc>
                 <a:spcPct val="100000"/>
               </a:lnSpc>
@@ -7477,7 +7639,7 @@
               <a:buSzPts val="1000"/>
               <a:buFont typeface="Arial"/>
               <a:buNone/>
-              <a:defRPr b="0" i="0" sz="1000" u="none" cap="none" strike="noStrike">
+              <a:defRPr sz="1000" b="0" i="0" u="none" strike="noStrike" cap="none">
                 <a:solidFill>
                   <a:schemeClr val="dk2"/>
                 </a:solidFill>
@@ -7489,7 +7651,7 @@
             </a:lvl9pPr>
           </a:lstStyle>
           <a:p>
-            <a:pPr indent="0" lvl="0" marL="0" rtl="0" algn="r">
+            <a:pPr marL="0" lvl="0" indent="0" algn="r" rtl="0">
               <a:spcBef>
                 <a:spcPts val="0"/>
               </a:spcBef>
@@ -7515,11 +7677,11 @@
 </file>
 
 <file path=ppt/slideLayouts/slideLayout8.xml><?xml version="1.0" encoding="utf-8"?>
-<p:sldLayout xmlns:a="http://schemas.openxmlformats.org/drawingml/2006/main" xmlns:r="http://schemas.openxmlformats.org/officeDocument/2006/relationships" xmlns:mc="http://schemas.openxmlformats.org/markup-compatibility/2006" xmlns:mv="urn:schemas-microsoft-com:mac:vml" xmlns:p="http://schemas.openxmlformats.org/presentationml/2006/main" xmlns:c="http://schemas.openxmlformats.org/drawingml/2006/chart" xmlns:dgm="http://schemas.openxmlformats.org/drawingml/2006/diagram" xmlns:o="urn:schemas-microsoft-com:office:office" xmlns:v="urn:schemas-microsoft-com:vml" xmlns:pvml="urn:schemas-microsoft-com:office:powerpoint" xmlns:com="http://schemas.openxmlformats.org/drawingml/2006/compatibility" xmlns:p14="http://schemas.microsoft.com/office/powerpoint/2010/main" xmlns:p15="http://schemas.microsoft.com/office/powerpoint/2012/main" xmlns:ahyp="http://schemas.microsoft.com/office/drawing/2018/hyperlinkcolor" matchingName="Section title and description">
+<p:sldLayout xmlns:a="http://schemas.openxmlformats.org/drawingml/2006/main" xmlns:r="http://schemas.openxmlformats.org/officeDocument/2006/relationships" xmlns:p="http://schemas.openxmlformats.org/presentationml/2006/main" matchingName="Section title and description">
   <p:cSld name="SECTION_TITLE_AND_DESCRIPTION">
     <p:spTree>
       <p:nvGrpSpPr>
-        <p:cNvPr id="35" name="Shape 35"/>
+        <p:cNvPr id="1" name="Shape 35"/>
         <p:cNvGrpSpPr/>
         <p:nvPr/>
       </p:nvGrpSpPr>
@@ -7553,12 +7715,12 @@
           </a:ln>
         </p:spPr>
         <p:txBody>
-          <a:bodyPr anchorCtr="0" anchor="ctr" bIns="91425" lIns="91425" spcFirstLastPara="1" rIns="91425" wrap="square" tIns="91425">
+          <a:bodyPr spcFirstLastPara="1" wrap="square" lIns="91425" tIns="91425" rIns="91425" bIns="91425" anchor="ctr" anchorCtr="0">
             <a:noAutofit/>
           </a:bodyPr>
           <a:lstStyle/>
           <a:p>
-            <a:pPr indent="0" lvl="0" marL="0" marR="0" rtl="0" algn="l">
+            <a:pPr marL="0" marR="0" lvl="0" indent="0" algn="l" rtl="0">
               <a:lnSpc>
                 <a:spcPct val="100000"/>
               </a:lnSpc>
@@ -7575,10 +7737,7 @@
               <a:buFont typeface="Arial"/>
               <a:buNone/>
             </a:pPr>
-            <a:r>
-              <a:t/>
-            </a:r>
-            <a:endParaRPr b="0" i="0" sz="1400" u="none" cap="none" strike="noStrike">
+            <a:endParaRPr sz="1400" b="0" i="0" u="none" strike="noStrike" cap="none">
               <a:solidFill>
                 <a:srgbClr val="000000"/>
               </a:solidFill>
@@ -7593,7 +7752,9 @@
       <p:sp>
         <p:nvSpPr>
           <p:cNvPr id="37" name="Google Shape;37;p9"/>
-          <p:cNvSpPr txBox="1"/>
+          <p:cNvSpPr txBox="1">
+            <a:spLocks noGrp="1"/>
+          </p:cNvSpPr>
           <p:nvPr>
             <p:ph type="title"/>
           </p:nvPr>
@@ -7612,7 +7773,7 @@
           </a:ln>
         </p:spPr>
         <p:txBody>
-          <a:bodyPr anchorCtr="0" anchor="b" bIns="91425" lIns="91425" spcFirstLastPara="1" rIns="91425" wrap="square" tIns="91425">
+          <a:bodyPr spcFirstLastPara="1" wrap="square" lIns="91425" tIns="91425" rIns="91425" bIns="91425" anchor="b" anchorCtr="0">
             <a:normAutofit/>
           </a:bodyPr>
           <a:lstStyle>
@@ -7743,15 +7904,19 @@
               <a:defRPr sz="4200"/>
             </a:lvl9pPr>
           </a:lstStyle>
-          <a:p/>
+          <a:p>
+            <a:endParaRPr/>
+          </a:p>
         </p:txBody>
       </p:sp>
       <p:sp>
         <p:nvSpPr>
           <p:cNvPr id="38" name="Google Shape;38;p9"/>
-          <p:cNvSpPr txBox="1"/>
+          <p:cNvSpPr txBox="1">
+            <a:spLocks noGrp="1"/>
+          </p:cNvSpPr>
           <p:nvPr>
-            <p:ph idx="1" type="subTitle"/>
+            <p:ph type="subTitle" idx="1"/>
           </p:nvPr>
         </p:nvSpPr>
         <p:spPr>
@@ -7768,7 +7933,7 @@
           </a:ln>
         </p:spPr>
         <p:txBody>
-          <a:bodyPr anchorCtr="0" anchor="t" bIns="91425" lIns="91425" spcFirstLastPara="1" rIns="91425" wrap="square" tIns="91425">
+          <a:bodyPr spcFirstLastPara="1" wrap="square" lIns="91425" tIns="91425" rIns="91425" bIns="91425" anchor="t" anchorCtr="0">
             <a:normAutofit/>
           </a:bodyPr>
           <a:lstStyle>
@@ -7899,15 +8064,19 @@
               <a:defRPr sz="2100"/>
             </a:lvl9pPr>
           </a:lstStyle>
-          <a:p/>
+          <a:p>
+            <a:endParaRPr/>
+          </a:p>
         </p:txBody>
       </p:sp>
       <p:sp>
         <p:nvSpPr>
           <p:cNvPr id="39" name="Google Shape;39;p9"/>
-          <p:cNvSpPr txBox="1"/>
+          <p:cNvSpPr txBox="1">
+            <a:spLocks noGrp="1"/>
+          </p:cNvSpPr>
           <p:nvPr>
-            <p:ph idx="2" type="body"/>
+            <p:ph type="body" idx="2"/>
           </p:nvPr>
         </p:nvSpPr>
         <p:spPr>
@@ -7924,11 +8093,11 @@
           </a:ln>
         </p:spPr>
         <p:txBody>
-          <a:bodyPr anchorCtr="0" anchor="ctr" bIns="91425" lIns="91425" spcFirstLastPara="1" rIns="91425" wrap="square" tIns="91425">
+          <a:bodyPr spcFirstLastPara="1" wrap="square" lIns="91425" tIns="91425" rIns="91425" bIns="91425" anchor="ctr" anchorCtr="0">
             <a:normAutofit/>
           </a:bodyPr>
           <a:lstStyle>
-            <a:lvl1pPr indent="-342900" lvl="0" marL="457200" algn="l">
+            <a:lvl1pPr marL="457200" lvl="0" indent="-342900" algn="l">
               <a:lnSpc>
                 <a:spcPct val="115000"/>
               </a:lnSpc>
@@ -7942,7 +8111,7 @@
               <a:buChar char="●"/>
               <a:defRPr/>
             </a:lvl1pPr>
-            <a:lvl2pPr indent="-317500" lvl="1" marL="914400" algn="l">
+            <a:lvl2pPr marL="914400" lvl="1" indent="-317500" algn="l">
               <a:lnSpc>
                 <a:spcPct val="115000"/>
               </a:lnSpc>
@@ -7956,7 +8125,7 @@
               <a:buChar char="○"/>
               <a:defRPr/>
             </a:lvl2pPr>
-            <a:lvl3pPr indent="-317500" lvl="2" marL="1371600" algn="l">
+            <a:lvl3pPr marL="1371600" lvl="2" indent="-317500" algn="l">
               <a:lnSpc>
                 <a:spcPct val="115000"/>
               </a:lnSpc>
@@ -7970,7 +8139,7 @@
               <a:buChar char="■"/>
               <a:defRPr/>
             </a:lvl3pPr>
-            <a:lvl4pPr indent="-317500" lvl="3" marL="1828800" algn="l">
+            <a:lvl4pPr marL="1828800" lvl="3" indent="-317500" algn="l">
               <a:lnSpc>
                 <a:spcPct val="115000"/>
               </a:lnSpc>
@@ -7984,7 +8153,7 @@
               <a:buChar char="●"/>
               <a:defRPr/>
             </a:lvl4pPr>
-            <a:lvl5pPr indent="-317500" lvl="4" marL="2286000" algn="l">
+            <a:lvl5pPr marL="2286000" lvl="4" indent="-317500" algn="l">
               <a:lnSpc>
                 <a:spcPct val="115000"/>
               </a:lnSpc>
@@ -7998,7 +8167,7 @@
               <a:buChar char="○"/>
               <a:defRPr/>
             </a:lvl5pPr>
-            <a:lvl6pPr indent="-317500" lvl="5" marL="2743200" algn="l">
+            <a:lvl6pPr marL="2743200" lvl="5" indent="-317500" algn="l">
               <a:lnSpc>
                 <a:spcPct val="115000"/>
               </a:lnSpc>
@@ -8012,7 +8181,7 @@
               <a:buChar char="■"/>
               <a:defRPr/>
             </a:lvl6pPr>
-            <a:lvl7pPr indent="-317500" lvl="6" marL="3200400" algn="l">
+            <a:lvl7pPr marL="3200400" lvl="6" indent="-317500" algn="l">
               <a:lnSpc>
                 <a:spcPct val="115000"/>
               </a:lnSpc>
@@ -8026,7 +8195,7 @@
               <a:buChar char="●"/>
               <a:defRPr/>
             </a:lvl7pPr>
-            <a:lvl8pPr indent="-317500" lvl="7" marL="3657600" algn="l">
+            <a:lvl8pPr marL="3657600" lvl="7" indent="-317500" algn="l">
               <a:lnSpc>
                 <a:spcPct val="115000"/>
               </a:lnSpc>
@@ -8040,7 +8209,7 @@
               <a:buChar char="○"/>
               <a:defRPr/>
             </a:lvl8pPr>
-            <a:lvl9pPr indent="-317500" lvl="8" marL="4114800" algn="l">
+            <a:lvl9pPr marL="4114800" lvl="8" indent="-317500" algn="l">
               <a:lnSpc>
                 <a:spcPct val="115000"/>
               </a:lnSpc>
@@ -8055,15 +8224,19 @@
               <a:defRPr/>
             </a:lvl9pPr>
           </a:lstStyle>
-          <a:p/>
+          <a:p>
+            <a:endParaRPr/>
+          </a:p>
         </p:txBody>
       </p:sp>
       <p:sp>
         <p:nvSpPr>
           <p:cNvPr id="40" name="Google Shape;40;p9"/>
-          <p:cNvSpPr txBox="1"/>
+          <p:cNvSpPr txBox="1">
+            <a:spLocks noGrp="1"/>
+          </p:cNvSpPr>
           <p:nvPr>
-            <p:ph idx="12" type="sldNum"/>
+            <p:ph type="sldNum" idx="12"/>
           </p:nvPr>
         </p:nvSpPr>
         <p:spPr>
@@ -8080,11 +8253,11 @@
           </a:ln>
         </p:spPr>
         <p:txBody>
-          <a:bodyPr anchorCtr="0" anchor="ctr" bIns="91425" lIns="91425" spcFirstLastPara="1" rIns="91425" wrap="square" tIns="91425">
+          <a:bodyPr spcFirstLastPara="1" wrap="square" lIns="91425" tIns="91425" rIns="91425" bIns="91425" anchor="ctr" anchorCtr="0">
             <a:normAutofit/>
           </a:bodyPr>
           <a:lstStyle>
-            <a:lvl1pPr indent="0" lvl="0" marL="0" marR="0" algn="r">
+            <a:lvl1pPr marL="0" marR="0" lvl="0" indent="0" algn="r">
               <a:lnSpc>
                 <a:spcPct val="100000"/>
               </a:lnSpc>
@@ -8100,7 +8273,7 @@
               <a:buSzPts val="1000"/>
               <a:buFont typeface="Arial"/>
               <a:buNone/>
-              <a:defRPr b="0" i="0" sz="1000" u="none" cap="none" strike="noStrike">
+              <a:defRPr sz="1000" b="0" i="0" u="none" strike="noStrike" cap="none">
                 <a:solidFill>
                   <a:schemeClr val="dk2"/>
                 </a:solidFill>
@@ -8110,7 +8283,7 @@
                 <a:sym typeface="Arial"/>
               </a:defRPr>
             </a:lvl1pPr>
-            <a:lvl2pPr indent="0" lvl="1" marL="0" marR="0" algn="r">
+            <a:lvl2pPr marL="0" marR="0" lvl="1" indent="0" algn="r">
               <a:lnSpc>
                 <a:spcPct val="100000"/>
               </a:lnSpc>
@@ -8126,7 +8299,7 @@
               <a:buSzPts val="1000"/>
               <a:buFont typeface="Arial"/>
               <a:buNone/>
-              <a:defRPr b="0" i="0" sz="1000" u="none" cap="none" strike="noStrike">
+              <a:defRPr sz="1000" b="0" i="0" u="none" strike="noStrike" cap="none">
                 <a:solidFill>
                   <a:schemeClr val="dk2"/>
                 </a:solidFill>
@@ -8136,7 +8309,7 @@
                 <a:sym typeface="Arial"/>
               </a:defRPr>
             </a:lvl2pPr>
-            <a:lvl3pPr indent="0" lvl="2" marL="0" marR="0" algn="r">
+            <a:lvl3pPr marL="0" marR="0" lvl="2" indent="0" algn="r">
               <a:lnSpc>
                 <a:spcPct val="100000"/>
               </a:lnSpc>
@@ -8152,7 +8325,7 @@
               <a:buSzPts val="1000"/>
               <a:buFont typeface="Arial"/>
               <a:buNone/>
-              <a:defRPr b="0" i="0" sz="1000" u="none" cap="none" strike="noStrike">
+              <a:defRPr sz="1000" b="0" i="0" u="none" strike="noStrike" cap="none">
                 <a:solidFill>
                   <a:schemeClr val="dk2"/>
                 </a:solidFill>
@@ -8162,7 +8335,7 @@
                 <a:sym typeface="Arial"/>
               </a:defRPr>
             </a:lvl3pPr>
-            <a:lvl4pPr indent="0" lvl="3" marL="0" marR="0" algn="r">
+            <a:lvl4pPr marL="0" marR="0" lvl="3" indent="0" algn="r">
               <a:lnSpc>
                 <a:spcPct val="100000"/>
               </a:lnSpc>
@@ -8178,7 +8351,7 @@
               <a:buSzPts val="1000"/>
               <a:buFont typeface="Arial"/>
               <a:buNone/>
-              <a:defRPr b="0" i="0" sz="1000" u="none" cap="none" strike="noStrike">
+              <a:defRPr sz="1000" b="0" i="0" u="none" strike="noStrike" cap="none">
                 <a:solidFill>
                   <a:schemeClr val="dk2"/>
                 </a:solidFill>
@@ -8188,7 +8361,7 @@
                 <a:sym typeface="Arial"/>
               </a:defRPr>
             </a:lvl4pPr>
-            <a:lvl5pPr indent="0" lvl="4" marL="0" marR="0" algn="r">
+            <a:lvl5pPr marL="0" marR="0" lvl="4" indent="0" algn="r">
               <a:lnSpc>
                 <a:spcPct val="100000"/>
               </a:lnSpc>
@@ -8204,7 +8377,7 @@
               <a:buSzPts val="1000"/>
               <a:buFont typeface="Arial"/>
               <a:buNone/>
-              <a:defRPr b="0" i="0" sz="1000" u="none" cap="none" strike="noStrike">
+              <a:defRPr sz="1000" b="0" i="0" u="none" strike="noStrike" cap="none">
                 <a:solidFill>
                   <a:schemeClr val="dk2"/>
                 </a:solidFill>
@@ -8214,7 +8387,7 @@
                 <a:sym typeface="Arial"/>
               </a:defRPr>
             </a:lvl5pPr>
-            <a:lvl6pPr indent="0" lvl="5" marL="0" marR="0" algn="r">
+            <a:lvl6pPr marL="0" marR="0" lvl="5" indent="0" algn="r">
               <a:lnSpc>
                 <a:spcPct val="100000"/>
               </a:lnSpc>
@@ -8230,7 +8403,7 @@
               <a:buSzPts val="1000"/>
               <a:buFont typeface="Arial"/>
               <a:buNone/>
-              <a:defRPr b="0" i="0" sz="1000" u="none" cap="none" strike="noStrike">
+              <a:defRPr sz="1000" b="0" i="0" u="none" strike="noStrike" cap="none">
                 <a:solidFill>
                   <a:schemeClr val="dk2"/>
                 </a:solidFill>
@@ -8240,7 +8413,7 @@
                 <a:sym typeface="Arial"/>
               </a:defRPr>
             </a:lvl6pPr>
-            <a:lvl7pPr indent="0" lvl="6" marL="0" marR="0" algn="r">
+            <a:lvl7pPr marL="0" marR="0" lvl="6" indent="0" algn="r">
               <a:lnSpc>
                 <a:spcPct val="100000"/>
               </a:lnSpc>
@@ -8256,7 +8429,7 @@
               <a:buSzPts val="1000"/>
               <a:buFont typeface="Arial"/>
               <a:buNone/>
-              <a:defRPr b="0" i="0" sz="1000" u="none" cap="none" strike="noStrike">
+              <a:defRPr sz="1000" b="0" i="0" u="none" strike="noStrike" cap="none">
                 <a:solidFill>
                   <a:schemeClr val="dk2"/>
                 </a:solidFill>
@@ -8266,7 +8439,7 @@
                 <a:sym typeface="Arial"/>
               </a:defRPr>
             </a:lvl7pPr>
-            <a:lvl8pPr indent="0" lvl="7" marL="0" marR="0" algn="r">
+            <a:lvl8pPr marL="0" marR="0" lvl="7" indent="0" algn="r">
               <a:lnSpc>
                 <a:spcPct val="100000"/>
               </a:lnSpc>
@@ -8282,7 +8455,7 @@
               <a:buSzPts val="1000"/>
               <a:buFont typeface="Arial"/>
               <a:buNone/>
-              <a:defRPr b="0" i="0" sz="1000" u="none" cap="none" strike="noStrike">
+              <a:defRPr sz="1000" b="0" i="0" u="none" strike="noStrike" cap="none">
                 <a:solidFill>
                   <a:schemeClr val="dk2"/>
                 </a:solidFill>
@@ -8292,7 +8465,7 @@
                 <a:sym typeface="Arial"/>
               </a:defRPr>
             </a:lvl8pPr>
-            <a:lvl9pPr indent="0" lvl="8" marL="0" marR="0" algn="r">
+            <a:lvl9pPr marL="0" marR="0" lvl="8" indent="0" algn="r">
               <a:lnSpc>
                 <a:spcPct val="100000"/>
               </a:lnSpc>
@@ -8308,7 +8481,7 @@
               <a:buSzPts val="1000"/>
               <a:buFont typeface="Arial"/>
               <a:buNone/>
-              <a:defRPr b="0" i="0" sz="1000" u="none" cap="none" strike="noStrike">
+              <a:defRPr sz="1000" b="0" i="0" u="none" strike="noStrike" cap="none">
                 <a:solidFill>
                   <a:schemeClr val="dk2"/>
                 </a:solidFill>
@@ -8320,7 +8493,7 @@
             </a:lvl9pPr>
           </a:lstStyle>
           <a:p>
-            <a:pPr indent="0" lvl="0" marL="0" rtl="0" algn="r">
+            <a:pPr marL="0" lvl="0" indent="0" algn="r" rtl="0">
               <a:spcBef>
                 <a:spcPts val="0"/>
               </a:spcBef>
@@ -8346,11 +8519,11 @@
 </file>
 
 <file path=ppt/slideLayouts/slideLayout9.xml><?xml version="1.0" encoding="utf-8"?>
-<p:sldLayout xmlns:a="http://schemas.openxmlformats.org/drawingml/2006/main" xmlns:r="http://schemas.openxmlformats.org/officeDocument/2006/relationships" xmlns:mc="http://schemas.openxmlformats.org/markup-compatibility/2006" xmlns:mv="urn:schemas-microsoft-com:mac:vml" xmlns:p="http://schemas.openxmlformats.org/presentationml/2006/main" xmlns:c="http://schemas.openxmlformats.org/drawingml/2006/chart" xmlns:dgm="http://schemas.openxmlformats.org/drawingml/2006/diagram" xmlns:o="urn:schemas-microsoft-com:office:office" xmlns:v="urn:schemas-microsoft-com:vml" xmlns:pvml="urn:schemas-microsoft-com:office:powerpoint" xmlns:com="http://schemas.openxmlformats.org/drawingml/2006/compatibility" xmlns:p14="http://schemas.microsoft.com/office/powerpoint/2010/main" xmlns:p15="http://schemas.microsoft.com/office/powerpoint/2012/main" xmlns:ahyp="http://schemas.microsoft.com/office/drawing/2018/hyperlinkcolor" matchingName="Caption">
+<p:sldLayout xmlns:a="http://schemas.openxmlformats.org/drawingml/2006/main" xmlns:r="http://schemas.openxmlformats.org/officeDocument/2006/relationships" xmlns:p="http://schemas.openxmlformats.org/presentationml/2006/main" matchingName="Caption">
   <p:cSld name="CAPTION_ONLY">
     <p:spTree>
       <p:nvGrpSpPr>
-        <p:cNvPr id="41" name="Shape 41"/>
+        <p:cNvPr id="1" name="Shape 41"/>
         <p:cNvGrpSpPr/>
         <p:nvPr/>
       </p:nvGrpSpPr>
@@ -8365,9 +8538,11 @@
       <p:sp>
         <p:nvSpPr>
           <p:cNvPr id="42" name="Google Shape;42;p10"/>
-          <p:cNvSpPr txBox="1"/>
+          <p:cNvSpPr txBox="1">
+            <a:spLocks noGrp="1"/>
+          </p:cNvSpPr>
           <p:nvPr>
-            <p:ph idx="1" type="body"/>
+            <p:ph type="body" idx="1"/>
           </p:nvPr>
         </p:nvSpPr>
         <p:spPr>
@@ -8384,11 +8559,11 @@
           </a:ln>
         </p:spPr>
         <p:txBody>
-          <a:bodyPr anchorCtr="0" anchor="ctr" bIns="91425" lIns="91425" spcFirstLastPara="1" rIns="91425" wrap="square" tIns="91425">
+          <a:bodyPr spcFirstLastPara="1" wrap="square" lIns="91425" tIns="91425" rIns="91425" bIns="91425" anchor="ctr" anchorCtr="0">
             <a:normAutofit/>
           </a:bodyPr>
           <a:lstStyle>
-            <a:lvl1pPr indent="-228600" lvl="0" marL="457200" algn="l">
+            <a:lvl1pPr marL="457200" lvl="0" indent="-228600" algn="l">
               <a:lnSpc>
                 <a:spcPct val="100000"/>
               </a:lnSpc>
@@ -8403,15 +8578,19 @@
               <a:defRPr/>
             </a:lvl1pPr>
           </a:lstStyle>
-          <a:p/>
+          <a:p>
+            <a:endParaRPr/>
+          </a:p>
         </p:txBody>
       </p:sp>
       <p:sp>
         <p:nvSpPr>
           <p:cNvPr id="43" name="Google Shape;43;p10"/>
-          <p:cNvSpPr txBox="1"/>
+          <p:cNvSpPr txBox="1">
+            <a:spLocks noGrp="1"/>
+          </p:cNvSpPr>
           <p:nvPr>
-            <p:ph idx="12" type="sldNum"/>
+            <p:ph type="sldNum" idx="12"/>
           </p:nvPr>
         </p:nvSpPr>
         <p:spPr>
@@ -8428,11 +8607,11 @@
           </a:ln>
         </p:spPr>
         <p:txBody>
-          <a:bodyPr anchorCtr="0" anchor="ctr" bIns="91425" lIns="91425" spcFirstLastPara="1" rIns="91425" wrap="square" tIns="91425">
+          <a:bodyPr spcFirstLastPara="1" wrap="square" lIns="91425" tIns="91425" rIns="91425" bIns="91425" anchor="ctr" anchorCtr="0">
             <a:normAutofit/>
           </a:bodyPr>
           <a:lstStyle>
-            <a:lvl1pPr indent="0" lvl="0" marL="0" marR="0" algn="r">
+            <a:lvl1pPr marL="0" marR="0" lvl="0" indent="0" algn="r">
               <a:lnSpc>
                 <a:spcPct val="100000"/>
               </a:lnSpc>
@@ -8448,7 +8627,7 @@
               <a:buSzPts val="1000"/>
               <a:buFont typeface="Arial"/>
               <a:buNone/>
-              <a:defRPr b="0" i="0" sz="1000" u="none" cap="none" strike="noStrike">
+              <a:defRPr sz="1000" b="0" i="0" u="none" strike="noStrike" cap="none">
                 <a:solidFill>
                   <a:schemeClr val="dk2"/>
                 </a:solidFill>
@@ -8458,7 +8637,7 @@
                 <a:sym typeface="Arial"/>
               </a:defRPr>
             </a:lvl1pPr>
-            <a:lvl2pPr indent="0" lvl="1" marL="0" marR="0" algn="r">
+            <a:lvl2pPr marL="0" marR="0" lvl="1" indent="0" algn="r">
               <a:lnSpc>
                 <a:spcPct val="100000"/>
               </a:lnSpc>
@@ -8474,7 +8653,7 @@
               <a:buSzPts val="1000"/>
               <a:buFont typeface="Arial"/>
               <a:buNone/>
-              <a:defRPr b="0" i="0" sz="1000" u="none" cap="none" strike="noStrike">
+              <a:defRPr sz="1000" b="0" i="0" u="none" strike="noStrike" cap="none">
                 <a:solidFill>
                   <a:schemeClr val="dk2"/>
                 </a:solidFill>
@@ -8484,7 +8663,7 @@
                 <a:sym typeface="Arial"/>
               </a:defRPr>
             </a:lvl2pPr>
-            <a:lvl3pPr indent="0" lvl="2" marL="0" marR="0" algn="r">
+            <a:lvl3pPr marL="0" marR="0" lvl="2" indent="0" algn="r">
               <a:lnSpc>
                 <a:spcPct val="100000"/>
               </a:lnSpc>
@@ -8500,7 +8679,7 @@
               <a:buSzPts val="1000"/>
               <a:buFont typeface="Arial"/>
               <a:buNone/>
-              <a:defRPr b="0" i="0" sz="1000" u="none" cap="none" strike="noStrike">
+              <a:defRPr sz="1000" b="0" i="0" u="none" strike="noStrike" cap="none">
                 <a:solidFill>
                   <a:schemeClr val="dk2"/>
                 </a:solidFill>
@@ -8510,7 +8689,7 @@
                 <a:sym typeface="Arial"/>
               </a:defRPr>
             </a:lvl3pPr>
-            <a:lvl4pPr indent="0" lvl="3" marL="0" marR="0" algn="r">
+            <a:lvl4pPr marL="0" marR="0" lvl="3" indent="0" algn="r">
               <a:lnSpc>
                 <a:spcPct val="100000"/>
               </a:lnSpc>
@@ -8526,7 +8705,7 @@
               <a:buSzPts val="1000"/>
               <a:buFont typeface="Arial"/>
               <a:buNone/>
-              <a:defRPr b="0" i="0" sz="1000" u="none" cap="none" strike="noStrike">
+              <a:defRPr sz="1000" b="0" i="0" u="none" strike="noStrike" cap="none">
                 <a:solidFill>
                   <a:schemeClr val="dk2"/>
                 </a:solidFill>
@@ -8536,7 +8715,7 @@
                 <a:sym typeface="Arial"/>
               </a:defRPr>
             </a:lvl4pPr>
-            <a:lvl5pPr indent="0" lvl="4" marL="0" marR="0" algn="r">
+            <a:lvl5pPr marL="0" marR="0" lvl="4" indent="0" algn="r">
               <a:lnSpc>
                 <a:spcPct val="100000"/>
               </a:lnSpc>
@@ -8552,7 +8731,7 @@
               <a:buSzPts val="1000"/>
               <a:buFont typeface="Arial"/>
               <a:buNone/>
-              <a:defRPr b="0" i="0" sz="1000" u="none" cap="none" strike="noStrike">
+              <a:defRPr sz="1000" b="0" i="0" u="none" strike="noStrike" cap="none">
                 <a:solidFill>
                   <a:schemeClr val="dk2"/>
                 </a:solidFill>
@@ -8562,7 +8741,7 @@
                 <a:sym typeface="Arial"/>
               </a:defRPr>
             </a:lvl5pPr>
-            <a:lvl6pPr indent="0" lvl="5" marL="0" marR="0" algn="r">
+            <a:lvl6pPr marL="0" marR="0" lvl="5" indent="0" algn="r">
               <a:lnSpc>
                 <a:spcPct val="100000"/>
               </a:lnSpc>
@@ -8578,7 +8757,7 @@
               <a:buSzPts val="1000"/>
               <a:buFont typeface="Arial"/>
               <a:buNone/>
-              <a:defRPr b="0" i="0" sz="1000" u="none" cap="none" strike="noStrike">
+              <a:defRPr sz="1000" b="0" i="0" u="none" strike="noStrike" cap="none">
                 <a:solidFill>
                   <a:schemeClr val="dk2"/>
                 </a:solidFill>
@@ -8588,7 +8767,7 @@
                 <a:sym typeface="Arial"/>
               </a:defRPr>
             </a:lvl6pPr>
-            <a:lvl7pPr indent="0" lvl="6" marL="0" marR="0" algn="r">
+            <a:lvl7pPr marL="0" marR="0" lvl="6" indent="0" algn="r">
               <a:lnSpc>
                 <a:spcPct val="100000"/>
               </a:lnSpc>
@@ -8604,7 +8783,7 @@
               <a:buSzPts val="1000"/>
               <a:buFont typeface="Arial"/>
               <a:buNone/>
-              <a:defRPr b="0" i="0" sz="1000" u="none" cap="none" strike="noStrike">
+              <a:defRPr sz="1000" b="0" i="0" u="none" strike="noStrike" cap="none">
                 <a:solidFill>
                   <a:schemeClr val="dk2"/>
                 </a:solidFill>
@@ -8614,7 +8793,7 @@
                 <a:sym typeface="Arial"/>
               </a:defRPr>
             </a:lvl7pPr>
-            <a:lvl8pPr indent="0" lvl="7" marL="0" marR="0" algn="r">
+            <a:lvl8pPr marL="0" marR="0" lvl="7" indent="0" algn="r">
               <a:lnSpc>
                 <a:spcPct val="100000"/>
               </a:lnSpc>
@@ -8630,7 +8809,7 @@
               <a:buSzPts val="1000"/>
               <a:buFont typeface="Arial"/>
               <a:buNone/>
-              <a:defRPr b="0" i="0" sz="1000" u="none" cap="none" strike="noStrike">
+              <a:defRPr sz="1000" b="0" i="0" u="none" strike="noStrike" cap="none">
                 <a:solidFill>
                   <a:schemeClr val="dk2"/>
                 </a:solidFill>
@@ -8640,7 +8819,7 @@
                 <a:sym typeface="Arial"/>
               </a:defRPr>
             </a:lvl8pPr>
-            <a:lvl9pPr indent="0" lvl="8" marL="0" marR="0" algn="r">
+            <a:lvl9pPr marL="0" marR="0" lvl="8" indent="0" algn="r">
               <a:lnSpc>
                 <a:spcPct val="100000"/>
               </a:lnSpc>
@@ -8656,7 +8835,7 @@
               <a:buSzPts val="1000"/>
               <a:buFont typeface="Arial"/>
               <a:buNone/>
-              <a:defRPr b="0" i="0" sz="1000" u="none" cap="none" strike="noStrike">
+              <a:defRPr sz="1000" b="0" i="0" u="none" strike="noStrike" cap="none">
                 <a:solidFill>
                   <a:schemeClr val="dk2"/>
                 </a:solidFill>
@@ -8668,7 +8847,7 @@
             </a:lvl9pPr>
           </a:lstStyle>
           <a:p>
-            <a:pPr indent="0" lvl="0" marL="0" rtl="0" algn="r">
+            <a:pPr marL="0" lvl="0" indent="0" algn="r" rtl="0">
               <a:spcBef>
                 <a:spcPts val="0"/>
               </a:spcBef>
@@ -8694,18 +8873,19 @@
 </file>
 
 <file path=ppt/slideMasters/slideMaster1.xml><?xml version="1.0" encoding="utf-8"?>
-<p:sldMaster xmlns:a="http://schemas.openxmlformats.org/drawingml/2006/main" xmlns:r="http://schemas.openxmlformats.org/officeDocument/2006/relationships" xmlns:mc="http://schemas.openxmlformats.org/markup-compatibility/2006" xmlns:mv="urn:schemas-microsoft-com:mac:vml" xmlns:p="http://schemas.openxmlformats.org/presentationml/2006/main" xmlns:c="http://schemas.openxmlformats.org/drawingml/2006/chart" xmlns:dgm="http://schemas.openxmlformats.org/drawingml/2006/diagram" xmlns:o="urn:schemas-microsoft-com:office:office" xmlns:v="urn:schemas-microsoft-com:vml" xmlns:pvml="urn:schemas-microsoft-com:office:powerpoint" xmlns:com="http://schemas.openxmlformats.org/drawingml/2006/compatibility" xmlns:p14="http://schemas.microsoft.com/office/powerpoint/2010/main" xmlns:p15="http://schemas.microsoft.com/office/powerpoint/2012/main" xmlns:ahyp="http://schemas.microsoft.com/office/drawing/2018/hyperlinkcolor">
+<p:sldMaster xmlns:a="http://schemas.openxmlformats.org/drawingml/2006/main" xmlns:r="http://schemas.openxmlformats.org/officeDocument/2006/relationships" xmlns:p="http://schemas.openxmlformats.org/presentationml/2006/main">
   <p:cSld name="simple-light-2">
     <p:bg>
       <p:bgPr>
         <a:solidFill>
           <a:schemeClr val="lt1"/>
         </a:solidFill>
+        <a:effectLst/>
       </p:bgPr>
     </p:bg>
     <p:spTree>
       <p:nvGrpSpPr>
-        <p:cNvPr id="5" name="Shape 5"/>
+        <p:cNvPr id="1" name="Shape 5"/>
         <p:cNvGrpSpPr/>
         <p:nvPr/>
       </p:nvGrpSpPr>
@@ -8720,7 +8900,9 @@
       <p:sp>
         <p:nvSpPr>
           <p:cNvPr id="6" name="Google Shape;6;p1"/>
-          <p:cNvSpPr txBox="1"/>
+          <p:cNvSpPr txBox="1">
+            <a:spLocks noGrp="1"/>
+          </p:cNvSpPr>
           <p:nvPr>
             <p:ph type="title"/>
           </p:nvPr>
@@ -8739,11 +8921,11 @@
           </a:ln>
         </p:spPr>
         <p:txBody>
-          <a:bodyPr anchorCtr="0" anchor="t" bIns="91425" lIns="91425" spcFirstLastPara="1" rIns="91425" wrap="square" tIns="91425">
+          <a:bodyPr spcFirstLastPara="1" wrap="square" lIns="91425" tIns="91425" rIns="91425" bIns="91425" anchor="t" anchorCtr="0">
             <a:normAutofit/>
           </a:bodyPr>
           <a:lstStyle>
-            <a:lvl1pPr lvl="0" marR="0" rtl="0" algn="l">
+            <a:lvl1pPr marR="0" lvl="0" algn="l" rtl="0">
               <a:lnSpc>
                 <a:spcPct val="100000"/>
               </a:lnSpc>
@@ -8759,7 +8941,7 @@
               <a:buSzPts val="2800"/>
               <a:buFont typeface="Arial"/>
               <a:buNone/>
-              <a:defRPr b="0" i="0" sz="2800" u="none" cap="none" strike="noStrike">
+              <a:defRPr sz="2800" b="0" i="0" u="none" strike="noStrike" cap="none">
                 <a:solidFill>
                   <a:schemeClr val="dk1"/>
                 </a:solidFill>
@@ -8769,7 +8951,7 @@
                 <a:sym typeface="Arial"/>
               </a:defRPr>
             </a:lvl1pPr>
-            <a:lvl2pPr lvl="1" marR="0" rtl="0" algn="l">
+            <a:lvl2pPr marR="0" lvl="1" algn="l" rtl="0">
               <a:lnSpc>
                 <a:spcPct val="100000"/>
               </a:lnSpc>
@@ -8785,7 +8967,7 @@
               <a:buSzPts val="2800"/>
               <a:buFont typeface="Arial"/>
               <a:buNone/>
-              <a:defRPr b="0" i="0" sz="2800" u="none" cap="none" strike="noStrike">
+              <a:defRPr sz="2800" b="0" i="0" u="none" strike="noStrike" cap="none">
                 <a:solidFill>
                   <a:schemeClr val="dk1"/>
                 </a:solidFill>
@@ -8795,7 +8977,7 @@
                 <a:sym typeface="Arial"/>
               </a:defRPr>
             </a:lvl2pPr>
-            <a:lvl3pPr lvl="2" marR="0" rtl="0" algn="l">
+            <a:lvl3pPr marR="0" lvl="2" algn="l" rtl="0">
               <a:lnSpc>
                 <a:spcPct val="100000"/>
               </a:lnSpc>
@@ -8811,7 +8993,7 @@
               <a:buSzPts val="2800"/>
               <a:buFont typeface="Arial"/>
               <a:buNone/>
-              <a:defRPr b="0" i="0" sz="2800" u="none" cap="none" strike="noStrike">
+              <a:defRPr sz="2800" b="0" i="0" u="none" strike="noStrike" cap="none">
                 <a:solidFill>
                   <a:schemeClr val="dk1"/>
                 </a:solidFill>
@@ -8821,7 +9003,7 @@
                 <a:sym typeface="Arial"/>
               </a:defRPr>
             </a:lvl3pPr>
-            <a:lvl4pPr lvl="3" marR="0" rtl="0" algn="l">
+            <a:lvl4pPr marR="0" lvl="3" algn="l" rtl="0">
               <a:lnSpc>
                 <a:spcPct val="100000"/>
               </a:lnSpc>
@@ -8837,7 +9019,7 @@
               <a:buSzPts val="2800"/>
               <a:buFont typeface="Arial"/>
               <a:buNone/>
-              <a:defRPr b="0" i="0" sz="2800" u="none" cap="none" strike="noStrike">
+              <a:defRPr sz="2800" b="0" i="0" u="none" strike="noStrike" cap="none">
                 <a:solidFill>
                   <a:schemeClr val="dk1"/>
                 </a:solidFill>
@@ -8847,7 +9029,7 @@
                 <a:sym typeface="Arial"/>
               </a:defRPr>
             </a:lvl4pPr>
-            <a:lvl5pPr lvl="4" marR="0" rtl="0" algn="l">
+            <a:lvl5pPr marR="0" lvl="4" algn="l" rtl="0">
               <a:lnSpc>
                 <a:spcPct val="100000"/>
               </a:lnSpc>
@@ -8863,7 +9045,7 @@
               <a:buSzPts val="2800"/>
               <a:buFont typeface="Arial"/>
               <a:buNone/>
-              <a:defRPr b="0" i="0" sz="2800" u="none" cap="none" strike="noStrike">
+              <a:defRPr sz="2800" b="0" i="0" u="none" strike="noStrike" cap="none">
                 <a:solidFill>
                   <a:schemeClr val="dk1"/>
                 </a:solidFill>
@@ -8873,7 +9055,7 @@
                 <a:sym typeface="Arial"/>
               </a:defRPr>
             </a:lvl5pPr>
-            <a:lvl6pPr lvl="5" marR="0" rtl="0" algn="l">
+            <a:lvl6pPr marR="0" lvl="5" algn="l" rtl="0">
               <a:lnSpc>
                 <a:spcPct val="100000"/>
               </a:lnSpc>
@@ -8889,7 +9071,7 @@
               <a:buSzPts val="2800"/>
               <a:buFont typeface="Arial"/>
               <a:buNone/>
-              <a:defRPr b="0" i="0" sz="2800" u="none" cap="none" strike="noStrike">
+              <a:defRPr sz="2800" b="0" i="0" u="none" strike="noStrike" cap="none">
                 <a:solidFill>
                   <a:schemeClr val="dk1"/>
                 </a:solidFill>
@@ -8899,7 +9081,7 @@
                 <a:sym typeface="Arial"/>
               </a:defRPr>
             </a:lvl6pPr>
-            <a:lvl7pPr lvl="6" marR="0" rtl="0" algn="l">
+            <a:lvl7pPr marR="0" lvl="6" algn="l" rtl="0">
               <a:lnSpc>
                 <a:spcPct val="100000"/>
               </a:lnSpc>
@@ -8915,7 +9097,7 @@
               <a:buSzPts val="2800"/>
               <a:buFont typeface="Arial"/>
               <a:buNone/>
-              <a:defRPr b="0" i="0" sz="2800" u="none" cap="none" strike="noStrike">
+              <a:defRPr sz="2800" b="0" i="0" u="none" strike="noStrike" cap="none">
                 <a:solidFill>
                   <a:schemeClr val="dk1"/>
                 </a:solidFill>
@@ -8925,7 +9107,7 @@
                 <a:sym typeface="Arial"/>
               </a:defRPr>
             </a:lvl7pPr>
-            <a:lvl8pPr lvl="7" marR="0" rtl="0" algn="l">
+            <a:lvl8pPr marR="0" lvl="7" algn="l" rtl="0">
               <a:lnSpc>
                 <a:spcPct val="100000"/>
               </a:lnSpc>
@@ -8941,7 +9123,7 @@
               <a:buSzPts val="2800"/>
               <a:buFont typeface="Arial"/>
               <a:buNone/>
-              <a:defRPr b="0" i="0" sz="2800" u="none" cap="none" strike="noStrike">
+              <a:defRPr sz="2800" b="0" i="0" u="none" strike="noStrike" cap="none">
                 <a:solidFill>
                   <a:schemeClr val="dk1"/>
                 </a:solidFill>
@@ -8951,7 +9133,7 @@
                 <a:sym typeface="Arial"/>
               </a:defRPr>
             </a:lvl8pPr>
-            <a:lvl9pPr lvl="8" marR="0" rtl="0" algn="l">
+            <a:lvl9pPr marR="0" lvl="8" algn="l" rtl="0">
               <a:lnSpc>
                 <a:spcPct val="100000"/>
               </a:lnSpc>
@@ -8967,7 +9149,7 @@
               <a:buSzPts val="2800"/>
               <a:buFont typeface="Arial"/>
               <a:buNone/>
-              <a:defRPr b="0" i="0" sz="2800" u="none" cap="none" strike="noStrike">
+              <a:defRPr sz="2800" b="0" i="0" u="none" strike="noStrike" cap="none">
                 <a:solidFill>
                   <a:schemeClr val="dk1"/>
                 </a:solidFill>
@@ -8978,15 +9160,19 @@
               </a:defRPr>
             </a:lvl9pPr>
           </a:lstStyle>
-          <a:p/>
+          <a:p>
+            <a:endParaRPr/>
+          </a:p>
         </p:txBody>
       </p:sp>
       <p:sp>
         <p:nvSpPr>
           <p:cNvPr id="7" name="Google Shape;7;p1"/>
-          <p:cNvSpPr txBox="1"/>
+          <p:cNvSpPr txBox="1">
+            <a:spLocks noGrp="1"/>
+          </p:cNvSpPr>
           <p:nvPr>
-            <p:ph idx="1" type="body"/>
+            <p:ph type="body" idx="1"/>
           </p:nvPr>
         </p:nvSpPr>
         <p:spPr>
@@ -9003,11 +9189,11 @@
           </a:ln>
         </p:spPr>
         <p:txBody>
-          <a:bodyPr anchorCtr="0" anchor="t" bIns="91425" lIns="91425" spcFirstLastPara="1" rIns="91425" wrap="square" tIns="91425">
+          <a:bodyPr spcFirstLastPara="1" wrap="square" lIns="91425" tIns="91425" rIns="91425" bIns="91425" anchor="t" anchorCtr="0">
             <a:normAutofit/>
           </a:bodyPr>
           <a:lstStyle>
-            <a:lvl1pPr indent="-342900" lvl="0" marL="457200" marR="0" rtl="0" algn="l">
+            <a:lvl1pPr marL="457200" marR="0" lvl="0" indent="-342900" algn="l" rtl="0">
               <a:lnSpc>
                 <a:spcPct val="115000"/>
               </a:lnSpc>
@@ -9023,7 +9209,7 @@
               <a:buSzPts val="1800"/>
               <a:buFont typeface="Arial"/>
               <a:buChar char="●"/>
-              <a:defRPr b="0" i="0" sz="1800" u="none" cap="none" strike="noStrike">
+              <a:defRPr sz="1800" b="0" i="0" u="none" strike="noStrike" cap="none">
                 <a:solidFill>
                   <a:schemeClr val="dk2"/>
                 </a:solidFill>
@@ -9033,7 +9219,7 @@
                 <a:sym typeface="Arial"/>
               </a:defRPr>
             </a:lvl1pPr>
-            <a:lvl2pPr indent="-317500" lvl="1" marL="914400" marR="0" rtl="0" algn="l">
+            <a:lvl2pPr marL="914400" marR="0" lvl="1" indent="-317500" algn="l" rtl="0">
               <a:lnSpc>
                 <a:spcPct val="115000"/>
               </a:lnSpc>
@@ -9049,7 +9235,7 @@
               <a:buSzPts val="1400"/>
               <a:buFont typeface="Arial"/>
               <a:buChar char="○"/>
-              <a:defRPr b="0" i="0" sz="1400" u="none" cap="none" strike="noStrike">
+              <a:defRPr sz="1400" b="0" i="0" u="none" strike="noStrike" cap="none">
                 <a:solidFill>
                   <a:schemeClr val="dk2"/>
                 </a:solidFill>
@@ -9059,7 +9245,7 @@
                 <a:sym typeface="Arial"/>
               </a:defRPr>
             </a:lvl2pPr>
-            <a:lvl3pPr indent="-317500" lvl="2" marL="1371600" marR="0" rtl="0" algn="l">
+            <a:lvl3pPr marL="1371600" marR="0" lvl="2" indent="-317500" algn="l" rtl="0">
               <a:lnSpc>
                 <a:spcPct val="115000"/>
               </a:lnSpc>
@@ -9075,7 +9261,7 @@
               <a:buSzPts val="1400"/>
               <a:buFont typeface="Arial"/>
               <a:buChar char="■"/>
-              <a:defRPr b="0" i="0" sz="1400" u="none" cap="none" strike="noStrike">
+              <a:defRPr sz="1400" b="0" i="0" u="none" strike="noStrike" cap="none">
                 <a:solidFill>
                   <a:schemeClr val="dk2"/>
                 </a:solidFill>
@@ -9085,7 +9271,7 @@
                 <a:sym typeface="Arial"/>
               </a:defRPr>
             </a:lvl3pPr>
-            <a:lvl4pPr indent="-317500" lvl="3" marL="1828800" marR="0" rtl="0" algn="l">
+            <a:lvl4pPr marL="1828800" marR="0" lvl="3" indent="-317500" algn="l" rtl="0">
               <a:lnSpc>
                 <a:spcPct val="115000"/>
               </a:lnSpc>
@@ -9101,7 +9287,7 @@
               <a:buSzPts val="1400"/>
               <a:buFont typeface="Arial"/>
               <a:buChar char="●"/>
-              <a:defRPr b="0" i="0" sz="1400" u="none" cap="none" strike="noStrike">
+              <a:defRPr sz="1400" b="0" i="0" u="none" strike="noStrike" cap="none">
                 <a:solidFill>
                   <a:schemeClr val="dk2"/>
                 </a:solidFill>
@@ -9111,7 +9297,7 @@
                 <a:sym typeface="Arial"/>
               </a:defRPr>
             </a:lvl4pPr>
-            <a:lvl5pPr indent="-317500" lvl="4" marL="2286000" marR="0" rtl="0" algn="l">
+            <a:lvl5pPr marL="2286000" marR="0" lvl="4" indent="-317500" algn="l" rtl="0">
               <a:lnSpc>
                 <a:spcPct val="115000"/>
               </a:lnSpc>
@@ -9127,7 +9313,7 @@
               <a:buSzPts val="1400"/>
               <a:buFont typeface="Arial"/>
               <a:buChar char="○"/>
-              <a:defRPr b="0" i="0" sz="1400" u="none" cap="none" strike="noStrike">
+              <a:defRPr sz="1400" b="0" i="0" u="none" strike="noStrike" cap="none">
                 <a:solidFill>
                   <a:schemeClr val="dk2"/>
                 </a:solidFill>
@@ -9137,7 +9323,7 @@
                 <a:sym typeface="Arial"/>
               </a:defRPr>
             </a:lvl5pPr>
-            <a:lvl6pPr indent="-317500" lvl="5" marL="2743200" marR="0" rtl="0" algn="l">
+            <a:lvl6pPr marL="2743200" marR="0" lvl="5" indent="-317500" algn="l" rtl="0">
               <a:lnSpc>
                 <a:spcPct val="115000"/>
               </a:lnSpc>
@@ -9153,7 +9339,7 @@
               <a:buSzPts val="1400"/>
               <a:buFont typeface="Arial"/>
               <a:buChar char="■"/>
-              <a:defRPr b="0" i="0" sz="1400" u="none" cap="none" strike="noStrike">
+              <a:defRPr sz="1400" b="0" i="0" u="none" strike="noStrike" cap="none">
                 <a:solidFill>
                   <a:schemeClr val="dk2"/>
                 </a:solidFill>
@@ -9163,7 +9349,7 @@
                 <a:sym typeface="Arial"/>
               </a:defRPr>
             </a:lvl6pPr>
-            <a:lvl7pPr indent="-317500" lvl="6" marL="3200400" marR="0" rtl="0" algn="l">
+            <a:lvl7pPr marL="3200400" marR="0" lvl="6" indent="-317500" algn="l" rtl="0">
               <a:lnSpc>
                 <a:spcPct val="115000"/>
               </a:lnSpc>
@@ -9179,7 +9365,7 @@
               <a:buSzPts val="1400"/>
               <a:buFont typeface="Arial"/>
               <a:buChar char="●"/>
-              <a:defRPr b="0" i="0" sz="1400" u="none" cap="none" strike="noStrike">
+              <a:defRPr sz="1400" b="0" i="0" u="none" strike="noStrike" cap="none">
                 <a:solidFill>
                   <a:schemeClr val="dk2"/>
                 </a:solidFill>
@@ -9189,7 +9375,7 @@
                 <a:sym typeface="Arial"/>
               </a:defRPr>
             </a:lvl7pPr>
-            <a:lvl8pPr indent="-317500" lvl="7" marL="3657600" marR="0" rtl="0" algn="l">
+            <a:lvl8pPr marL="3657600" marR="0" lvl="7" indent="-317500" algn="l" rtl="0">
               <a:lnSpc>
                 <a:spcPct val="115000"/>
               </a:lnSpc>
@@ -9205,7 +9391,7 @@
               <a:buSzPts val="1400"/>
               <a:buFont typeface="Arial"/>
               <a:buChar char="○"/>
-              <a:defRPr b="0" i="0" sz="1400" u="none" cap="none" strike="noStrike">
+              <a:defRPr sz="1400" b="0" i="0" u="none" strike="noStrike" cap="none">
                 <a:solidFill>
                   <a:schemeClr val="dk2"/>
                 </a:solidFill>
@@ -9215,7 +9401,7 @@
                 <a:sym typeface="Arial"/>
               </a:defRPr>
             </a:lvl8pPr>
-            <a:lvl9pPr indent="-317500" lvl="8" marL="4114800" marR="0" rtl="0" algn="l">
+            <a:lvl9pPr marL="4114800" marR="0" lvl="8" indent="-317500" algn="l" rtl="0">
               <a:lnSpc>
                 <a:spcPct val="115000"/>
               </a:lnSpc>
@@ -9231,7 +9417,7 @@
               <a:buSzPts val="1400"/>
               <a:buFont typeface="Arial"/>
               <a:buChar char="■"/>
-              <a:defRPr b="0" i="0" sz="1400" u="none" cap="none" strike="noStrike">
+              <a:defRPr sz="1400" b="0" i="0" u="none" strike="noStrike" cap="none">
                 <a:solidFill>
                   <a:schemeClr val="dk2"/>
                 </a:solidFill>
@@ -9242,15 +9428,19 @@
               </a:defRPr>
             </a:lvl9pPr>
           </a:lstStyle>
-          <a:p/>
+          <a:p>
+            <a:endParaRPr/>
+          </a:p>
         </p:txBody>
       </p:sp>
       <p:sp>
         <p:nvSpPr>
           <p:cNvPr id="8" name="Google Shape;8;p1"/>
-          <p:cNvSpPr txBox="1"/>
+          <p:cNvSpPr txBox="1">
+            <a:spLocks noGrp="1"/>
+          </p:cNvSpPr>
           <p:nvPr>
-            <p:ph idx="12" type="sldNum"/>
+            <p:ph type="sldNum" idx="12"/>
           </p:nvPr>
         </p:nvSpPr>
         <p:spPr>
@@ -9267,11 +9457,11 @@
           </a:ln>
         </p:spPr>
         <p:txBody>
-          <a:bodyPr anchorCtr="0" anchor="ctr" bIns="91425" lIns="91425" spcFirstLastPara="1" rIns="91425" wrap="square" tIns="91425">
+          <a:bodyPr spcFirstLastPara="1" wrap="square" lIns="91425" tIns="91425" rIns="91425" bIns="91425" anchor="ctr" anchorCtr="0">
             <a:normAutofit/>
           </a:bodyPr>
           <a:lstStyle>
-            <a:lvl1pPr indent="0" lvl="0" marL="0" marR="0" rtl="0" algn="r">
+            <a:lvl1pPr marL="0" marR="0" lvl="0" indent="0" algn="r" rtl="0">
               <a:lnSpc>
                 <a:spcPct val="100000"/>
               </a:lnSpc>
@@ -9287,7 +9477,7 @@
               <a:buSzPts val="1000"/>
               <a:buFont typeface="Arial"/>
               <a:buNone/>
-              <a:defRPr b="0" i="0" sz="1000" u="none" cap="none" strike="noStrike">
+              <a:defRPr sz="1000" b="0" i="0" u="none" strike="noStrike" cap="none">
                 <a:solidFill>
                   <a:schemeClr val="dk2"/>
                 </a:solidFill>
@@ -9297,7 +9487,7 @@
                 <a:sym typeface="Arial"/>
               </a:defRPr>
             </a:lvl1pPr>
-            <a:lvl2pPr indent="0" lvl="1" marL="0" marR="0" rtl="0" algn="r">
+            <a:lvl2pPr marL="0" marR="0" lvl="1" indent="0" algn="r" rtl="0">
               <a:lnSpc>
                 <a:spcPct val="100000"/>
               </a:lnSpc>
@@ -9313,7 +9503,7 @@
               <a:buSzPts val="1000"/>
               <a:buFont typeface="Arial"/>
               <a:buNone/>
-              <a:defRPr b="0" i="0" sz="1000" u="none" cap="none" strike="noStrike">
+              <a:defRPr sz="1000" b="0" i="0" u="none" strike="noStrike" cap="none">
                 <a:solidFill>
                   <a:schemeClr val="dk2"/>
                 </a:solidFill>
@@ -9323,7 +9513,7 @@
                 <a:sym typeface="Arial"/>
               </a:defRPr>
             </a:lvl2pPr>
-            <a:lvl3pPr indent="0" lvl="2" marL="0" marR="0" rtl="0" algn="r">
+            <a:lvl3pPr marL="0" marR="0" lvl="2" indent="0" algn="r" rtl="0">
               <a:lnSpc>
                 <a:spcPct val="100000"/>
               </a:lnSpc>
@@ -9339,7 +9529,7 @@
               <a:buSzPts val="1000"/>
               <a:buFont typeface="Arial"/>
               <a:buNone/>
-              <a:defRPr b="0" i="0" sz="1000" u="none" cap="none" strike="noStrike">
+              <a:defRPr sz="1000" b="0" i="0" u="none" strike="noStrike" cap="none">
                 <a:solidFill>
                   <a:schemeClr val="dk2"/>
                 </a:solidFill>
@@ -9349,7 +9539,7 @@
                 <a:sym typeface="Arial"/>
               </a:defRPr>
             </a:lvl3pPr>
-            <a:lvl4pPr indent="0" lvl="3" marL="0" marR="0" rtl="0" algn="r">
+            <a:lvl4pPr marL="0" marR="0" lvl="3" indent="0" algn="r" rtl="0">
               <a:lnSpc>
                 <a:spcPct val="100000"/>
               </a:lnSpc>
@@ -9365,7 +9555,7 @@
               <a:buSzPts val="1000"/>
               <a:buFont typeface="Arial"/>
               <a:buNone/>
-              <a:defRPr b="0" i="0" sz="1000" u="none" cap="none" strike="noStrike">
+              <a:defRPr sz="1000" b="0" i="0" u="none" strike="noStrike" cap="none">
                 <a:solidFill>
                   <a:schemeClr val="dk2"/>
                 </a:solidFill>
@@ -9375,7 +9565,7 @@
                 <a:sym typeface="Arial"/>
               </a:defRPr>
             </a:lvl4pPr>
-            <a:lvl5pPr indent="0" lvl="4" marL="0" marR="0" rtl="0" algn="r">
+            <a:lvl5pPr marL="0" marR="0" lvl="4" indent="0" algn="r" rtl="0">
               <a:lnSpc>
                 <a:spcPct val="100000"/>
               </a:lnSpc>
@@ -9391,7 +9581,7 @@
               <a:buSzPts val="1000"/>
               <a:buFont typeface="Arial"/>
               <a:buNone/>
-              <a:defRPr b="0" i="0" sz="1000" u="none" cap="none" strike="noStrike">
+              <a:defRPr sz="1000" b="0" i="0" u="none" strike="noStrike" cap="none">
                 <a:solidFill>
                   <a:schemeClr val="dk2"/>
                 </a:solidFill>
@@ -9401,7 +9591,7 @@
                 <a:sym typeface="Arial"/>
               </a:defRPr>
             </a:lvl5pPr>
-            <a:lvl6pPr indent="0" lvl="5" marL="0" marR="0" rtl="0" algn="r">
+            <a:lvl6pPr marL="0" marR="0" lvl="5" indent="0" algn="r" rtl="0">
               <a:lnSpc>
                 <a:spcPct val="100000"/>
               </a:lnSpc>
@@ -9417,7 +9607,7 @@
               <a:buSzPts val="1000"/>
               <a:buFont typeface="Arial"/>
               <a:buNone/>
-              <a:defRPr b="0" i="0" sz="1000" u="none" cap="none" strike="noStrike">
+              <a:defRPr sz="1000" b="0" i="0" u="none" strike="noStrike" cap="none">
                 <a:solidFill>
                   <a:schemeClr val="dk2"/>
                 </a:solidFill>
@@ -9427,7 +9617,7 @@
                 <a:sym typeface="Arial"/>
               </a:defRPr>
             </a:lvl6pPr>
-            <a:lvl7pPr indent="0" lvl="6" marL="0" marR="0" rtl="0" algn="r">
+            <a:lvl7pPr marL="0" marR="0" lvl="6" indent="0" algn="r" rtl="0">
               <a:lnSpc>
                 <a:spcPct val="100000"/>
               </a:lnSpc>
@@ -9443,7 +9633,7 @@
               <a:buSzPts val="1000"/>
               <a:buFont typeface="Arial"/>
               <a:buNone/>
-              <a:defRPr b="0" i="0" sz="1000" u="none" cap="none" strike="noStrike">
+              <a:defRPr sz="1000" b="0" i="0" u="none" strike="noStrike" cap="none">
                 <a:solidFill>
                   <a:schemeClr val="dk2"/>
                 </a:solidFill>
@@ -9453,7 +9643,7 @@
                 <a:sym typeface="Arial"/>
               </a:defRPr>
             </a:lvl7pPr>
-            <a:lvl8pPr indent="0" lvl="7" marL="0" marR="0" rtl="0" algn="r">
+            <a:lvl8pPr marL="0" marR="0" lvl="7" indent="0" algn="r" rtl="0">
               <a:lnSpc>
                 <a:spcPct val="100000"/>
               </a:lnSpc>
@@ -9469,7 +9659,7 @@
               <a:buSzPts val="1000"/>
               <a:buFont typeface="Arial"/>
               <a:buNone/>
-              <a:defRPr b="0" i="0" sz="1000" u="none" cap="none" strike="noStrike">
+              <a:defRPr sz="1000" b="0" i="0" u="none" strike="noStrike" cap="none">
                 <a:solidFill>
                   <a:schemeClr val="dk2"/>
                 </a:solidFill>
@@ -9479,7 +9669,7 @@
                 <a:sym typeface="Arial"/>
               </a:defRPr>
             </a:lvl8pPr>
-            <a:lvl9pPr indent="0" lvl="8" marL="0" marR="0" rtl="0" algn="r">
+            <a:lvl9pPr marL="0" marR="0" lvl="8" indent="0" algn="r" rtl="0">
               <a:lnSpc>
                 <a:spcPct val="100000"/>
               </a:lnSpc>
@@ -9495,7 +9685,7 @@
               <a:buSzPts val="1000"/>
               <a:buFont typeface="Arial"/>
               <a:buNone/>
-              <a:defRPr b="0" i="0" sz="1000" u="none" cap="none" strike="noStrike">
+              <a:defRPr sz="1000" b="0" i="0" u="none" strike="noStrike" cap="none">
                 <a:solidFill>
                   <a:schemeClr val="dk2"/>
                 </a:solidFill>
@@ -9507,7 +9697,7 @@
             </a:lvl9pPr>
           </a:lstStyle>
           <a:p>
-            <a:pPr indent="0" lvl="0" marL="0" rtl="0" algn="r">
+            <a:pPr marL="0" lvl="0" indent="0" algn="r" rtl="0">
               <a:spcBef>
                 <a:spcPts val="0"/>
               </a:spcBef>
@@ -9526,7 +9716,7 @@
       </p:sp>
     </p:spTree>
   </p:cSld>
-  <p:clrMap accent1="accent1" accent2="accent2" accent3="accent3" accent4="accent4" accent5="accent5" accent6="accent6" bg1="lt1" bg2="dk2" tx1="dk1" tx2="lt2" folHlink="folHlink" hlink="hlink"/>
+  <p:clrMap bg1="lt1" tx1="dk1" bg2="dk2" tx2="lt2" accent1="accent1" accent2="accent2" accent3="accent3" accent4="accent4" accent5="accent5" accent6="accent6" hlink="hlink" folHlink="folHlink"/>
   <p:sldLayoutIdLst>
     <p:sldLayoutId id="2147483648" r:id="rId1"/>
     <p:sldLayoutId id="2147483649" r:id="rId2"/>
@@ -9540,10 +9730,10 @@
     <p:sldLayoutId id="2147483657" r:id="rId10"/>
     <p:sldLayoutId id="2147483658" r:id="rId11"/>
   </p:sldLayoutIdLst>
-  <p:hf dt="0" ftr="0" hdr="0" sldNum="0"/>
+  <p:hf sldNum="0" hdr="0" ftr="0" dt="0"/>
   <p:txStyles>
     <p:titleStyle>
-      <a:defPPr lvl="0" marR="0" rtl="0" algn="l">
+      <a:defPPr marR="0" lvl="0" algn="l" rtl="0">
         <a:lnSpc>
           <a:spcPct val="100000"/>
         </a:lnSpc>
@@ -9554,7 +9744,7 @@
           <a:spcPts val="0"/>
         </a:spcAft>
       </a:defPPr>
-      <a:lvl1pPr lvl="0" marR="0" rtl="0" algn="l">
+      <a:lvl1pPr marR="0" lvl="0" algn="l" rtl="0">
         <a:lnSpc>
           <a:spcPct val="100000"/>
         </a:lnSpc>
@@ -9568,7 +9758,7 @@
           <a:srgbClr val="000000"/>
         </a:buClr>
         <a:buFont typeface="Arial"/>
-        <a:defRPr b="0" i="0" sz="1400" u="none" cap="none" strike="noStrike">
+        <a:defRPr sz="1400" b="0" i="0" u="none" strike="noStrike" cap="none">
           <a:solidFill>
             <a:srgbClr val="000000"/>
           </a:solidFill>
@@ -9578,7 +9768,7 @@
           <a:sym typeface="Arial"/>
         </a:defRPr>
       </a:lvl1pPr>
-      <a:lvl2pPr lvl="1" marR="0" rtl="0" algn="l">
+      <a:lvl2pPr marR="0" lvl="1" algn="l" rtl="0">
         <a:lnSpc>
           <a:spcPct val="100000"/>
         </a:lnSpc>
@@ -9592,7 +9782,7 @@
           <a:srgbClr val="000000"/>
         </a:buClr>
         <a:buFont typeface="Arial"/>
-        <a:defRPr b="0" i="0" sz="1400" u="none" cap="none" strike="noStrike">
+        <a:defRPr sz="1400" b="0" i="0" u="none" strike="noStrike" cap="none">
           <a:solidFill>
             <a:srgbClr val="000000"/>
           </a:solidFill>
@@ -9602,7 +9792,7 @@
           <a:sym typeface="Arial"/>
         </a:defRPr>
       </a:lvl2pPr>
-      <a:lvl3pPr lvl="2" marR="0" rtl="0" algn="l">
+      <a:lvl3pPr marR="0" lvl="2" algn="l" rtl="0">
         <a:lnSpc>
           <a:spcPct val="100000"/>
         </a:lnSpc>
@@ -9616,7 +9806,7 @@
           <a:srgbClr val="000000"/>
         </a:buClr>
         <a:buFont typeface="Arial"/>
-        <a:defRPr b="0" i="0" sz="1400" u="none" cap="none" strike="noStrike">
+        <a:defRPr sz="1400" b="0" i="0" u="none" strike="noStrike" cap="none">
           <a:solidFill>
             <a:srgbClr val="000000"/>
           </a:solidFill>
@@ -9626,7 +9816,7 @@
           <a:sym typeface="Arial"/>
         </a:defRPr>
       </a:lvl3pPr>
-      <a:lvl4pPr lvl="3" marR="0" rtl="0" algn="l">
+      <a:lvl4pPr marR="0" lvl="3" algn="l" rtl="0">
         <a:lnSpc>
           <a:spcPct val="100000"/>
         </a:lnSpc>
@@ -9640,7 +9830,7 @@
           <a:srgbClr val="000000"/>
         </a:buClr>
         <a:buFont typeface="Arial"/>
-        <a:defRPr b="0" i="0" sz="1400" u="none" cap="none" strike="noStrike">
+        <a:defRPr sz="1400" b="0" i="0" u="none" strike="noStrike" cap="none">
           <a:solidFill>
             <a:srgbClr val="000000"/>
           </a:solidFill>
@@ -9650,7 +9840,7 @@
           <a:sym typeface="Arial"/>
         </a:defRPr>
       </a:lvl4pPr>
-      <a:lvl5pPr lvl="4" marR="0" rtl="0" algn="l">
+      <a:lvl5pPr marR="0" lvl="4" algn="l" rtl="0">
         <a:lnSpc>
           <a:spcPct val="100000"/>
         </a:lnSpc>
@@ -9664,7 +9854,7 @@
           <a:srgbClr val="000000"/>
         </a:buClr>
         <a:buFont typeface="Arial"/>
-        <a:defRPr b="0" i="0" sz="1400" u="none" cap="none" strike="noStrike">
+        <a:defRPr sz="1400" b="0" i="0" u="none" strike="noStrike" cap="none">
           <a:solidFill>
             <a:srgbClr val="000000"/>
           </a:solidFill>
@@ -9674,7 +9864,7 @@
           <a:sym typeface="Arial"/>
         </a:defRPr>
       </a:lvl5pPr>
-      <a:lvl6pPr lvl="5" marR="0" rtl="0" algn="l">
+      <a:lvl6pPr marR="0" lvl="5" algn="l" rtl="0">
         <a:lnSpc>
           <a:spcPct val="100000"/>
         </a:lnSpc>
@@ -9688,7 +9878,7 @@
           <a:srgbClr val="000000"/>
         </a:buClr>
         <a:buFont typeface="Arial"/>
-        <a:defRPr b="0" i="0" sz="1400" u="none" cap="none" strike="noStrike">
+        <a:defRPr sz="1400" b="0" i="0" u="none" strike="noStrike" cap="none">
           <a:solidFill>
             <a:srgbClr val="000000"/>
           </a:solidFill>
@@ -9698,7 +9888,7 @@
           <a:sym typeface="Arial"/>
         </a:defRPr>
       </a:lvl6pPr>
-      <a:lvl7pPr lvl="6" marR="0" rtl="0" algn="l">
+      <a:lvl7pPr marR="0" lvl="6" algn="l" rtl="0">
         <a:lnSpc>
           <a:spcPct val="100000"/>
         </a:lnSpc>
@@ -9712,7 +9902,7 @@
           <a:srgbClr val="000000"/>
         </a:buClr>
         <a:buFont typeface="Arial"/>
-        <a:defRPr b="0" i="0" sz="1400" u="none" cap="none" strike="noStrike">
+        <a:defRPr sz="1400" b="0" i="0" u="none" strike="noStrike" cap="none">
           <a:solidFill>
             <a:srgbClr val="000000"/>
           </a:solidFill>
@@ -9722,7 +9912,7 @@
           <a:sym typeface="Arial"/>
         </a:defRPr>
       </a:lvl7pPr>
-      <a:lvl8pPr lvl="7" marR="0" rtl="0" algn="l">
+      <a:lvl8pPr marR="0" lvl="7" algn="l" rtl="0">
         <a:lnSpc>
           <a:spcPct val="100000"/>
         </a:lnSpc>
@@ -9736,7 +9926,7 @@
           <a:srgbClr val="000000"/>
         </a:buClr>
         <a:buFont typeface="Arial"/>
-        <a:defRPr b="0" i="0" sz="1400" u="none" cap="none" strike="noStrike">
+        <a:defRPr sz="1400" b="0" i="0" u="none" strike="noStrike" cap="none">
           <a:solidFill>
             <a:srgbClr val="000000"/>
           </a:solidFill>
@@ -9746,7 +9936,7 @@
           <a:sym typeface="Arial"/>
         </a:defRPr>
       </a:lvl8pPr>
-      <a:lvl9pPr lvl="8" marR="0" rtl="0" algn="l">
+      <a:lvl9pPr marR="0" lvl="8" algn="l" rtl="0">
         <a:lnSpc>
           <a:spcPct val="100000"/>
         </a:lnSpc>
@@ -9760,7 +9950,7 @@
           <a:srgbClr val="000000"/>
         </a:buClr>
         <a:buFont typeface="Arial"/>
-        <a:defRPr b="0" i="0" sz="1400" u="none" cap="none" strike="noStrike">
+        <a:defRPr sz="1400" b="0" i="0" u="none" strike="noStrike" cap="none">
           <a:solidFill>
             <a:srgbClr val="000000"/>
           </a:solidFill>
@@ -9772,7 +9962,7 @@
       </a:lvl9pPr>
     </p:titleStyle>
     <p:bodyStyle>
-      <a:defPPr lvl="0" marR="0" rtl="0" algn="l">
+      <a:defPPr marR="0" lvl="0" algn="l" rtl="0">
         <a:lnSpc>
           <a:spcPct val="100000"/>
         </a:lnSpc>
@@ -9783,7 +9973,7 @@
           <a:spcPts val="0"/>
         </a:spcAft>
       </a:defPPr>
-      <a:lvl1pPr lvl="0" marR="0" rtl="0" algn="l">
+      <a:lvl1pPr marR="0" lvl="0" algn="l" rtl="0">
         <a:lnSpc>
           <a:spcPct val="100000"/>
         </a:lnSpc>
@@ -9797,7 +9987,7 @@
           <a:srgbClr val="000000"/>
         </a:buClr>
         <a:buFont typeface="Arial"/>
-        <a:defRPr b="0" i="0" sz="1400" u="none" cap="none" strike="noStrike">
+        <a:defRPr sz="1400" b="0" i="0" u="none" strike="noStrike" cap="none">
           <a:solidFill>
             <a:srgbClr val="000000"/>
           </a:solidFill>
@@ -9807,7 +9997,7 @@
           <a:sym typeface="Arial"/>
         </a:defRPr>
       </a:lvl1pPr>
-      <a:lvl2pPr lvl="1" marR="0" rtl="0" algn="l">
+      <a:lvl2pPr marR="0" lvl="1" algn="l" rtl="0">
         <a:lnSpc>
           <a:spcPct val="100000"/>
         </a:lnSpc>
@@ -9821,7 +10011,7 @@
           <a:srgbClr val="000000"/>
         </a:buClr>
         <a:buFont typeface="Arial"/>
-        <a:defRPr b="0" i="0" sz="1400" u="none" cap="none" strike="noStrike">
+        <a:defRPr sz="1400" b="0" i="0" u="none" strike="noStrike" cap="none">
           <a:solidFill>
             <a:srgbClr val="000000"/>
           </a:solidFill>
@@ -9831,7 +10021,7 @@
           <a:sym typeface="Arial"/>
         </a:defRPr>
       </a:lvl2pPr>
-      <a:lvl3pPr lvl="2" marR="0" rtl="0" algn="l">
+      <a:lvl3pPr marR="0" lvl="2" algn="l" rtl="0">
         <a:lnSpc>
           <a:spcPct val="100000"/>
         </a:lnSpc>
@@ -9845,7 +10035,7 @@
           <a:srgbClr val="000000"/>
         </a:buClr>
         <a:buFont typeface="Arial"/>
-        <a:defRPr b="0" i="0" sz="1400" u="none" cap="none" strike="noStrike">
+        <a:defRPr sz="1400" b="0" i="0" u="none" strike="noStrike" cap="none">
           <a:solidFill>
             <a:srgbClr val="000000"/>
           </a:solidFill>
@@ -9855,7 +10045,7 @@
           <a:sym typeface="Arial"/>
         </a:defRPr>
       </a:lvl3pPr>
-      <a:lvl4pPr lvl="3" marR="0" rtl="0" algn="l">
+      <a:lvl4pPr marR="0" lvl="3" algn="l" rtl="0">
         <a:lnSpc>
           <a:spcPct val="100000"/>
         </a:lnSpc>
@@ -9869,7 +10059,7 @@
           <a:srgbClr val="000000"/>
         </a:buClr>
         <a:buFont typeface="Arial"/>
-        <a:defRPr b="0" i="0" sz="1400" u="none" cap="none" strike="noStrike">
+        <a:defRPr sz="1400" b="0" i="0" u="none" strike="noStrike" cap="none">
           <a:solidFill>
             <a:srgbClr val="000000"/>
           </a:solidFill>
@@ -9879,7 +10069,7 @@
           <a:sym typeface="Arial"/>
         </a:defRPr>
       </a:lvl4pPr>
-      <a:lvl5pPr lvl="4" marR="0" rtl="0" algn="l">
+      <a:lvl5pPr marR="0" lvl="4" algn="l" rtl="0">
         <a:lnSpc>
           <a:spcPct val="100000"/>
         </a:lnSpc>
@@ -9893,7 +10083,7 @@
           <a:srgbClr val="000000"/>
         </a:buClr>
         <a:buFont typeface="Arial"/>
-        <a:defRPr b="0" i="0" sz="1400" u="none" cap="none" strike="noStrike">
+        <a:defRPr sz="1400" b="0" i="0" u="none" strike="noStrike" cap="none">
           <a:solidFill>
             <a:srgbClr val="000000"/>
           </a:solidFill>
@@ -9903,7 +10093,7 @@
           <a:sym typeface="Arial"/>
         </a:defRPr>
       </a:lvl5pPr>
-      <a:lvl6pPr lvl="5" marR="0" rtl="0" algn="l">
+      <a:lvl6pPr marR="0" lvl="5" algn="l" rtl="0">
         <a:lnSpc>
           <a:spcPct val="100000"/>
         </a:lnSpc>
@@ -9917,7 +10107,7 @@
           <a:srgbClr val="000000"/>
         </a:buClr>
         <a:buFont typeface="Arial"/>
-        <a:defRPr b="0" i="0" sz="1400" u="none" cap="none" strike="noStrike">
+        <a:defRPr sz="1400" b="0" i="0" u="none" strike="noStrike" cap="none">
           <a:solidFill>
             <a:srgbClr val="000000"/>
           </a:solidFill>
@@ -9927,7 +10117,7 @@
           <a:sym typeface="Arial"/>
         </a:defRPr>
       </a:lvl6pPr>
-      <a:lvl7pPr lvl="6" marR="0" rtl="0" algn="l">
+      <a:lvl7pPr marR="0" lvl="6" algn="l" rtl="0">
         <a:lnSpc>
           <a:spcPct val="100000"/>
         </a:lnSpc>
@@ -9941,7 +10131,7 @@
           <a:srgbClr val="000000"/>
         </a:buClr>
         <a:buFont typeface="Arial"/>
-        <a:defRPr b="0" i="0" sz="1400" u="none" cap="none" strike="noStrike">
+        <a:defRPr sz="1400" b="0" i="0" u="none" strike="noStrike" cap="none">
           <a:solidFill>
             <a:srgbClr val="000000"/>
           </a:solidFill>
@@ -9951,7 +10141,7 @@
           <a:sym typeface="Arial"/>
         </a:defRPr>
       </a:lvl7pPr>
-      <a:lvl8pPr lvl="7" marR="0" rtl="0" algn="l">
+      <a:lvl8pPr marR="0" lvl="7" algn="l" rtl="0">
         <a:lnSpc>
           <a:spcPct val="100000"/>
         </a:lnSpc>
@@ -9965,7 +10155,7 @@
           <a:srgbClr val="000000"/>
         </a:buClr>
         <a:buFont typeface="Arial"/>
-        <a:defRPr b="0" i="0" sz="1400" u="none" cap="none" strike="noStrike">
+        <a:defRPr sz="1400" b="0" i="0" u="none" strike="noStrike" cap="none">
           <a:solidFill>
             <a:srgbClr val="000000"/>
           </a:solidFill>
@@ -9975,7 +10165,7 @@
           <a:sym typeface="Arial"/>
         </a:defRPr>
       </a:lvl8pPr>
-      <a:lvl9pPr lvl="8" marR="0" rtl="0" algn="l">
+      <a:lvl9pPr marR="0" lvl="8" algn="l" rtl="0">
         <a:lnSpc>
           <a:spcPct val="100000"/>
         </a:lnSpc>
@@ -9989,7 +10179,7 @@
           <a:srgbClr val="000000"/>
         </a:buClr>
         <a:buFont typeface="Arial"/>
-        <a:defRPr b="0" i="0" sz="1400" u="none" cap="none" strike="noStrike">
+        <a:defRPr sz="1400" b="0" i="0" u="none" strike="noStrike" cap="none">
           <a:solidFill>
             <a:srgbClr val="000000"/>
           </a:solidFill>
@@ -10001,7 +10191,7 @@
       </a:lvl9pPr>
     </p:bodyStyle>
     <p:otherStyle>
-      <a:defPPr lvl="0" marR="0" rtl="0" algn="l">
+      <a:defPPr marR="0" lvl="0" algn="l" rtl="0">
         <a:lnSpc>
           <a:spcPct val="100000"/>
         </a:lnSpc>
@@ -10012,7 +10202,7 @@
           <a:spcPts val="0"/>
         </a:spcAft>
       </a:defPPr>
-      <a:lvl1pPr lvl="0" marR="0" rtl="0" algn="l">
+      <a:lvl1pPr marR="0" lvl="0" algn="l" rtl="0">
         <a:lnSpc>
           <a:spcPct val="100000"/>
         </a:lnSpc>
@@ -10026,7 +10216,7 @@
           <a:srgbClr val="000000"/>
         </a:buClr>
         <a:buFont typeface="Arial"/>
-        <a:defRPr b="0" i="0" sz="1400" u="none" cap="none" strike="noStrike">
+        <a:defRPr sz="1400" b="0" i="0" u="none" strike="noStrike" cap="none">
           <a:solidFill>
             <a:srgbClr val="000000"/>
           </a:solidFill>
@@ -10036,7 +10226,7 @@
           <a:sym typeface="Arial"/>
         </a:defRPr>
       </a:lvl1pPr>
-      <a:lvl2pPr lvl="1" marR="0" rtl="0" algn="l">
+      <a:lvl2pPr marR="0" lvl="1" algn="l" rtl="0">
         <a:lnSpc>
           <a:spcPct val="100000"/>
         </a:lnSpc>
@@ -10050,7 +10240,7 @@
           <a:srgbClr val="000000"/>
         </a:buClr>
         <a:buFont typeface="Arial"/>
-        <a:defRPr b="0" i="0" sz="1400" u="none" cap="none" strike="noStrike">
+        <a:defRPr sz="1400" b="0" i="0" u="none" strike="noStrike" cap="none">
           <a:solidFill>
             <a:srgbClr val="000000"/>
           </a:solidFill>
@@ -10060,7 +10250,7 @@
           <a:sym typeface="Arial"/>
         </a:defRPr>
       </a:lvl2pPr>
-      <a:lvl3pPr lvl="2" marR="0" rtl="0" algn="l">
+      <a:lvl3pPr marR="0" lvl="2" algn="l" rtl="0">
         <a:lnSpc>
           <a:spcPct val="100000"/>
         </a:lnSpc>
@@ -10074,7 +10264,7 @@
           <a:srgbClr val="000000"/>
         </a:buClr>
         <a:buFont typeface="Arial"/>
-        <a:defRPr b="0" i="0" sz="1400" u="none" cap="none" strike="noStrike">
+        <a:defRPr sz="1400" b="0" i="0" u="none" strike="noStrike" cap="none">
           <a:solidFill>
             <a:srgbClr val="000000"/>
           </a:solidFill>
@@ -10084,7 +10274,7 @@
           <a:sym typeface="Arial"/>
         </a:defRPr>
       </a:lvl3pPr>
-      <a:lvl4pPr lvl="3" marR="0" rtl="0" algn="l">
+      <a:lvl4pPr marR="0" lvl="3" algn="l" rtl="0">
         <a:lnSpc>
           <a:spcPct val="100000"/>
         </a:lnSpc>
@@ -10098,7 +10288,7 @@
           <a:srgbClr val="000000"/>
         </a:buClr>
         <a:buFont typeface="Arial"/>
-        <a:defRPr b="0" i="0" sz="1400" u="none" cap="none" strike="noStrike">
+        <a:defRPr sz="1400" b="0" i="0" u="none" strike="noStrike" cap="none">
           <a:solidFill>
             <a:srgbClr val="000000"/>
           </a:solidFill>
@@ -10108,7 +10298,7 @@
           <a:sym typeface="Arial"/>
         </a:defRPr>
       </a:lvl4pPr>
-      <a:lvl5pPr lvl="4" marR="0" rtl="0" algn="l">
+      <a:lvl5pPr marR="0" lvl="4" algn="l" rtl="0">
         <a:lnSpc>
           <a:spcPct val="100000"/>
         </a:lnSpc>
@@ -10122,7 +10312,7 @@
           <a:srgbClr val="000000"/>
         </a:buClr>
         <a:buFont typeface="Arial"/>
-        <a:defRPr b="0" i="0" sz="1400" u="none" cap="none" strike="noStrike">
+        <a:defRPr sz="1400" b="0" i="0" u="none" strike="noStrike" cap="none">
           <a:solidFill>
             <a:srgbClr val="000000"/>
           </a:solidFill>
@@ -10132,7 +10322,7 @@
           <a:sym typeface="Arial"/>
         </a:defRPr>
       </a:lvl5pPr>
-      <a:lvl6pPr lvl="5" marR="0" rtl="0" algn="l">
+      <a:lvl6pPr marR="0" lvl="5" algn="l" rtl="0">
         <a:lnSpc>
           <a:spcPct val="100000"/>
         </a:lnSpc>
@@ -10146,7 +10336,7 @@
           <a:srgbClr val="000000"/>
         </a:buClr>
         <a:buFont typeface="Arial"/>
-        <a:defRPr b="0" i="0" sz="1400" u="none" cap="none" strike="noStrike">
+        <a:defRPr sz="1400" b="0" i="0" u="none" strike="noStrike" cap="none">
           <a:solidFill>
             <a:srgbClr val="000000"/>
           </a:solidFill>
@@ -10156,7 +10346,7 @@
           <a:sym typeface="Arial"/>
         </a:defRPr>
       </a:lvl6pPr>
-      <a:lvl7pPr lvl="6" marR="0" rtl="0" algn="l">
+      <a:lvl7pPr marR="0" lvl="6" algn="l" rtl="0">
         <a:lnSpc>
           <a:spcPct val="100000"/>
         </a:lnSpc>
@@ -10170,7 +10360,7 @@
           <a:srgbClr val="000000"/>
         </a:buClr>
         <a:buFont typeface="Arial"/>
-        <a:defRPr b="0" i="0" sz="1400" u="none" cap="none" strike="noStrike">
+        <a:defRPr sz="1400" b="0" i="0" u="none" strike="noStrike" cap="none">
           <a:solidFill>
             <a:srgbClr val="000000"/>
           </a:solidFill>
@@ -10180,7 +10370,7 @@
           <a:sym typeface="Arial"/>
         </a:defRPr>
       </a:lvl7pPr>
-      <a:lvl8pPr lvl="7" marR="0" rtl="0" algn="l">
+      <a:lvl8pPr marR="0" lvl="7" algn="l" rtl="0">
         <a:lnSpc>
           <a:spcPct val="100000"/>
         </a:lnSpc>
@@ -10194,7 +10384,7 @@
           <a:srgbClr val="000000"/>
         </a:buClr>
         <a:buFont typeface="Arial"/>
-        <a:defRPr b="0" i="0" sz="1400" u="none" cap="none" strike="noStrike">
+        <a:defRPr sz="1400" b="0" i="0" u="none" strike="noStrike" cap="none">
           <a:solidFill>
             <a:srgbClr val="000000"/>
           </a:solidFill>
@@ -10204,7 +10394,7 @@
           <a:sym typeface="Arial"/>
         </a:defRPr>
       </a:lvl8pPr>
-      <a:lvl9pPr lvl="8" marR="0" rtl="0" algn="l">
+      <a:lvl9pPr marR="0" lvl="8" algn="l" rtl="0">
         <a:lnSpc>
           <a:spcPct val="100000"/>
         </a:lnSpc>
@@ -10218,7 +10408,7 @@
           <a:srgbClr val="000000"/>
         </a:buClr>
         <a:buFont typeface="Arial"/>
-        <a:defRPr b="0" i="0" sz="1400" u="none" cap="none" strike="noStrike">
+        <a:defRPr sz="1400" b="0" i="0" u="none" strike="noStrike" cap="none">
           <a:solidFill>
             <a:srgbClr val="000000"/>
           </a:solidFill>
@@ -10234,11 +10424,11 @@
 </file>
 
 <file path=ppt/slides/slide1.xml><?xml version="1.0" encoding="utf-8"?>
-<p:sld xmlns:a="http://schemas.openxmlformats.org/drawingml/2006/main" xmlns:r="http://schemas.openxmlformats.org/officeDocument/2006/relationships" xmlns:mc="http://schemas.openxmlformats.org/markup-compatibility/2006" xmlns:mv="urn:schemas-microsoft-com:mac:vml" xmlns:p="http://schemas.openxmlformats.org/presentationml/2006/main" xmlns:c="http://schemas.openxmlformats.org/drawingml/2006/chart" xmlns:dgm="http://schemas.openxmlformats.org/drawingml/2006/diagram" xmlns:o="urn:schemas-microsoft-com:office:office" xmlns:v="urn:schemas-microsoft-com:vml" xmlns:pvml="urn:schemas-microsoft-com:office:powerpoint" xmlns:com="http://schemas.openxmlformats.org/drawingml/2006/compatibility" xmlns:p14="http://schemas.microsoft.com/office/powerpoint/2010/main" xmlns:p15="http://schemas.microsoft.com/office/powerpoint/2012/main" xmlns:ahyp="http://schemas.microsoft.com/office/drawing/2018/hyperlinkcolor">
+<p:sld xmlns:a="http://schemas.openxmlformats.org/drawingml/2006/main" xmlns:r="http://schemas.openxmlformats.org/officeDocument/2006/relationships" xmlns:p="http://schemas.openxmlformats.org/presentationml/2006/main">
   <p:cSld>
     <p:spTree>
       <p:nvGrpSpPr>
-        <p:cNvPr id="53" name="Shape 53"/>
+        <p:cNvPr id="1" name="Shape 53"/>
         <p:cNvGrpSpPr/>
         <p:nvPr/>
       </p:nvGrpSpPr>
@@ -10253,7 +10443,9 @@
       <p:sp>
         <p:nvSpPr>
           <p:cNvPr id="54" name="Google Shape;54;p13"/>
-          <p:cNvSpPr txBox="1"/>
+          <p:cNvSpPr txBox="1">
+            <a:spLocks noGrp="1"/>
+          </p:cNvSpPr>
           <p:nvPr>
             <p:ph type="ctrTitle"/>
           </p:nvPr>
@@ -10272,12 +10464,12 @@
           </a:ln>
         </p:spPr>
         <p:txBody>
-          <a:bodyPr anchorCtr="0" anchor="b" bIns="91425" lIns="91425" spcFirstLastPara="1" rIns="91425" wrap="square" tIns="91425">
+          <a:bodyPr spcFirstLastPara="1" wrap="square" lIns="91425" tIns="91425" rIns="91425" bIns="91425" anchor="b" anchorCtr="0">
             <a:normAutofit/>
           </a:bodyPr>
           <a:lstStyle/>
           <a:p>
-            <a:pPr indent="0" lvl="0" marL="0" rtl="0" algn="ctr">
+            <a:pPr marL="0" lvl="0" indent="0" algn="ctr" rtl="0">
               <a:lnSpc>
                 <a:spcPct val="100000"/>
               </a:lnSpc>
@@ -10301,9 +10493,11 @@
       <p:sp>
         <p:nvSpPr>
           <p:cNvPr id="55" name="Google Shape;55;p13"/>
-          <p:cNvSpPr txBox="1"/>
+          <p:cNvSpPr txBox="1">
+            <a:spLocks noGrp="1"/>
+          </p:cNvSpPr>
           <p:nvPr>
-            <p:ph idx="1" type="subTitle"/>
+            <p:ph type="subTitle" idx="1"/>
           </p:nvPr>
         </p:nvSpPr>
         <p:spPr>
@@ -10320,12 +10514,12 @@
           </a:ln>
         </p:spPr>
         <p:txBody>
-          <a:bodyPr anchorCtr="0" anchor="t" bIns="91425" lIns="91425" spcFirstLastPara="1" rIns="91425" wrap="square" tIns="91425">
+          <a:bodyPr spcFirstLastPara="1" wrap="square" lIns="91425" tIns="91425" rIns="91425" bIns="91425" anchor="t" anchorCtr="0">
             <a:normAutofit/>
           </a:bodyPr>
           <a:lstStyle/>
           <a:p>
-            <a:pPr indent="0" lvl="0" marL="0" rtl="0" algn="ctr">
+            <a:pPr marL="0" lvl="0" indent="0" algn="ctr" rtl="0">
               <a:lnSpc>
                 <a:spcPct val="150000"/>
               </a:lnSpc>
@@ -10345,7 +10539,7 @@
             <a:endParaRPr/>
           </a:p>
           <a:p>
-            <a:pPr indent="0" lvl="0" marL="0" rtl="0" algn="ctr">
+            <a:pPr marL="0" lvl="0" indent="0" algn="ctr" rtl="0">
               <a:lnSpc>
                 <a:spcPct val="150000"/>
               </a:lnSpc>
@@ -10375,11 +10569,11 @@
 </file>
 
 <file path=ppt/slides/slide10.xml><?xml version="1.0" encoding="utf-8"?>
-<p:sld xmlns:a="http://schemas.openxmlformats.org/drawingml/2006/main" xmlns:r="http://schemas.openxmlformats.org/officeDocument/2006/relationships" xmlns:mc="http://schemas.openxmlformats.org/markup-compatibility/2006" xmlns:mv="urn:schemas-microsoft-com:mac:vml" xmlns:p="http://schemas.openxmlformats.org/presentationml/2006/main" xmlns:c="http://schemas.openxmlformats.org/drawingml/2006/chart" xmlns:dgm="http://schemas.openxmlformats.org/drawingml/2006/diagram" xmlns:o="urn:schemas-microsoft-com:office:office" xmlns:v="urn:schemas-microsoft-com:vml" xmlns:pvml="urn:schemas-microsoft-com:office:powerpoint" xmlns:com="http://schemas.openxmlformats.org/drawingml/2006/compatibility" xmlns:p14="http://schemas.microsoft.com/office/powerpoint/2010/main" xmlns:p15="http://schemas.microsoft.com/office/powerpoint/2012/main" xmlns:ahyp="http://schemas.microsoft.com/office/drawing/2018/hyperlinkcolor">
+<p:sld xmlns:a="http://schemas.openxmlformats.org/drawingml/2006/main" xmlns:r="http://schemas.openxmlformats.org/officeDocument/2006/relationships" xmlns:p="http://schemas.openxmlformats.org/presentationml/2006/main">
   <p:cSld>
     <p:spTree>
       <p:nvGrpSpPr>
-        <p:cNvPr id="112" name="Shape 112"/>
+        <p:cNvPr id="1" name="Shape 112"/>
         <p:cNvGrpSpPr/>
         <p:nvPr/>
       </p:nvGrpSpPr>
@@ -10394,7 +10588,9 @@
       <p:sp>
         <p:nvSpPr>
           <p:cNvPr id="113" name="Google Shape;113;p22"/>
-          <p:cNvSpPr txBox="1"/>
+          <p:cNvSpPr txBox="1">
+            <a:spLocks noGrp="1"/>
+          </p:cNvSpPr>
           <p:nvPr>
             <p:ph type="ctrTitle"/>
           </p:nvPr>
@@ -10413,12 +10609,12 @@
           </a:ln>
         </p:spPr>
         <p:txBody>
-          <a:bodyPr anchorCtr="0" anchor="b" bIns="91425" lIns="91425" spcFirstLastPara="1" rIns="91425" wrap="square" tIns="91425">
+          <a:bodyPr spcFirstLastPara="1" wrap="square" lIns="91425" tIns="91425" rIns="91425" bIns="91425" anchor="b" anchorCtr="0">
             <a:noAutofit/>
           </a:bodyPr>
           <a:lstStyle/>
           <a:p>
-            <a:pPr indent="0" lvl="0" marL="0" rtl="0" algn="ctr">
+            <a:pPr marL="0" lvl="0" indent="0" algn="ctr" rtl="0">
               <a:lnSpc>
                 <a:spcPct val="100000"/>
               </a:lnSpc>
@@ -10442,9 +10638,11 @@
       <p:sp>
         <p:nvSpPr>
           <p:cNvPr id="114" name="Google Shape;114;p22"/>
-          <p:cNvSpPr txBox="1"/>
+          <p:cNvSpPr txBox="1">
+            <a:spLocks noGrp="1"/>
+          </p:cNvSpPr>
           <p:nvPr>
-            <p:ph idx="1" type="subTitle"/>
+            <p:ph type="subTitle" idx="1"/>
           </p:nvPr>
         </p:nvSpPr>
         <p:spPr>
@@ -10461,12 +10659,12 @@
           </a:ln>
         </p:spPr>
         <p:txBody>
-          <a:bodyPr anchorCtr="0" anchor="t" bIns="91425" lIns="91425" spcFirstLastPara="1" rIns="91425" wrap="square" tIns="91425">
+          <a:bodyPr spcFirstLastPara="1" wrap="square" lIns="91425" tIns="91425" rIns="91425" bIns="91425" anchor="t" anchorCtr="0">
             <a:normAutofit/>
           </a:bodyPr>
           <a:lstStyle/>
           <a:p>
-            <a:pPr indent="0" lvl="0" marL="0" rtl="0" algn="ctr">
+            <a:pPr marL="0" lvl="0" indent="0" algn="ctr" rtl="0">
               <a:spcBef>
                 <a:spcPts val="0"/>
               </a:spcBef>
@@ -10476,10 +10674,7 @@
               <a:buSzPts val="2800"/>
               <a:buNone/>
             </a:pPr>
-            <a:r>
-              <a:t/>
-            </a:r>
-            <a:endParaRPr b="1" sz="1700">
+            <a:endParaRPr sz="1700" b="1">
               <a:solidFill>
                 <a:schemeClr val="dk1"/>
               </a:solidFill>
@@ -10489,7 +10684,7 @@
             </a:endParaRPr>
           </a:p>
           <a:p>
-            <a:pPr indent="0" lvl="0" marL="0" rtl="0" algn="ctr">
+            <a:pPr marL="0" lvl="0" indent="0" algn="ctr" rtl="0">
               <a:lnSpc>
                 <a:spcPct val="100000"/>
               </a:lnSpc>
@@ -10502,10 +10697,7 @@
               <a:buSzPts val="2800"/>
               <a:buNone/>
             </a:pPr>
-            <a:r>
-              <a:t/>
-            </a:r>
-            <a:endParaRPr b="1" sz="1700">
+            <a:endParaRPr sz="1700" b="1">
               <a:solidFill>
                 <a:schemeClr val="dk1"/>
               </a:solidFill>
@@ -10515,7 +10707,7 @@
             </a:endParaRPr>
           </a:p>
           <a:p>
-            <a:pPr indent="0" lvl="0" marL="0" rtl="0" algn="ctr">
+            <a:pPr marL="0" lvl="0" indent="0" algn="ctr" rtl="0">
               <a:lnSpc>
                 <a:spcPct val="100000"/>
               </a:lnSpc>
@@ -10528,10 +10720,7 @@
               <a:buSzPts val="2800"/>
               <a:buNone/>
             </a:pPr>
-            <a:r>
-              <a:t/>
-            </a:r>
-            <a:endParaRPr b="1" sz="1700">
+            <a:endParaRPr sz="1700" b="1">
               <a:solidFill>
                 <a:schemeClr val="dk1"/>
               </a:solidFill>
@@ -10579,11 +10768,11 @@
 </file>
 
 <file path=ppt/slides/slide11.xml><?xml version="1.0" encoding="utf-8"?>
-<p:sld xmlns:a="http://schemas.openxmlformats.org/drawingml/2006/main" xmlns:r="http://schemas.openxmlformats.org/officeDocument/2006/relationships" xmlns:mc="http://schemas.openxmlformats.org/markup-compatibility/2006" xmlns:mv="urn:schemas-microsoft-com:mac:vml" xmlns:p="http://schemas.openxmlformats.org/presentationml/2006/main" xmlns:c="http://schemas.openxmlformats.org/drawingml/2006/chart" xmlns:dgm="http://schemas.openxmlformats.org/drawingml/2006/diagram" xmlns:o="urn:schemas-microsoft-com:office:office" xmlns:v="urn:schemas-microsoft-com:vml" xmlns:pvml="urn:schemas-microsoft-com:office:powerpoint" xmlns:com="http://schemas.openxmlformats.org/drawingml/2006/compatibility" xmlns:p14="http://schemas.microsoft.com/office/powerpoint/2010/main" xmlns:p15="http://schemas.microsoft.com/office/powerpoint/2012/main" xmlns:ahyp="http://schemas.microsoft.com/office/drawing/2018/hyperlinkcolor">
+<p:sld xmlns:a="http://schemas.openxmlformats.org/drawingml/2006/main" xmlns:r="http://schemas.openxmlformats.org/officeDocument/2006/relationships" xmlns:p="http://schemas.openxmlformats.org/presentationml/2006/main">
   <p:cSld>
     <p:spTree>
       <p:nvGrpSpPr>
-        <p:cNvPr id="119" name="Shape 119"/>
+        <p:cNvPr id="1" name="Shape 119"/>
         <p:cNvGrpSpPr/>
         <p:nvPr/>
       </p:nvGrpSpPr>
@@ -10598,7 +10787,9 @@
       <p:sp>
         <p:nvSpPr>
           <p:cNvPr id="120" name="Google Shape;120;p23"/>
-          <p:cNvSpPr txBox="1"/>
+          <p:cNvSpPr txBox="1">
+            <a:spLocks noGrp="1"/>
+          </p:cNvSpPr>
           <p:nvPr>
             <p:ph type="ctrTitle"/>
           </p:nvPr>
@@ -10617,12 +10808,12 @@
           </a:ln>
         </p:spPr>
         <p:txBody>
-          <a:bodyPr anchorCtr="0" anchor="b" bIns="91425" lIns="91425" spcFirstLastPara="1" rIns="91425" wrap="square" tIns="91425">
+          <a:bodyPr spcFirstLastPara="1" wrap="square" lIns="91425" tIns="91425" rIns="91425" bIns="91425" anchor="b" anchorCtr="0">
             <a:noAutofit/>
           </a:bodyPr>
           <a:lstStyle/>
           <a:p>
-            <a:pPr indent="0" lvl="0" marL="0" rtl="0" algn="ctr">
+            <a:pPr marL="0" lvl="0" indent="0" algn="ctr" rtl="0">
               <a:lnSpc>
                 <a:spcPct val="100000"/>
               </a:lnSpc>
@@ -10646,9 +10837,11 @@
       <p:sp>
         <p:nvSpPr>
           <p:cNvPr id="121" name="Google Shape;121;p23"/>
-          <p:cNvSpPr txBox="1"/>
+          <p:cNvSpPr txBox="1">
+            <a:spLocks noGrp="1"/>
+          </p:cNvSpPr>
           <p:nvPr>
-            <p:ph idx="1" type="subTitle"/>
+            <p:ph type="subTitle" idx="1"/>
           </p:nvPr>
         </p:nvSpPr>
         <p:spPr>
@@ -10665,12 +10858,12 @@
           </a:ln>
         </p:spPr>
         <p:txBody>
-          <a:bodyPr anchorCtr="0" anchor="t" bIns="91425" lIns="91425" spcFirstLastPara="1" rIns="91425" wrap="square" tIns="91425">
+          <a:bodyPr spcFirstLastPara="1" wrap="square" lIns="91425" tIns="91425" rIns="91425" bIns="91425" anchor="t" anchorCtr="0">
             <a:normAutofit/>
           </a:bodyPr>
           <a:lstStyle/>
           <a:p>
-            <a:pPr indent="0" lvl="0" marL="0" rtl="0" algn="ctr">
+            <a:pPr marL="0" lvl="0" indent="0" algn="ctr" rtl="0">
               <a:spcBef>
                 <a:spcPts val="0"/>
               </a:spcBef>
@@ -10681,7 +10874,7 @@
               <a:buNone/>
             </a:pPr>
             <a:r>
-              <a:rPr b="1" lang="en-GB" sz="1700">
+              <a:rPr lang="en-GB" sz="1700" b="1">
                 <a:solidFill>
                   <a:schemeClr val="dk1"/>
                 </a:solidFill>
@@ -10691,7 +10884,7 @@
               </a:rPr>
               <a:t>http://localhost:8000/swagger/</a:t>
             </a:r>
-            <a:endParaRPr b="1" sz="1700">
+            <a:endParaRPr sz="1700" b="1">
               <a:solidFill>
                 <a:schemeClr val="dk1"/>
               </a:solidFill>
@@ -10701,7 +10894,7 @@
             </a:endParaRPr>
           </a:p>
           <a:p>
-            <a:pPr indent="0" lvl="0" marL="0" rtl="0" algn="ctr">
+            <a:pPr marL="0" lvl="0" indent="0" algn="ctr" rtl="0">
               <a:lnSpc>
                 <a:spcPct val="100000"/>
               </a:lnSpc>
@@ -10714,10 +10907,7 @@
               <a:buSzPts val="2800"/>
               <a:buNone/>
             </a:pPr>
-            <a:r>
-              <a:t/>
-            </a:r>
-            <a:endParaRPr b="1" sz="1700">
+            <a:endParaRPr sz="1700" b="1">
               <a:solidFill>
                 <a:schemeClr val="dk1"/>
               </a:solidFill>
@@ -10727,7 +10917,7 @@
             </a:endParaRPr>
           </a:p>
           <a:p>
-            <a:pPr indent="0" lvl="0" marL="0" rtl="0" algn="ctr">
+            <a:pPr marL="0" lvl="0" indent="0" algn="ctr" rtl="0">
               <a:lnSpc>
                 <a:spcPct val="100000"/>
               </a:lnSpc>
@@ -10740,10 +10930,7 @@
               <a:buSzPts val="2800"/>
               <a:buNone/>
             </a:pPr>
-            <a:r>
-              <a:t/>
-            </a:r>
-            <a:endParaRPr b="1" sz="1700">
+            <a:endParaRPr sz="1700" b="1">
               <a:solidFill>
                 <a:schemeClr val="dk1"/>
               </a:solidFill>
@@ -10763,11 +10950,11 @@
 </file>
 
 <file path=ppt/slides/slide12.xml><?xml version="1.0" encoding="utf-8"?>
-<p:sld xmlns:a="http://schemas.openxmlformats.org/drawingml/2006/main" xmlns:r="http://schemas.openxmlformats.org/officeDocument/2006/relationships" xmlns:mc="http://schemas.openxmlformats.org/markup-compatibility/2006" xmlns:mv="urn:schemas-microsoft-com:mac:vml" xmlns:p="http://schemas.openxmlformats.org/presentationml/2006/main" xmlns:c="http://schemas.openxmlformats.org/drawingml/2006/chart" xmlns:dgm="http://schemas.openxmlformats.org/drawingml/2006/diagram" xmlns:o="urn:schemas-microsoft-com:office:office" xmlns:v="urn:schemas-microsoft-com:vml" xmlns:pvml="urn:schemas-microsoft-com:office:powerpoint" xmlns:com="http://schemas.openxmlformats.org/drawingml/2006/compatibility" xmlns:p14="http://schemas.microsoft.com/office/powerpoint/2010/main" xmlns:p15="http://schemas.microsoft.com/office/powerpoint/2012/main" xmlns:ahyp="http://schemas.microsoft.com/office/drawing/2018/hyperlinkcolor">
+<p:sld xmlns:a="http://schemas.openxmlformats.org/drawingml/2006/main" xmlns:r="http://schemas.openxmlformats.org/officeDocument/2006/relationships" xmlns:p="http://schemas.openxmlformats.org/presentationml/2006/main">
   <p:cSld>
     <p:spTree>
       <p:nvGrpSpPr>
-        <p:cNvPr id="125" name="Shape 125"/>
+        <p:cNvPr id="1" name="Shape 125"/>
         <p:cNvGrpSpPr/>
         <p:nvPr/>
       </p:nvGrpSpPr>
@@ -10782,7 +10969,9 @@
       <p:sp>
         <p:nvSpPr>
           <p:cNvPr id="126" name="Google Shape;126;p24"/>
-          <p:cNvSpPr txBox="1"/>
+          <p:cNvSpPr txBox="1">
+            <a:spLocks noGrp="1"/>
+          </p:cNvSpPr>
           <p:nvPr>
             <p:ph type="ctrTitle"/>
           </p:nvPr>
@@ -10801,12 +10990,12 @@
           </a:ln>
         </p:spPr>
         <p:txBody>
-          <a:bodyPr anchorCtr="0" anchor="b" bIns="91425" lIns="91425" spcFirstLastPara="1" rIns="91425" wrap="square" tIns="91425">
+          <a:bodyPr spcFirstLastPara="1" wrap="square" lIns="91425" tIns="91425" rIns="91425" bIns="91425" anchor="b" anchorCtr="0">
             <a:noAutofit/>
           </a:bodyPr>
           <a:lstStyle/>
           <a:p>
-            <a:pPr indent="0" lvl="0" marL="0" rtl="0" algn="ctr">
+            <a:pPr marL="0" lvl="0" indent="0" algn="ctr" rtl="0">
               <a:lnSpc>
                 <a:spcPct val="100000"/>
               </a:lnSpc>
@@ -10830,9 +11019,11 @@
       <p:sp>
         <p:nvSpPr>
           <p:cNvPr id="127" name="Google Shape;127;p24"/>
-          <p:cNvSpPr txBox="1"/>
+          <p:cNvSpPr txBox="1">
+            <a:spLocks noGrp="1"/>
+          </p:cNvSpPr>
           <p:nvPr>
-            <p:ph idx="1" type="subTitle"/>
+            <p:ph type="subTitle" idx="1"/>
           </p:nvPr>
         </p:nvSpPr>
         <p:spPr>
@@ -10849,12 +11040,12 @@
           </a:ln>
         </p:spPr>
         <p:txBody>
-          <a:bodyPr anchorCtr="0" anchor="t" bIns="91425" lIns="91425" spcFirstLastPara="1" rIns="91425" wrap="square" tIns="91425">
+          <a:bodyPr spcFirstLastPara="1" wrap="square" lIns="91425" tIns="91425" rIns="91425" bIns="91425" anchor="t" anchorCtr="0">
             <a:normAutofit/>
           </a:bodyPr>
           <a:lstStyle/>
           <a:p>
-            <a:pPr indent="0" lvl="0" marL="0" rtl="0" algn="ctr">
+            <a:pPr marL="0" lvl="0" indent="0" algn="ctr" rtl="0">
               <a:lnSpc>
                 <a:spcPct val="100000"/>
               </a:lnSpc>
@@ -10867,10 +11058,7 @@
               <a:buSzPts val="2800"/>
               <a:buNone/>
             </a:pPr>
-            <a:r>
-              <a:t/>
-            </a:r>
-            <a:endParaRPr b="1" sz="1700">
+            <a:endParaRPr sz="1700" b="1">
               <a:solidFill>
                 <a:schemeClr val="dk1"/>
               </a:solidFill>
@@ -10880,7 +11068,7 @@
             </a:endParaRPr>
           </a:p>
           <a:p>
-            <a:pPr indent="0" lvl="0" marL="0" rtl="0" algn="ctr">
+            <a:pPr marL="0" lvl="0" indent="0" algn="ctr" rtl="0">
               <a:lnSpc>
                 <a:spcPct val="100000"/>
               </a:lnSpc>
@@ -10893,10 +11081,7 @@
               <a:buSzPts val="2800"/>
               <a:buNone/>
             </a:pPr>
-            <a:r>
-              <a:t/>
-            </a:r>
-            <a:endParaRPr b="1" sz="1700">
+            <a:endParaRPr sz="1700" b="1">
               <a:solidFill>
                 <a:schemeClr val="dk1"/>
               </a:solidFill>
@@ -10944,11 +11129,11 @@
 </file>
 
 <file path=ppt/slides/slide13.xml><?xml version="1.0" encoding="utf-8"?>
-<p:sld xmlns:a="http://schemas.openxmlformats.org/drawingml/2006/main" xmlns:r="http://schemas.openxmlformats.org/officeDocument/2006/relationships" xmlns:mc="http://schemas.openxmlformats.org/markup-compatibility/2006" xmlns:mv="urn:schemas-microsoft-com:mac:vml" xmlns:p="http://schemas.openxmlformats.org/presentationml/2006/main" xmlns:c="http://schemas.openxmlformats.org/drawingml/2006/chart" xmlns:dgm="http://schemas.openxmlformats.org/drawingml/2006/diagram" xmlns:o="urn:schemas-microsoft-com:office:office" xmlns:v="urn:schemas-microsoft-com:vml" xmlns:pvml="urn:schemas-microsoft-com:office:powerpoint" xmlns:com="http://schemas.openxmlformats.org/drawingml/2006/compatibility" xmlns:p14="http://schemas.microsoft.com/office/powerpoint/2010/main" xmlns:p15="http://schemas.microsoft.com/office/powerpoint/2012/main" xmlns:ahyp="http://schemas.microsoft.com/office/drawing/2018/hyperlinkcolor">
+<p:sld xmlns:a="http://schemas.openxmlformats.org/drawingml/2006/main" xmlns:r="http://schemas.openxmlformats.org/officeDocument/2006/relationships" xmlns:p="http://schemas.openxmlformats.org/presentationml/2006/main">
   <p:cSld>
     <p:spTree>
       <p:nvGrpSpPr>
-        <p:cNvPr id="132" name="Shape 132"/>
+        <p:cNvPr id="1" name="Shape 132"/>
         <p:cNvGrpSpPr/>
         <p:nvPr/>
       </p:nvGrpSpPr>
@@ -10963,7 +11148,9 @@
       <p:sp>
         <p:nvSpPr>
           <p:cNvPr id="133" name="Google Shape;133;p25"/>
-          <p:cNvSpPr txBox="1"/>
+          <p:cNvSpPr txBox="1">
+            <a:spLocks noGrp="1"/>
+          </p:cNvSpPr>
           <p:nvPr>
             <p:ph type="ctrTitle"/>
           </p:nvPr>
@@ -10982,12 +11169,12 @@
           </a:ln>
         </p:spPr>
         <p:txBody>
-          <a:bodyPr anchorCtr="0" anchor="b" bIns="91425" lIns="91425" spcFirstLastPara="1" rIns="91425" wrap="square" tIns="91425">
+          <a:bodyPr spcFirstLastPara="1" wrap="square" lIns="91425" tIns="91425" rIns="91425" bIns="91425" anchor="b" anchorCtr="0">
             <a:noAutofit/>
           </a:bodyPr>
           <a:lstStyle/>
           <a:p>
-            <a:pPr indent="0" lvl="0" marL="0" rtl="0" algn="ctr">
+            <a:pPr marL="0" lvl="0" indent="0" algn="ctr" rtl="0">
               <a:lnSpc>
                 <a:spcPct val="100000"/>
               </a:lnSpc>
@@ -11011,9 +11198,11 @@
       <p:sp>
         <p:nvSpPr>
           <p:cNvPr id="134" name="Google Shape;134;p25"/>
-          <p:cNvSpPr txBox="1"/>
+          <p:cNvSpPr txBox="1">
+            <a:spLocks noGrp="1"/>
+          </p:cNvSpPr>
           <p:nvPr>
-            <p:ph idx="1" type="subTitle"/>
+            <p:ph type="subTitle" idx="1"/>
           </p:nvPr>
         </p:nvSpPr>
         <p:spPr>
@@ -11030,12 +11219,12 @@
           </a:ln>
         </p:spPr>
         <p:txBody>
-          <a:bodyPr anchorCtr="0" anchor="t" bIns="91425" lIns="91425" spcFirstLastPara="1" rIns="91425" wrap="square" tIns="91425">
+          <a:bodyPr spcFirstLastPara="1" wrap="square" lIns="91425" tIns="91425" rIns="91425" bIns="91425" anchor="t" anchorCtr="0">
             <a:normAutofit/>
           </a:bodyPr>
           <a:lstStyle/>
           <a:p>
-            <a:pPr indent="0" lvl="0" marL="0" rtl="0" algn="ctr">
+            <a:pPr marL="0" lvl="0" indent="0" algn="ctr" rtl="0">
               <a:lnSpc>
                 <a:spcPct val="100000"/>
               </a:lnSpc>
@@ -11048,10 +11237,7 @@
               <a:buSzPts val="2800"/>
               <a:buNone/>
             </a:pPr>
-            <a:r>
-              <a:t/>
-            </a:r>
-            <a:endParaRPr b="1" sz="1700">
+            <a:endParaRPr sz="1700" b="1">
               <a:solidFill>
                 <a:schemeClr val="dk1"/>
               </a:solidFill>
@@ -11061,7 +11247,7 @@
             </a:endParaRPr>
           </a:p>
           <a:p>
-            <a:pPr indent="0" lvl="0" marL="0" rtl="0" algn="ctr">
+            <a:pPr marL="0" lvl="0" indent="0" algn="ctr" rtl="0">
               <a:lnSpc>
                 <a:spcPct val="100000"/>
               </a:lnSpc>
@@ -11074,10 +11260,7 @@
               <a:buSzPts val="2800"/>
               <a:buNone/>
             </a:pPr>
-            <a:r>
-              <a:t/>
-            </a:r>
-            <a:endParaRPr b="1" sz="1700">
+            <a:endParaRPr sz="1700" b="1">
               <a:solidFill>
                 <a:schemeClr val="dk1"/>
               </a:solidFill>
@@ -11125,11 +11308,11 @@
 </file>
 
 <file path=ppt/slides/slide14.xml><?xml version="1.0" encoding="utf-8"?>
-<p:sld xmlns:a="http://schemas.openxmlformats.org/drawingml/2006/main" xmlns:r="http://schemas.openxmlformats.org/officeDocument/2006/relationships" xmlns:mc="http://schemas.openxmlformats.org/markup-compatibility/2006" xmlns:mv="urn:schemas-microsoft-com:mac:vml" xmlns:p="http://schemas.openxmlformats.org/presentationml/2006/main" xmlns:c="http://schemas.openxmlformats.org/drawingml/2006/chart" xmlns:dgm="http://schemas.openxmlformats.org/drawingml/2006/diagram" xmlns:o="urn:schemas-microsoft-com:office:office" xmlns:v="urn:schemas-microsoft-com:vml" xmlns:pvml="urn:schemas-microsoft-com:office:powerpoint" xmlns:com="http://schemas.openxmlformats.org/drawingml/2006/compatibility" xmlns:p14="http://schemas.microsoft.com/office/powerpoint/2010/main" xmlns:p15="http://schemas.microsoft.com/office/powerpoint/2012/main" xmlns:ahyp="http://schemas.microsoft.com/office/drawing/2018/hyperlinkcolor">
+<p:sld xmlns:a="http://schemas.openxmlformats.org/drawingml/2006/main" xmlns:r="http://schemas.openxmlformats.org/officeDocument/2006/relationships" xmlns:p="http://schemas.openxmlformats.org/presentationml/2006/main">
   <p:cSld>
     <p:spTree>
       <p:nvGrpSpPr>
-        <p:cNvPr id="139" name="Shape 139"/>
+        <p:cNvPr id="1" name="Shape 139"/>
         <p:cNvGrpSpPr/>
         <p:nvPr/>
       </p:nvGrpSpPr>
@@ -11144,7 +11327,9 @@
       <p:sp>
         <p:nvSpPr>
           <p:cNvPr id="140" name="Google Shape;140;p26"/>
-          <p:cNvSpPr txBox="1"/>
+          <p:cNvSpPr txBox="1">
+            <a:spLocks noGrp="1"/>
+          </p:cNvSpPr>
           <p:nvPr>
             <p:ph type="ctrTitle"/>
           </p:nvPr>
@@ -11163,12 +11348,12 @@
           </a:ln>
         </p:spPr>
         <p:txBody>
-          <a:bodyPr anchorCtr="0" anchor="b" bIns="91425" lIns="91425" spcFirstLastPara="1" rIns="91425" wrap="square" tIns="91425">
+          <a:bodyPr spcFirstLastPara="1" wrap="square" lIns="91425" tIns="91425" rIns="91425" bIns="91425" anchor="b" anchorCtr="0">
             <a:noAutofit/>
           </a:bodyPr>
           <a:lstStyle/>
           <a:p>
-            <a:pPr indent="0" lvl="0" marL="0" rtl="0" algn="ctr">
+            <a:pPr marL="0" lvl="0" indent="0" algn="ctr" rtl="0">
               <a:lnSpc>
                 <a:spcPct val="100000"/>
               </a:lnSpc>
@@ -11192,9 +11377,11 @@
       <p:sp>
         <p:nvSpPr>
           <p:cNvPr id="141" name="Google Shape;141;p26"/>
-          <p:cNvSpPr txBox="1"/>
+          <p:cNvSpPr txBox="1">
+            <a:spLocks noGrp="1"/>
+          </p:cNvSpPr>
           <p:nvPr>
-            <p:ph idx="1" type="subTitle"/>
+            <p:ph type="subTitle" idx="1"/>
           </p:nvPr>
         </p:nvSpPr>
         <p:spPr>
@@ -11211,12 +11398,12 @@
           </a:ln>
         </p:spPr>
         <p:txBody>
-          <a:bodyPr anchorCtr="0" anchor="t" bIns="91425" lIns="91425" spcFirstLastPara="1" rIns="91425" wrap="square" tIns="91425">
+          <a:bodyPr spcFirstLastPara="1" wrap="square" lIns="91425" tIns="91425" rIns="91425" bIns="91425" anchor="t" anchorCtr="0">
             <a:normAutofit/>
           </a:bodyPr>
           <a:lstStyle/>
           <a:p>
-            <a:pPr indent="0" lvl="0" marL="0" rtl="0" algn="ctr">
+            <a:pPr marL="0" lvl="0" indent="0" algn="ctr" rtl="0">
               <a:lnSpc>
                 <a:spcPct val="100000"/>
               </a:lnSpc>
@@ -11229,10 +11416,7 @@
               <a:buSzPts val="2800"/>
               <a:buNone/>
             </a:pPr>
-            <a:r>
-              <a:t/>
-            </a:r>
-            <a:endParaRPr b="1" sz="1700">
+            <a:endParaRPr sz="1700" b="1">
               <a:solidFill>
                 <a:schemeClr val="dk1"/>
               </a:solidFill>
@@ -11242,7 +11426,7 @@
             </a:endParaRPr>
           </a:p>
           <a:p>
-            <a:pPr indent="0" lvl="0" marL="0" rtl="0" algn="ctr">
+            <a:pPr marL="0" lvl="0" indent="0" algn="ctr" rtl="0">
               <a:lnSpc>
                 <a:spcPct val="100000"/>
               </a:lnSpc>
@@ -11255,10 +11439,7 @@
               <a:buSzPts val="2800"/>
               <a:buNone/>
             </a:pPr>
-            <a:r>
-              <a:t/>
-            </a:r>
-            <a:endParaRPr b="1" sz="1700">
+            <a:endParaRPr sz="1700" b="1">
               <a:solidFill>
                 <a:schemeClr val="dk1"/>
               </a:solidFill>
@@ -11306,11 +11487,11 @@
 </file>
 
 <file path=ppt/slides/slide15.xml><?xml version="1.0" encoding="utf-8"?>
-<p:sld xmlns:a="http://schemas.openxmlformats.org/drawingml/2006/main" xmlns:r="http://schemas.openxmlformats.org/officeDocument/2006/relationships" xmlns:mc="http://schemas.openxmlformats.org/markup-compatibility/2006" xmlns:mv="urn:schemas-microsoft-com:mac:vml" xmlns:p="http://schemas.openxmlformats.org/presentationml/2006/main" xmlns:c="http://schemas.openxmlformats.org/drawingml/2006/chart" xmlns:dgm="http://schemas.openxmlformats.org/drawingml/2006/diagram" xmlns:o="urn:schemas-microsoft-com:office:office" xmlns:v="urn:schemas-microsoft-com:vml" xmlns:pvml="urn:schemas-microsoft-com:office:powerpoint" xmlns:com="http://schemas.openxmlformats.org/drawingml/2006/compatibility" xmlns:p14="http://schemas.microsoft.com/office/powerpoint/2010/main" xmlns:p15="http://schemas.microsoft.com/office/powerpoint/2012/main" xmlns:ahyp="http://schemas.microsoft.com/office/drawing/2018/hyperlinkcolor">
+<p:sld xmlns:a="http://schemas.openxmlformats.org/drawingml/2006/main" xmlns:r="http://schemas.openxmlformats.org/officeDocument/2006/relationships" xmlns:p="http://schemas.openxmlformats.org/presentationml/2006/main">
   <p:cSld>
     <p:spTree>
       <p:nvGrpSpPr>
-        <p:cNvPr id="146" name="Shape 146"/>
+        <p:cNvPr id="1" name="Shape 146"/>
         <p:cNvGrpSpPr/>
         <p:nvPr/>
       </p:nvGrpSpPr>
@@ -11325,7 +11506,9 @@
       <p:sp>
         <p:nvSpPr>
           <p:cNvPr id="147" name="Google Shape;147;p27"/>
-          <p:cNvSpPr txBox="1"/>
+          <p:cNvSpPr txBox="1">
+            <a:spLocks noGrp="1"/>
+          </p:cNvSpPr>
           <p:nvPr>
             <p:ph type="ctrTitle"/>
           </p:nvPr>
@@ -11344,12 +11527,12 @@
           </a:ln>
         </p:spPr>
         <p:txBody>
-          <a:bodyPr anchorCtr="0" anchor="b" bIns="91425" lIns="91425" spcFirstLastPara="1" rIns="91425" wrap="square" tIns="91425">
+          <a:bodyPr spcFirstLastPara="1" wrap="square" lIns="91425" tIns="91425" rIns="91425" bIns="91425" anchor="b" anchorCtr="0">
             <a:noAutofit/>
           </a:bodyPr>
           <a:lstStyle/>
           <a:p>
-            <a:pPr indent="0" lvl="0" marL="0" rtl="0" algn="ctr">
+            <a:pPr marL="0" lvl="0" indent="0" algn="ctr" rtl="0">
               <a:lnSpc>
                 <a:spcPct val="100000"/>
               </a:lnSpc>
@@ -11379,11 +11562,11 @@
 </file>
 
 <file path=ppt/slides/slide2.xml><?xml version="1.0" encoding="utf-8"?>
-<p:sld xmlns:a="http://schemas.openxmlformats.org/drawingml/2006/main" xmlns:r="http://schemas.openxmlformats.org/officeDocument/2006/relationships" xmlns:mc="http://schemas.openxmlformats.org/markup-compatibility/2006" xmlns:mv="urn:schemas-microsoft-com:mac:vml" xmlns:p="http://schemas.openxmlformats.org/presentationml/2006/main" xmlns:c="http://schemas.openxmlformats.org/drawingml/2006/chart" xmlns:dgm="http://schemas.openxmlformats.org/drawingml/2006/diagram" xmlns:o="urn:schemas-microsoft-com:office:office" xmlns:v="urn:schemas-microsoft-com:vml" xmlns:pvml="urn:schemas-microsoft-com:office:powerpoint" xmlns:com="http://schemas.openxmlformats.org/drawingml/2006/compatibility" xmlns:p14="http://schemas.microsoft.com/office/powerpoint/2010/main" xmlns:p15="http://schemas.microsoft.com/office/powerpoint/2012/main" xmlns:ahyp="http://schemas.microsoft.com/office/drawing/2018/hyperlinkcolor">
+<p:sld xmlns:a="http://schemas.openxmlformats.org/drawingml/2006/main" xmlns:r="http://schemas.openxmlformats.org/officeDocument/2006/relationships" xmlns:p="http://schemas.openxmlformats.org/presentationml/2006/main">
   <p:cSld>
     <p:spTree>
       <p:nvGrpSpPr>
-        <p:cNvPr id="59" name="Shape 59"/>
+        <p:cNvPr id="1" name="Shape 59"/>
         <p:cNvGrpSpPr/>
         <p:nvPr/>
       </p:nvGrpSpPr>
@@ -11398,7 +11581,9 @@
       <p:sp>
         <p:nvSpPr>
           <p:cNvPr id="60" name="Google Shape;60;p14"/>
-          <p:cNvSpPr txBox="1"/>
+          <p:cNvSpPr txBox="1">
+            <a:spLocks noGrp="1"/>
+          </p:cNvSpPr>
           <p:nvPr>
             <p:ph type="ctrTitle"/>
           </p:nvPr>
@@ -11417,12 +11602,12 @@
           </a:ln>
         </p:spPr>
         <p:txBody>
-          <a:bodyPr anchorCtr="0" anchor="b" bIns="91425" lIns="91425" spcFirstLastPara="1" rIns="91425" wrap="square" tIns="91425">
+          <a:bodyPr spcFirstLastPara="1" wrap="square" lIns="91425" tIns="91425" rIns="91425" bIns="91425" anchor="b" anchorCtr="0">
             <a:normAutofit fontScale="90000"/>
           </a:bodyPr>
           <a:lstStyle/>
           <a:p>
-            <a:pPr indent="0" lvl="0" marL="0" rtl="0" algn="ctr">
+            <a:pPr marL="0" lvl="0" indent="0" algn="ctr" rtl="0">
               <a:lnSpc>
                 <a:spcPct val="100000"/>
               </a:lnSpc>
@@ -11446,9 +11631,11 @@
       <p:sp>
         <p:nvSpPr>
           <p:cNvPr id="61" name="Google Shape;61;p14"/>
-          <p:cNvSpPr txBox="1"/>
+          <p:cNvSpPr txBox="1">
+            <a:spLocks noGrp="1"/>
+          </p:cNvSpPr>
           <p:nvPr>
-            <p:ph idx="1" type="subTitle"/>
+            <p:ph type="subTitle" idx="1"/>
           </p:nvPr>
         </p:nvSpPr>
         <p:spPr>
@@ -11465,12 +11652,12 @@
           </a:ln>
         </p:spPr>
         <p:txBody>
-          <a:bodyPr anchorCtr="0" anchor="t" bIns="91425" lIns="91425" spcFirstLastPara="1" rIns="91425" wrap="square" tIns="91425">
+          <a:bodyPr spcFirstLastPara="1" wrap="square" lIns="91425" tIns="91425" rIns="91425" bIns="91425" anchor="t" anchorCtr="0">
             <a:normAutofit/>
           </a:bodyPr>
           <a:lstStyle/>
           <a:p>
-            <a:pPr indent="0" lvl="0" marL="0" rtl="0" algn="ctr">
+            <a:pPr marL="0" lvl="0" indent="0" algn="ctr" rtl="0">
               <a:lnSpc>
                 <a:spcPct val="100000"/>
               </a:lnSpc>
@@ -11484,7 +11671,7 @@
               <a:buNone/>
             </a:pPr>
             <a:r>
-              <a:rPr b="1" lang="en-GB" sz="1700">
+              <a:rPr lang="en-GB" sz="1700" b="1">
                 <a:solidFill>
                   <a:schemeClr val="dk1"/>
                 </a:solidFill>
@@ -11494,7 +11681,7 @@
               </a:rPr>
               <a:t>Swagger</a:t>
             </a:r>
-            <a:endParaRPr b="1" sz="1700">
+            <a:endParaRPr sz="1700" b="1">
               <a:solidFill>
                 <a:schemeClr val="dk1"/>
               </a:solidFill>
@@ -11504,7 +11691,7 @@
             </a:endParaRPr>
           </a:p>
           <a:p>
-            <a:pPr indent="0" lvl="0" marL="0" rtl="0" algn="ctr">
+            <a:pPr marL="0" lvl="0" indent="0" algn="ctr" rtl="0">
               <a:lnSpc>
                 <a:spcPct val="100000"/>
               </a:lnSpc>
@@ -11517,10 +11704,7 @@
               <a:buSzPts val="2800"/>
               <a:buNone/>
             </a:pPr>
-            <a:r>
-              <a:t/>
-            </a:r>
-            <a:endParaRPr b="1" sz="1700">
+            <a:endParaRPr sz="1700" b="1">
               <a:solidFill>
                 <a:schemeClr val="dk1"/>
               </a:solidFill>
@@ -11568,11 +11752,11 @@
 </file>
 
 <file path=ppt/slides/slide3.xml><?xml version="1.0" encoding="utf-8"?>
-<p:sld xmlns:a="http://schemas.openxmlformats.org/drawingml/2006/main" xmlns:r="http://schemas.openxmlformats.org/officeDocument/2006/relationships" xmlns:mc="http://schemas.openxmlformats.org/markup-compatibility/2006" xmlns:mv="urn:schemas-microsoft-com:mac:vml" xmlns:p="http://schemas.openxmlformats.org/presentationml/2006/main" xmlns:c="http://schemas.openxmlformats.org/drawingml/2006/chart" xmlns:dgm="http://schemas.openxmlformats.org/drawingml/2006/diagram" xmlns:o="urn:schemas-microsoft-com:office:office" xmlns:v="urn:schemas-microsoft-com:vml" xmlns:pvml="urn:schemas-microsoft-com:office:powerpoint" xmlns:com="http://schemas.openxmlformats.org/drawingml/2006/compatibility" xmlns:p14="http://schemas.microsoft.com/office/powerpoint/2010/main" xmlns:p15="http://schemas.microsoft.com/office/powerpoint/2012/main" xmlns:ahyp="http://schemas.microsoft.com/office/drawing/2018/hyperlinkcolor">
+<p:sld xmlns:a="http://schemas.openxmlformats.org/drawingml/2006/main" xmlns:r="http://schemas.openxmlformats.org/officeDocument/2006/relationships" xmlns:p="http://schemas.openxmlformats.org/presentationml/2006/main">
   <p:cSld>
     <p:spTree>
       <p:nvGrpSpPr>
-        <p:cNvPr id="66" name="Shape 66"/>
+        <p:cNvPr id="1" name="Shape 66"/>
         <p:cNvGrpSpPr/>
         <p:nvPr/>
       </p:nvGrpSpPr>
@@ -11587,7 +11771,9 @@
       <p:sp>
         <p:nvSpPr>
           <p:cNvPr id="67" name="Google Shape;67;p15"/>
-          <p:cNvSpPr txBox="1"/>
+          <p:cNvSpPr txBox="1">
+            <a:spLocks noGrp="1"/>
+          </p:cNvSpPr>
           <p:nvPr>
             <p:ph type="ctrTitle"/>
           </p:nvPr>
@@ -11606,12 +11792,12 @@
           </a:ln>
         </p:spPr>
         <p:txBody>
-          <a:bodyPr anchorCtr="0" anchor="b" bIns="91425" lIns="91425" spcFirstLastPara="1" rIns="91425" wrap="square" tIns="91425">
+          <a:bodyPr spcFirstLastPara="1" wrap="square" lIns="91425" tIns="91425" rIns="91425" bIns="91425" anchor="b" anchorCtr="0">
             <a:normAutofit fontScale="90000"/>
           </a:bodyPr>
           <a:lstStyle/>
           <a:p>
-            <a:pPr indent="0" lvl="0" marL="0" rtl="0" algn="ctr">
+            <a:pPr marL="0" lvl="0" indent="0" algn="ctr" rtl="0">
               <a:lnSpc>
                 <a:spcPct val="100000"/>
               </a:lnSpc>
@@ -11635,9 +11821,11 @@
       <p:sp>
         <p:nvSpPr>
           <p:cNvPr id="68" name="Google Shape;68;p15"/>
-          <p:cNvSpPr txBox="1"/>
+          <p:cNvSpPr txBox="1">
+            <a:spLocks noGrp="1"/>
+          </p:cNvSpPr>
           <p:nvPr>
-            <p:ph idx="1" type="subTitle"/>
+            <p:ph type="subTitle" idx="1"/>
           </p:nvPr>
         </p:nvSpPr>
         <p:spPr>
@@ -11654,12 +11842,12 @@
           </a:ln>
         </p:spPr>
         <p:txBody>
-          <a:bodyPr anchorCtr="0" anchor="t" bIns="91425" lIns="91425" spcFirstLastPara="1" rIns="91425" wrap="square" tIns="91425">
+          <a:bodyPr spcFirstLastPara="1" wrap="square" lIns="91425" tIns="91425" rIns="91425" bIns="91425" anchor="t" anchorCtr="0">
             <a:normAutofit/>
           </a:bodyPr>
           <a:lstStyle/>
           <a:p>
-            <a:pPr indent="0" lvl="0" marL="0" rtl="0" algn="ctr">
+            <a:pPr marL="0" lvl="0" indent="0" algn="ctr" rtl="0">
               <a:lnSpc>
                 <a:spcPct val="100000"/>
               </a:lnSpc>
@@ -11673,7 +11861,7 @@
               <a:buNone/>
             </a:pPr>
             <a:r>
-              <a:rPr b="1" lang="en-GB" sz="1700">
+              <a:rPr lang="en-GB" sz="1700" b="1">
                 <a:solidFill>
                   <a:schemeClr val="dk1"/>
                 </a:solidFill>
@@ -11683,7 +11871,7 @@
               </a:rPr>
               <a:t>L15proj</a:t>
             </a:r>
-            <a:endParaRPr b="1" sz="1700">
+            <a:endParaRPr sz="1700" b="1">
               <a:solidFill>
                 <a:schemeClr val="dk1"/>
               </a:solidFill>
@@ -11693,7 +11881,7 @@
             </a:endParaRPr>
           </a:p>
           <a:p>
-            <a:pPr indent="0" lvl="0" marL="0" rtl="0" algn="ctr">
+            <a:pPr marL="0" lvl="0" indent="0" algn="ctr" rtl="0">
               <a:lnSpc>
                 <a:spcPct val="100000"/>
               </a:lnSpc>
@@ -11707,7 +11895,7 @@
               <a:buNone/>
             </a:pPr>
             <a:r>
-              <a:rPr b="1" lang="en-GB" sz="1700">
+              <a:rPr lang="en-GB" sz="1700" b="1">
                 <a:solidFill>
                   <a:schemeClr val="dk1"/>
                 </a:solidFill>
@@ -11717,7 +11905,7 @@
               </a:rPr>
               <a:t>L15app</a:t>
             </a:r>
-            <a:endParaRPr b="1" sz="1700">
+            <a:endParaRPr sz="1700" b="1">
               <a:solidFill>
                 <a:schemeClr val="dk1"/>
               </a:solidFill>
@@ -11727,7 +11915,7 @@
             </a:endParaRPr>
           </a:p>
           <a:p>
-            <a:pPr indent="0" lvl="0" marL="0" rtl="0" algn="ctr">
+            <a:pPr marL="0" lvl="0" indent="0" algn="ctr" rtl="0">
               <a:lnSpc>
                 <a:spcPct val="100000"/>
               </a:lnSpc>
@@ -11740,10 +11928,7 @@
               <a:buSzPts val="2800"/>
               <a:buNone/>
             </a:pPr>
-            <a:r>
-              <a:t/>
-            </a:r>
-            <a:endParaRPr b="1" sz="1700">
+            <a:endParaRPr sz="1700" b="1">
               <a:solidFill>
                 <a:schemeClr val="dk1"/>
               </a:solidFill>
@@ -11763,11 +11948,11 @@
 </file>
 
 <file path=ppt/slides/slide4.xml><?xml version="1.0" encoding="utf-8"?>
-<p:sld xmlns:a="http://schemas.openxmlformats.org/drawingml/2006/main" xmlns:r="http://schemas.openxmlformats.org/officeDocument/2006/relationships" xmlns:mc="http://schemas.openxmlformats.org/markup-compatibility/2006" xmlns:mv="urn:schemas-microsoft-com:mac:vml" xmlns:p="http://schemas.openxmlformats.org/presentationml/2006/main" xmlns:c="http://schemas.openxmlformats.org/drawingml/2006/chart" xmlns:dgm="http://schemas.openxmlformats.org/drawingml/2006/diagram" xmlns:o="urn:schemas-microsoft-com:office:office" xmlns:v="urn:schemas-microsoft-com:vml" xmlns:pvml="urn:schemas-microsoft-com:office:powerpoint" xmlns:com="http://schemas.openxmlformats.org/drawingml/2006/compatibility" xmlns:p14="http://schemas.microsoft.com/office/powerpoint/2010/main" xmlns:p15="http://schemas.microsoft.com/office/powerpoint/2012/main" xmlns:ahyp="http://schemas.microsoft.com/office/drawing/2018/hyperlinkcolor">
+<p:sld xmlns:a="http://schemas.openxmlformats.org/drawingml/2006/main" xmlns:r="http://schemas.openxmlformats.org/officeDocument/2006/relationships" xmlns:p="http://schemas.openxmlformats.org/presentationml/2006/main">
   <p:cSld>
     <p:spTree>
       <p:nvGrpSpPr>
-        <p:cNvPr id="72" name="Shape 72"/>
+        <p:cNvPr id="1" name="Shape 72"/>
         <p:cNvGrpSpPr/>
         <p:nvPr/>
       </p:nvGrpSpPr>
@@ -11782,7 +11967,9 @@
       <p:sp>
         <p:nvSpPr>
           <p:cNvPr id="73" name="Google Shape;73;p16"/>
-          <p:cNvSpPr txBox="1"/>
+          <p:cNvSpPr txBox="1">
+            <a:spLocks noGrp="1"/>
+          </p:cNvSpPr>
           <p:nvPr>
             <p:ph type="ctrTitle"/>
           </p:nvPr>
@@ -11801,12 +11988,12 @@
           </a:ln>
         </p:spPr>
         <p:txBody>
-          <a:bodyPr anchorCtr="0" anchor="b" bIns="91425" lIns="91425" spcFirstLastPara="1" rIns="91425" wrap="square" tIns="91425">
+          <a:bodyPr spcFirstLastPara="1" wrap="square" lIns="91425" tIns="91425" rIns="91425" bIns="91425" anchor="b" anchorCtr="0">
             <a:noAutofit/>
           </a:bodyPr>
           <a:lstStyle/>
           <a:p>
-            <a:pPr indent="0" lvl="0" marL="0" rtl="0" algn="ctr">
+            <a:pPr marL="0" lvl="0" indent="0" algn="ctr" rtl="0">
               <a:lnSpc>
                 <a:spcPct val="100000"/>
               </a:lnSpc>
@@ -11830,9 +12017,11 @@
       <p:sp>
         <p:nvSpPr>
           <p:cNvPr id="74" name="Google Shape;74;p16"/>
-          <p:cNvSpPr txBox="1"/>
+          <p:cNvSpPr txBox="1">
+            <a:spLocks noGrp="1"/>
+          </p:cNvSpPr>
           <p:nvPr>
-            <p:ph idx="1" type="subTitle"/>
+            <p:ph type="subTitle" idx="1"/>
           </p:nvPr>
         </p:nvSpPr>
         <p:spPr>
@@ -11849,12 +12038,12 @@
           </a:ln>
         </p:spPr>
         <p:txBody>
-          <a:bodyPr anchorCtr="0" anchor="t" bIns="91425" lIns="91425" spcFirstLastPara="1" rIns="91425" wrap="square" tIns="91425">
+          <a:bodyPr spcFirstLastPara="1" wrap="square" lIns="91425" tIns="91425" rIns="91425" bIns="91425" anchor="t" anchorCtr="0">
             <a:normAutofit/>
           </a:bodyPr>
           <a:lstStyle/>
           <a:p>
-            <a:pPr indent="0" lvl="0" marL="0" rtl="0" algn="ctr">
+            <a:pPr marL="0" lvl="0" indent="0" algn="ctr" rtl="0">
               <a:lnSpc>
                 <a:spcPct val="100000"/>
               </a:lnSpc>
@@ -11867,10 +12056,7 @@
               <a:buSzPts val="2800"/>
               <a:buNone/>
             </a:pPr>
-            <a:r>
-              <a:t/>
-            </a:r>
-            <a:endParaRPr b="1" sz="1700">
+            <a:endParaRPr sz="1700" b="1" dirty="0">
               <a:solidFill>
                 <a:schemeClr val="dk1"/>
               </a:solidFill>
@@ -11880,7 +12066,7 @@
             </a:endParaRPr>
           </a:p>
           <a:p>
-            <a:pPr indent="0" lvl="0" marL="0" rtl="0" algn="ctr">
+            <a:pPr marL="0" lvl="0" indent="0" algn="ctr" rtl="0">
               <a:lnSpc>
                 <a:spcPct val="100000"/>
               </a:lnSpc>
@@ -11898,7 +12084,7 @@
               <a:buNone/>
             </a:pPr>
             <a:r>
-              <a:rPr b="1" lang="en-GB" sz="1700">
+              <a:rPr lang="en-GB" sz="1700" b="1" dirty="0">
                 <a:solidFill>
                   <a:schemeClr val="dk1"/>
                 </a:solidFill>
@@ -11906,9 +12092,20 @@
                   <a:srgbClr val="FFFFFF"/>
                 </a:highlight>
               </a:rPr>
-              <a:t>Pip3 install djangorestframework</a:t>
+              <a:t>Pip3 install </a:t>
             </a:r>
-            <a:endParaRPr b="1" sz="1700">
+            <a:r>
+              <a:rPr lang="en-GB" sz="1700" b="1" dirty="0" err="1">
+                <a:solidFill>
+                  <a:schemeClr val="dk1"/>
+                </a:solidFill>
+                <a:highlight>
+                  <a:srgbClr val="FFFFFF"/>
+                </a:highlight>
+              </a:rPr>
+              <a:t>djangorestframework</a:t>
+            </a:r>
+            <a:endParaRPr sz="1700" b="1" dirty="0">
               <a:solidFill>
                 <a:schemeClr val="dk1"/>
               </a:solidFill>
@@ -11918,7 +12115,7 @@
             </a:endParaRPr>
           </a:p>
           <a:p>
-            <a:pPr indent="0" lvl="0" marL="0" rtl="0" algn="ctr">
+            <a:pPr marL="0" lvl="0" indent="0" algn="ctr" rtl="0">
               <a:lnSpc>
                 <a:spcPct val="100000"/>
               </a:lnSpc>
@@ -11936,7 +12133,7 @@
               <a:buNone/>
             </a:pPr>
             <a:r>
-              <a:rPr b="1" lang="en-GB" sz="1700">
+              <a:rPr lang="en-GB" sz="1700" b="1" dirty="0">
                 <a:solidFill>
                   <a:schemeClr val="dk1"/>
                 </a:solidFill>
@@ -11944,9 +12141,20 @@
                   <a:srgbClr val="FFFFFF"/>
                 </a:highlight>
               </a:rPr>
-              <a:t>Pip3 install drf_yasg</a:t>
+              <a:t>Pip3 install </a:t>
             </a:r>
-            <a:endParaRPr b="1" sz="1700">
+            <a:r>
+              <a:rPr lang="en-GB" sz="1700" b="1" dirty="0" err="1">
+                <a:solidFill>
+                  <a:schemeClr val="dk1"/>
+                </a:solidFill>
+                <a:highlight>
+                  <a:srgbClr val="FFFFFF"/>
+                </a:highlight>
+              </a:rPr>
+              <a:t>drf_yasg</a:t>
+            </a:r>
+            <a:endParaRPr sz="1700" b="1" dirty="0">
               <a:solidFill>
                 <a:schemeClr val="dk1"/>
               </a:solidFill>
@@ -11956,7 +12164,7 @@
             </a:endParaRPr>
           </a:p>
           <a:p>
-            <a:pPr indent="0" lvl="0" marL="0" rtl="0" algn="ctr">
+            <a:pPr marL="0" lvl="0" indent="0" algn="ctr" rtl="0">
               <a:lnSpc>
                 <a:spcPct val="100000"/>
               </a:lnSpc>
@@ -11970,7 +12178,7 @@
               <a:buNone/>
             </a:pPr>
             <a:r>
-              <a:rPr b="1" lang="en-GB" sz="1700">
+              <a:rPr lang="en-GB" sz="1700" b="1" dirty="0">
                 <a:solidFill>
                   <a:schemeClr val="dk1"/>
                 </a:solidFill>
@@ -11980,7 +12188,7 @@
               </a:rPr>
               <a:t>brew install GDAL or pip3 install GDAL</a:t>
             </a:r>
-            <a:endParaRPr b="1" sz="1700">
+            <a:endParaRPr sz="1700" b="1" dirty="0">
               <a:solidFill>
                 <a:schemeClr val="dk1"/>
               </a:solidFill>
@@ -11990,7 +12198,30 @@
             </a:endParaRPr>
           </a:p>
           <a:p>
-            <a:pPr indent="0" lvl="0" marL="0" rtl="0" algn="ctr">
+            <a:pPr marL="0" lvl="0" indent="0" algn="ctr" rtl="0">
+              <a:lnSpc>
+                <a:spcPct val="100000"/>
+              </a:lnSpc>
+              <a:spcBef>
+                <a:spcPts val="0"/>
+              </a:spcBef>
+              <a:spcAft>
+                <a:spcPts val="0"/>
+              </a:spcAft>
+              <a:buSzPts val="2800"/>
+              <a:buNone/>
+            </a:pPr>
+            <a:endParaRPr lang="en-SG" sz="1700" b="1" dirty="0">
+              <a:solidFill>
+                <a:schemeClr val="dk1"/>
+              </a:solidFill>
+              <a:highlight>
+                <a:schemeClr val="lt1"/>
+              </a:highlight>
+            </a:endParaRPr>
+          </a:p>
+          <a:p>
+            <a:pPr marL="0" lvl="0" indent="0" algn="ctr" rtl="0">
               <a:lnSpc>
                 <a:spcPct val="100000"/>
               </a:lnSpc>
@@ -12004,9 +12235,17 @@
               <a:buNone/>
             </a:pPr>
             <a:r>
-              <a:t/>
+              <a:rPr lang="en-GB" sz="1700" b="1" dirty="0">
+                <a:solidFill>
+                  <a:schemeClr val="dk1"/>
+                </a:solidFill>
+                <a:highlight>
+                  <a:schemeClr val="lt1"/>
+                </a:highlight>
+              </a:rPr>
+              <a:t>https://www.lfd.uci.edu/~gohlke/pythonlibs/#gdal</a:t>
             </a:r>
-            <a:endParaRPr b="1" sz="1700">
+            <a:endParaRPr sz="1700" b="1" dirty="0">
               <a:solidFill>
                 <a:schemeClr val="dk1"/>
               </a:solidFill>
@@ -12026,11 +12265,11 @@
 </file>
 
 <file path=ppt/slides/slide5.xml><?xml version="1.0" encoding="utf-8"?>
-<p:sld xmlns:a="http://schemas.openxmlformats.org/drawingml/2006/main" xmlns:r="http://schemas.openxmlformats.org/officeDocument/2006/relationships" xmlns:mc="http://schemas.openxmlformats.org/markup-compatibility/2006" xmlns:mv="urn:schemas-microsoft-com:mac:vml" xmlns:p="http://schemas.openxmlformats.org/presentationml/2006/main" xmlns:c="http://schemas.openxmlformats.org/drawingml/2006/chart" xmlns:dgm="http://schemas.openxmlformats.org/drawingml/2006/diagram" xmlns:o="urn:schemas-microsoft-com:office:office" xmlns:v="urn:schemas-microsoft-com:vml" xmlns:pvml="urn:schemas-microsoft-com:office:powerpoint" xmlns:com="http://schemas.openxmlformats.org/drawingml/2006/compatibility" xmlns:p14="http://schemas.microsoft.com/office/powerpoint/2010/main" xmlns:p15="http://schemas.microsoft.com/office/powerpoint/2012/main" xmlns:ahyp="http://schemas.microsoft.com/office/drawing/2018/hyperlinkcolor">
+<p:sld xmlns:a="http://schemas.openxmlformats.org/drawingml/2006/main" xmlns:r="http://schemas.openxmlformats.org/officeDocument/2006/relationships" xmlns:p="http://schemas.openxmlformats.org/presentationml/2006/main">
   <p:cSld>
     <p:spTree>
       <p:nvGrpSpPr>
-        <p:cNvPr id="78" name="Shape 78"/>
+        <p:cNvPr id="1" name="Shape 78"/>
         <p:cNvGrpSpPr/>
         <p:nvPr/>
       </p:nvGrpSpPr>
@@ -12045,7 +12284,9 @@
       <p:sp>
         <p:nvSpPr>
           <p:cNvPr id="79" name="Google Shape;79;p17"/>
-          <p:cNvSpPr txBox="1"/>
+          <p:cNvSpPr txBox="1">
+            <a:spLocks noGrp="1"/>
+          </p:cNvSpPr>
           <p:nvPr>
             <p:ph type="ctrTitle"/>
           </p:nvPr>
@@ -12064,12 +12305,12 @@
           </a:ln>
         </p:spPr>
         <p:txBody>
-          <a:bodyPr anchorCtr="0" anchor="b" bIns="91425" lIns="91425" spcFirstLastPara="1" rIns="91425" wrap="square" tIns="91425">
+          <a:bodyPr spcFirstLastPara="1" wrap="square" lIns="91425" tIns="91425" rIns="91425" bIns="91425" anchor="b" anchorCtr="0">
             <a:noAutofit/>
           </a:bodyPr>
           <a:lstStyle/>
           <a:p>
-            <a:pPr indent="0" lvl="0" marL="0" rtl="0" algn="ctr">
+            <a:pPr marL="0" lvl="0" indent="0" algn="ctr" rtl="0">
               <a:lnSpc>
                 <a:spcPct val="100000"/>
               </a:lnSpc>
@@ -12093,9 +12334,11 @@
       <p:sp>
         <p:nvSpPr>
           <p:cNvPr id="80" name="Google Shape;80;p17"/>
-          <p:cNvSpPr txBox="1"/>
+          <p:cNvSpPr txBox="1">
+            <a:spLocks noGrp="1"/>
+          </p:cNvSpPr>
           <p:nvPr>
-            <p:ph idx="1" type="subTitle"/>
+            <p:ph type="subTitle" idx="1"/>
           </p:nvPr>
         </p:nvSpPr>
         <p:spPr>
@@ -12112,12 +12355,12 @@
           </a:ln>
         </p:spPr>
         <p:txBody>
-          <a:bodyPr anchorCtr="0" anchor="t" bIns="91425" lIns="91425" spcFirstLastPara="1" rIns="91425" wrap="square" tIns="91425">
+          <a:bodyPr spcFirstLastPara="1" wrap="square" lIns="91425" tIns="91425" rIns="91425" bIns="91425" anchor="t" anchorCtr="0">
             <a:normAutofit/>
           </a:bodyPr>
           <a:lstStyle/>
           <a:p>
-            <a:pPr indent="0" lvl="0" marL="0" rtl="0" algn="ctr">
+            <a:pPr marL="0" lvl="0" indent="0" algn="ctr" rtl="0">
               <a:lnSpc>
                 <a:spcPct val="100000"/>
               </a:lnSpc>
@@ -12130,10 +12373,7 @@
               <a:buSzPts val="2800"/>
               <a:buNone/>
             </a:pPr>
-            <a:r>
-              <a:t/>
-            </a:r>
-            <a:endParaRPr b="1" sz="1700">
+            <a:endParaRPr sz="1700" b="1">
               <a:solidFill>
                 <a:schemeClr val="dk1"/>
               </a:solidFill>
@@ -12143,7 +12383,7 @@
             </a:endParaRPr>
           </a:p>
           <a:p>
-            <a:pPr indent="0" lvl="0" marL="0" rtl="0" algn="ctr">
+            <a:pPr marL="0" lvl="0" indent="0" algn="ctr" rtl="0">
               <a:lnSpc>
                 <a:spcPct val="100000"/>
               </a:lnSpc>
@@ -12156,10 +12396,7 @@
               <a:buSzPts val="2800"/>
               <a:buNone/>
             </a:pPr>
-            <a:r>
-              <a:t/>
-            </a:r>
-            <a:endParaRPr b="1" sz="1700">
+            <a:endParaRPr sz="1700" b="1">
               <a:solidFill>
                 <a:schemeClr val="dk1"/>
               </a:solidFill>
@@ -12169,7 +12406,7 @@
             </a:endParaRPr>
           </a:p>
           <a:p>
-            <a:pPr indent="0" lvl="0" marL="0" rtl="0" algn="ctr">
+            <a:pPr marL="0" lvl="0" indent="0" algn="ctr" rtl="0">
               <a:lnSpc>
                 <a:spcPct val="100000"/>
               </a:lnSpc>
@@ -12182,10 +12419,7 @@
               <a:buSzPts val="2800"/>
               <a:buNone/>
             </a:pPr>
-            <a:r>
-              <a:t/>
-            </a:r>
-            <a:endParaRPr b="1" sz="1700">
+            <a:endParaRPr sz="1700" b="1">
               <a:solidFill>
                 <a:schemeClr val="dk1"/>
               </a:solidFill>
@@ -12233,11 +12467,11 @@
 </file>
 
 <file path=ppt/slides/slide6.xml><?xml version="1.0" encoding="utf-8"?>
-<p:sld xmlns:a="http://schemas.openxmlformats.org/drawingml/2006/main" xmlns:r="http://schemas.openxmlformats.org/officeDocument/2006/relationships" xmlns:mc="http://schemas.openxmlformats.org/markup-compatibility/2006" xmlns:mv="urn:schemas-microsoft-com:mac:vml" xmlns:p="http://schemas.openxmlformats.org/presentationml/2006/main" xmlns:c="http://schemas.openxmlformats.org/drawingml/2006/chart" xmlns:dgm="http://schemas.openxmlformats.org/drawingml/2006/diagram" xmlns:o="urn:schemas-microsoft-com:office:office" xmlns:v="urn:schemas-microsoft-com:vml" xmlns:pvml="urn:schemas-microsoft-com:office:powerpoint" xmlns:com="http://schemas.openxmlformats.org/drawingml/2006/compatibility" xmlns:p14="http://schemas.microsoft.com/office/powerpoint/2010/main" xmlns:p15="http://schemas.microsoft.com/office/powerpoint/2012/main" xmlns:ahyp="http://schemas.microsoft.com/office/drawing/2018/hyperlinkcolor">
+<p:sld xmlns:a="http://schemas.openxmlformats.org/drawingml/2006/main" xmlns:r="http://schemas.openxmlformats.org/officeDocument/2006/relationships" xmlns:p="http://schemas.openxmlformats.org/presentationml/2006/main">
   <p:cSld>
     <p:spTree>
       <p:nvGrpSpPr>
-        <p:cNvPr id="85" name="Shape 85"/>
+        <p:cNvPr id="1" name="Shape 85"/>
         <p:cNvGrpSpPr/>
         <p:nvPr/>
       </p:nvGrpSpPr>
@@ -12252,7 +12486,9 @@
       <p:sp>
         <p:nvSpPr>
           <p:cNvPr id="86" name="Google Shape;86;p18"/>
-          <p:cNvSpPr txBox="1"/>
+          <p:cNvSpPr txBox="1">
+            <a:spLocks noGrp="1"/>
+          </p:cNvSpPr>
           <p:nvPr>
             <p:ph type="ctrTitle"/>
           </p:nvPr>
@@ -12271,12 +12507,12 @@
           </a:ln>
         </p:spPr>
         <p:txBody>
-          <a:bodyPr anchorCtr="0" anchor="b" bIns="91425" lIns="91425" spcFirstLastPara="1" rIns="91425" wrap="square" tIns="91425">
+          <a:bodyPr spcFirstLastPara="1" wrap="square" lIns="91425" tIns="91425" rIns="91425" bIns="91425" anchor="b" anchorCtr="0">
             <a:noAutofit/>
           </a:bodyPr>
           <a:lstStyle/>
           <a:p>
-            <a:pPr indent="0" lvl="0" marL="0" rtl="0" algn="ctr">
+            <a:pPr marL="0" lvl="0" indent="0" algn="ctr" rtl="0">
               <a:lnSpc>
                 <a:spcPct val="100000"/>
               </a:lnSpc>
@@ -12300,9 +12536,11 @@
       <p:sp>
         <p:nvSpPr>
           <p:cNvPr id="87" name="Google Shape;87;p18"/>
-          <p:cNvSpPr txBox="1"/>
+          <p:cNvSpPr txBox="1">
+            <a:spLocks noGrp="1"/>
+          </p:cNvSpPr>
           <p:nvPr>
-            <p:ph idx="1" type="subTitle"/>
+            <p:ph type="subTitle" idx="1"/>
           </p:nvPr>
         </p:nvSpPr>
         <p:spPr>
@@ -12319,12 +12557,12 @@
           </a:ln>
         </p:spPr>
         <p:txBody>
-          <a:bodyPr anchorCtr="0" anchor="t" bIns="91425" lIns="91425" spcFirstLastPara="1" rIns="91425" wrap="square" tIns="91425">
+          <a:bodyPr spcFirstLastPara="1" wrap="square" lIns="91425" tIns="91425" rIns="91425" bIns="91425" anchor="t" anchorCtr="0">
             <a:normAutofit/>
           </a:bodyPr>
           <a:lstStyle/>
           <a:p>
-            <a:pPr indent="0" lvl="0" marL="0" rtl="0" algn="ctr">
+            <a:pPr marL="0" lvl="0" indent="0" algn="ctr" rtl="0">
               <a:lnSpc>
                 <a:spcPct val="100000"/>
               </a:lnSpc>
@@ -12337,10 +12575,7 @@
               <a:buSzPts val="2800"/>
               <a:buNone/>
             </a:pPr>
-            <a:r>
-              <a:t/>
-            </a:r>
-            <a:endParaRPr b="1" sz="1700">
+            <a:endParaRPr sz="1700" b="1">
               <a:solidFill>
                 <a:schemeClr val="dk1"/>
               </a:solidFill>
@@ -12350,7 +12585,7 @@
             </a:endParaRPr>
           </a:p>
           <a:p>
-            <a:pPr indent="0" lvl="0" marL="0" rtl="0" algn="ctr">
+            <a:pPr marL="0" lvl="0" indent="0" algn="ctr" rtl="0">
               <a:lnSpc>
                 <a:spcPct val="100000"/>
               </a:lnSpc>
@@ -12363,10 +12598,7 @@
               <a:buSzPts val="2800"/>
               <a:buNone/>
             </a:pPr>
-            <a:r>
-              <a:t/>
-            </a:r>
-            <a:endParaRPr b="1" sz="1700">
+            <a:endParaRPr sz="1700" b="1">
               <a:solidFill>
                 <a:schemeClr val="dk1"/>
               </a:solidFill>
@@ -12376,7 +12608,7 @@
             </a:endParaRPr>
           </a:p>
           <a:p>
-            <a:pPr indent="0" lvl="0" marL="0" rtl="0" algn="ctr">
+            <a:pPr marL="0" lvl="0" indent="0" algn="ctr" rtl="0">
               <a:lnSpc>
                 <a:spcPct val="100000"/>
               </a:lnSpc>
@@ -12389,10 +12621,7 @@
               <a:buSzPts val="2800"/>
               <a:buNone/>
             </a:pPr>
-            <a:r>
-              <a:t/>
-            </a:r>
-            <a:endParaRPr b="1" sz="1700">
+            <a:endParaRPr sz="1700" b="1">
               <a:solidFill>
                 <a:schemeClr val="dk1"/>
               </a:solidFill>
@@ -12440,11 +12669,11 @@
 </file>
 
 <file path=ppt/slides/slide7.xml><?xml version="1.0" encoding="utf-8"?>
-<p:sld xmlns:a="http://schemas.openxmlformats.org/drawingml/2006/main" xmlns:r="http://schemas.openxmlformats.org/officeDocument/2006/relationships" xmlns:mc="http://schemas.openxmlformats.org/markup-compatibility/2006" xmlns:mv="urn:schemas-microsoft-com:mac:vml" xmlns:p="http://schemas.openxmlformats.org/presentationml/2006/main" xmlns:c="http://schemas.openxmlformats.org/drawingml/2006/chart" xmlns:dgm="http://schemas.openxmlformats.org/drawingml/2006/diagram" xmlns:o="urn:schemas-microsoft-com:office:office" xmlns:v="urn:schemas-microsoft-com:vml" xmlns:pvml="urn:schemas-microsoft-com:office:powerpoint" xmlns:com="http://schemas.openxmlformats.org/drawingml/2006/compatibility" xmlns:p14="http://schemas.microsoft.com/office/powerpoint/2010/main" xmlns:p15="http://schemas.microsoft.com/office/powerpoint/2012/main" xmlns:ahyp="http://schemas.microsoft.com/office/drawing/2018/hyperlinkcolor">
+<p:sld xmlns:a="http://schemas.openxmlformats.org/drawingml/2006/main" xmlns:r="http://schemas.openxmlformats.org/officeDocument/2006/relationships" xmlns:p="http://schemas.openxmlformats.org/presentationml/2006/main">
   <p:cSld>
     <p:spTree>
       <p:nvGrpSpPr>
-        <p:cNvPr id="92" name="Shape 92"/>
+        <p:cNvPr id="1" name="Shape 92"/>
         <p:cNvGrpSpPr/>
         <p:nvPr/>
       </p:nvGrpSpPr>
@@ -12459,7 +12688,9 @@
       <p:sp>
         <p:nvSpPr>
           <p:cNvPr id="93" name="Google Shape;93;p19"/>
-          <p:cNvSpPr txBox="1"/>
+          <p:cNvSpPr txBox="1">
+            <a:spLocks noGrp="1"/>
+          </p:cNvSpPr>
           <p:nvPr>
             <p:ph type="ctrTitle"/>
           </p:nvPr>
@@ -12478,12 +12709,12 @@
           </a:ln>
         </p:spPr>
         <p:txBody>
-          <a:bodyPr anchorCtr="0" anchor="b" bIns="91425" lIns="91425" spcFirstLastPara="1" rIns="91425" wrap="square" tIns="91425">
+          <a:bodyPr spcFirstLastPara="1" wrap="square" lIns="91425" tIns="91425" rIns="91425" bIns="91425" anchor="b" anchorCtr="0">
             <a:noAutofit/>
           </a:bodyPr>
           <a:lstStyle/>
           <a:p>
-            <a:pPr indent="0" lvl="0" marL="0" rtl="0" algn="ctr">
+            <a:pPr marL="0" lvl="0" indent="0" algn="ctr" rtl="0">
               <a:lnSpc>
                 <a:spcPct val="100000"/>
               </a:lnSpc>
@@ -12507,9 +12738,11 @@
       <p:sp>
         <p:nvSpPr>
           <p:cNvPr id="94" name="Google Shape;94;p19"/>
-          <p:cNvSpPr txBox="1"/>
+          <p:cNvSpPr txBox="1">
+            <a:spLocks noGrp="1"/>
+          </p:cNvSpPr>
           <p:nvPr>
-            <p:ph idx="1" type="subTitle"/>
+            <p:ph type="subTitle" idx="1"/>
           </p:nvPr>
         </p:nvSpPr>
         <p:spPr>
@@ -12526,12 +12759,12 @@
           </a:ln>
         </p:spPr>
         <p:txBody>
-          <a:bodyPr anchorCtr="0" anchor="t" bIns="91425" lIns="91425" spcFirstLastPara="1" rIns="91425" wrap="square" tIns="91425">
+          <a:bodyPr spcFirstLastPara="1" wrap="square" lIns="91425" tIns="91425" rIns="91425" bIns="91425" anchor="t" anchorCtr="0">
             <a:normAutofit/>
           </a:bodyPr>
           <a:lstStyle/>
           <a:p>
-            <a:pPr indent="0" lvl="0" marL="0" rtl="0" algn="ctr">
+            <a:pPr marL="0" lvl="0" indent="0" algn="ctr" rtl="0">
               <a:lnSpc>
                 <a:spcPct val="100000"/>
               </a:lnSpc>
@@ -12544,10 +12777,7 @@
               <a:buSzPts val="2800"/>
               <a:buNone/>
             </a:pPr>
-            <a:r>
-              <a:t/>
-            </a:r>
-            <a:endParaRPr b="1" sz="1700">
+            <a:endParaRPr sz="1700" b="1">
               <a:solidFill>
                 <a:schemeClr val="dk1"/>
               </a:solidFill>
@@ -12557,7 +12787,7 @@
             </a:endParaRPr>
           </a:p>
           <a:p>
-            <a:pPr indent="0" lvl="0" marL="0" rtl="0" algn="ctr">
+            <a:pPr marL="0" lvl="0" indent="0" algn="ctr" rtl="0">
               <a:lnSpc>
                 <a:spcPct val="100000"/>
               </a:lnSpc>
@@ -12570,10 +12800,7 @@
               <a:buSzPts val="2800"/>
               <a:buNone/>
             </a:pPr>
-            <a:r>
-              <a:t/>
-            </a:r>
-            <a:endParaRPr b="1" sz="1700">
+            <a:endParaRPr sz="1700" b="1">
               <a:solidFill>
                 <a:schemeClr val="dk1"/>
               </a:solidFill>
@@ -12583,7 +12810,7 @@
             </a:endParaRPr>
           </a:p>
           <a:p>
-            <a:pPr indent="0" lvl="0" marL="0" rtl="0" algn="ctr">
+            <a:pPr marL="0" lvl="0" indent="0" algn="ctr" rtl="0">
               <a:lnSpc>
                 <a:spcPct val="100000"/>
               </a:lnSpc>
@@ -12596,10 +12823,7 @@
               <a:buSzPts val="2800"/>
               <a:buNone/>
             </a:pPr>
-            <a:r>
-              <a:t/>
-            </a:r>
-            <a:endParaRPr b="1" sz="1700">
+            <a:endParaRPr sz="1700" b="1">
               <a:solidFill>
                 <a:schemeClr val="dk1"/>
               </a:solidFill>
@@ -12647,11 +12871,11 @@
 </file>
 
 <file path=ppt/slides/slide8.xml><?xml version="1.0" encoding="utf-8"?>
-<p:sld xmlns:a="http://schemas.openxmlformats.org/drawingml/2006/main" xmlns:r="http://schemas.openxmlformats.org/officeDocument/2006/relationships" xmlns:mc="http://schemas.openxmlformats.org/markup-compatibility/2006" xmlns:mv="urn:schemas-microsoft-com:mac:vml" xmlns:p="http://schemas.openxmlformats.org/presentationml/2006/main" xmlns:c="http://schemas.openxmlformats.org/drawingml/2006/chart" xmlns:dgm="http://schemas.openxmlformats.org/drawingml/2006/diagram" xmlns:o="urn:schemas-microsoft-com:office:office" xmlns:v="urn:schemas-microsoft-com:vml" xmlns:pvml="urn:schemas-microsoft-com:office:powerpoint" xmlns:com="http://schemas.openxmlformats.org/drawingml/2006/compatibility" xmlns:p14="http://schemas.microsoft.com/office/powerpoint/2010/main" xmlns:p15="http://schemas.microsoft.com/office/powerpoint/2012/main" xmlns:ahyp="http://schemas.microsoft.com/office/drawing/2018/hyperlinkcolor">
+<p:sld xmlns:a="http://schemas.openxmlformats.org/drawingml/2006/main" xmlns:r="http://schemas.openxmlformats.org/officeDocument/2006/relationships" xmlns:p="http://schemas.openxmlformats.org/presentationml/2006/main">
   <p:cSld>
     <p:spTree>
       <p:nvGrpSpPr>
-        <p:cNvPr id="99" name="Shape 99"/>
+        <p:cNvPr id="1" name="Shape 99"/>
         <p:cNvGrpSpPr/>
         <p:nvPr/>
       </p:nvGrpSpPr>
@@ -12666,7 +12890,9 @@
       <p:sp>
         <p:nvSpPr>
           <p:cNvPr id="100" name="Google Shape;100;p20"/>
-          <p:cNvSpPr txBox="1"/>
+          <p:cNvSpPr txBox="1">
+            <a:spLocks noGrp="1"/>
+          </p:cNvSpPr>
           <p:nvPr>
             <p:ph type="ctrTitle"/>
           </p:nvPr>
@@ -12685,12 +12911,12 @@
           </a:ln>
         </p:spPr>
         <p:txBody>
-          <a:bodyPr anchorCtr="0" anchor="b" bIns="91425" lIns="91425" spcFirstLastPara="1" rIns="91425" wrap="square" tIns="91425">
+          <a:bodyPr spcFirstLastPara="1" wrap="square" lIns="91425" tIns="91425" rIns="91425" bIns="91425" anchor="b" anchorCtr="0">
             <a:noAutofit/>
           </a:bodyPr>
           <a:lstStyle/>
           <a:p>
-            <a:pPr indent="0" lvl="0" marL="0" rtl="0" algn="ctr">
+            <a:pPr marL="0" lvl="0" indent="0" algn="ctr" rtl="0">
               <a:lnSpc>
                 <a:spcPct val="100000"/>
               </a:lnSpc>
@@ -12714,9 +12940,11 @@
       <p:sp>
         <p:nvSpPr>
           <p:cNvPr id="101" name="Google Shape;101;p20"/>
-          <p:cNvSpPr txBox="1"/>
+          <p:cNvSpPr txBox="1">
+            <a:spLocks noGrp="1"/>
+          </p:cNvSpPr>
           <p:nvPr>
-            <p:ph idx="1" type="subTitle"/>
+            <p:ph type="subTitle" idx="1"/>
           </p:nvPr>
         </p:nvSpPr>
         <p:spPr>
@@ -12733,12 +12961,12 @@
           </a:ln>
         </p:spPr>
         <p:txBody>
-          <a:bodyPr anchorCtr="0" anchor="t" bIns="91425" lIns="91425" spcFirstLastPara="1" rIns="91425" wrap="square" tIns="91425">
+          <a:bodyPr spcFirstLastPara="1" wrap="square" lIns="91425" tIns="91425" rIns="91425" bIns="91425" anchor="t" anchorCtr="0">
             <a:normAutofit/>
           </a:bodyPr>
           <a:lstStyle/>
           <a:p>
-            <a:pPr indent="0" lvl="0" marL="0" rtl="0" algn="ctr">
+            <a:pPr marL="0" lvl="0" indent="0" algn="ctr" rtl="0">
               <a:lnSpc>
                 <a:spcPct val="100000"/>
               </a:lnSpc>
@@ -12752,7 +12980,7 @@
               <a:buNone/>
             </a:pPr>
             <a:r>
-              <a:rPr b="1" lang="en-GB" sz="1700">
+              <a:rPr lang="en-GB" sz="1700" b="1">
                 <a:solidFill>
                   <a:schemeClr val="dk1"/>
                 </a:solidFill>
@@ -12762,7 +12990,7 @@
               </a:rPr>
               <a:t>Python3 manage.py makemigrations</a:t>
             </a:r>
-            <a:endParaRPr b="1" sz="1700">
+            <a:endParaRPr sz="1700" b="1">
               <a:solidFill>
                 <a:schemeClr val="dk1"/>
               </a:solidFill>
@@ -12772,7 +13000,7 @@
             </a:endParaRPr>
           </a:p>
           <a:p>
-            <a:pPr indent="0" lvl="0" marL="0" rtl="0" algn="ctr">
+            <a:pPr marL="0" lvl="0" indent="0" algn="ctr" rtl="0">
               <a:spcBef>
                 <a:spcPts val="0"/>
               </a:spcBef>
@@ -12787,7 +13015,7 @@
               <a:buNone/>
             </a:pPr>
             <a:r>
-              <a:rPr b="1" lang="en-GB" sz="1700">
+              <a:rPr lang="en-GB" sz="1700" b="1">
                 <a:solidFill>
                   <a:schemeClr val="dk1"/>
                 </a:solidFill>
@@ -12797,7 +13025,7 @@
               </a:rPr>
               <a:t>Python3 manage.py migrate</a:t>
             </a:r>
-            <a:endParaRPr b="1" sz="1700">
+            <a:endParaRPr sz="1700" b="1">
               <a:solidFill>
                 <a:schemeClr val="dk1"/>
               </a:solidFill>
@@ -12807,7 +13035,7 @@
             </a:endParaRPr>
           </a:p>
           <a:p>
-            <a:pPr indent="0" lvl="0" marL="0" rtl="0" algn="ctr">
+            <a:pPr marL="0" lvl="0" indent="0" algn="ctr" rtl="0">
               <a:lnSpc>
                 <a:spcPct val="100000"/>
               </a:lnSpc>
@@ -12820,10 +13048,7 @@
               <a:buSzPts val="2800"/>
               <a:buNone/>
             </a:pPr>
-            <a:r>
-              <a:t/>
-            </a:r>
-            <a:endParaRPr b="1" sz="1700">
+            <a:endParaRPr sz="1700" b="1">
               <a:solidFill>
                 <a:schemeClr val="dk1"/>
               </a:solidFill>
@@ -12833,7 +13058,7 @@
             </a:endParaRPr>
           </a:p>
           <a:p>
-            <a:pPr indent="0" lvl="0" marL="0" rtl="0" algn="ctr">
+            <a:pPr marL="0" lvl="0" indent="0" algn="ctr" rtl="0">
               <a:lnSpc>
                 <a:spcPct val="100000"/>
               </a:lnSpc>
@@ -12846,10 +13071,7 @@
               <a:buSzPts val="2800"/>
               <a:buNone/>
             </a:pPr>
-            <a:r>
-              <a:t/>
-            </a:r>
-            <a:endParaRPr b="1" sz="1700">
+            <a:endParaRPr sz="1700" b="1">
               <a:solidFill>
                 <a:schemeClr val="dk1"/>
               </a:solidFill>
@@ -12869,11 +13091,11 @@
 </file>
 
 <file path=ppt/slides/slide9.xml><?xml version="1.0" encoding="utf-8"?>
-<p:sld xmlns:a="http://schemas.openxmlformats.org/drawingml/2006/main" xmlns:r="http://schemas.openxmlformats.org/officeDocument/2006/relationships" xmlns:mc="http://schemas.openxmlformats.org/markup-compatibility/2006" xmlns:mv="urn:schemas-microsoft-com:mac:vml" xmlns:p="http://schemas.openxmlformats.org/presentationml/2006/main" xmlns:c="http://schemas.openxmlformats.org/drawingml/2006/chart" xmlns:dgm="http://schemas.openxmlformats.org/drawingml/2006/diagram" xmlns:o="urn:schemas-microsoft-com:office:office" xmlns:v="urn:schemas-microsoft-com:vml" xmlns:pvml="urn:schemas-microsoft-com:office:powerpoint" xmlns:com="http://schemas.openxmlformats.org/drawingml/2006/compatibility" xmlns:p14="http://schemas.microsoft.com/office/powerpoint/2010/main" xmlns:p15="http://schemas.microsoft.com/office/powerpoint/2012/main" xmlns:ahyp="http://schemas.microsoft.com/office/drawing/2018/hyperlinkcolor">
+<p:sld xmlns:a="http://schemas.openxmlformats.org/drawingml/2006/main" xmlns:r="http://schemas.openxmlformats.org/officeDocument/2006/relationships" xmlns:p="http://schemas.openxmlformats.org/presentationml/2006/main">
   <p:cSld>
     <p:spTree>
       <p:nvGrpSpPr>
-        <p:cNvPr id="105" name="Shape 105"/>
+        <p:cNvPr id="1" name="Shape 105"/>
         <p:cNvGrpSpPr/>
         <p:nvPr/>
       </p:nvGrpSpPr>
@@ -12888,7 +13110,9 @@
       <p:sp>
         <p:nvSpPr>
           <p:cNvPr id="106" name="Google Shape;106;p21"/>
-          <p:cNvSpPr txBox="1"/>
+          <p:cNvSpPr txBox="1">
+            <a:spLocks noGrp="1"/>
+          </p:cNvSpPr>
           <p:nvPr>
             <p:ph type="ctrTitle"/>
           </p:nvPr>
@@ -12907,12 +13131,12 @@
           </a:ln>
         </p:spPr>
         <p:txBody>
-          <a:bodyPr anchorCtr="0" anchor="b" bIns="91425" lIns="91425" spcFirstLastPara="1" rIns="91425" wrap="square" tIns="91425">
+          <a:bodyPr spcFirstLastPara="1" wrap="square" lIns="91425" tIns="91425" rIns="91425" bIns="91425" anchor="b" anchorCtr="0">
             <a:noAutofit/>
           </a:bodyPr>
           <a:lstStyle/>
           <a:p>
-            <a:pPr indent="0" lvl="0" marL="0" rtl="0" algn="ctr">
+            <a:pPr marL="0" lvl="0" indent="0" algn="ctr" rtl="0">
               <a:lnSpc>
                 <a:spcPct val="100000"/>
               </a:lnSpc>
@@ -12936,9 +13160,11 @@
       <p:sp>
         <p:nvSpPr>
           <p:cNvPr id="107" name="Google Shape;107;p21"/>
-          <p:cNvSpPr txBox="1"/>
+          <p:cNvSpPr txBox="1">
+            <a:spLocks noGrp="1"/>
+          </p:cNvSpPr>
           <p:nvPr>
-            <p:ph idx="1" type="subTitle"/>
+            <p:ph type="subTitle" idx="1"/>
           </p:nvPr>
         </p:nvSpPr>
         <p:spPr>
@@ -12955,12 +13181,12 @@
           </a:ln>
         </p:spPr>
         <p:txBody>
-          <a:bodyPr anchorCtr="0" anchor="t" bIns="91425" lIns="91425" spcFirstLastPara="1" rIns="91425" wrap="square" tIns="91425">
+          <a:bodyPr spcFirstLastPara="1" wrap="square" lIns="91425" tIns="91425" rIns="91425" bIns="91425" anchor="t" anchorCtr="0">
             <a:normAutofit/>
           </a:bodyPr>
           <a:lstStyle/>
           <a:p>
-            <a:pPr indent="0" lvl="0" marL="0" rtl="0" algn="ctr">
+            <a:pPr marL="0" lvl="0" indent="0" algn="ctr" rtl="0">
               <a:spcBef>
                 <a:spcPts val="0"/>
               </a:spcBef>
@@ -12970,10 +13196,7 @@
               <a:buSzPts val="2800"/>
               <a:buNone/>
             </a:pPr>
-            <a:r>
-              <a:t/>
-            </a:r>
-            <a:endParaRPr b="1" sz="1700">
+            <a:endParaRPr sz="1700" b="1">
               <a:solidFill>
                 <a:schemeClr val="dk1"/>
               </a:solidFill>
@@ -12983,7 +13206,7 @@
             </a:endParaRPr>
           </a:p>
           <a:p>
-            <a:pPr indent="0" lvl="0" marL="0" rtl="0" algn="ctr">
+            <a:pPr marL="0" lvl="0" indent="0" algn="ctr" rtl="0">
               <a:lnSpc>
                 <a:spcPct val="100000"/>
               </a:lnSpc>
@@ -12996,10 +13219,7 @@
               <a:buSzPts val="2800"/>
               <a:buNone/>
             </a:pPr>
-            <a:r>
-              <a:t/>
-            </a:r>
-            <a:endParaRPr b="1" sz="1700">
+            <a:endParaRPr sz="1700" b="1">
               <a:solidFill>
                 <a:schemeClr val="dk1"/>
               </a:solidFill>
@@ -13009,7 +13229,7 @@
             </a:endParaRPr>
           </a:p>
           <a:p>
-            <a:pPr indent="0" lvl="0" marL="0" rtl="0" algn="ctr">
+            <a:pPr marL="0" lvl="0" indent="0" algn="ctr" rtl="0">
               <a:lnSpc>
                 <a:spcPct val="100000"/>
               </a:lnSpc>
@@ -13022,10 +13242,7 @@
               <a:buSzPts val="2800"/>
               <a:buNone/>
             </a:pPr>
-            <a:r>
-              <a:t/>
-            </a:r>
-            <a:endParaRPr b="1" sz="1700">
+            <a:endParaRPr sz="1700" b="1">
               <a:solidFill>
                 <a:schemeClr val="dk1"/>
               </a:solidFill>
@@ -13073,7 +13290,288 @@
 </file>
 
 <file path=ppt/theme/theme1.xml><?xml version="1.0" encoding="utf-8"?>
-<a:theme xmlns:a="http://schemas.openxmlformats.org/drawingml/2006/main" xmlns:r="http://schemas.openxmlformats.org/officeDocument/2006/relationships">
+<a:theme xmlns:a="http://schemas.openxmlformats.org/drawingml/2006/main" name="Simple Light">
+  <a:themeElements>
+    <a:clrScheme name="Simple Light">
+      <a:dk1>
+        <a:srgbClr val="000000"/>
+      </a:dk1>
+      <a:lt1>
+        <a:srgbClr val="FFFFFF"/>
+      </a:lt1>
+      <a:dk2>
+        <a:srgbClr val="595959"/>
+      </a:dk2>
+      <a:lt2>
+        <a:srgbClr val="EEEEEE"/>
+      </a:lt2>
+      <a:accent1>
+        <a:srgbClr val="4285F4"/>
+      </a:accent1>
+      <a:accent2>
+        <a:srgbClr val="212121"/>
+      </a:accent2>
+      <a:accent3>
+        <a:srgbClr val="78909C"/>
+      </a:accent3>
+      <a:accent4>
+        <a:srgbClr val="FFAB40"/>
+      </a:accent4>
+      <a:accent5>
+        <a:srgbClr val="0097A7"/>
+      </a:accent5>
+      <a:accent6>
+        <a:srgbClr val="EEFF41"/>
+      </a:accent6>
+      <a:hlink>
+        <a:srgbClr val="0097A7"/>
+      </a:hlink>
+      <a:folHlink>
+        <a:srgbClr val="0097A7"/>
+      </a:folHlink>
+    </a:clrScheme>
+    <a:fontScheme name="Office">
+      <a:majorFont>
+        <a:latin typeface="Arial"/>
+        <a:ea typeface=""/>
+        <a:cs typeface=""/>
+        <a:font script="Jpan" typeface="ＭＳ Ｐゴシック"/>
+        <a:font script="Hang" typeface="맑은 고딕"/>
+        <a:font script="Hans" typeface="宋体"/>
+        <a:font script="Hant" typeface="新細明體"/>
+        <a:font script="Arab" typeface="Times New Roman"/>
+        <a:font script="Hebr" typeface="Times New Roman"/>
+        <a:font script="Thai" typeface="Angsana New"/>
+        <a:font script="Ethi" typeface="Nyala"/>
+        <a:font script="Beng" typeface="Vrinda"/>
+        <a:font script="Gujr" typeface="Shruti"/>
+        <a:font script="Khmr" typeface="MoolBoran"/>
+        <a:font script="Knda" typeface="Tunga"/>
+        <a:font script="Guru" typeface="Raavi"/>
+        <a:font script="Cans" typeface="Euphemia"/>
+        <a:font script="Cher" typeface="Plantagenet Cherokee"/>
+        <a:font script="Yiii" typeface="Microsoft Yi Baiti"/>
+        <a:font script="Tibt" typeface="Microsoft Himalaya"/>
+        <a:font script="Thaa" typeface="MV Boli"/>
+        <a:font script="Deva" typeface="Mangal"/>
+        <a:font script="Telu" typeface="Gautami"/>
+        <a:font script="Taml" typeface="Latha"/>
+        <a:font script="Syrc" typeface="Estrangelo Edessa"/>
+        <a:font script="Orya" typeface="Kalinga"/>
+        <a:font script="Mlym" typeface="Kartika"/>
+        <a:font script="Laoo" typeface="DokChampa"/>
+        <a:font script="Sinh" typeface="Iskoola Pota"/>
+        <a:font script="Mong" typeface="Mongolian Baiti"/>
+        <a:font script="Viet" typeface="Times New Roman"/>
+        <a:font script="Uigh" typeface="Microsoft Uighur"/>
+        <a:font script="Geor" typeface="Sylfaen"/>
+      </a:majorFont>
+      <a:minorFont>
+        <a:latin typeface="Arial"/>
+        <a:ea typeface=""/>
+        <a:cs typeface=""/>
+        <a:font script="Jpan" typeface="ＭＳ Ｐゴシック"/>
+        <a:font script="Hang" typeface="맑은 고딕"/>
+        <a:font script="Hans" typeface="宋体"/>
+        <a:font script="Hant" typeface="新細明體"/>
+        <a:font script="Arab" typeface="Arial"/>
+        <a:font script="Hebr" typeface="Arial"/>
+        <a:font script="Thai" typeface="Cordia New"/>
+        <a:font script="Ethi" typeface="Nyala"/>
+        <a:font script="Beng" typeface="Vrinda"/>
+        <a:font script="Gujr" typeface="Shruti"/>
+        <a:font script="Khmr" typeface="DaunPenh"/>
+        <a:font script="Knda" typeface="Tunga"/>
+        <a:font script="Guru" typeface="Raavi"/>
+        <a:font script="Cans" typeface="Euphemia"/>
+        <a:font script="Cher" typeface="Plantagenet Cherokee"/>
+        <a:font script="Yiii" typeface="Microsoft Yi Baiti"/>
+        <a:font script="Tibt" typeface="Microsoft Himalaya"/>
+        <a:font script="Thaa" typeface="MV Boli"/>
+        <a:font script="Deva" typeface="Mangal"/>
+        <a:font script="Telu" typeface="Gautami"/>
+        <a:font script="Taml" typeface="Latha"/>
+        <a:font script="Syrc" typeface="Estrangelo Edessa"/>
+        <a:font script="Orya" typeface="Kalinga"/>
+        <a:font script="Mlym" typeface="Kartika"/>
+        <a:font script="Laoo" typeface="DokChampa"/>
+        <a:font script="Sinh" typeface="Iskoola Pota"/>
+        <a:font script="Mong" typeface="Mongolian Baiti"/>
+        <a:font script="Viet" typeface="Arial"/>
+        <a:font script="Uigh" typeface="Microsoft Uighur"/>
+        <a:font script="Geor" typeface="Sylfaen"/>
+      </a:minorFont>
+    </a:fontScheme>
+    <a:fmtScheme name="Office">
+      <a:fillStyleLst>
+        <a:solidFill>
+          <a:schemeClr val="phClr"/>
+        </a:solidFill>
+        <a:gradFill rotWithShape="1">
+          <a:gsLst>
+            <a:gs pos="0">
+              <a:schemeClr val="phClr">
+                <a:tint val="50000"/>
+                <a:satMod val="300000"/>
+              </a:schemeClr>
+            </a:gs>
+            <a:gs pos="35000">
+              <a:schemeClr val="phClr">
+                <a:tint val="37000"/>
+                <a:satMod val="300000"/>
+              </a:schemeClr>
+            </a:gs>
+            <a:gs pos="100000">
+              <a:schemeClr val="phClr">
+                <a:tint val="15000"/>
+                <a:satMod val="350000"/>
+              </a:schemeClr>
+            </a:gs>
+          </a:gsLst>
+          <a:lin ang="16200000" scaled="1"/>
+        </a:gradFill>
+        <a:gradFill rotWithShape="1">
+          <a:gsLst>
+            <a:gs pos="0">
+              <a:schemeClr val="phClr">
+                <a:tint val="100000"/>
+                <a:shade val="100000"/>
+                <a:satMod val="130000"/>
+              </a:schemeClr>
+            </a:gs>
+            <a:gs pos="100000">
+              <a:schemeClr val="phClr">
+                <a:tint val="50000"/>
+                <a:shade val="100000"/>
+                <a:satMod val="350000"/>
+              </a:schemeClr>
+            </a:gs>
+          </a:gsLst>
+          <a:lin ang="16200000" scaled="0"/>
+        </a:gradFill>
+      </a:fillStyleLst>
+      <a:lnStyleLst>
+        <a:ln w="9525" cap="flat" cmpd="sng" algn="ctr">
+          <a:solidFill>
+            <a:schemeClr val="phClr">
+              <a:shade val="95000"/>
+              <a:satMod val="105000"/>
+            </a:schemeClr>
+          </a:solidFill>
+          <a:prstDash val="solid"/>
+        </a:ln>
+        <a:ln w="25400" cap="flat" cmpd="sng" algn="ctr">
+          <a:solidFill>
+            <a:schemeClr val="phClr"/>
+          </a:solidFill>
+          <a:prstDash val="solid"/>
+        </a:ln>
+        <a:ln w="38100" cap="flat" cmpd="sng" algn="ctr">
+          <a:solidFill>
+            <a:schemeClr val="phClr"/>
+          </a:solidFill>
+          <a:prstDash val="solid"/>
+        </a:ln>
+      </a:lnStyleLst>
+      <a:effectStyleLst>
+        <a:effectStyle>
+          <a:effectLst>
+            <a:outerShdw blurRad="40000" dist="20000" dir="5400000" rotWithShape="0">
+              <a:srgbClr val="000000">
+                <a:alpha val="38000"/>
+              </a:srgbClr>
+            </a:outerShdw>
+          </a:effectLst>
+        </a:effectStyle>
+        <a:effectStyle>
+          <a:effectLst>
+            <a:outerShdw blurRad="40000" dist="23000" dir="5400000" rotWithShape="0">
+              <a:srgbClr val="000000">
+                <a:alpha val="35000"/>
+              </a:srgbClr>
+            </a:outerShdw>
+          </a:effectLst>
+        </a:effectStyle>
+        <a:effectStyle>
+          <a:effectLst>
+            <a:outerShdw blurRad="40000" dist="23000" dir="5400000" rotWithShape="0">
+              <a:srgbClr val="000000">
+                <a:alpha val="35000"/>
+              </a:srgbClr>
+            </a:outerShdw>
+          </a:effectLst>
+          <a:scene3d>
+            <a:camera prst="orthographicFront">
+              <a:rot lat="0" lon="0" rev="0"/>
+            </a:camera>
+            <a:lightRig rig="threePt" dir="t">
+              <a:rot lat="0" lon="0" rev="1200000"/>
+            </a:lightRig>
+          </a:scene3d>
+          <a:sp3d>
+            <a:bevelT w="63500" h="25400"/>
+          </a:sp3d>
+        </a:effectStyle>
+      </a:effectStyleLst>
+      <a:bgFillStyleLst>
+        <a:solidFill>
+          <a:schemeClr val="phClr"/>
+        </a:solidFill>
+        <a:gradFill rotWithShape="1">
+          <a:gsLst>
+            <a:gs pos="0">
+              <a:schemeClr val="phClr">
+                <a:tint val="40000"/>
+                <a:satMod val="350000"/>
+              </a:schemeClr>
+            </a:gs>
+            <a:gs pos="40000">
+              <a:schemeClr val="phClr">
+                <a:tint val="45000"/>
+                <a:shade val="99000"/>
+                <a:satMod val="350000"/>
+              </a:schemeClr>
+            </a:gs>
+            <a:gs pos="100000">
+              <a:schemeClr val="phClr">
+                <a:shade val="20000"/>
+                <a:satMod val="255000"/>
+              </a:schemeClr>
+            </a:gs>
+          </a:gsLst>
+          <a:path path="circle">
+            <a:fillToRect l="50000" t="-80000" r="50000" b="180000"/>
+          </a:path>
+        </a:gradFill>
+        <a:gradFill rotWithShape="1">
+          <a:gsLst>
+            <a:gs pos="0">
+              <a:schemeClr val="phClr">
+                <a:tint val="80000"/>
+                <a:satMod val="300000"/>
+              </a:schemeClr>
+            </a:gs>
+            <a:gs pos="100000">
+              <a:schemeClr val="phClr">
+                <a:shade val="30000"/>
+                <a:satMod val="200000"/>
+              </a:schemeClr>
+            </a:gs>
+          </a:gsLst>
+          <a:path path="circle">
+            <a:fillToRect l="50000" t="50000" r="50000" b="50000"/>
+          </a:path>
+        </a:gradFill>
+      </a:bgFillStyleLst>
+    </a:fmtScheme>
+  </a:themeElements>
+  <a:objectDefaults/>
+  <a:extraClrSchemeLst/>
+</a:theme>
+</file>
+
+<file path=ppt/theme/theme2.xml><?xml version="1.0" encoding="utf-8"?>
+<a:theme xmlns:a="http://schemas.openxmlformats.org/drawingml/2006/main">
   <a:themeElements>
     <a:clrScheme name="Default">
       <a:dk1>
@@ -13348,284 +13846,7 @@
       </a:bgFillStyleLst>
     </a:fmtScheme>
   </a:themeElements>
-</a:theme>
-</file>
-
-<file path=ppt/theme/theme2.xml><?xml version="1.0" encoding="utf-8"?>
-<a:theme xmlns:a="http://schemas.openxmlformats.org/drawingml/2006/main" xmlns:r="http://schemas.openxmlformats.org/officeDocument/2006/relationships" name="Simple Light">
-  <a:themeElements>
-    <a:clrScheme name="Simple Light">
-      <a:dk1>
-        <a:srgbClr val="000000"/>
-      </a:dk1>
-      <a:lt1>
-        <a:srgbClr val="FFFFFF"/>
-      </a:lt1>
-      <a:dk2>
-        <a:srgbClr val="595959"/>
-      </a:dk2>
-      <a:lt2>
-        <a:srgbClr val="EEEEEE"/>
-      </a:lt2>
-      <a:accent1>
-        <a:srgbClr val="4285F4"/>
-      </a:accent1>
-      <a:accent2>
-        <a:srgbClr val="212121"/>
-      </a:accent2>
-      <a:accent3>
-        <a:srgbClr val="78909C"/>
-      </a:accent3>
-      <a:accent4>
-        <a:srgbClr val="FFAB40"/>
-      </a:accent4>
-      <a:accent5>
-        <a:srgbClr val="0097A7"/>
-      </a:accent5>
-      <a:accent6>
-        <a:srgbClr val="EEFF41"/>
-      </a:accent6>
-      <a:hlink>
-        <a:srgbClr val="0097A7"/>
-      </a:hlink>
-      <a:folHlink>
-        <a:srgbClr val="0097A7"/>
-      </a:folHlink>
-    </a:clrScheme>
-    <a:fontScheme name="Office">
-      <a:majorFont>
-        <a:latin typeface="Arial"/>
-        <a:ea typeface=""/>
-        <a:cs typeface=""/>
-        <a:font script="Jpan" typeface="ＭＳ Ｐゴシック"/>
-        <a:font script="Hang" typeface="맑은 고딕"/>
-        <a:font script="Hans" typeface="宋体"/>
-        <a:font script="Hant" typeface="新細明體"/>
-        <a:font script="Arab" typeface="Times New Roman"/>
-        <a:font script="Hebr" typeface="Times New Roman"/>
-        <a:font script="Thai" typeface="Angsana New"/>
-        <a:font script="Ethi" typeface="Nyala"/>
-        <a:font script="Beng" typeface="Vrinda"/>
-        <a:font script="Gujr" typeface="Shruti"/>
-        <a:font script="Khmr" typeface="MoolBoran"/>
-        <a:font script="Knda" typeface="Tunga"/>
-        <a:font script="Guru" typeface="Raavi"/>
-        <a:font script="Cans" typeface="Euphemia"/>
-        <a:font script="Cher" typeface="Plantagenet Cherokee"/>
-        <a:font script="Yiii" typeface="Microsoft Yi Baiti"/>
-        <a:font script="Tibt" typeface="Microsoft Himalaya"/>
-        <a:font script="Thaa" typeface="MV Boli"/>
-        <a:font script="Deva" typeface="Mangal"/>
-        <a:font script="Telu" typeface="Gautami"/>
-        <a:font script="Taml" typeface="Latha"/>
-        <a:font script="Syrc" typeface="Estrangelo Edessa"/>
-        <a:font script="Orya" typeface="Kalinga"/>
-        <a:font script="Mlym" typeface="Kartika"/>
-        <a:font script="Laoo" typeface="DokChampa"/>
-        <a:font script="Sinh" typeface="Iskoola Pota"/>
-        <a:font script="Mong" typeface="Mongolian Baiti"/>
-        <a:font script="Viet" typeface="Times New Roman"/>
-        <a:font script="Uigh" typeface="Microsoft Uighur"/>
-        <a:font script="Geor" typeface="Sylfaen"/>
-      </a:majorFont>
-      <a:minorFont>
-        <a:latin typeface="Arial"/>
-        <a:ea typeface=""/>
-        <a:cs typeface=""/>
-        <a:font script="Jpan" typeface="ＭＳ Ｐゴシック"/>
-        <a:font script="Hang" typeface="맑은 고딕"/>
-        <a:font script="Hans" typeface="宋体"/>
-        <a:font script="Hant" typeface="新細明體"/>
-        <a:font script="Arab" typeface="Arial"/>
-        <a:font script="Hebr" typeface="Arial"/>
-        <a:font script="Thai" typeface="Cordia New"/>
-        <a:font script="Ethi" typeface="Nyala"/>
-        <a:font script="Beng" typeface="Vrinda"/>
-        <a:font script="Gujr" typeface="Shruti"/>
-        <a:font script="Khmr" typeface="DaunPenh"/>
-        <a:font script="Knda" typeface="Tunga"/>
-        <a:font script="Guru" typeface="Raavi"/>
-        <a:font script="Cans" typeface="Euphemia"/>
-        <a:font script="Cher" typeface="Plantagenet Cherokee"/>
-        <a:font script="Yiii" typeface="Microsoft Yi Baiti"/>
-        <a:font script="Tibt" typeface="Microsoft Himalaya"/>
-        <a:font script="Thaa" typeface="MV Boli"/>
-        <a:font script="Deva" typeface="Mangal"/>
-        <a:font script="Telu" typeface="Gautami"/>
-        <a:font script="Taml" typeface="Latha"/>
-        <a:font script="Syrc" typeface="Estrangelo Edessa"/>
-        <a:font script="Orya" typeface="Kalinga"/>
-        <a:font script="Mlym" typeface="Kartika"/>
-        <a:font script="Laoo" typeface="DokChampa"/>
-        <a:font script="Sinh" typeface="Iskoola Pota"/>
-        <a:font script="Mong" typeface="Mongolian Baiti"/>
-        <a:font script="Viet" typeface="Arial"/>
-        <a:font script="Uigh" typeface="Microsoft Uighur"/>
-        <a:font script="Geor" typeface="Sylfaen"/>
-      </a:minorFont>
-    </a:fontScheme>
-    <a:fmtScheme name="Office">
-      <a:fillStyleLst>
-        <a:solidFill>
-          <a:schemeClr val="phClr"/>
-        </a:solidFill>
-        <a:gradFill rotWithShape="1">
-          <a:gsLst>
-            <a:gs pos="0">
-              <a:schemeClr val="phClr">
-                <a:tint val="50000"/>
-                <a:satMod val="300000"/>
-              </a:schemeClr>
-            </a:gs>
-            <a:gs pos="35000">
-              <a:schemeClr val="phClr">
-                <a:tint val="37000"/>
-                <a:satMod val="300000"/>
-              </a:schemeClr>
-            </a:gs>
-            <a:gs pos="100000">
-              <a:schemeClr val="phClr">
-                <a:tint val="15000"/>
-                <a:satMod val="350000"/>
-              </a:schemeClr>
-            </a:gs>
-          </a:gsLst>
-          <a:lin ang="16200000" scaled="1"/>
-        </a:gradFill>
-        <a:gradFill rotWithShape="1">
-          <a:gsLst>
-            <a:gs pos="0">
-              <a:schemeClr val="phClr">
-                <a:tint val="100000"/>
-                <a:shade val="100000"/>
-                <a:satMod val="130000"/>
-              </a:schemeClr>
-            </a:gs>
-            <a:gs pos="100000">
-              <a:schemeClr val="phClr">
-                <a:tint val="50000"/>
-                <a:shade val="100000"/>
-                <a:satMod val="350000"/>
-              </a:schemeClr>
-            </a:gs>
-          </a:gsLst>
-          <a:lin ang="16200000" scaled="0"/>
-        </a:gradFill>
-      </a:fillStyleLst>
-      <a:lnStyleLst>
-        <a:ln w="9525" cap="flat" cmpd="sng" algn="ctr">
-          <a:solidFill>
-            <a:schemeClr val="phClr">
-              <a:shade val="95000"/>
-              <a:satMod val="105000"/>
-            </a:schemeClr>
-          </a:solidFill>
-          <a:prstDash val="solid"/>
-        </a:ln>
-        <a:ln w="25400" cap="flat" cmpd="sng" algn="ctr">
-          <a:solidFill>
-            <a:schemeClr val="phClr"/>
-          </a:solidFill>
-          <a:prstDash val="solid"/>
-        </a:ln>
-        <a:ln w="38100" cap="flat" cmpd="sng" algn="ctr">
-          <a:solidFill>
-            <a:schemeClr val="phClr"/>
-          </a:solidFill>
-          <a:prstDash val="solid"/>
-        </a:ln>
-      </a:lnStyleLst>
-      <a:effectStyleLst>
-        <a:effectStyle>
-          <a:effectLst>
-            <a:outerShdw blurRad="40000" dist="20000" dir="5400000" rotWithShape="0">
-              <a:srgbClr val="000000">
-                <a:alpha val="38000"/>
-              </a:srgbClr>
-            </a:outerShdw>
-          </a:effectLst>
-        </a:effectStyle>
-        <a:effectStyle>
-          <a:effectLst>
-            <a:outerShdw blurRad="40000" dist="23000" dir="5400000" rotWithShape="0">
-              <a:srgbClr val="000000">
-                <a:alpha val="35000"/>
-              </a:srgbClr>
-            </a:outerShdw>
-          </a:effectLst>
-        </a:effectStyle>
-        <a:effectStyle>
-          <a:effectLst>
-            <a:outerShdw blurRad="40000" dist="23000" dir="5400000" rotWithShape="0">
-              <a:srgbClr val="000000">
-                <a:alpha val="35000"/>
-              </a:srgbClr>
-            </a:outerShdw>
-          </a:effectLst>
-          <a:scene3d>
-            <a:camera prst="orthographicFront">
-              <a:rot lat="0" lon="0" rev="0"/>
-            </a:camera>
-            <a:lightRig rig="threePt" dir="t">
-              <a:rot lat="0" lon="0" rev="1200000"/>
-            </a:lightRig>
-          </a:scene3d>
-          <a:sp3d>
-            <a:bevelT w="63500" h="25400"/>
-          </a:sp3d>
-        </a:effectStyle>
-      </a:effectStyleLst>
-      <a:bgFillStyleLst>
-        <a:solidFill>
-          <a:schemeClr val="phClr"/>
-        </a:solidFill>
-        <a:gradFill rotWithShape="1">
-          <a:gsLst>
-            <a:gs pos="0">
-              <a:schemeClr val="phClr">
-                <a:tint val="40000"/>
-                <a:satMod val="350000"/>
-              </a:schemeClr>
-            </a:gs>
-            <a:gs pos="40000">
-              <a:schemeClr val="phClr">
-                <a:tint val="45000"/>
-                <a:shade val="99000"/>
-                <a:satMod val="350000"/>
-              </a:schemeClr>
-            </a:gs>
-            <a:gs pos="100000">
-              <a:schemeClr val="phClr">
-                <a:shade val="20000"/>
-                <a:satMod val="255000"/>
-              </a:schemeClr>
-            </a:gs>
-          </a:gsLst>
-          <a:path path="circle">
-            <a:fillToRect l="50000" t="-80000" r="50000" b="180000"/>
-          </a:path>
-        </a:gradFill>
-        <a:gradFill rotWithShape="1">
-          <a:gsLst>
-            <a:gs pos="0">
-              <a:schemeClr val="phClr">
-                <a:tint val="80000"/>
-                <a:satMod val="300000"/>
-              </a:schemeClr>
-            </a:gs>
-            <a:gs pos="100000">
-              <a:schemeClr val="phClr">
-                <a:shade val="30000"/>
-                <a:satMod val="200000"/>
-              </a:schemeClr>
-            </a:gs>
-          </a:gsLst>
-          <a:path path="circle">
-            <a:fillToRect l="50000" t="50000" r="50000" b="50000"/>
-          </a:path>
-        </a:gradFill>
-      </a:bgFillStyleLst>
-    </a:fmtScheme>
-  </a:themeElements>
+  <a:objectDefaults/>
+  <a:extraClrSchemeLst/>
 </a:theme>
 </file>